--- a/JupyterNotebooks/LLS/Lecture2.pptx
+++ b/JupyterNotebooks/LLS/Lecture2.pptx
@@ -5,7 +5,7 @@
     <p:sldMasterId id="2147483660" r:id="rId1"/>
   </p:sldMasterIdLst>
   <p:notesMasterIdLst>
-    <p:notesMasterId r:id="rId41"/>
+    <p:notesMasterId r:id="rId46"/>
   </p:notesMasterIdLst>
   <p:sldIdLst>
     <p:sldId id="256" r:id="rId2"/>
@@ -47,6 +47,11 @@
     <p:sldId id="324" r:id="rId38"/>
     <p:sldId id="325" r:id="rId39"/>
     <p:sldId id="326" r:id="rId40"/>
+    <p:sldId id="327" r:id="rId41"/>
+    <p:sldId id="328" r:id="rId42"/>
+    <p:sldId id="329" r:id="rId43"/>
+    <p:sldId id="330" r:id="rId44"/>
+    <p:sldId id="331" r:id="rId45"/>
   </p:sldIdLst>
   <p:sldSz cx="12192000" cy="6858000"/>
   <p:notesSz cx="6858000" cy="9144000"/>
@@ -207,6 +212,284 @@
 </inkml:ink>
 </file>
 
+<file path=ppt/ink/ink100.xml><?xml version="1.0" encoding="utf-8"?>
+<inkml:ink xmlns:inkml="http://www.w3.org/2003/InkML">
+  <inkml:definitions>
+    <inkml:context xml:id="ctx0">
+      <inkml:inkSource xml:id="inkSrc0">
+        <inkml:traceFormat>
+          <inkml:channel name="X" type="integer" min="-2.14748E9" max="2.14748E9" units="cm"/>
+          <inkml:channel name="Y" type="integer" min="-2.14748E9" max="2.14748E9" units="cm"/>
+          <inkml:channel name="F" type="integer" max="32767" units="dev"/>
+        </inkml:traceFormat>
+        <inkml:channelProperties>
+          <inkml:channelProperty channel="X" name="resolution" value="1000" units="1/cm"/>
+          <inkml:channelProperty channel="Y" name="resolution" value="1000" units="1/cm"/>
+          <inkml:channelProperty channel="F" name="resolution" value="0" units="1/dev"/>
+        </inkml:channelProperties>
+      </inkml:inkSource>
+      <inkml:timestamp xml:id="ts0" timeString="2023-10-30T22:13:06.725"/>
+    </inkml:context>
+    <inkml:brush xml:id="br0">
+      <inkml:brushProperty name="width" value="0.035" units="cm"/>
+      <inkml:brushProperty name="height" value="0.035" units="cm"/>
+      <inkml:brushProperty name="color" value="#E71224"/>
+    </inkml:brush>
+  </inkml:definitions>
+  <inkml:trace contextRef="#ctx0" brushRef="#br0">0 0 24575,'8'8'0,"1"5"0,1 7 0,1 5 0,0 4 0,-1 6 0,2 9 0,4 11 0,3 12 0,1 9 0,-2-4 0,-4-8 0,-5-18 0,-4-14 0,-3-10 0,0-7 0,-1-4 0,-1-1 0,0 2 0,-1 0 0,1-3 0,0-9 0,2-7 0,0 2 0,3-6 0,7-9 0,12-21 0,8-18 0,1-14 0,-10-4 0,-10 2 0,-8 2 0,-4 9 0,1 7 0,-1 15 0,0 15 0,-1 16 0,2 23 0,8 28 0,13 26 0,15 20 0,-16-39 0,2-2 0,18 33 0,-13-23 0,-14-21 0,-10-13 0,-3-5 0,1-1 0,0 0 0,0-3 0,-1-1 0,-1-2 0,-2 1 0,1-2 0,2-8 0,6-16 0,8-19 0,7-22 0,2-16 0,-3-11 0,-7-4 0,-8 10 0,-5 17 0,-2 20 0,0 14 0,-1 10 0,1 5 0,1 5 0,0 2 0,1 1 0,-1 1 0,-1 7 0,0-2 0,-1 4 0</inkml:trace>
+</inkml:ink>
+</file>
+
+<file path=ppt/ink/ink101.xml><?xml version="1.0" encoding="utf-8"?>
+<inkml:ink xmlns:inkml="http://www.w3.org/2003/InkML">
+  <inkml:definitions>
+    <inkml:context xml:id="ctx0">
+      <inkml:inkSource xml:id="inkSrc0">
+        <inkml:traceFormat>
+          <inkml:channel name="X" type="integer" min="-2.14748E9" max="2.14748E9" units="cm"/>
+          <inkml:channel name="Y" type="integer" min="-2.14748E9" max="2.14748E9" units="cm"/>
+          <inkml:channel name="F" type="integer" max="32767" units="dev"/>
+        </inkml:traceFormat>
+        <inkml:channelProperties>
+          <inkml:channelProperty channel="X" name="resolution" value="1000" units="1/cm"/>
+          <inkml:channelProperty channel="Y" name="resolution" value="1000" units="1/cm"/>
+          <inkml:channelProperty channel="F" name="resolution" value="0" units="1/dev"/>
+        </inkml:channelProperties>
+      </inkml:inkSource>
+      <inkml:timestamp xml:id="ts0" timeString="2023-10-30T22:13:08.110"/>
+    </inkml:context>
+    <inkml:brush xml:id="br0">
+      <inkml:brushProperty name="width" value="0.035" units="cm"/>
+      <inkml:brushProperty name="height" value="0.035" units="cm"/>
+      <inkml:brushProperty name="color" value="#E71224"/>
+    </inkml:brush>
+  </inkml:definitions>
+  <inkml:trace contextRef="#ctx0" brushRef="#br0">13 1 24575,'0'5'0,"0"0"0,0-2 0,3-2 0,3 0 0,8 0 0,6 2 0,4 1 0,-1 2 0,-6-1 0,-7-2 0,-6 1 0,-1 1 0,2 7 0,2 6 0,1 6 0,-1 2 0,-1-4 0,-3-5 0,-1-4 0,-1-3 0,-1 1 0,-3 0 0,-2-2 0,-4 0 0,-5 0 0,-1 1 0,1-1 0,4-3 0,4-3 0,-8-5 0,-8-2 0,-4-1 0,3 0 0,12 2 0,8 1 0,3 0 0,0-2 0,1-1 0,0-3 0,-1-3 0,1-3 0,2-6 0,-3 8 0,3 0 0</inkml:trace>
+</inkml:ink>
+</file>
+
+<file path=ppt/ink/ink102.xml><?xml version="1.0" encoding="utf-8"?>
+<inkml:ink xmlns:inkml="http://www.w3.org/2003/InkML">
+  <inkml:definitions>
+    <inkml:context xml:id="ctx0">
+      <inkml:inkSource xml:id="inkSrc0">
+        <inkml:traceFormat>
+          <inkml:channel name="X" type="integer" min="-2.14748E9" max="2.14748E9" units="cm"/>
+          <inkml:channel name="Y" type="integer" min="-2.14748E9" max="2.14748E9" units="cm"/>
+          <inkml:channel name="F" type="integer" max="32767" units="dev"/>
+        </inkml:traceFormat>
+        <inkml:channelProperties>
+          <inkml:channelProperty channel="X" name="resolution" value="1000" units="1/cm"/>
+          <inkml:channelProperty channel="Y" name="resolution" value="1000" units="1/cm"/>
+          <inkml:channelProperty channel="F" name="resolution" value="0" units="1/dev"/>
+        </inkml:channelProperties>
+      </inkml:inkSource>
+      <inkml:timestamp xml:id="ts0" timeString="2023-10-30T22:13:09.078"/>
+    </inkml:context>
+    <inkml:brush xml:id="br0">
+      <inkml:brushProperty name="width" value="0.035" units="cm"/>
+      <inkml:brushProperty name="height" value="0.035" units="cm"/>
+      <inkml:brushProperty name="color" value="#E71224"/>
+    </inkml:brush>
+  </inkml:definitions>
+  <inkml:trace contextRef="#ctx0" brushRef="#br0">0 18 24575,'17'-4'0,"3"2"0,4 1 0,6 0 0,-2 0 0,-6 0 0,-8-1 0,-11 0 0,-3 0 0,0 1 0</inkml:trace>
+</inkml:ink>
+</file>
+
+<file path=ppt/ink/ink103.xml><?xml version="1.0" encoding="utf-8"?>
+<inkml:ink xmlns:inkml="http://www.w3.org/2003/InkML">
+  <inkml:definitions>
+    <inkml:context xml:id="ctx0">
+      <inkml:inkSource xml:id="inkSrc0">
+        <inkml:traceFormat>
+          <inkml:channel name="X" type="integer" min="-2.14748E9" max="2.14748E9" units="cm"/>
+          <inkml:channel name="Y" type="integer" min="-2.14748E9" max="2.14748E9" units="cm"/>
+          <inkml:channel name="F" type="integer" max="32767" units="dev"/>
+        </inkml:traceFormat>
+        <inkml:channelProperties>
+          <inkml:channelProperty channel="X" name="resolution" value="1000" units="1/cm"/>
+          <inkml:channelProperty channel="Y" name="resolution" value="1000" units="1/cm"/>
+          <inkml:channelProperty channel="F" name="resolution" value="0" units="1/dev"/>
+        </inkml:channelProperties>
+      </inkml:inkSource>
+      <inkml:timestamp xml:id="ts0" timeString="2023-10-30T22:13:13.895"/>
+    </inkml:context>
+    <inkml:brush xml:id="br0">
+      <inkml:brushProperty name="width" value="0.035" units="cm"/>
+      <inkml:brushProperty name="height" value="0.035" units="cm"/>
+      <inkml:brushProperty name="color" value="#E71224"/>
+    </inkml:brush>
+  </inkml:definitions>
+  <inkml:trace contextRef="#ctx0" brushRef="#br0">0 0 24575,'0'4'0,"0"5"0,2 7 0,2 9 0,1 4 0,4 1 0,2 7 0,2 0 0,0 2 0,0-4 0,-3-7 0,0-1 0,-1 0 0,0-2 0,-1-1 0,-2-2 0,0-3 0,0-2 0,-1-2 0,-1 0 0,-1 2 0,2 3 0,0 1 0,0 0 0,-1-3 0,-2-6 0,0-5 0,-1-2 0,1 6 0,0 6 0,1-1 0,0-3 0,-2-7 0,-1-4 0,0 0 0,1-1 0,3-5 0,6-9 0,9-10 0,5-8 0,-4 0 0,-6 8 0,-8 9 0,-3 5 0,-1-7 0,0-17 0,1-16 0,-2-3 0,-1 10 0,-1 20 0,1 9 0,0-2 0,0-3 0,0 0 0,0 4 0,1 2 0,1-1 0,1-3 0,0-1 0,0 3 0,-1 2 0,-1 5 0,-1 10 0,-1 17 0,1 18 0,2 15 0,3 6 0,2-4 0,1-6 0,-1-7 0,0-4 0,1-2 0,1-3 0,1-1 0,1-6 0,0-4 0,0-6 0,-3-5 0,-1-2 0,-3-2 0,-1 0 0,-1-2 0,1-7 0,1-9 0,4-15 0,7-22 0,6-24 0,2-23 0,-3-1 0,-4 12 0,-2 14 0,-3 17 0,0 7 0,-2 14 0,-3 12 0,-2 10 0,-2 4 0,2 0 0,-1 1 0,1-1 0,-1 1 0,0 4 0,0 9 0,-2-4 0,2 4 0</inkml:trace>
+</inkml:ink>
+</file>
+
+<file path=ppt/ink/ink104.xml><?xml version="1.0" encoding="utf-8"?>
+<inkml:ink xmlns:inkml="http://www.w3.org/2003/InkML">
+  <inkml:definitions>
+    <inkml:context xml:id="ctx0">
+      <inkml:inkSource xml:id="inkSrc0">
+        <inkml:traceFormat>
+          <inkml:channel name="X" type="integer" min="-2.14748E9" max="2.14748E9" units="cm"/>
+          <inkml:channel name="Y" type="integer" min="-2.14748E9" max="2.14748E9" units="cm"/>
+          <inkml:channel name="F" type="integer" max="32767" units="dev"/>
+        </inkml:traceFormat>
+        <inkml:channelProperties>
+          <inkml:channelProperty channel="X" name="resolution" value="1000" units="1/cm"/>
+          <inkml:channelProperty channel="Y" name="resolution" value="1000" units="1/cm"/>
+          <inkml:channelProperty channel="F" name="resolution" value="0" units="1/dev"/>
+        </inkml:channelProperties>
+      </inkml:inkSource>
+      <inkml:timestamp xml:id="ts0" timeString="2023-10-30T22:13:16.095"/>
+    </inkml:context>
+    <inkml:brush xml:id="br0">
+      <inkml:brushProperty name="width" value="0.035" units="cm"/>
+      <inkml:brushProperty name="height" value="0.035" units="cm"/>
+      <inkml:brushProperty name="color" value="#E71224"/>
+    </inkml:brush>
+  </inkml:definitions>
+  <inkml:trace contextRef="#ctx0" brushRef="#br0">74 1 24575,'-2'4'0,"0"2"0,-2 4 0,-2 4 0,-2 3 0,-1 0 0,1 0 0,-1 0 0,3-2 0,0-1 0,2-1 0,2 1 0,-1 2 0,1 1 0,1 1 0,0-2 0,1-3 0,0-5 0,0-3 0,0-3 0,0-2 0,0 1 0,3-1 0,1 0 0,1-2 0,3-3 0,1-1 0,2-1 0,-2 0 0,-2 0 0,-2-1 0,1-2 0,-2 1 0,-6 5 0,-7 5 0,-3 4 0,0 0 0,5-1 0,5-2 0,1-3 0,0-2 0,1-3 0,0 2 0,0 0 0</inkml:trace>
+</inkml:ink>
+</file>
+
+<file path=ppt/ink/ink105.xml><?xml version="1.0" encoding="utf-8"?>
+<inkml:ink xmlns:inkml="http://www.w3.org/2003/InkML">
+  <inkml:definitions>
+    <inkml:context xml:id="ctx0">
+      <inkml:inkSource xml:id="inkSrc0">
+        <inkml:traceFormat>
+          <inkml:channel name="X" type="integer" min="-2.14748E9" max="2.14748E9" units="cm"/>
+          <inkml:channel name="Y" type="integer" min="-2.14748E9" max="2.14748E9" units="cm"/>
+          <inkml:channel name="F" type="integer" max="32767" units="dev"/>
+        </inkml:traceFormat>
+        <inkml:channelProperties>
+          <inkml:channelProperty channel="X" name="resolution" value="1000" units="1/cm"/>
+          <inkml:channelProperty channel="Y" name="resolution" value="1000" units="1/cm"/>
+          <inkml:channelProperty channel="F" name="resolution" value="0" units="1/dev"/>
+        </inkml:channelProperties>
+      </inkml:inkSource>
+      <inkml:timestamp xml:id="ts0" timeString="2023-10-30T22:13:19.079"/>
+    </inkml:context>
+    <inkml:brush xml:id="br0">
+      <inkml:brushProperty name="width" value="0.035" units="cm"/>
+      <inkml:brushProperty name="height" value="0.035" units="cm"/>
+      <inkml:brushProperty name="color" value="#E71224"/>
+    </inkml:brush>
+  </inkml:definitions>
+  <inkml:trace contextRef="#ctx0" brushRef="#br0">47 28 24575,'-3'7'0,"-1"3"0,1 2 0,1-1 0,0 0 0,2-2 0,-1-3 0,0-1 0,1-2 0,-1 1 0,1-2 0,0 2 0,1 0 0,1 0 0,6 2 0,9 2 0,4 0 0,-1 0 0,-5-5 0,-2-3 0,1-2 0,1-1 0,-5 2 0,-2-1 0,-4-1 0,2-3 0,1-1 0,-1 1 0,-1 0 0,-1 0 0,2-1 0,0-2 0,0 2 0,-3 2 0,-1 1 0,-1 1 0,1-1 0,-1 0 0,0 0 0,-1 0 0,0-2 0,0 2 0,0 0 0,-1 3 0,-2 0 0,-8-3 0,-5-1 0,1 0 0,2 2 0,4 2 0,-2 0 0,0-1 0,1 1 0,0-2 0,-6-1 0,-4-2 0,1 0 0,4 4 0,2 4 0,0 5 0,0 0 0,4-1 0,5-3 0,2-2 0,2 0 0,0-2 0</inkml:trace>
+</inkml:ink>
+</file>
+
+<file path=ppt/ink/ink106.xml><?xml version="1.0" encoding="utf-8"?>
+<inkml:ink xmlns:inkml="http://www.w3.org/2003/InkML">
+  <inkml:definitions>
+    <inkml:context xml:id="ctx0">
+      <inkml:inkSource xml:id="inkSrc0">
+        <inkml:traceFormat>
+          <inkml:channel name="X" type="integer" min="-2.14748E9" max="2.14748E9" units="cm"/>
+          <inkml:channel name="Y" type="integer" min="-2.14748E9" max="2.14748E9" units="cm"/>
+          <inkml:channel name="F" type="integer" max="32767" units="dev"/>
+        </inkml:traceFormat>
+        <inkml:channelProperties>
+          <inkml:channelProperty channel="X" name="resolution" value="1000" units="1/cm"/>
+          <inkml:channelProperty channel="Y" name="resolution" value="1000" units="1/cm"/>
+          <inkml:channelProperty channel="F" name="resolution" value="0" units="1/dev"/>
+        </inkml:channelProperties>
+      </inkml:inkSource>
+      <inkml:timestamp xml:id="ts0" timeString="2023-10-30T22:13:38.050"/>
+    </inkml:context>
+    <inkml:brush xml:id="br0">
+      <inkml:brushProperty name="width" value="0.035" units="cm"/>
+      <inkml:brushProperty name="height" value="0.035" units="cm"/>
+    </inkml:brush>
+  </inkml:definitions>
+  <inkml:trace contextRef="#ctx0" brushRef="#br0">1 1 24575,'1'26'0,"1"7"0,2 11 0,1 6 0,-1-2 0,-2-5 0,0-6 0,0-4 0,0-1 0,0-2 0,-1-5 0,0-4 0,0-2 0,0-2 0,-1 0 0,1-1 0,-1 0 0,0 1 0,0 5 0,-1 3 0,1-4 0,-1-7 0,2-9 0,-1-6 0,1-2 0,-1-12 0,-3-15 0,2 11 0,-3-6 0</inkml:trace>
+</inkml:ink>
+</file>
+
+<file path=ppt/ink/ink107.xml><?xml version="1.0" encoding="utf-8"?>
+<inkml:ink xmlns:inkml="http://www.w3.org/2003/InkML">
+  <inkml:definitions>
+    <inkml:context xml:id="ctx0">
+      <inkml:inkSource xml:id="inkSrc0">
+        <inkml:traceFormat>
+          <inkml:channel name="X" type="integer" min="-2.14748E9" max="2.14748E9" units="cm"/>
+          <inkml:channel name="Y" type="integer" min="-2.14748E9" max="2.14748E9" units="cm"/>
+          <inkml:channel name="F" type="integer" max="32767" units="dev"/>
+        </inkml:traceFormat>
+        <inkml:channelProperties>
+          <inkml:channelProperty channel="X" name="resolution" value="1000" units="1/cm"/>
+          <inkml:channelProperty channel="Y" name="resolution" value="1000" units="1/cm"/>
+          <inkml:channelProperty channel="F" name="resolution" value="0" units="1/dev"/>
+        </inkml:channelProperties>
+      </inkml:inkSource>
+      <inkml:timestamp xml:id="ts0" timeString="2023-10-30T22:13:39.085"/>
+    </inkml:context>
+    <inkml:brush xml:id="br0">
+      <inkml:brushProperty name="width" value="0.035" units="cm"/>
+      <inkml:brushProperty name="height" value="0.035" units="cm"/>
+    </inkml:brush>
+  </inkml:definitions>
+  <inkml:trace contextRef="#ctx0" brushRef="#br0">0 22 24575,'7'-1'0,"6"0"0,7 0 0,4 0 0,3 0 0,0 1 0,1-1 0,0 2 0,3-1 0,4 0 0,3-2 0,3 0 0,-4-2 0,-6 1 0,-11 1 0,-7 0 0,-6 1 0,-5 3 0,-10 6 0,4-4 0,-5 4 0</inkml:trace>
+</inkml:ink>
+</file>
+
+<file path=ppt/ink/ink108.xml><?xml version="1.0" encoding="utf-8"?>
+<inkml:ink xmlns:inkml="http://www.w3.org/2003/InkML">
+  <inkml:definitions>
+    <inkml:context xml:id="ctx0">
+      <inkml:inkSource xml:id="inkSrc0">
+        <inkml:traceFormat>
+          <inkml:channel name="X" type="integer" min="-2.14748E9" max="2.14748E9" units="cm"/>
+          <inkml:channel name="Y" type="integer" min="-2.14748E9" max="2.14748E9" units="cm"/>
+          <inkml:channel name="F" type="integer" max="32767" units="dev"/>
+        </inkml:traceFormat>
+        <inkml:channelProperties>
+          <inkml:channelProperty channel="X" name="resolution" value="1000" units="1/cm"/>
+          <inkml:channelProperty channel="Y" name="resolution" value="1000" units="1/cm"/>
+          <inkml:channelProperty channel="F" name="resolution" value="0" units="1/dev"/>
+        </inkml:channelProperties>
+      </inkml:inkSource>
+      <inkml:timestamp xml:id="ts0" timeString="2023-10-30T22:13:44.635"/>
+    </inkml:context>
+    <inkml:brush xml:id="br0">
+      <inkml:brushProperty name="width" value="0.035" units="cm"/>
+      <inkml:brushProperty name="height" value="0.035" units="cm"/>
+      <inkml:brushProperty name="color" value="#E71224"/>
+    </inkml:brush>
+  </inkml:definitions>
+  <inkml:trace contextRef="#ctx0" brushRef="#br0">0 77 24575,'17'22'0,"12"13"0,19 23 0,14 17 0,-27-31 0,1 2 0,-1 1 0,-1 1 0,-5-3 0,-1 0 0,12 32 0,-18-17 0,-10-13 0,-7-13 0,-2-11 0,-2-9 0,0-6 0,0 0 0,-1-1 0,1-2 0,0-5 0,5-13 0,5-17 0,2-19 0,0-24 0,-4-15 0,-4-10 0,-2 8 0,-1 20 0,-1 20 0,4 13 0,4 2 0,1 5 0,-1 6 0,-2 8 0,-1 5 0,-1 3 0,-2 6 0,-1 18 0,2 28 0,9 35 0,0-25 0,2 3 0,3 4 0,2-1 0,0-5 0,0-1 0,14 28 0,-15-33 0,-9-20 0,-4-19 0,0-15 0,3-7 0,-1-3 0,-2 3 0,1-6 0,5-18 0,7-35 0,-6 19 0,-2-4 0,0-8 0,-2-2 0,-1 0 0,-2 2 0,-3 10 0,-1 5 0,0-18 0,-1 34 0,0 22 0,-1 12 0,1 12 0,-1-7 0,0 6 0</inkml:trace>
+</inkml:ink>
+</file>
+
+<file path=ppt/ink/ink109.xml><?xml version="1.0" encoding="utf-8"?>
+<inkml:ink xmlns:inkml="http://www.w3.org/2003/InkML">
+  <inkml:definitions>
+    <inkml:context xml:id="ctx0">
+      <inkml:inkSource xml:id="inkSrc0">
+        <inkml:traceFormat>
+          <inkml:channel name="X" type="integer" min="-2.14748E9" max="2.14748E9" units="cm"/>
+          <inkml:channel name="Y" type="integer" min="-2.14748E9" max="2.14748E9" units="cm"/>
+          <inkml:channel name="F" type="integer" max="32767" units="dev"/>
+        </inkml:traceFormat>
+        <inkml:channelProperties>
+          <inkml:channelProperty channel="X" name="resolution" value="1000" units="1/cm"/>
+          <inkml:channelProperty channel="Y" name="resolution" value="1000" units="1/cm"/>
+          <inkml:channelProperty channel="F" name="resolution" value="0" units="1/dev"/>
+        </inkml:channelProperties>
+      </inkml:inkSource>
+      <inkml:timestamp xml:id="ts0" timeString="2023-10-30T22:13:46.119"/>
+    </inkml:context>
+    <inkml:brush xml:id="br0">
+      <inkml:brushProperty name="width" value="0.035" units="cm"/>
+      <inkml:brushProperty name="height" value="0.035" units="cm"/>
+      <inkml:brushProperty name="color" value="#E71224"/>
+    </inkml:brush>
+  </inkml:definitions>
+  <inkml:trace contextRef="#ctx0" brushRef="#br0">83 0 24575,'-13'17'0,"0"2"0,-1 3 0,4-2 0,4-2 0,1-1 0,-1 2 0,0 2 0,1 1 0,3-2 0,0-1 0,2-1 0,1-1 0,3 2 0,4-1 0,8 3 0,6 0 0,3-1 0,1-4 0,-1-5 0,-2-6 0,3-3 0,2-1 0,-2-4 0,-1-3 0,-5-2 0,-4-3 0,-2-3 0,-2-5 0,-2-5 0,-2-1 0,-5 3 0,-4 4 0,-2 4 0,-6-1 0,-5-1 0,-2-1 0,-2-1 0,1 1 0,-2-1 0,-1 0 0,2 2 0,5 4 0,4 6 0,2 5 0,-7 2 0,-3 2 0,1 0 0,4-1 0,11 0 0,6 0 0,0-1 0,0 0 0</inkml:trace>
+</inkml:ink>
+</file>
+
 <file path=ppt/ink/ink11.xml><?xml version="1.0" encoding="utf-8"?>
 <inkml:ink xmlns:inkml="http://www.w3.org/2003/InkML">
   <inkml:definitions>
@@ -231,6 +514,276 @@
     </inkml:brush>
   </inkml:definitions>
   <inkml:trace contextRef="#ctx0" brushRef="#br0">121 1 24575,'-13'11'0,"1"1"0,-7 4 0,-1 2 0,2 0 0,0 0 0,7-3 0,5-5 0,4-4 0,0 0 0,4 6 0,3 5 0,11 10 0,19 4 0,9-4 0,-1-4 0,-13-11 0,-16-8 0,-4-6 0,3-7 0,3-7 0,1-5 0,-4 0 0,-5 3 0,-4-1 0,-1-5 0,-4-8 0,-4-4 0,-3 3 0,-2 11 0,1 11 0,1 6 0,1 3 0,-1 1 0,-13 4 0,-12 3 0,-11 1 0,-1-1 0,14-3 0,14-3 0,11-2 0,8 0 0,3 0 0,1 1 0,-2 0 0,0 1 0</inkml:trace>
+</inkml:ink>
+</file>
+
+<file path=ppt/ink/ink110.xml><?xml version="1.0" encoding="utf-8"?>
+<inkml:ink xmlns:inkml="http://www.w3.org/2003/InkML">
+  <inkml:definitions>
+    <inkml:context xml:id="ctx0">
+      <inkml:inkSource xml:id="inkSrc0">
+        <inkml:traceFormat>
+          <inkml:channel name="X" type="integer" min="-2.14748E9" max="2.14748E9" units="cm"/>
+          <inkml:channel name="Y" type="integer" min="-2.14748E9" max="2.14748E9" units="cm"/>
+          <inkml:channel name="F" type="integer" max="32767" units="dev"/>
+        </inkml:traceFormat>
+        <inkml:channelProperties>
+          <inkml:channelProperty channel="X" name="resolution" value="1000" units="1/cm"/>
+          <inkml:channelProperty channel="Y" name="resolution" value="1000" units="1/cm"/>
+          <inkml:channelProperty channel="F" name="resolution" value="0" units="1/dev"/>
+        </inkml:channelProperties>
+      </inkml:inkSource>
+      <inkml:timestamp xml:id="ts0" timeString="2023-10-30T22:13:54.455"/>
+    </inkml:context>
+    <inkml:brush xml:id="br0">
+      <inkml:brushProperty name="width" value="0.035" units="cm"/>
+      <inkml:brushProperty name="height" value="0.035" units="cm"/>
+    </inkml:brush>
+  </inkml:definitions>
+  <inkml:trace contextRef="#ctx0" brushRef="#br0">4 0 24575,'-1'8'0,"-1"2"0,2 5 0,-1 8 0,1 4 0,1 3 0,-1 3 0,1 2 0,-1 6 0,0 0 0,-1 0 0,1-5 0,-1-4 0,2 2 0,-1 2 0,2 3 0,1 1 0,1 0 0,-1 1 0,1 3 0,1 2 0,-1 1 0,1-7 0,0-11 0,-2-12 0,-2-7 0,-1 1 0,-1 3 0,-1 1 0,1-3 0,0-6 0,1-2 0,0 8 0,1 7 0,0 3 0,1-5 0,0-10 0,4-15 0,0-7 0,2-6 0,-3-4 0,-2-5 0,-3 14 0,0-1 0</inkml:trace>
+</inkml:ink>
+</file>
+
+<file path=ppt/ink/ink111.xml><?xml version="1.0" encoding="utf-8"?>
+<inkml:ink xmlns:inkml="http://www.w3.org/2003/InkML">
+  <inkml:definitions>
+    <inkml:context xml:id="ctx0">
+      <inkml:inkSource xml:id="inkSrc0">
+        <inkml:traceFormat>
+          <inkml:channel name="X" type="integer" min="-2.14748E9" max="2.14748E9" units="cm"/>
+          <inkml:channel name="Y" type="integer" min="-2.14748E9" max="2.14748E9" units="cm"/>
+          <inkml:channel name="F" type="integer" max="32767" units="dev"/>
+        </inkml:traceFormat>
+        <inkml:channelProperties>
+          <inkml:channelProperty channel="X" name="resolution" value="1000" units="1/cm"/>
+          <inkml:channelProperty channel="Y" name="resolution" value="1000" units="1/cm"/>
+          <inkml:channelProperty channel="F" name="resolution" value="0" units="1/dev"/>
+        </inkml:channelProperties>
+      </inkml:inkSource>
+      <inkml:timestamp xml:id="ts0" timeString="2023-10-30T22:13:56.307"/>
+    </inkml:context>
+    <inkml:brush xml:id="br0">
+      <inkml:brushProperty name="width" value="0.035" units="cm"/>
+      <inkml:brushProperty name="height" value="0.035" units="cm"/>
+    </inkml:brush>
+  </inkml:definitions>
+  <inkml:trace contextRef="#ctx0" brushRef="#br0">0 163 24575,'1'-6'0,"2"-1"0,4-2 0,7-5 0,5-3 0,5-2 0,5-2 0,0 1 0,0 4 0,0 4 0,-1 4 0,-1 3 0,-1 2 0,-5 0 0,-7 2 0,-5 0 0,0 1 0,5 3 0,11 5 0,5 3 0,0 5 0,-7 5 0,-8 2 0,-6 9 0,-5 6 0,-3 6 0,-4 4 0,-8 1 0,-8 0 0,-5-5 0,-4-6 0,-2-10 0,-3-9 0,-4-6 0,-3-5 0,2-3 0,9-2 0,11-1 0,5-1 0,-2 0 0,-7 0 0,-2 0 0,6 1 0,11 0 0,15 7 0,19 12 0,14 14 0,10 13 0,-2 4 0,-11-5 0,-11-7 0,-13-8 0,-7-2 0,-2 2 0,-2 4 0,2 1 0,1-5 0,-2-7 0,-1-7 0,-1-6 0,-1-5 0,-1 0 0,1 0 0,0-2 0,2-2 0,1-7 0,0-6 0,0-5 0,-3 0 0,-1 5 0,0 5 0</inkml:trace>
+</inkml:ink>
+</file>
+
+<file path=ppt/ink/ink112.xml><?xml version="1.0" encoding="utf-8"?>
+<inkml:ink xmlns:inkml="http://www.w3.org/2003/InkML">
+  <inkml:definitions>
+    <inkml:context xml:id="ctx0">
+      <inkml:inkSource xml:id="inkSrc0">
+        <inkml:traceFormat>
+          <inkml:channel name="X" type="integer" min="-2.14748E9" max="2.14748E9" units="cm"/>
+          <inkml:channel name="Y" type="integer" min="-2.14748E9" max="2.14748E9" units="cm"/>
+          <inkml:channel name="F" type="integer" max="32767" units="dev"/>
+        </inkml:traceFormat>
+        <inkml:channelProperties>
+          <inkml:channelProperty channel="X" name="resolution" value="1000" units="1/cm"/>
+          <inkml:channelProperty channel="Y" name="resolution" value="1000" units="1/cm"/>
+          <inkml:channelProperty channel="F" name="resolution" value="0" units="1/dev"/>
+        </inkml:channelProperties>
+      </inkml:inkSource>
+      <inkml:timestamp xml:id="ts0" timeString="2023-10-30T22:13:58.473"/>
+    </inkml:context>
+    <inkml:brush xml:id="br0">
+      <inkml:brushProperty name="width" value="0.035" units="cm"/>
+      <inkml:brushProperty name="height" value="0.035" units="cm"/>
+    </inkml:brush>
+  </inkml:definitions>
+  <inkml:trace contextRef="#ctx0" brushRef="#br0">0 213 24575,'15'-1'0,"0"1"0,2 0 0,-1 1 0,-2-2 0,0 0 0,0-3 0,0 0 0,1-2 0,3 2 0,1 1 0,1 1 0,-2 1 0,-4 1 0,-5-1 0,-3-2 0,2-3 0,1-3 0,-2 0 0,-2 0 0,-4 0 0,-1 1 0,-1 0 0,-3-4 0,-5-2 0,-6-3 0,-5-2 0,-1-1 0,1 1 0,6 5 0,2 5 0,-3 9 0,-4 7 0,-5 7 0,0 4 0,7 4 0,3 2 0,5 1 0,5 3 0,2 0 0,4-1 0,1-4 0,0-3 0,2-1 0,2 0 0,5 5 0,7 2 0,2 2 0,-1-2 0,-3-4 0,-5-5 0,-2-4 0,1-3 0,3-4 0,0-1 0,-1-2 0,-2-1 0,-5 0 0,1-2 0,2 0 0,1-2 0,-1 0 0,-3-1 0,-3 1 0,0-2 0,0-3 0,-1-1 0,-1-5 0,0-2 0,-1 6 0,0 0 0</inkml:trace>
+</inkml:ink>
+</file>
+
+<file path=ppt/ink/ink113.xml><?xml version="1.0" encoding="utf-8"?>
+<inkml:ink xmlns:inkml="http://www.w3.org/2003/InkML">
+  <inkml:definitions>
+    <inkml:context xml:id="ctx0">
+      <inkml:inkSource xml:id="inkSrc0">
+        <inkml:traceFormat>
+          <inkml:channel name="X" type="integer" min="-2.14748E9" max="2.14748E9" units="cm"/>
+          <inkml:channel name="Y" type="integer" min="-2.14748E9" max="2.14748E9" units="cm"/>
+          <inkml:channel name="F" type="integer" max="32767" units="dev"/>
+        </inkml:traceFormat>
+        <inkml:channelProperties>
+          <inkml:channelProperty channel="X" name="resolution" value="1000" units="1/cm"/>
+          <inkml:channelProperty channel="Y" name="resolution" value="1000" units="1/cm"/>
+          <inkml:channelProperty channel="F" name="resolution" value="0" units="1/dev"/>
+        </inkml:channelProperties>
+      </inkml:inkSource>
+      <inkml:timestamp xml:id="ts0" timeString="2023-10-30T22:14:00.507"/>
+    </inkml:context>
+    <inkml:brush xml:id="br0">
+      <inkml:brushProperty name="width" value="0.035" units="cm"/>
+      <inkml:brushProperty name="height" value="0.035" units="cm"/>
+    </inkml:brush>
+  </inkml:definitions>
+  <inkml:trace contextRef="#ctx0" brushRef="#br0">284 93 24575,'-19'-13'0,"-10"-5"0,-9-4 0,2 2 0,11 6 0,10 9 0,4 5 0,-3 1 0,-4 2 0,-1 4 0,2 3 0,5 3 0,5 3 0,3 0 0,3 3 0,0 3 0,1 0 0,2-1 0,1-5 0,2-4 0,1-3 0,6 1 0,8 3 0,11 2 0,7 1 0,3-2 0,-2-2 0,-9-3 0,-11-3 0,-11-3 0,-5 1 0,-2 6 0,-1 9 0,-1 5 0,0 2 0,-2-4 0,-2-6 0,-4-6 0,-5-3 0,-5-1 0,-5-2 0,-1 0 0,-2-2 0,0-1 0,2-1 0,4 0 0,8-2 0,6 1 0,3-2 0,-1-2 0,-1-1 0,-2-3 0,1-1 0,0-2 0,0 1 0,1 0 0,3 6 0,2 1 0</inkml:trace>
+</inkml:ink>
+</file>
+
+<file path=ppt/ink/ink114.xml><?xml version="1.0" encoding="utf-8"?>
+<inkml:ink xmlns:inkml="http://www.w3.org/2003/InkML">
+  <inkml:definitions>
+    <inkml:context xml:id="ctx0">
+      <inkml:inkSource xml:id="inkSrc0">
+        <inkml:traceFormat>
+          <inkml:channel name="X" type="integer" min="-2.14748E9" max="2.14748E9" units="cm"/>
+          <inkml:channel name="Y" type="integer" min="-2.14748E9" max="2.14748E9" units="cm"/>
+          <inkml:channel name="F" type="integer" max="32767" units="dev"/>
+        </inkml:traceFormat>
+        <inkml:channelProperties>
+          <inkml:channelProperty channel="X" name="resolution" value="1000" units="1/cm"/>
+          <inkml:channelProperty channel="Y" name="resolution" value="1000" units="1/cm"/>
+          <inkml:channelProperty channel="F" name="resolution" value="0" units="1/dev"/>
+        </inkml:channelProperties>
+      </inkml:inkSource>
+      <inkml:timestamp xml:id="ts0" timeString="2023-10-30T22:14:02.274"/>
+    </inkml:context>
+    <inkml:brush xml:id="br0">
+      <inkml:brushProperty name="width" value="0.035" units="cm"/>
+      <inkml:brushProperty name="height" value="0.035" units="cm"/>
+    </inkml:brush>
+  </inkml:definitions>
+  <inkml:trace contextRef="#ctx0" brushRef="#br0">6 1 24575,'-3'15'0,"1"4"0,1 9 0,2 2 0,-1 0 0,2-3 0,-1 0 0,1 1 0,1 2 0,0-2 0,1-6 0,-1-4 0,0-2 0,0-1 0,3 1 0,2-2 0,0-5 0,-3-3 0,-2-4 0,-2-1 0,5 2 0,2 1 0,2 0 0,-3-1 0,-1-2 0,5-1 0,6-1 0,7 2 0,-2-1 0,-8 0 0,-5-3 0,-3-3 0,2-7 0,0-9 0,-2-7 0,-3-2 0,-2 4 0,-1 7 0,1 5 0,1 1 0,1-6 0,0-3 0,0-3 0,-1 1 0,-1 4 0,0 5 0,0 5 0,-1 0 0,0 2 0,-1-2 0,0 0 0,-4 5 0,-8 5 0,-2 9 0,2-3 0,5 2 0</inkml:trace>
+</inkml:ink>
+</file>
+
+<file path=ppt/ink/ink115.xml><?xml version="1.0" encoding="utf-8"?>
+<inkml:ink xmlns:inkml="http://www.w3.org/2003/InkML">
+  <inkml:definitions>
+    <inkml:context xml:id="ctx0">
+      <inkml:inkSource xml:id="inkSrc0">
+        <inkml:traceFormat>
+          <inkml:channel name="X" type="integer" min="-2.14748E9" max="2.14748E9" units="cm"/>
+          <inkml:channel name="Y" type="integer" min="-2.14748E9" max="2.14748E9" units="cm"/>
+          <inkml:channel name="F" type="integer" max="32767" units="dev"/>
+        </inkml:traceFormat>
+        <inkml:channelProperties>
+          <inkml:channelProperty channel="X" name="resolution" value="1000" units="1/cm"/>
+          <inkml:channelProperty channel="Y" name="resolution" value="1000" units="1/cm"/>
+          <inkml:channelProperty channel="F" name="resolution" value="0" units="1/dev"/>
+        </inkml:channelProperties>
+      </inkml:inkSource>
+      <inkml:timestamp xml:id="ts0" timeString="2023-10-30T22:13:50.021"/>
+    </inkml:context>
+    <inkml:brush xml:id="br0">
+      <inkml:brushProperty name="width" value="0.035" units="cm"/>
+      <inkml:brushProperty name="height" value="0.035" units="cm"/>
+    </inkml:brush>
+  </inkml:definitions>
+  <inkml:trace contextRef="#ctx0" brushRef="#br0">1 51 24575,'9'-2'0,"6"0"0,7 0 0,5-1 0,1 0 0,1-1 0,1-1 0,-5 1 0,-6 2 0,-7 0 0,1 2 0,3-1 0,2-1 0,-2 1 0,-6 0 0,-1 0 0,2 1 0,0 1 0,-1-1 0,-2 1 0,-1-1 0,1 0 0,1 0 0,4 0 0,6 1 0,5 0 0,-4 1 0,-8-1 0,-6 0 0,-4-1 0,0 1 0,-2-1 0,-5-2 0,-12-7 0,8 4 0,-6-3 0</inkml:trace>
+</inkml:ink>
+</file>
+
+<file path=ppt/ink/ink116.xml><?xml version="1.0" encoding="utf-8"?>
+<inkml:ink xmlns:inkml="http://www.w3.org/2003/InkML">
+  <inkml:definitions>
+    <inkml:context xml:id="ctx0">
+      <inkml:inkSource xml:id="inkSrc0">
+        <inkml:traceFormat>
+          <inkml:channel name="X" type="integer" min="-2.14748E9" max="2.14748E9" units="cm"/>
+          <inkml:channel name="Y" type="integer" min="-2.14748E9" max="2.14748E9" units="cm"/>
+          <inkml:channel name="F" type="integer" max="32767" units="dev"/>
+        </inkml:traceFormat>
+        <inkml:channelProperties>
+          <inkml:channelProperty channel="X" name="resolution" value="1000" units="1/cm"/>
+          <inkml:channelProperty channel="Y" name="resolution" value="1000" units="1/cm"/>
+          <inkml:channelProperty channel="F" name="resolution" value="0" units="1/dev"/>
+        </inkml:channelProperties>
+      </inkml:inkSource>
+      <inkml:timestamp xml:id="ts0" timeString="2023-10-30T22:13:51.237"/>
+    </inkml:context>
+    <inkml:brush xml:id="br0">
+      <inkml:brushProperty name="width" value="0.035" units="cm"/>
+      <inkml:brushProperty name="height" value="0.035" units="cm"/>
+    </inkml:brush>
+  </inkml:definitions>
+  <inkml:trace contextRef="#ctx0" brushRef="#br0">0 8 24575,'5'-4'0,"7"1"0,10 3 0,12 2 0,8 0 0,4 2 0,-2-2 0,-4 0 0,-4-2 0,-6 0 0,-6 0 0,-9 0 0,-7 0 0,-2 0 0,-1 0 0,1-1 0,-1 1 0,-1-1 0,-3 0 0,1 1 0</inkml:trace>
+</inkml:ink>
+</file>
+
+<file path=ppt/ink/ink117.xml><?xml version="1.0" encoding="utf-8"?>
+<inkml:ink xmlns:inkml="http://www.w3.org/2003/InkML">
+  <inkml:definitions>
+    <inkml:context xml:id="ctx0">
+      <inkml:inkSource xml:id="inkSrc0">
+        <inkml:traceFormat>
+          <inkml:channel name="X" type="integer" min="-2.14748E9" max="2.14748E9" units="cm"/>
+          <inkml:channel name="Y" type="integer" min="-2.14748E9" max="2.14748E9" units="cm"/>
+          <inkml:channel name="F" type="integer" max="32767" units="dev"/>
+        </inkml:traceFormat>
+        <inkml:channelProperties>
+          <inkml:channelProperty channel="X" name="resolution" value="1000" units="1/cm"/>
+          <inkml:channelProperty channel="Y" name="resolution" value="1000" units="1/cm"/>
+          <inkml:channelProperty channel="F" name="resolution" value="0" units="1/dev"/>
+        </inkml:channelProperties>
+      </inkml:inkSource>
+      <inkml:timestamp xml:id="ts0" timeString="2023-10-30T22:14:04.374"/>
+    </inkml:context>
+    <inkml:brush xml:id="br0">
+      <inkml:brushProperty name="width" value="0.035" units="cm"/>
+      <inkml:brushProperty name="height" value="0.035" units="cm"/>
+    </inkml:brush>
+  </inkml:definitions>
+  <inkml:trace contextRef="#ctx0" brushRef="#br0">10 0 24575,'-2'8'0,"0"8"0,0 11 0,2 13 0,0 13 0,0 6 0,0 6 0,0-2 0,0 0 0,-1 0 0,1-3 0,0-5 0,0-10 0,1-6 0,-1-3 0,1 1 0,-1 0 0,1-3 0,0-5 0,0-6 0,-1 0 0,0 1 0,0-2 0,0-1 0,0-6 0,0-5 0,-1-2 0,0 0 0,1 2 0,-1 2 0,1 2 0,-1 1 0,0-2 0,0 0 0,0-1 0,1 7 0,1 6 0,1-1 0,1-5 0,-1-13 0,-1-6 0,0-4 0,0-2 0,-1-10 0,0 9 0,0-5 0</inkml:trace>
+</inkml:ink>
+</file>
+
+<file path=ppt/ink/ink118.xml><?xml version="1.0" encoding="utf-8"?>
+<inkml:ink xmlns:inkml="http://www.w3.org/2003/InkML">
+  <inkml:definitions>
+    <inkml:context xml:id="ctx0">
+      <inkml:inkSource xml:id="inkSrc0">
+        <inkml:traceFormat>
+          <inkml:channel name="X" type="integer" min="-2.14748E9" max="2.14748E9" units="cm"/>
+          <inkml:channel name="Y" type="integer" min="-2.14748E9" max="2.14748E9" units="cm"/>
+          <inkml:channel name="F" type="integer" max="32767" units="dev"/>
+        </inkml:traceFormat>
+        <inkml:channelProperties>
+          <inkml:channelProperty channel="X" name="resolution" value="1000" units="1/cm"/>
+          <inkml:channelProperty channel="Y" name="resolution" value="1000" units="1/cm"/>
+          <inkml:channelProperty channel="F" name="resolution" value="0" units="1/dev"/>
+        </inkml:channelProperties>
+      </inkml:inkSource>
+      <inkml:timestamp xml:id="ts0" timeString="2023-10-30T22:14:06.241"/>
+    </inkml:context>
+    <inkml:brush xml:id="br0">
+      <inkml:brushProperty name="width" value="0.035" units="cm"/>
+      <inkml:brushProperty name="height" value="0.035" units="cm"/>
+    </inkml:brush>
+  </inkml:definitions>
+  <inkml:trace contextRef="#ctx0" brushRef="#br0">52 0 24575,'-4'11'0,"1"5"0,-1 12 0,0 11 0,0 9 0,-2 8 0,1-2 0,1-4 0,1-7 0,0-6 0,-1-1 0,1 0 0,0 4 0,2 4 0,1-1 0,2-6 0,0-7 0,-1-7 0,-1-4 0,0 0 0,0 1 0,0-1 0,1-5 0,-1-5 0,1-4 0,1 2 0,4 4 0,11 7 0,12 2 0,11-4 0,3-5 0,-10-6 0,-11-4 0,-11 0 0,-4-3 0,5-6 0,4-4 0,1-2 0,-3 1 0,-3 1 0,-4 0 0,-2 2 0,-2 2 0,-2 3 0,-1 1 0,-1 2 0,-4 0 0,-13-5 0,9 5 0,-7-4 0</inkml:trace>
+</inkml:ink>
+</file>
+
+<file path=ppt/ink/ink119.xml><?xml version="1.0" encoding="utf-8"?>
+<inkml:ink xmlns:inkml="http://www.w3.org/2003/InkML">
+  <inkml:definitions>
+    <inkml:context xml:id="ctx0">
+      <inkml:inkSource xml:id="inkSrc0">
+        <inkml:traceFormat>
+          <inkml:channel name="X" type="integer" min="-2.14748E9" max="2.14748E9" units="cm"/>
+          <inkml:channel name="Y" type="integer" min="-2.14748E9" max="2.14748E9" units="cm"/>
+          <inkml:channel name="F" type="integer" max="32767" units="dev"/>
+        </inkml:traceFormat>
+        <inkml:channelProperties>
+          <inkml:channelProperty channel="X" name="resolution" value="1000" units="1/cm"/>
+          <inkml:channelProperty channel="Y" name="resolution" value="1000" units="1/cm"/>
+          <inkml:channelProperty channel="F" name="resolution" value="0" units="1/dev"/>
+        </inkml:channelProperties>
+      </inkml:inkSource>
+      <inkml:timestamp xml:id="ts0" timeString="2023-10-30T22:14:07.292"/>
+    </inkml:context>
+    <inkml:brush xml:id="br0">
+      <inkml:brushProperty name="width" value="0.035" units="cm"/>
+      <inkml:brushProperty name="height" value="0.035" units="cm"/>
+    </inkml:brush>
+  </inkml:definitions>
+  <inkml:trace contextRef="#ctx0" brushRef="#br0">0 32 24575,'16'-1'0,"9"0"0,17 2 0,12 2 0,-3-1 0,-8 0 0,-16-3 0,-8-3 0,-1-1 0,1 0 0,1 0 0,2 1 0,0-1 0,-2 1 0,-4 1 0,-9 2 0,-17 2 0,4 1 0,-7 0 0</inkml:trace>
 </inkml:ink>
 </file>
 
@@ -1482,6 +2035,197 @@
 </inkml:ink>
 </file>
 
+<file path=ppt/ink/ink53.xml><?xml version="1.0" encoding="utf-8"?>
+<inkml:ink xmlns:inkml="http://www.w3.org/2003/InkML">
+  <inkml:definitions>
+    <inkml:context xml:id="ctx0">
+      <inkml:inkSource xml:id="inkSrc0">
+        <inkml:traceFormat>
+          <inkml:channel name="X" type="integer" min="-2.14748E9" max="2.14748E9" units="cm"/>
+          <inkml:channel name="Y" type="integer" min="-2.14748E9" max="2.14748E9" units="cm"/>
+          <inkml:channel name="F" type="integer" max="32767" units="dev"/>
+        </inkml:traceFormat>
+        <inkml:channelProperties>
+          <inkml:channelProperty channel="X" name="resolution" value="1000" units="1/cm"/>
+          <inkml:channelProperty channel="Y" name="resolution" value="1000" units="1/cm"/>
+          <inkml:channelProperty channel="F" name="resolution" value="0" units="1/dev"/>
+        </inkml:channelProperties>
+      </inkml:inkSource>
+      <inkml:timestamp xml:id="ts0" timeString="2023-10-30T22:11:18.231"/>
+    </inkml:context>
+    <inkml:brush xml:id="br0">
+      <inkml:brushProperty name="width" value="0.035" units="cm"/>
+      <inkml:brushProperty name="height" value="0.035" units="cm"/>
+      <inkml:brushProperty name="color" value="#E71224"/>
+    </inkml:brush>
+  </inkml:definitions>
+  <inkml:trace contextRef="#ctx0" brushRef="#br0">0 68 24575,'0'7'0,"1"8"0,3 10 0,1 6 0,2 4 0,0-2 0,-1-1 0,-1 2 0,2 3 0,5 4 0,3 1 0,4-1 0,0-1 0,-3-4 0,-4 1 0,-5-2 0,0-2 0,-1-7 0,-2-10 0,-2-8 0,-1-6 0,-1-3 0,2-5 0,1-6 0,3-7 0,4-13 0,4-20 0,3-20 0,-1-4 0,-5 8 0,-4 14 0,-2 9 0,-1 0 0,-1 2 0,-1 10 0,-2 11 0,0 9 0,1-1 0,1-5 0,0-2 0,0 3 0,-1 10 0,-1 10 0,-1 12 0,1 15 0,2 15 0,2 11 0,5 6 0,2-1 0,1-7 0,-2-7 0,-4-8 0,-2-6 0,0-7 0,-2-10 0,0-5 0,-2 1 0,1 4 0,0 5 0,0-1 0,1-4 0,0-5 0,-1-4 0,-1-2 0,0-1 0,3 8 0,3 9 0,3 3 0,-1-4 0,-3-10 0,-3-9 0,-1-2 0,1-2 0,4-5 0,3-6 0,5-9 0,5-7 0,0-5 0,-2-3 0,-4 0 0,-3 0 0,-4 2 0,0-1 0,-1 3 0,0 3 0,-2 4 0,-2 2 0,0 5 0,0 5 0,-1 6 0,1 6 0,-1 2 0,2-5 0,0-6 0,1-7 0,-1-1 0,-1 6 0,0 4 0,0-2 0,1-4 0,0-1 0,0 4 0,-2 7 0,0 6 0</inkml:trace>
+</inkml:ink>
+</file>
+
+<file path=ppt/ink/ink54.xml><?xml version="1.0" encoding="utf-8"?>
+<inkml:ink xmlns:inkml="http://www.w3.org/2003/InkML">
+  <inkml:definitions>
+    <inkml:context xml:id="ctx0">
+      <inkml:inkSource xml:id="inkSrc0">
+        <inkml:traceFormat>
+          <inkml:channel name="X" type="integer" min="-2.14748E9" max="2.14748E9" units="cm"/>
+          <inkml:channel name="Y" type="integer" min="-2.14748E9" max="2.14748E9" units="cm"/>
+          <inkml:channel name="F" type="integer" max="32767" units="dev"/>
+        </inkml:traceFormat>
+        <inkml:channelProperties>
+          <inkml:channelProperty channel="X" name="resolution" value="1000" units="1/cm"/>
+          <inkml:channelProperty channel="Y" name="resolution" value="1000" units="1/cm"/>
+          <inkml:channelProperty channel="F" name="resolution" value="0" units="1/dev"/>
+        </inkml:channelProperties>
+      </inkml:inkSource>
+      <inkml:timestamp xml:id="ts0" timeString="2023-10-30T22:11:19.481"/>
+    </inkml:context>
+    <inkml:brush xml:id="br0">
+      <inkml:brushProperty name="width" value="0.035" units="cm"/>
+      <inkml:brushProperty name="height" value="0.035" units="cm"/>
+      <inkml:brushProperty name="color" value="#E71224"/>
+    </inkml:brush>
+  </inkml:definitions>
+  <inkml:trace contextRef="#ctx0" brushRef="#br0">1 0 24575,'0'13'0,"0"5"0,0 8 0,0 6 0,1 2 0,0 0 0,1-6 0,-1-9 0,0-7 0,-1-5 0,0 0 0,0 3 0,0-1 0,0-2 0,-1 0 0,1-1 0,0-1 0,0-2 0,1-4 0,0-3 0,1-3 0,0 3 0,0 0 0</inkml:trace>
+</inkml:ink>
+</file>
+
+<file path=ppt/ink/ink55.xml><?xml version="1.0" encoding="utf-8"?>
+<inkml:ink xmlns:inkml="http://www.w3.org/2003/InkML">
+  <inkml:definitions>
+    <inkml:context xml:id="ctx0">
+      <inkml:inkSource xml:id="inkSrc0">
+        <inkml:traceFormat>
+          <inkml:channel name="X" type="integer" min="-2.14748E9" max="2.14748E9" units="cm"/>
+          <inkml:channel name="Y" type="integer" min="-2.14748E9" max="2.14748E9" units="cm"/>
+          <inkml:channel name="F" type="integer" max="32767" units="dev"/>
+        </inkml:traceFormat>
+        <inkml:channelProperties>
+          <inkml:channelProperty channel="X" name="resolution" value="1000" units="1/cm"/>
+          <inkml:channelProperty channel="Y" name="resolution" value="1000" units="1/cm"/>
+          <inkml:channelProperty channel="F" name="resolution" value="0" units="1/dev"/>
+        </inkml:channelProperties>
+      </inkml:inkSource>
+      <inkml:timestamp xml:id="ts0" timeString="2023-10-30T22:11:28.650"/>
+    </inkml:context>
+    <inkml:brush xml:id="br0">
+      <inkml:brushProperty name="width" value="0.035" units="cm"/>
+      <inkml:brushProperty name="height" value="0.035" units="cm"/>
+    </inkml:brush>
+  </inkml:definitions>
+  <inkml:trace contextRef="#ctx0" brushRef="#br0">60 274 24575,'1'16'0,"0"7"0,0 10 0,1 12 0,0 2 0,0-3 0,-2-6 0,0-7 0,-1-5 0,1-8 0,-2-1 0,1 4 0,-1 6 0,1 6 0,0-3 0,0-2 0,0 0 0,0 1 0,0-5 0,1-9 0,0-8 0,0-2 0,-1 2 0,1 3 0,-1 0 0,1-3 0,0-6 0,1-2 0,0-3 0,2-9 0,0-13 0,0-11 0,-1-5 0,-2 1 0,-2 3 0,0-2 0,-1 0 0,1 2 0,1 4 0,0 3 0,2-1 0,-1 1 0,1 1 0,-1 2 0,0 4 0,-1 4 0,0 4 0,0 6 0,1 3 0,-1-4 0,1-7 0,0-7 0,1-2 0,0 2 0,0 5 0,1 2 0,-1 2 0,1-1 0,-1 1 0,0 1 0,1 1 0,0 1 0,0-1 0,1 0 0,3-1 0,1 0 0,-1 4 0,0 5 0,1 8 0,5 10 0,9 15 0,5 11 0,1 9 0,-4-2 0,-7-11 0,-6-12 0,-7-13 0,-2-4 0,-2 1 0,0 2 0,-1 7 0,-2 4 0,-2 5 0,-1 2 0,0-4 0,-1-5 0,0-4 0,-5-2 0,-5-2 0,-4-1 0,-4-1 0,0-3 0,-1 0 0,1 0 0,5 0 0,8 0 0,6-2 0,6-2 0,1 0 0,3 3 0,9 7 0,16 12 0,12 13 0,5 9 0,-7 1 0,-13-7 0,-10-11 0,-9-13 0,-5-9 0,0 0 0,1 4 0,4 10 0,3 5 0,0 0 0,-1-5 0,-5-11 0,-2-5 0,-1-5 0,1-1 0,-1-1 0,1-1 0,1 0 0,-1 2 0,0 1 0</inkml:trace>
+</inkml:ink>
+</file>
+
+<file path=ppt/ink/ink56.xml><?xml version="1.0" encoding="utf-8"?>
+<inkml:ink xmlns:inkml="http://www.w3.org/2003/InkML">
+  <inkml:definitions>
+    <inkml:context xml:id="ctx0">
+      <inkml:inkSource xml:id="inkSrc0">
+        <inkml:traceFormat>
+          <inkml:channel name="X" type="integer" min="-2.14748E9" max="2.14748E9" units="cm"/>
+          <inkml:channel name="Y" type="integer" min="-2.14748E9" max="2.14748E9" units="cm"/>
+          <inkml:channel name="F" type="integer" max="32767" units="dev"/>
+        </inkml:traceFormat>
+        <inkml:channelProperties>
+          <inkml:channelProperty channel="X" name="resolution" value="1000" units="1/cm"/>
+          <inkml:channelProperty channel="Y" name="resolution" value="1000" units="1/cm"/>
+          <inkml:channelProperty channel="F" name="resolution" value="0" units="1/dev"/>
+        </inkml:channelProperties>
+      </inkml:inkSource>
+      <inkml:timestamp xml:id="ts0" timeString="2023-10-30T22:11:29.484"/>
+    </inkml:context>
+    <inkml:brush xml:id="br0">
+      <inkml:brushProperty name="width" value="0.035" units="cm"/>
+      <inkml:brushProperty name="height" value="0.035" units="cm"/>
+    </inkml:brush>
+  </inkml:definitions>
+  <inkml:trace contextRef="#ctx0" brushRef="#br0">0 0 24575,'0'8'0,"1"7"0,0 13 0,2 19 0,0 9 0,-1-1-6784,-1-12 6784,0-19 0,-1-13 0,0-10 0,-3-13 0,2 6 0,-1-4 0</inkml:trace>
+</inkml:ink>
+</file>
+
+<file path=ppt/ink/ink57.xml><?xml version="1.0" encoding="utf-8"?>
+<inkml:ink xmlns:inkml="http://www.w3.org/2003/InkML">
+  <inkml:definitions>
+    <inkml:context xml:id="ctx0">
+      <inkml:inkSource xml:id="inkSrc0">
+        <inkml:traceFormat>
+          <inkml:channel name="X" type="integer" min="-2.14748E9" max="2.14748E9" units="cm"/>
+          <inkml:channel name="Y" type="integer" min="-2.14748E9" max="2.14748E9" units="cm"/>
+          <inkml:channel name="F" type="integer" max="32767" units="dev"/>
+        </inkml:traceFormat>
+        <inkml:channelProperties>
+          <inkml:channelProperty channel="X" name="resolution" value="1000" units="1/cm"/>
+          <inkml:channelProperty channel="Y" name="resolution" value="1000" units="1/cm"/>
+          <inkml:channelProperty channel="F" name="resolution" value="0" units="1/dev"/>
+        </inkml:channelProperties>
+      </inkml:inkSource>
+      <inkml:timestamp xml:id="ts0" timeString="2023-10-30T22:11:31.267"/>
+    </inkml:context>
+    <inkml:brush xml:id="br0">
+      <inkml:brushProperty name="width" value="0.035" units="cm"/>
+      <inkml:brushProperty name="height" value="0.035" units="cm"/>
+    </inkml:brush>
+  </inkml:definitions>
+  <inkml:trace contextRef="#ctx0" brushRef="#br0">18 0 24575,'-1'10'0,"1"6"0,-1 7 0,1 10 0,0 5 0,0 2 0,0 0 0,-2-6 0,1-4 0,-1-5 0,0-7 0,0-6 0,1-5 0,1-2 0,-1-1 0,0 3 0,0-1 0,0-1 0,0-2 0,1 0 0,-1 1 0,1-1 0,0-2 0</inkml:trace>
+</inkml:ink>
+</file>
+
+<file path=ppt/ink/ink58.xml><?xml version="1.0" encoding="utf-8"?>
+<inkml:ink xmlns:inkml="http://www.w3.org/2003/InkML">
+  <inkml:definitions>
+    <inkml:context xml:id="ctx0">
+      <inkml:inkSource xml:id="inkSrc0">
+        <inkml:traceFormat>
+          <inkml:channel name="X" type="integer" min="-2.14748E9" max="2.14748E9" units="cm"/>
+          <inkml:channel name="Y" type="integer" min="-2.14748E9" max="2.14748E9" units="cm"/>
+          <inkml:channel name="F" type="integer" max="32767" units="dev"/>
+        </inkml:traceFormat>
+        <inkml:channelProperties>
+          <inkml:channelProperty channel="X" name="resolution" value="1000" units="1/cm"/>
+          <inkml:channelProperty channel="Y" name="resolution" value="1000" units="1/cm"/>
+          <inkml:channelProperty channel="F" name="resolution" value="0" units="1/dev"/>
+        </inkml:channelProperties>
+      </inkml:inkSource>
+      <inkml:timestamp xml:id="ts0" timeString="2023-10-30T22:11:32.267"/>
+    </inkml:context>
+    <inkml:brush xml:id="br0">
+      <inkml:brushProperty name="width" value="0.035" units="cm"/>
+      <inkml:brushProperty name="height" value="0.035" units="cm"/>
+    </inkml:brush>
+  </inkml:definitions>
+  <inkml:trace contextRef="#ctx0" brushRef="#br0">0 20 24575,'8'0'0,"2"0"0,4 0 0,7-1 0,6 0 0,2-1 0,-1 0 0,-3-1 0,-4 2 0,-6-1 0,-2-1 0,1 1 0,-8 1 0,2 0 0</inkml:trace>
+</inkml:ink>
+</file>
+
+<file path=ppt/ink/ink59.xml><?xml version="1.0" encoding="utf-8"?>
+<inkml:ink xmlns:inkml="http://www.w3.org/2003/InkML">
+  <inkml:definitions>
+    <inkml:context xml:id="ctx0">
+      <inkml:inkSource xml:id="inkSrc0">
+        <inkml:traceFormat>
+          <inkml:channel name="X" type="integer" min="-2.14748E9" max="2.14748E9" units="cm"/>
+          <inkml:channel name="Y" type="integer" min="-2.14748E9" max="2.14748E9" units="cm"/>
+          <inkml:channel name="F" type="integer" max="32767" units="dev"/>
+        </inkml:traceFormat>
+        <inkml:channelProperties>
+          <inkml:channelProperty channel="X" name="resolution" value="1000" units="1/cm"/>
+          <inkml:channelProperty channel="Y" name="resolution" value="1000" units="1/cm"/>
+          <inkml:channelProperty channel="F" name="resolution" value="0" units="1/dev"/>
+        </inkml:channelProperties>
+      </inkml:inkSource>
+      <inkml:timestamp xml:id="ts0" timeString="2023-10-30T22:11:34.685"/>
+    </inkml:context>
+    <inkml:brush xml:id="br0">
+      <inkml:brushProperty name="width" value="0.035" units="cm"/>
+      <inkml:brushProperty name="height" value="0.035" units="cm"/>
+    </inkml:brush>
+  </inkml:definitions>
+  <inkml:trace contextRef="#ctx0" brushRef="#br0">0 1 24575,'0'37'0,"2"4"0,0 12 0,1 2 0,1 1 0,-1-6 0,-1-8 0,0-3 0,-2-1 0,0 3 0,0-2 0,0-6 0,0-5 0,0-6 0,1 1 0,-1-1 0,1 2 0,0-1 0,-1 0 0,1-2 0,-1-2 0,0-1 0,0 4 0,0-2 0,0-5 0,0-7 0,0-9 0,0-6 0,-1-9 0,-2-12 0,2 9 0,-2-1 0</inkml:trace>
+</inkml:ink>
+</file>
+
 <file path=ppt/ink/ink6.xml><?xml version="1.0" encoding="utf-8"?>
 <inkml:ink xmlns:inkml="http://www.w3.org/2003/InkML">
   <inkml:definitions>
@@ -1506,6 +2250,276 @@
     </inkml:brush>
   </inkml:definitions>
   <inkml:trace contextRef="#ctx0" brushRef="#br0">309 1 24575,'-10'0'0,"-4"0"0,-6 0 0,-3 0 0,4 0 0,5 2 0,4 9 0,2 9 0,2 8 0,2 4 0,11 14 0,13 8 0,10 5 0,6-6 0,-9-20 0,-8-19 0,-4-19 0,2-13 0,4-5 0,-3 2 0,-6 6 0,-3 3 0,-1-5 0,3-9 0,-2-1 0,-3 6 0,-6 15 0,-6 22 0,-2 19 0,0 24 0,1 25 0,3 12 0,0 3 0,0-12 0,-2-24 0,-3-20 0,-2-20 0,-8-12 0,-12-9 0,-17-7 0,-18-10 0,-5-10 0,6-5 0,20 6 0,21 9 0,15 7 0,8 4 0,4-2 0,2-2 0,2-2 0,1-3 0,1 0 0,-5 5 0,0 2 0</inkml:trace>
+</inkml:ink>
+</file>
+
+<file path=ppt/ink/ink60.xml><?xml version="1.0" encoding="utf-8"?>
+<inkml:ink xmlns:inkml="http://www.w3.org/2003/InkML">
+  <inkml:definitions>
+    <inkml:context xml:id="ctx0">
+      <inkml:inkSource xml:id="inkSrc0">
+        <inkml:traceFormat>
+          <inkml:channel name="X" type="integer" min="-2.14748E9" max="2.14748E9" units="cm"/>
+          <inkml:channel name="Y" type="integer" min="-2.14748E9" max="2.14748E9" units="cm"/>
+          <inkml:channel name="F" type="integer" max="32767" units="dev"/>
+        </inkml:traceFormat>
+        <inkml:channelProperties>
+          <inkml:channelProperty channel="X" name="resolution" value="1000" units="1/cm"/>
+          <inkml:channelProperty channel="Y" name="resolution" value="1000" units="1/cm"/>
+          <inkml:channelProperty channel="F" name="resolution" value="0" units="1/dev"/>
+        </inkml:channelProperties>
+      </inkml:inkSource>
+      <inkml:timestamp xml:id="ts0" timeString="2023-10-30T22:11:37.952"/>
+    </inkml:context>
+    <inkml:brush xml:id="br0">
+      <inkml:brushProperty name="width" value="0.035" units="cm"/>
+      <inkml:brushProperty name="height" value="0.035" units="cm"/>
+    </inkml:brush>
+  </inkml:definitions>
+  <inkml:trace contextRef="#ctx0" brushRef="#br0">1 144 24575,'5'-18'0,"1"1"0,5-4 0,7-1 0,7-1 0,3 3 0,-6 7 0,-6 7 0,-5 4 0,2 1 0,6 1 0,5 1 0,0 1 0,-3 0 0,-5 0 0,-1 1 0,2 0 0,1 1 0,-2 0 0,-7 2 0,-3 6 0,-1 9 0,2 9 0,-2 3 0,-2-2 0,-4-6 0,-5-5 0,-8-2 0,-8 1 0,-7 1 0,-1-1 0,-3-2 0,-2-2 0,-1-1 0,1 1 0,5-2 0,7-2 0,5-2 0,6-2 0,1 0 0,2 0 0,2-1 0,4-2 0,2-3 0,1 0 0,0 1 0,3 3 0,9 11 0,13 11 0,10 13 0,4 1 0,-8-8 0,-12-13 0,-11-11 0,-6-7 0,-2-1 0,2 2 0,6 4 0,5 4 0,1 1 0,1-1 0,-2-2 0,-1 0 0,0-2 0,-5-2 0,-5-4 0,-1 0 0,-1 0 0,3 1 0,3 1 0,1 1 0,6 2 0,13 5 0,5 0 0,-1 0 0,-10-4 0,-15-7 0,-4-4 0,-2-4 0,1 4 0,-1-2 0</inkml:trace>
+</inkml:ink>
+</file>
+
+<file path=ppt/ink/ink61.xml><?xml version="1.0" encoding="utf-8"?>
+<inkml:ink xmlns:inkml="http://www.w3.org/2003/InkML">
+  <inkml:definitions>
+    <inkml:context xml:id="ctx0">
+      <inkml:inkSource xml:id="inkSrc0">
+        <inkml:traceFormat>
+          <inkml:channel name="X" type="integer" min="-2.14748E9" max="2.14748E9" units="cm"/>
+          <inkml:channel name="Y" type="integer" min="-2.14748E9" max="2.14748E9" units="cm"/>
+          <inkml:channel name="F" type="integer" max="32767" units="dev"/>
+        </inkml:traceFormat>
+        <inkml:channelProperties>
+          <inkml:channelProperty channel="X" name="resolution" value="1000" units="1/cm"/>
+          <inkml:channelProperty channel="Y" name="resolution" value="1000" units="1/cm"/>
+          <inkml:channelProperty channel="F" name="resolution" value="0" units="1/dev"/>
+        </inkml:channelProperties>
+      </inkml:inkSource>
+      <inkml:timestamp xml:id="ts0" timeString="2023-10-30T22:11:39.920"/>
+    </inkml:context>
+    <inkml:brush xml:id="br0">
+      <inkml:brushProperty name="width" value="0.035" units="cm"/>
+      <inkml:brushProperty name="height" value="0.035" units="cm"/>
+    </inkml:brush>
+  </inkml:definitions>
+  <inkml:trace contextRef="#ctx0" brushRef="#br0">1 49 24575,'5'-9'0,"1"0"0,1-2 0,-1 2 0,-2 4 0,2 1 0,6 3 0,5 0 0,2 1 0,-5 4 0,-6 2 0,-3 8 0,2 8 0,3 7 0,1 2 0,-1-4 0,-4-8 0,-3-8 0,-3-6 0,0-2 0,-1-1 0,0 1 0,-1 0 0,1 0 0,0 0 0,0 0 0,0 1 0,-3 2 0,0 3 0,0 0 0,0-3 0,1-3 0,0 0 0,-2 1 0,-2 0 0,-1 0 0,1 0 0,3-1 0,13-1 0,13-2 0,5 0 0,-2 0 0,-9 0 0,-8 0 0,9-1 0,8-1 0,3-1 0,-4 0 0,-14 0 0,-7 1 0,-3 1 0,0 1 0</inkml:trace>
+</inkml:ink>
+</file>
+
+<file path=ppt/ink/ink62.xml><?xml version="1.0" encoding="utf-8"?>
+<inkml:ink xmlns:inkml="http://www.w3.org/2003/InkML">
+  <inkml:definitions>
+    <inkml:context xml:id="ctx0">
+      <inkml:inkSource xml:id="inkSrc0">
+        <inkml:traceFormat>
+          <inkml:channel name="X" type="integer" min="-2.14748E9" max="2.14748E9" units="cm"/>
+          <inkml:channel name="Y" type="integer" min="-2.14748E9" max="2.14748E9" units="cm"/>
+          <inkml:channel name="F" type="integer" max="32767" units="dev"/>
+        </inkml:traceFormat>
+        <inkml:channelProperties>
+          <inkml:channelProperty channel="X" name="resolution" value="1000" units="1/cm"/>
+          <inkml:channelProperty channel="Y" name="resolution" value="1000" units="1/cm"/>
+          <inkml:channelProperty channel="F" name="resolution" value="0" units="1/dev"/>
+        </inkml:channelProperties>
+      </inkml:inkSource>
+      <inkml:timestamp xml:id="ts0" timeString="2023-10-30T22:11:43.354"/>
+    </inkml:context>
+    <inkml:brush xml:id="br0">
+      <inkml:brushProperty name="width" value="0.035" units="cm"/>
+      <inkml:brushProperty name="height" value="0.035" units="cm"/>
+    </inkml:brush>
+  </inkml:definitions>
+  <inkml:trace contextRef="#ctx0" brushRef="#br0">46 1 24575,'1'8'0,"0"5"0,0 5 0,-1 5 0,0 4 0,-1 2 0,-1 0 0,-1 0 0,-1-1 0,0-2 0,1-2 0,1-6 0,0-6 0,1-3 0,-1 2 0,1 3 0,-1 0 0,2-3 0,-2 2 0,-1 6 0,-1 8 0,0 2 0,2-7 0,2-15 0,1-8 0,0-5 0,0-1 0,-1 1 0,-4-3 0,3 5 0,-4-3 0</inkml:trace>
+</inkml:ink>
+</file>
+
+<file path=ppt/ink/ink63.xml><?xml version="1.0" encoding="utf-8"?>
+<inkml:ink xmlns:inkml="http://www.w3.org/2003/InkML">
+  <inkml:definitions>
+    <inkml:context xml:id="ctx0">
+      <inkml:inkSource xml:id="inkSrc0">
+        <inkml:traceFormat>
+          <inkml:channel name="X" type="integer" min="-2.14748E9" max="2.14748E9" units="cm"/>
+          <inkml:channel name="Y" type="integer" min="-2.14748E9" max="2.14748E9" units="cm"/>
+          <inkml:channel name="F" type="integer" max="32767" units="dev"/>
+        </inkml:traceFormat>
+        <inkml:channelProperties>
+          <inkml:channelProperty channel="X" name="resolution" value="1000" units="1/cm"/>
+          <inkml:channelProperty channel="Y" name="resolution" value="1000" units="1/cm"/>
+          <inkml:channelProperty channel="F" name="resolution" value="0" units="1/dev"/>
+        </inkml:channelProperties>
+      </inkml:inkSource>
+      <inkml:timestamp xml:id="ts0" timeString="2023-10-30T22:11:44.220"/>
+    </inkml:context>
+    <inkml:brush xml:id="br0">
+      <inkml:brushProperty name="width" value="0.035" units="cm"/>
+      <inkml:brushProperty name="height" value="0.035" units="cm"/>
+    </inkml:brush>
+  </inkml:definitions>
+  <inkml:trace contextRef="#ctx0" brushRef="#br0">0 1 24575,'25'0'0,"6"0"0,10 1 0,5 1 0,-5 1 0,-9 0 0,-14-2 0,-9 0 0,-2-2 0,2 0 0,1-1 0,-2 1 0,-4 0 0,-5 0 0,1 0 0,0 0 0,2 0 0</inkml:trace>
+</inkml:ink>
+</file>
+
+<file path=ppt/ink/ink64.xml><?xml version="1.0" encoding="utf-8"?>
+<inkml:ink xmlns:inkml="http://www.w3.org/2003/InkML">
+  <inkml:definitions>
+    <inkml:context xml:id="ctx0">
+      <inkml:inkSource xml:id="inkSrc0">
+        <inkml:traceFormat>
+          <inkml:channel name="X" type="integer" min="-2.14748E9" max="2.14748E9" units="cm"/>
+          <inkml:channel name="Y" type="integer" min="-2.14748E9" max="2.14748E9" units="cm"/>
+          <inkml:channel name="F" type="integer" max="32767" units="dev"/>
+        </inkml:traceFormat>
+        <inkml:channelProperties>
+          <inkml:channelProperty channel="X" name="resolution" value="1000" units="1/cm"/>
+          <inkml:channelProperty channel="Y" name="resolution" value="1000" units="1/cm"/>
+          <inkml:channelProperty channel="F" name="resolution" value="0" units="1/dev"/>
+        </inkml:channelProperties>
+      </inkml:inkSource>
+      <inkml:timestamp xml:id="ts0" timeString="2023-10-30T22:11:46.088"/>
+    </inkml:context>
+    <inkml:brush xml:id="br0">
+      <inkml:brushProperty name="width" value="0.035" units="cm"/>
+      <inkml:brushProperty name="height" value="0.035" units="cm"/>
+    </inkml:brush>
+  </inkml:definitions>
+  <inkml:trace contextRef="#ctx0" brushRef="#br0">0 1 24575,'2'8'0,"0"4"0,1 7 0,1 4 0,0 5 0,-1 3 0,1 6 0,-1 6 0,-1 2 0,-1 1 0,1-4 0,1-5 0,0-5 0,-1-2 0,-1-5 0,0-3 0,0-2 0,0-2 0,0 1 0,1 1 0,-1-1 0,0-2 0,0-5 0,-1-4 0,1-4 0,-1 0 0,0 8 0,0 11 0,0 7 0,0-2 0,0-11 0,-3-14 0,0-11 0,-2-6 0,-1-9 0,3 11 0,0-2 0</inkml:trace>
+</inkml:ink>
+</file>
+
+<file path=ppt/ink/ink65.xml><?xml version="1.0" encoding="utf-8"?>
+<inkml:ink xmlns:inkml="http://www.w3.org/2003/InkML">
+  <inkml:definitions>
+    <inkml:context xml:id="ctx0">
+      <inkml:inkSource xml:id="inkSrc0">
+        <inkml:traceFormat>
+          <inkml:channel name="X" type="integer" min="-2.14748E9" max="2.14748E9" units="cm"/>
+          <inkml:channel name="Y" type="integer" min="-2.14748E9" max="2.14748E9" units="cm"/>
+          <inkml:channel name="F" type="integer" max="32767" units="dev"/>
+        </inkml:traceFormat>
+        <inkml:channelProperties>
+          <inkml:channelProperty channel="X" name="resolution" value="1000" units="1/cm"/>
+          <inkml:channelProperty channel="Y" name="resolution" value="1000" units="1/cm"/>
+          <inkml:channelProperty channel="F" name="resolution" value="0" units="1/dev"/>
+        </inkml:channelProperties>
+      </inkml:inkSource>
+      <inkml:timestamp xml:id="ts0" timeString="2023-10-30T22:11:48.272"/>
+    </inkml:context>
+    <inkml:brush xml:id="br0">
+      <inkml:brushProperty name="width" value="0.035" units="cm"/>
+      <inkml:brushProperty name="height" value="0.035" units="cm"/>
+    </inkml:brush>
+  </inkml:definitions>
+  <inkml:trace contextRef="#ctx0" brushRef="#br0">51 256 24575,'2'-4'0,"-1"-3"0,2-6 0,0-9 0,2-8 0,2-8 0,0-3 0,2 1 0,0 8 0,-1 11 0,-2 14 0,-2 15 0,2 21 0,3 14 0,1 6 0,-2-5 0,-4-12 0,-3-7 0,-2-2 0,-1 0 0,-4-2 0,-3-2 0,-3-2 0,-4-3 0,-2 0 0,1-2 0,4-3 0,5-4 0,3-2 0,3-2 0,0 0 0,-2 1 0,0 0 0,-2 2 0,-3 2 0,1 0 0,1 0 0,3-3-6784,4-1 6784,1-2 0,1 0 0,0 0 0,0 0 0,0 0 0,5 1 0,6 3 6784,11 6-6784,13 9 0,8 11 0,7 11 0,-4 6 0,-4 3 0,-3-1 0,-7-7 0,0-2 0,-5-7 0,-6-6 0,-6-7 0,-7-8 0,-2-2 0,1 4 0,2 5 0,0 1 0,-3-5 0,-5-8 0,-4-5 0,-7-5 0,-5-6 0,-4-8 0,5 5 0,5 1 0</inkml:trace>
+</inkml:ink>
+</file>
+
+<file path=ppt/ink/ink66.xml><?xml version="1.0" encoding="utf-8"?>
+<inkml:ink xmlns:inkml="http://www.w3.org/2003/InkML">
+  <inkml:definitions>
+    <inkml:context xml:id="ctx0">
+      <inkml:inkSource xml:id="inkSrc0">
+        <inkml:traceFormat>
+          <inkml:channel name="X" type="integer" min="-2.14748E9" max="2.14748E9" units="cm"/>
+          <inkml:channel name="Y" type="integer" min="-2.14748E9" max="2.14748E9" units="cm"/>
+          <inkml:channel name="F" type="integer" max="32767" units="dev"/>
+        </inkml:traceFormat>
+        <inkml:channelProperties>
+          <inkml:channelProperty channel="X" name="resolution" value="1000" units="1/cm"/>
+          <inkml:channelProperty channel="Y" name="resolution" value="1000" units="1/cm"/>
+          <inkml:channelProperty channel="F" name="resolution" value="0" units="1/dev"/>
+        </inkml:channelProperties>
+      </inkml:inkSource>
+      <inkml:timestamp xml:id="ts0" timeString="2023-10-30T22:11:49.889"/>
+    </inkml:context>
+    <inkml:brush xml:id="br0">
+      <inkml:brushProperty name="width" value="0.035" units="cm"/>
+      <inkml:brushProperty name="height" value="0.035" units="cm"/>
+    </inkml:brush>
+  </inkml:definitions>
+  <inkml:trace contextRef="#ctx0" brushRef="#br0">1 55 24575,'3'1'0,"0"0"0,-2-1 0,1 0 0,2-2 0,6-3 0,4-4 0,5-3 0,1 1 0,-2 3 0,-1 2 0,-2 4 0,-1 1 0,-2 1 0,-2 1 0,-2 1 0,-3 4 0,1 8 0,3 8 0,1 7 0,-1-1 0,-5-8 0,-5-8 0,-6-6 0,-6-4 0,-7 0 0,-3 0 0,3-1 0,7 0 0,7 0 0,5-1 0,6 1 0,5 0 0,15 7 0,7 5 0,5 4 0,-8-1 0,-14-5 0,-10-3 0,-5 0 0,-3 2 0,-1 2 0,-7-1 0,-6 1 0,-4 1 0,-2 1 0,4-2 0,4-3 0,5-3 0,5-3 0,2-3 0,2-2 0,0 0 0,0 1 0,-1-1 0,0 1 0,0-2 0,1 1 0,-1-1 0</inkml:trace>
+</inkml:ink>
+</file>
+
+<file path=ppt/ink/ink67.xml><?xml version="1.0" encoding="utf-8"?>
+<inkml:ink xmlns:inkml="http://www.w3.org/2003/InkML">
+  <inkml:definitions>
+    <inkml:context xml:id="ctx0">
+      <inkml:inkSource xml:id="inkSrc0">
+        <inkml:traceFormat>
+          <inkml:channel name="X" type="integer" min="-2.14748E9" max="2.14748E9" units="cm"/>
+          <inkml:channel name="Y" type="integer" min="-2.14748E9" max="2.14748E9" units="cm"/>
+          <inkml:channel name="F" type="integer" max="32767" units="dev"/>
+        </inkml:traceFormat>
+        <inkml:channelProperties>
+          <inkml:channelProperty channel="X" name="resolution" value="1000" units="1/cm"/>
+          <inkml:channelProperty channel="Y" name="resolution" value="1000" units="1/cm"/>
+          <inkml:channelProperty channel="F" name="resolution" value="0" units="1/dev"/>
+        </inkml:channelProperties>
+      </inkml:inkSource>
+      <inkml:timestamp xml:id="ts0" timeString="2023-10-30T22:11:53.490"/>
+    </inkml:context>
+    <inkml:brush xml:id="br0">
+      <inkml:brushProperty name="width" value="0.035" units="cm"/>
+      <inkml:brushProperty name="height" value="0.035" units="cm"/>
+    </inkml:brush>
+  </inkml:definitions>
+  <inkml:trace contextRef="#ctx0" brushRef="#br0">22 0 24575,'-4'8'0,"0"6"0,-1 8 0,2 6 0,0 6 0,2 4 0,0 3 0,1-2 0,-1-5 0,2-9 0,-1-7 0,1-5 0,-1-3 0,0 0 0,1 1 0,-1 0 0,1 3 0,0 2 0,1 0 0,2-3 0,2-8 0,-2-7 0,0-4 0,-2 2 0,-2 2 0,0 1 0</inkml:trace>
+</inkml:ink>
+</file>
+
+<file path=ppt/ink/ink68.xml><?xml version="1.0" encoding="utf-8"?>
+<inkml:ink xmlns:inkml="http://www.w3.org/2003/InkML">
+  <inkml:definitions>
+    <inkml:context xml:id="ctx0">
+      <inkml:inkSource xml:id="inkSrc0">
+        <inkml:traceFormat>
+          <inkml:channel name="X" type="integer" min="-2.14748E9" max="2.14748E9" units="cm"/>
+          <inkml:channel name="Y" type="integer" min="-2.14748E9" max="2.14748E9" units="cm"/>
+          <inkml:channel name="F" type="integer" max="32767" units="dev"/>
+        </inkml:traceFormat>
+        <inkml:channelProperties>
+          <inkml:channelProperty channel="X" name="resolution" value="1000" units="1/cm"/>
+          <inkml:channelProperty channel="Y" name="resolution" value="1000" units="1/cm"/>
+          <inkml:channelProperty channel="F" name="resolution" value="0" units="1/dev"/>
+        </inkml:channelProperties>
+      </inkml:inkSource>
+      <inkml:timestamp xml:id="ts0" timeString="2023-10-30T22:11:54.275"/>
+    </inkml:context>
+    <inkml:brush xml:id="br0">
+      <inkml:brushProperty name="width" value="0.035" units="cm"/>
+      <inkml:brushProperty name="height" value="0.035" units="cm"/>
+    </inkml:brush>
+  </inkml:definitions>
+  <inkml:trace contextRef="#ctx0" brushRef="#br0">0 0 24575,'7'0'0,"8"0"0,12 1 0,15 1 0,14 1 0,8 0 0,7 0 0,-1-2 0,-14 0 0,-19 0 0,-19-1 0,-13-1 0,-3 0 0,1 0 0,-1 0 0,0 1 0</inkml:trace>
+</inkml:ink>
+</file>
+
+<file path=ppt/ink/ink69.xml><?xml version="1.0" encoding="utf-8"?>
+<inkml:ink xmlns:inkml="http://www.w3.org/2003/InkML">
+  <inkml:definitions>
+    <inkml:context xml:id="ctx0">
+      <inkml:inkSource xml:id="inkSrc0">
+        <inkml:traceFormat>
+          <inkml:channel name="X" type="integer" min="-2.14748E9" max="2.14748E9" units="cm"/>
+          <inkml:channel name="Y" type="integer" min="-2.14748E9" max="2.14748E9" units="cm"/>
+          <inkml:channel name="F" type="integer" max="32767" units="dev"/>
+        </inkml:traceFormat>
+        <inkml:channelProperties>
+          <inkml:channelProperty channel="X" name="resolution" value="1000" units="1/cm"/>
+          <inkml:channelProperty channel="Y" name="resolution" value="1000" units="1/cm"/>
+          <inkml:channelProperty channel="F" name="resolution" value="0" units="1/dev"/>
+        </inkml:channelProperties>
+      </inkml:inkSource>
+      <inkml:timestamp xml:id="ts0" timeString="2023-10-30T22:11:56.541"/>
+    </inkml:context>
+    <inkml:brush xml:id="br0">
+      <inkml:brushProperty name="width" value="0.035" units="cm"/>
+      <inkml:brushProperty name="height" value="0.035" units="cm"/>
+    </inkml:brush>
+  </inkml:definitions>
+  <inkml:trace contextRef="#ctx0" brushRef="#br0">2 1 24575,'-1'12'0,"1"4"0,-1 7 0,1 4 0,1 0 0,-1-3 0,1-2 0,-1 4 0,0 4 0,1 5 0,-1-2 0,1-4 0,1-2 0,0 2 0,0 5 0,1 1 0,-1-2 0,1-7 0,-1-6 0,0-3 0,0-1 0,-1-5 0,0-1 0,-1 3 0,0 8 0,1 7 0,-1 1 0,1-8 0,-1-5 0,0-6 0,-1-2 0,1-3 0,0-3 0,2-6 0,3-7 0,2-11 0,-1-9 0,-2 11 0,-2 3 0</inkml:trace>
 </inkml:ink>
 </file>
 
@@ -1536,6 +2550,276 @@
 </inkml:ink>
 </file>
 
+<file path=ppt/ink/ink70.xml><?xml version="1.0" encoding="utf-8"?>
+<inkml:ink xmlns:inkml="http://www.w3.org/2003/InkML">
+  <inkml:definitions>
+    <inkml:context xml:id="ctx0">
+      <inkml:inkSource xml:id="inkSrc0">
+        <inkml:traceFormat>
+          <inkml:channel name="X" type="integer" min="-2.14748E9" max="2.14748E9" units="cm"/>
+          <inkml:channel name="Y" type="integer" min="-2.14748E9" max="2.14748E9" units="cm"/>
+          <inkml:channel name="F" type="integer" max="32767" units="dev"/>
+        </inkml:traceFormat>
+        <inkml:channelProperties>
+          <inkml:channelProperty channel="X" name="resolution" value="1000" units="1/cm"/>
+          <inkml:channelProperty channel="Y" name="resolution" value="1000" units="1/cm"/>
+          <inkml:channelProperty channel="F" name="resolution" value="0" units="1/dev"/>
+        </inkml:channelProperties>
+      </inkml:inkSource>
+      <inkml:timestamp xml:id="ts0" timeString="2023-10-30T22:11:58.575"/>
+    </inkml:context>
+    <inkml:brush xml:id="br0">
+      <inkml:brushProperty name="width" value="0.035" units="cm"/>
+      <inkml:brushProperty name="height" value="0.035" units="cm"/>
+    </inkml:brush>
+  </inkml:definitions>
+  <inkml:trace contextRef="#ctx0" brushRef="#br0">42 227 24575,'-11'-25'0,"1"1"0,0-3 0,3 3 0,4 3 0,3 3 0,0 1 0,0 4 0,3 2 0,6 2 0,9 0 0,7 1 0,4-1 0,-4 3 0,-5 2 0,-6 2 0,-2 3 0,6 2 0,7 4 0,3 4-6784,-3-2 6784,-8-2 0,-10-4 0,-6 1 0,-2 6 0,-1 6 0,-3 9 0,-1 6 6784,-1 0-6784,1-4 0,0-7 0,-3-8 0,-7-2 0,-7 0 0,-6 1 0,-3 0 0,3-2 0,7-3 0,7-3 0,6 3 0,4 2 0,1 2 0,0 2 0,3-2 0,0 0 0,4 1 0,6 2 0,6 3 0,5 2 0,0 2 0,-1-2 0,0-2 0,-2-1 0,-3-3 0,-3-2 0,-3 0 0,2 8 0,7 8 0,3 7 0,3 3 0,-2-2 0,-6-7 0,-6-7 0,-6-6 0,-3-4 0,0-2 0,0-4 0,0-4 0,2-6 0,-1 4 0,1-4 0</inkml:trace>
+</inkml:ink>
+</file>
+
+<file path=ppt/ink/ink71.xml><?xml version="1.0" encoding="utf-8"?>
+<inkml:ink xmlns:inkml="http://www.w3.org/2003/InkML">
+  <inkml:definitions>
+    <inkml:context xml:id="ctx0">
+      <inkml:inkSource xml:id="inkSrc0">
+        <inkml:traceFormat>
+          <inkml:channel name="X" type="integer" min="-2.14748E9" max="2.14748E9" units="cm"/>
+          <inkml:channel name="Y" type="integer" min="-2.14748E9" max="2.14748E9" units="cm"/>
+          <inkml:channel name="F" type="integer" max="32767" units="dev"/>
+        </inkml:traceFormat>
+        <inkml:channelProperties>
+          <inkml:channelProperty channel="X" name="resolution" value="1000" units="1/cm"/>
+          <inkml:channelProperty channel="Y" name="resolution" value="1000" units="1/cm"/>
+          <inkml:channelProperty channel="F" name="resolution" value="0" units="1/dev"/>
+        </inkml:channelProperties>
+      </inkml:inkSource>
+      <inkml:timestamp xml:id="ts0" timeString="2023-10-30T22:11:59.508"/>
+    </inkml:context>
+    <inkml:brush xml:id="br0">
+      <inkml:brushProperty name="width" value="0.035" units="cm"/>
+      <inkml:brushProperty name="height" value="0.035" units="cm"/>
+    </inkml:brush>
+  </inkml:definitions>
+  <inkml:trace contextRef="#ctx0" brushRef="#br0">30 1 24575,'-2'4'0,"1"2"0,-1 3 0,1 2 0,-2 4 0,1 2 0,-1 3 0,-1 1 0,2 1 0,0-3 0,1-6 0,1-4 0,-1-3 0,0 2 0,0 2 0,-1 3 0,1-3 0,0-2 0,1-5 0,0-4 0,2-3 0,-1-6 0,0 5 0,0-2 0</inkml:trace>
+</inkml:ink>
+</file>
+
+<file path=ppt/ink/ink72.xml><?xml version="1.0" encoding="utf-8"?>
+<inkml:ink xmlns:inkml="http://www.w3.org/2003/InkML">
+  <inkml:definitions>
+    <inkml:context xml:id="ctx0">
+      <inkml:inkSource xml:id="inkSrc0">
+        <inkml:traceFormat>
+          <inkml:channel name="X" type="integer" min="-2.14748E9" max="2.14748E9" units="cm"/>
+          <inkml:channel name="Y" type="integer" min="-2.14748E9" max="2.14748E9" units="cm"/>
+          <inkml:channel name="F" type="integer" max="32767" units="dev"/>
+        </inkml:traceFormat>
+        <inkml:channelProperties>
+          <inkml:channelProperty channel="X" name="resolution" value="1000" units="1/cm"/>
+          <inkml:channelProperty channel="Y" name="resolution" value="1000" units="1/cm"/>
+          <inkml:channelProperty channel="F" name="resolution" value="0" units="1/dev"/>
+        </inkml:channelProperties>
+      </inkml:inkSource>
+      <inkml:timestamp xml:id="ts0" timeString="2023-10-30T22:12:01.775"/>
+    </inkml:context>
+    <inkml:brush xml:id="br0">
+      <inkml:brushProperty name="width" value="0.035" units="cm"/>
+      <inkml:brushProperty name="height" value="0.035" units="cm"/>
+    </inkml:brush>
+  </inkml:definitions>
+  <inkml:trace contextRef="#ctx0" brushRef="#br0">52 15 24575,'-3'4'0,"-2"2"0,-1 5 0,1 0 0,0 1 0,2-6 0,3-6 0,1-5 0,0 0 0,-1 3 0,0 2 0,1-1 0,-1-3 0,2-6 0,-1-1 0,1-1 0,-2 4 0,0 3 0,-2 4 0,-3 3 0,-3 2 0,0 4 0,3 0 0,2 0 0,2-2 0,2-4 0,0-3 0,2-3 0,-1-3 0,1-1 0,-2 3 0,-3 6 0,-1 4 0,0 2 0,1-4 0,2-3 0,2-5 0</inkml:trace>
+</inkml:ink>
+</file>
+
+<file path=ppt/ink/ink73.xml><?xml version="1.0" encoding="utf-8"?>
+<inkml:ink xmlns:inkml="http://www.w3.org/2003/InkML">
+  <inkml:definitions>
+    <inkml:context xml:id="ctx0">
+      <inkml:inkSource xml:id="inkSrc0">
+        <inkml:traceFormat>
+          <inkml:channel name="X" type="integer" min="-2.14748E9" max="2.14748E9" units="cm"/>
+          <inkml:channel name="Y" type="integer" min="-2.14748E9" max="2.14748E9" units="cm"/>
+          <inkml:channel name="F" type="integer" max="32767" units="dev"/>
+        </inkml:traceFormat>
+        <inkml:channelProperties>
+          <inkml:channelProperty channel="X" name="resolution" value="1000" units="1/cm"/>
+          <inkml:channelProperty channel="Y" name="resolution" value="1000" units="1/cm"/>
+          <inkml:channelProperty channel="F" name="resolution" value="0" units="1/dev"/>
+        </inkml:channelProperties>
+      </inkml:inkSource>
+      <inkml:timestamp xml:id="ts0" timeString="2023-10-30T22:12:03.559"/>
+    </inkml:context>
+    <inkml:brush xml:id="br0">
+      <inkml:brushProperty name="width" value="0.035" units="cm"/>
+      <inkml:brushProperty name="height" value="0.035" units="cm"/>
+    </inkml:brush>
+  </inkml:definitions>
+  <inkml:trace contextRef="#ctx0" brushRef="#br0">48 1 24575,'-9'20'0,"1"18"0,-1 17 0,4 5 0,3-8 0,0-15 0,0-10 0,0-3 0,0 3 0,0 0 0,1 4 0,0 2 0,1 0 0,-1-1 0,0-8 0,1-8 0,-1-6 0,1 0 0,1 5 0,1 5 0,0 1 0,-1-4 0,0-5 0,0 2 0,0 3 0,1 5 0,1-4 0,-1-6 0,-2-5 0,0 2 0,0 4 0,0 1-6784,0-2 6784,0-7 0,0-4 0,-4-6 0,3 2 0,-3-2 0</inkml:trace>
+</inkml:ink>
+</file>
+
+<file path=ppt/ink/ink74.xml><?xml version="1.0" encoding="utf-8"?>
+<inkml:ink xmlns:inkml="http://www.w3.org/2003/InkML">
+  <inkml:definitions>
+    <inkml:context xml:id="ctx0">
+      <inkml:inkSource xml:id="inkSrc0">
+        <inkml:traceFormat>
+          <inkml:channel name="X" type="integer" min="-2.14748E9" max="2.14748E9" units="cm"/>
+          <inkml:channel name="Y" type="integer" min="-2.14748E9" max="2.14748E9" units="cm"/>
+          <inkml:channel name="F" type="integer" max="32767" units="dev"/>
+        </inkml:traceFormat>
+        <inkml:channelProperties>
+          <inkml:channelProperty channel="X" name="resolution" value="1000" units="1/cm"/>
+          <inkml:channelProperty channel="Y" name="resolution" value="1000" units="1/cm"/>
+          <inkml:channelProperty channel="F" name="resolution" value="0" units="1/dev"/>
+        </inkml:channelProperties>
+      </inkml:inkSource>
+      <inkml:timestamp xml:id="ts0" timeString="2023-10-30T22:12:05.626"/>
+    </inkml:context>
+    <inkml:brush xml:id="br0">
+      <inkml:brushProperty name="width" value="0.035" units="cm"/>
+      <inkml:brushProperty name="height" value="0.035" units="cm"/>
+    </inkml:brush>
+  </inkml:definitions>
+  <inkml:trace contextRef="#ctx0" brushRef="#br0">7 178 24575,'0'-14'0,"-2"-8"0,0-7 0,1-2 0,-1 4 0,2 10 0,2 5 0,7 4 0,7 2 0,3 1 0,0 1 0,-8 2 0,-3 2 0,-2-1 0,0 1 0,-1 0 0,-1 1 0,8 4 0,12 7 0,10 7 0,3 6 0,-3 3 0,-10-3 0,-8-4 0,-6-2 0,-6-4 0,-3-1 0,-2 2 0,-4 4 0,-4 5 0,-1 3 0,-2 2 0,0-3 0,-3-3 0,-1-3 0,-4-3 0,-4-4 0,-1-2 0,0-2 0,2-2 0,5-2 0,3-2 0,2-1 0,0 0 0,0 0 0,1-1 0,4 0 0,5 3 0,4 6 0,3 8 0,8 10 0,7 6 0,5 0 0,-4-6 0,-7-10 0,-7-10 0,-5-3 0,0 2 0,1 6 0,0 7 0,0 7 0,-1 4 0,-1-3 0,2-9 0,0-12 0,2-10 0,-1-4 0,1 0 0,-2 2 0,-1 2 0</inkml:trace>
+</inkml:ink>
+</file>
+
+<file path=ppt/ink/ink75.xml><?xml version="1.0" encoding="utf-8"?>
+<inkml:ink xmlns:inkml="http://www.w3.org/2003/InkML">
+  <inkml:definitions>
+    <inkml:context xml:id="ctx0">
+      <inkml:inkSource xml:id="inkSrc0">
+        <inkml:traceFormat>
+          <inkml:channel name="X" type="integer" min="-2.14748E9" max="2.14748E9" units="cm"/>
+          <inkml:channel name="Y" type="integer" min="-2.14748E9" max="2.14748E9" units="cm"/>
+          <inkml:channel name="F" type="integer" max="32767" units="dev"/>
+        </inkml:traceFormat>
+        <inkml:channelProperties>
+          <inkml:channelProperty channel="X" name="resolution" value="1000" units="1/cm"/>
+          <inkml:channelProperty channel="Y" name="resolution" value="1000" units="1/cm"/>
+          <inkml:channelProperty channel="F" name="resolution" value="0" units="1/dev"/>
+        </inkml:channelProperties>
+      </inkml:inkSource>
+      <inkml:timestamp xml:id="ts0" timeString="2023-10-30T22:12:07.178"/>
+    </inkml:context>
+    <inkml:brush xml:id="br0">
+      <inkml:brushProperty name="width" value="0.035" units="cm"/>
+      <inkml:brushProperty name="height" value="0.035" units="cm"/>
+    </inkml:brush>
+  </inkml:definitions>
+  <inkml:trace contextRef="#ctx0" brushRef="#br0">3 25 24575,'6'-5'0,"4"-1"0,5 0 0,-1 0 0,-2 4 0,-6 6 0,-3 7 0,1 8 0,3 3 0,0-1 0,-2-4 0,-2-7 0,-4-3 0,-4 0 0,-3 2 0,-2 4 0,-2 0 0,-1-1 0,1 0 0,1-2 0,2-1 0,3 0 0,3-1 0,1-1 0,1-2 0,1-1 0,-1-1 0,1 0 0,4-1 0,9 0 0,14 0 0,8 1 0,-2-2 0,-5-1 0,-14-1 0,-6-1 0,-4 1 0,-1-1 0,5 1 0,-4 0 0,2 1 0</inkml:trace>
+</inkml:ink>
+</file>
+
+<file path=ppt/ink/ink76.xml><?xml version="1.0" encoding="utf-8"?>
+<inkml:ink xmlns:inkml="http://www.w3.org/2003/InkML">
+  <inkml:definitions>
+    <inkml:context xml:id="ctx0">
+      <inkml:inkSource xml:id="inkSrc0">
+        <inkml:traceFormat>
+          <inkml:channel name="X" type="integer" min="-2.14748E9" max="2.14748E9" units="cm"/>
+          <inkml:channel name="Y" type="integer" min="-2.14748E9" max="2.14748E9" units="cm"/>
+          <inkml:channel name="F" type="integer" max="32767" units="dev"/>
+        </inkml:traceFormat>
+        <inkml:channelProperties>
+          <inkml:channelProperty channel="X" name="resolution" value="1000" units="1/cm"/>
+          <inkml:channelProperty channel="Y" name="resolution" value="1000" units="1/cm"/>
+          <inkml:channelProperty channel="F" name="resolution" value="0" units="1/dev"/>
+        </inkml:channelProperties>
+      </inkml:inkSource>
+      <inkml:timestamp xml:id="ts0" timeString="2023-10-30T22:12:10.811"/>
+    </inkml:context>
+    <inkml:brush xml:id="br0">
+      <inkml:brushProperty name="width" value="0.035" units="cm"/>
+      <inkml:brushProperty name="height" value="0.035" units="cm"/>
+    </inkml:brush>
+  </inkml:definitions>
+  <inkml:trace contextRef="#ctx0" brushRef="#br0">5 1 24575,'-2'6'0,"0"3"0,2 3 0,1 9 0,2 8 0,3 7 0,2 4 0,0-2 0,-2-3 0,-1-5 0,-3-6 0,-1-2 0,-1 0 0,1 1 0,0 1 0,1-2 0,0-4 0,0-7 0,-2-5 0,0 1 0,0 5 0,0 4 0,1 2 0,-1-6 0,1-7 0,1-5 0,1-4 0,4-8 0,-4 6 0,3-4 0</inkml:trace>
+</inkml:ink>
+</file>
+
+<file path=ppt/ink/ink77.xml><?xml version="1.0" encoding="utf-8"?>
+<inkml:ink xmlns:inkml="http://www.w3.org/2003/InkML">
+  <inkml:definitions>
+    <inkml:context xml:id="ctx0">
+      <inkml:inkSource xml:id="inkSrc0">
+        <inkml:traceFormat>
+          <inkml:channel name="X" type="integer" min="-2.14748E9" max="2.14748E9" units="cm"/>
+          <inkml:channel name="Y" type="integer" min="-2.14748E9" max="2.14748E9" units="cm"/>
+          <inkml:channel name="F" type="integer" max="32767" units="dev"/>
+        </inkml:traceFormat>
+        <inkml:channelProperties>
+          <inkml:channelProperty channel="X" name="resolution" value="1000" units="1/cm"/>
+          <inkml:channelProperty channel="Y" name="resolution" value="1000" units="1/cm"/>
+          <inkml:channelProperty channel="F" name="resolution" value="0" units="1/dev"/>
+        </inkml:channelProperties>
+      </inkml:inkSource>
+      <inkml:timestamp xml:id="ts0" timeString="2023-10-30T22:12:11.761"/>
+    </inkml:context>
+    <inkml:brush xml:id="br0">
+      <inkml:brushProperty name="width" value="0.035" units="cm"/>
+      <inkml:brushProperty name="height" value="0.035" units="cm"/>
+    </inkml:brush>
+  </inkml:definitions>
+  <inkml:trace contextRef="#ctx0" brushRef="#br0">0 35 24575,'6'-2'0,"3"0"0,8-1 0,8 0 0,7-1 0,7 0 0,3 0 0,0 1 0,-8 0 0,-12 0 0,-11 0 0,-2 5 0,-7-3 0,3 4 0</inkml:trace>
+</inkml:ink>
+</file>
+
+<file path=ppt/ink/ink78.xml><?xml version="1.0" encoding="utf-8"?>
+<inkml:ink xmlns:inkml="http://www.w3.org/2003/InkML">
+  <inkml:definitions>
+    <inkml:context xml:id="ctx0">
+      <inkml:inkSource xml:id="inkSrc0">
+        <inkml:traceFormat>
+          <inkml:channel name="X" type="integer" min="-2.14748E9" max="2.14748E9" units="cm"/>
+          <inkml:channel name="Y" type="integer" min="-2.14748E9" max="2.14748E9" units="cm"/>
+          <inkml:channel name="F" type="integer" max="32767" units="dev"/>
+        </inkml:traceFormat>
+        <inkml:channelProperties>
+          <inkml:channelProperty channel="X" name="resolution" value="1000" units="1/cm"/>
+          <inkml:channelProperty channel="Y" name="resolution" value="1000" units="1/cm"/>
+          <inkml:channelProperty channel="F" name="resolution" value="0" units="1/dev"/>
+        </inkml:channelProperties>
+      </inkml:inkSource>
+      <inkml:timestamp xml:id="ts0" timeString="2023-10-30T22:12:15.462"/>
+    </inkml:context>
+    <inkml:brush xml:id="br0">
+      <inkml:brushProperty name="width" value="0.035" units="cm"/>
+      <inkml:brushProperty name="height" value="0.035" units="cm"/>
+    </inkml:brush>
+  </inkml:definitions>
+  <inkml:trace contextRef="#ctx0" brushRef="#br0">6 0 24575,'0'17'0,"0"6"0,-1 7 0,1 9 0,-2 5 0,1 2 0,1 0 0,-1-6 0,1-5 0,0-3 0,0 1 0,0-2 0,0 0 0,-1 1 0,2-1 0,1-1 0,1-4 0,0-7 0,-1-6 0,-2-7 0,0-1 0,0 2 0,0-1 0,0 0 0,0 1 0,1 5 0,0 5 0,0-1 0,2-9 0,1-10 0,0-6 0,0 0 0,-1 0 0,-2-3 0,0 6 0,-2-1 0</inkml:trace>
+</inkml:ink>
+</file>
+
+<file path=ppt/ink/ink79.xml><?xml version="1.0" encoding="utf-8"?>
+<inkml:ink xmlns:inkml="http://www.w3.org/2003/InkML">
+  <inkml:definitions>
+    <inkml:context xml:id="ctx0">
+      <inkml:inkSource xml:id="inkSrc0">
+        <inkml:traceFormat>
+          <inkml:channel name="X" type="integer" min="-2.14748E9" max="2.14748E9" units="cm"/>
+          <inkml:channel name="Y" type="integer" min="-2.14748E9" max="2.14748E9" units="cm"/>
+          <inkml:channel name="F" type="integer" max="32767" units="dev"/>
+        </inkml:traceFormat>
+        <inkml:channelProperties>
+          <inkml:channelProperty channel="X" name="resolution" value="1000" units="1/cm"/>
+          <inkml:channelProperty channel="Y" name="resolution" value="1000" units="1/cm"/>
+          <inkml:channelProperty channel="F" name="resolution" value="0" units="1/dev"/>
+        </inkml:channelProperties>
+      </inkml:inkSource>
+      <inkml:timestamp xml:id="ts0" timeString="2023-10-30T22:12:17.663"/>
+    </inkml:context>
+    <inkml:brush xml:id="br0">
+      <inkml:brushProperty name="width" value="0.035" units="cm"/>
+      <inkml:brushProperty name="height" value="0.035" units="cm"/>
+    </inkml:brush>
+  </inkml:definitions>
+  <inkml:trace contextRef="#ctx0" brushRef="#br0">18 147 24575,'5'-20'0,"2"-1"0,4-4 0,2 1 0,0 3 0,-1 6 0,-3 6 0,3 4 0,9 1 0,8 2 0,5 2 0,-1 3 0,-7 4 0,-3 3 0,-5 0 0,-6-2 0,-6-1 0,-5 2 0,-3 9 0,0 10 0,-1 7 0,1-1 0,-2-4 0,-2-5 0,-4-6 0,-6-1 0,-5-3 0,-10 0 0,-7-2 0,-5-2 0,3-2 0,7-2 0,11-1 0,9-3 0,6 1 0,3 0 0,1 0 0,1-1 0,1-2 0,1 2 0,1 4 0,3 7 0,7 9 0,5 3 0,2-3 0,-3-8 0,-7-8 0,-4-4 0,-2 0 0,6 5 0,9 8 0,8 7 0,3 2 0,-2-4 0,-8-8 0,-8-4 0,0 5 0,6 11 0,5 8 0,0 0 0,-6-6 0,-8-8 0,-4-5 0,-1-6 0,-6-20 0,3 7 0,-4-11 0</inkml:trace>
+</inkml:ink>
+</file>
+
 <file path=ppt/ink/ink8.xml><?xml version="1.0" encoding="utf-8"?>
 <inkml:ink xmlns:inkml="http://www.w3.org/2003/InkML">
   <inkml:definitions>
@@ -1563,6 +2847,276 @@
 </inkml:ink>
 </file>
 
+<file path=ppt/ink/ink80.xml><?xml version="1.0" encoding="utf-8"?>
+<inkml:ink xmlns:inkml="http://www.w3.org/2003/InkML">
+  <inkml:definitions>
+    <inkml:context xml:id="ctx0">
+      <inkml:inkSource xml:id="inkSrc0">
+        <inkml:traceFormat>
+          <inkml:channel name="X" type="integer" min="-2.14748E9" max="2.14748E9" units="cm"/>
+          <inkml:channel name="Y" type="integer" min="-2.14748E9" max="2.14748E9" units="cm"/>
+          <inkml:channel name="F" type="integer" max="32767" units="dev"/>
+        </inkml:traceFormat>
+        <inkml:channelProperties>
+          <inkml:channelProperty channel="X" name="resolution" value="1000" units="1/cm"/>
+          <inkml:channelProperty channel="Y" name="resolution" value="1000" units="1/cm"/>
+          <inkml:channelProperty channel="F" name="resolution" value="0" units="1/dev"/>
+        </inkml:channelProperties>
+      </inkml:inkSource>
+      <inkml:timestamp xml:id="ts0" timeString="2023-10-30T22:12:19.364"/>
+    </inkml:context>
+    <inkml:brush xml:id="br0">
+      <inkml:brushProperty name="width" value="0.035" units="cm"/>
+      <inkml:brushProperty name="height" value="0.035" units="cm"/>
+    </inkml:brush>
+  </inkml:definitions>
+  <inkml:trace contextRef="#ctx0" brushRef="#br0">1 79 24575,'11'-18'0,"0"0"0,2-1 0,-4 6 0,-3 6 0,-3 4 0,-1 2 0,-1 2 0,4 4 0,2 4 0,2 2 0,-2-2 0,-3-2 0,-3 1 0,0 4 0,1 5 0,0 4 0,0 1 0,-3 3 0,-1 2 0,0-1 0,-1-4 0,0-7 0,-2-6 0,-3-3 0,-3 0 0,-1-1 0,-2 1 0,3 0 0,1-1 0,3-1 0,4-1 0,2-1 0,1 2 0,0 5 0,0 2 0,2-1 0,5-5 0,19-2 0,18 1 0,8-1 0,-5 0 0,-20-3 0,-16-2 0,-8-2 0,4-9 0,-5 7 0,4-4 0</inkml:trace>
+</inkml:ink>
+</file>
+
+<file path=ppt/ink/ink81.xml><?xml version="1.0" encoding="utf-8"?>
+<inkml:ink xmlns:inkml="http://www.w3.org/2003/InkML">
+  <inkml:definitions>
+    <inkml:context xml:id="ctx0">
+      <inkml:inkSource xml:id="inkSrc0">
+        <inkml:traceFormat>
+          <inkml:channel name="X" type="integer" min="-2.14748E9" max="2.14748E9" units="cm"/>
+          <inkml:channel name="Y" type="integer" min="-2.14748E9" max="2.14748E9" units="cm"/>
+          <inkml:channel name="F" type="integer" max="32767" units="dev"/>
+        </inkml:traceFormat>
+        <inkml:channelProperties>
+          <inkml:channelProperty channel="X" name="resolution" value="1000" units="1/cm"/>
+          <inkml:channelProperty channel="Y" name="resolution" value="1000" units="1/cm"/>
+          <inkml:channelProperty channel="F" name="resolution" value="0" units="1/dev"/>
+        </inkml:channelProperties>
+      </inkml:inkSource>
+      <inkml:timestamp xml:id="ts0" timeString="2023-10-30T22:12:20.997"/>
+    </inkml:context>
+    <inkml:brush xml:id="br0">
+      <inkml:brushProperty name="width" value="0.035" units="cm"/>
+      <inkml:brushProperty name="height" value="0.035" units="cm"/>
+    </inkml:brush>
+  </inkml:definitions>
+  <inkml:trace contextRef="#ctx0" brushRef="#br0">8 0 24575,'-3'5'0,"1"-1"0,0 2 0,1 0 0,1 3 0,0 4 0,0-1 0,2-2 0,4-7 0,5-7 0,4-3 0,-2-1 0,-5 3 0,-6 6 0,-4 6 0,0 5 0,1-1 0,1-2 0,1-9 0,0-8 0,0-4 0,0 0 0,-2 4 0,1 6 0,-1 3 0,1-4 0,1-1 0,10-6 0,-7 4 0,6 0 0</inkml:trace>
+</inkml:ink>
+</file>
+
+<file path=ppt/ink/ink82.xml><?xml version="1.0" encoding="utf-8"?>
+<inkml:ink xmlns:inkml="http://www.w3.org/2003/InkML">
+  <inkml:definitions>
+    <inkml:context xml:id="ctx0">
+      <inkml:inkSource xml:id="inkSrc0">
+        <inkml:traceFormat>
+          <inkml:channel name="X" type="integer" min="-2.14748E9" max="2.14748E9" units="cm"/>
+          <inkml:channel name="Y" type="integer" min="-2.14748E9" max="2.14748E9" units="cm"/>
+          <inkml:channel name="F" type="integer" max="32767" units="dev"/>
+        </inkml:traceFormat>
+        <inkml:channelProperties>
+          <inkml:channelProperty channel="X" name="resolution" value="1000" units="1/cm"/>
+          <inkml:channelProperty channel="Y" name="resolution" value="1000" units="1/cm"/>
+          <inkml:channelProperty channel="F" name="resolution" value="0" units="1/dev"/>
+        </inkml:channelProperties>
+      </inkml:inkSource>
+      <inkml:timestamp xml:id="ts0" timeString="2023-10-30T22:12:22.297"/>
+    </inkml:context>
+    <inkml:brush xml:id="br0">
+      <inkml:brushProperty name="width" value="0.035" units="cm"/>
+      <inkml:brushProperty name="height" value="0.035" units="cm"/>
+    </inkml:brush>
+  </inkml:definitions>
+  <inkml:trace contextRef="#ctx0" brushRef="#br0">4 0 24575,'-2'9'0,"1"12"0,2 18 0,4 17 0,5 15 0,1-3 0,-1-9 0,-4-12 0,-4-15 0,-1-7 0,0-4 0,-1-1 0,0 3 0,0-3 0,0-2 0,-1-1 0,-1 5 0,1 7 0,-1 0 0,2-7 0,0-11 0,0-3 0,0 2 0,-1 1 0,0-2 0,2-9 0,1-14 0,0 7 0,-2-5 0</inkml:trace>
+</inkml:ink>
+</file>
+
+<file path=ppt/ink/ink83.xml><?xml version="1.0" encoding="utf-8"?>
+<inkml:ink xmlns:inkml="http://www.w3.org/2003/InkML">
+  <inkml:definitions>
+    <inkml:context xml:id="ctx0">
+      <inkml:inkSource xml:id="inkSrc0">
+        <inkml:traceFormat>
+          <inkml:channel name="X" type="integer" min="-2.14748E9" max="2.14748E9" units="cm"/>
+          <inkml:channel name="Y" type="integer" min="-2.14748E9" max="2.14748E9" units="cm"/>
+          <inkml:channel name="F" type="integer" max="32767" units="dev"/>
+        </inkml:traceFormat>
+        <inkml:channelProperties>
+          <inkml:channelProperty channel="X" name="resolution" value="1000" units="1/cm"/>
+          <inkml:channelProperty channel="Y" name="resolution" value="1000" units="1/cm"/>
+          <inkml:channelProperty channel="F" name="resolution" value="0" units="1/dev"/>
+        </inkml:channelProperties>
+      </inkml:inkSource>
+      <inkml:timestamp xml:id="ts0" timeString="2023-10-30T22:12:23.965"/>
+    </inkml:context>
+    <inkml:brush xml:id="br0">
+      <inkml:brushProperty name="width" value="0.035" units="cm"/>
+      <inkml:brushProperty name="height" value="0.035" units="cm"/>
+    </inkml:brush>
+  </inkml:definitions>
+  <inkml:trace contextRef="#ctx0" brushRef="#br0">0 182 24575,'3'-9'0,"4"-5"0,5-13 0,4-8 0,0-1 0,-1 7 0,-5 12 0,-1 8 0,-1 5 0,4 3 0,8 2 0,4 5 0,3 5 0,-2 5 0,-5 0 0,-7-3 0,-6-2 0,-5 2 0,-1 6 0,1 9 0,2 3 0,-2 1 0,0-3 0,-3-3 0,-3-1 0,-6-2 0,-8-1 0,-10 0 0,-8 1 0,-4 0 0,3-4 0,7-3 0,8-4 0,9-5 0,6-2 0,3-2 0,3-1 0,-1 1 0,3 2 0,7 6 0,13 12 0,12 11 0,7 2 0,-2-4 0,-13-11 0,-11-10 0,-8-5 0,-3 2 0,0 4 0,1 5 0,0 6 0,1 1 0,0-3 0,-1-5 0,-2-3 0,1 5 0,2 4 0,-1-2 0,0-11 0,-1-14 0,-2-13 0,0 7 0,-1-3 0</inkml:trace>
+</inkml:ink>
+</file>
+
+<file path=ppt/ink/ink84.xml><?xml version="1.0" encoding="utf-8"?>
+<inkml:ink xmlns:inkml="http://www.w3.org/2003/InkML">
+  <inkml:definitions>
+    <inkml:context xml:id="ctx0">
+      <inkml:inkSource xml:id="inkSrc0">
+        <inkml:traceFormat>
+          <inkml:channel name="X" type="integer" min="-2.14748E9" max="2.14748E9" units="cm"/>
+          <inkml:channel name="Y" type="integer" min="-2.14748E9" max="2.14748E9" units="cm"/>
+          <inkml:channel name="F" type="integer" max="32767" units="dev"/>
+        </inkml:traceFormat>
+        <inkml:channelProperties>
+          <inkml:channelProperty channel="X" name="resolution" value="1000" units="1/cm"/>
+          <inkml:channelProperty channel="Y" name="resolution" value="1000" units="1/cm"/>
+          <inkml:channelProperty channel="F" name="resolution" value="0" units="1/dev"/>
+        </inkml:channelProperties>
+      </inkml:inkSource>
+      <inkml:timestamp xml:id="ts0" timeString="2023-10-30T22:12:26.031"/>
+    </inkml:context>
+    <inkml:brush xml:id="br0">
+      <inkml:brushProperty name="width" value="0.035" units="cm"/>
+      <inkml:brushProperty name="height" value="0.035" units="cm"/>
+    </inkml:brush>
+  </inkml:definitions>
+  <inkml:trace contextRef="#ctx0" brushRef="#br0">29 21 24575,'14'-7'0,"-1"1"0,0 1 0,-5 3 0,-4 2 0,-3 1 0,2 5 0,2 3 0,1 1 0,0-2 0,-4-5 0,-1-2 0,-2 1 0,-1 1 0,-4 4 0,-7 4 0,-7 3 0,1 0 0,4-4 0,6-4 0,5-3 0,1 0 0,1-1 0,-2 1 0,0-1 0,1 0 0,3-1 0,6-1 0,9-1 0,4 0 0,0 0 0,-4 1 0,-5 2 0,9 8 0,8 7 0,2 2 0,-4-3 0,-15-10 0,-9-4 0,-1 1 0,-1 3 0,-2 4 0,0 3 0,-2-1 0,-2 1 0,-2-1 0,1 0 0,0-3 0,0-3 0,-2-1 0,-1 0 0,1-1 0,4-1 0,4-5 0,3-2 0,0-3 0,0-1 0,-1 3 0,0 0 0</inkml:trace>
+</inkml:ink>
+</file>
+
+<file path=ppt/ink/ink85.xml><?xml version="1.0" encoding="utf-8"?>
+<inkml:ink xmlns:inkml="http://www.w3.org/2003/InkML">
+  <inkml:definitions>
+    <inkml:context xml:id="ctx0">
+      <inkml:inkSource xml:id="inkSrc0">
+        <inkml:traceFormat>
+          <inkml:channel name="X" type="integer" min="-2.14748E9" max="2.14748E9" units="cm"/>
+          <inkml:channel name="Y" type="integer" min="-2.14748E9" max="2.14748E9" units="cm"/>
+          <inkml:channel name="F" type="integer" max="32767" units="dev"/>
+        </inkml:traceFormat>
+        <inkml:channelProperties>
+          <inkml:channelProperty channel="X" name="resolution" value="1000" units="1/cm"/>
+          <inkml:channelProperty channel="Y" name="resolution" value="1000" units="1/cm"/>
+          <inkml:channelProperty channel="F" name="resolution" value="0" units="1/dev"/>
+        </inkml:channelProperties>
+      </inkml:inkSource>
+      <inkml:timestamp xml:id="ts0" timeString="2023-10-30T22:12:28.216"/>
+    </inkml:context>
+    <inkml:brush xml:id="br0">
+      <inkml:brushProperty name="width" value="0.035" units="cm"/>
+      <inkml:brushProperty name="height" value="0.035" units="cm"/>
+    </inkml:brush>
+  </inkml:definitions>
+  <inkml:trace contextRef="#ctx0" brushRef="#br0">48 1 24575,'-3'19'0,"0"8"0,1 9 0,0 6 0,1-1 0,0-8 0,-1-8 0,-1-6 0,-2-2 0,1 0 0,1-2 0,1-5 0,1-3 0,0 3 0,-1 3 0,0 1 0,1-2 0,1-7 0,-5-23 0,4 12 0,-3-12 0</inkml:trace>
+</inkml:ink>
+</file>
+
+<file path=ppt/ink/ink86.xml><?xml version="1.0" encoding="utf-8"?>
+<inkml:ink xmlns:inkml="http://www.w3.org/2003/InkML">
+  <inkml:definitions>
+    <inkml:context xml:id="ctx0">
+      <inkml:inkSource xml:id="inkSrc0">
+        <inkml:traceFormat>
+          <inkml:channel name="X" type="integer" min="-2.14748E9" max="2.14748E9" units="cm"/>
+          <inkml:channel name="Y" type="integer" min="-2.14748E9" max="2.14748E9" units="cm"/>
+          <inkml:channel name="F" type="integer" max="32767" units="dev"/>
+        </inkml:traceFormat>
+        <inkml:channelProperties>
+          <inkml:channelProperty channel="X" name="resolution" value="1000" units="1/cm"/>
+          <inkml:channelProperty channel="Y" name="resolution" value="1000" units="1/cm"/>
+          <inkml:channelProperty channel="F" name="resolution" value="0" units="1/dev"/>
+        </inkml:channelProperties>
+      </inkml:inkSource>
+      <inkml:timestamp xml:id="ts0" timeString="2023-10-30T22:12:28.966"/>
+    </inkml:context>
+    <inkml:brush xml:id="br0">
+      <inkml:brushProperty name="width" value="0.035" units="cm"/>
+      <inkml:brushProperty name="height" value="0.035" units="cm"/>
+    </inkml:brush>
+  </inkml:definitions>
+  <inkml:trace contextRef="#ctx0" brushRef="#br0">1 0 24575,'8'1'0,"8"3"0,16 3 0,21 4 0,13 0 0,0-1 0,-11-3 0,-17-3 0,-13-2 0,-8-3 0,-3-1 0,-3 0 0,-2 0 0,-2 4 0,-3-2 0,0 2 0</inkml:trace>
+</inkml:ink>
+</file>
+
+<file path=ppt/ink/ink87.xml><?xml version="1.0" encoding="utf-8"?>
+<inkml:ink xmlns:inkml="http://www.w3.org/2003/InkML">
+  <inkml:definitions>
+    <inkml:context xml:id="ctx0">
+      <inkml:inkSource xml:id="inkSrc0">
+        <inkml:traceFormat>
+          <inkml:channel name="X" type="integer" min="-2.14748E9" max="2.14748E9" units="cm"/>
+          <inkml:channel name="Y" type="integer" min="-2.14748E9" max="2.14748E9" units="cm"/>
+          <inkml:channel name="F" type="integer" max="32767" units="dev"/>
+        </inkml:traceFormat>
+        <inkml:channelProperties>
+          <inkml:channelProperty channel="X" name="resolution" value="1000" units="1/cm"/>
+          <inkml:channelProperty channel="Y" name="resolution" value="1000" units="1/cm"/>
+          <inkml:channelProperty channel="F" name="resolution" value="0" units="1/dev"/>
+        </inkml:channelProperties>
+      </inkml:inkSource>
+      <inkml:timestamp xml:id="ts0" timeString="2023-10-30T22:12:33.501"/>
+    </inkml:context>
+    <inkml:brush xml:id="br0">
+      <inkml:brushProperty name="width" value="0.035" units="cm"/>
+      <inkml:brushProperty name="height" value="0.035" units="cm"/>
+    </inkml:brush>
+  </inkml:definitions>
+  <inkml:trace contextRef="#ctx0" brushRef="#br0">0 44 24575,'0'23'0,"5"9"0,3 11 0,3 8 0,-1-1 0,-2-2 0,-4 1 0,-2-7 0,0-8 0,-1-7 0,1-12 0,0-2 0,1 3 0,2 6 0,1 8 0,0 4 0,0 3 0,-1-4 0,-2-3 0,0-4 0,-2-4 0,-1-4 0,0-4 0,0-5 0,0-3 0,0-3 0,0 1 0,-1 7 0,0 9 0,0 7 0,0-2 0,1-8 0,0-10 0,0-9 0,1-2 0,-1 0 0,1-5 0,0-9 0,1-10 0,-1-11 0,-2-9 0,-2-9 0,-4-9 0,-7-5 0,-3 4 0,0 8 0,5 10 0,5 8 0,6 6 0,2 0 0,1 0 0,0 0 0,0 2 0,2 4 0,-1 0 0,1 5 0,-2 4 0,0 6 0,-1 5 0,2 4 0,4 2 0,7-1 0,13 0 0,12 0 0,3 2 0,-5 2 0,-14 1 0,-12 0 0,-5 4 0,1 8 0,1 14 0,3 12 0,-1 6 0,-2-3 0,-3-11 0,-5-11 0,-6-5 0,-8 0 0,-10 5 0,-11 4 0,-6 1 0,-1-3 0,3-5 0,7-5 0,9-3 0,7-3 0,7-2 0,3-1 0,2-1 0,1 0 0,2 0 0,1 3 0,4 6 0,9 9 0,7 6 0,6 2 0,0-4 0,-8-7 0,-6-7 0,-7-4 0,2 4 0,8 8 0,7 9 0,3 5 0,-1-2 0,-6-6 0,-4-7 0,-5-4 0,-7 3 0,-1 9 0,0 5 0,1-2 0,2-9 0,1-6 0,2-3 0,0-1 0,0-4 0,-2-8 0,-1-6 0,-2 3 0,1 0 0</inkml:trace>
+</inkml:ink>
+</file>
+
+<file path=ppt/ink/ink88.xml><?xml version="1.0" encoding="utf-8"?>
+<inkml:ink xmlns:inkml="http://www.w3.org/2003/InkML">
+  <inkml:definitions>
+    <inkml:context xml:id="ctx0">
+      <inkml:inkSource xml:id="inkSrc0">
+        <inkml:traceFormat>
+          <inkml:channel name="X" type="integer" min="-2.14748E9" max="2.14748E9" units="cm"/>
+          <inkml:channel name="Y" type="integer" min="-2.14748E9" max="2.14748E9" units="cm"/>
+          <inkml:channel name="F" type="integer" max="32767" units="dev"/>
+        </inkml:traceFormat>
+        <inkml:channelProperties>
+          <inkml:channelProperty channel="X" name="resolution" value="1000" units="1/cm"/>
+          <inkml:channelProperty channel="Y" name="resolution" value="1000" units="1/cm"/>
+          <inkml:channelProperty channel="F" name="resolution" value="0" units="1/dev"/>
+        </inkml:channelProperties>
+      </inkml:inkSource>
+      <inkml:timestamp xml:id="ts0" timeString="2023-10-30T22:12:34.251"/>
+    </inkml:context>
+    <inkml:brush xml:id="br0">
+      <inkml:brushProperty name="width" value="0.035" units="cm"/>
+      <inkml:brushProperty name="height" value="0.035" units="cm"/>
+    </inkml:brush>
+  </inkml:definitions>
+  <inkml:trace contextRef="#ctx0" brushRef="#br0">1 0 24575,'0'30'0,"2"3"0,1 8 0,0 1 0,1-6 0,-3-10 0,1-12 0,0-13 0,1-11 0,1-4 0,-1 4 0,0 2 0</inkml:trace>
+</inkml:ink>
+</file>
+
+<file path=ppt/ink/ink89.xml><?xml version="1.0" encoding="utf-8"?>
+<inkml:ink xmlns:inkml="http://www.w3.org/2003/InkML">
+  <inkml:definitions>
+    <inkml:context xml:id="ctx0">
+      <inkml:inkSource xml:id="inkSrc0">
+        <inkml:traceFormat>
+          <inkml:channel name="X" type="integer" min="-2.14748E9" max="2.14748E9" units="cm"/>
+          <inkml:channel name="Y" type="integer" min="-2.14748E9" max="2.14748E9" units="cm"/>
+          <inkml:channel name="F" type="integer" max="32767" units="dev"/>
+        </inkml:traceFormat>
+        <inkml:channelProperties>
+          <inkml:channelProperty channel="X" name="resolution" value="1000" units="1/cm"/>
+          <inkml:channelProperty channel="Y" name="resolution" value="1000" units="1/cm"/>
+          <inkml:channelProperty channel="F" name="resolution" value="0" units="1/dev"/>
+        </inkml:channelProperties>
+      </inkml:inkSource>
+      <inkml:timestamp xml:id="ts0" timeString="2023-10-30T22:12:36.134"/>
+    </inkml:context>
+    <inkml:brush xml:id="br0">
+      <inkml:brushProperty name="width" value="0.035" units="cm"/>
+      <inkml:brushProperty name="height" value="0.035" units="cm"/>
+    </inkml:brush>
+  </inkml:definitions>
+  <inkml:trace contextRef="#ctx0" brushRef="#br0">44 29 24575,'-9'10'0,"0"4"0,-2 6 0,3 0 0,3-4 0,3-5 0,3-9 0,6-13 0,2-11 0,-1-10 0,-3 1 0,-5 12 0,-1 12 0,1 11 0,0 3 0,-1 3 0,1 7 0,-1 7 0,1 0 0,0-8 0,4-14 0,2-11 0,2-6 0,-1 0 0,-4 4 0,-7 10 0,-5 9 0,-1 5 0,1 2 0,5-3 0,2-4 0,1-3 0,0-3 0,1-2 0,0-4 0,0 2 0,0-2 0</inkml:trace>
+</inkml:ink>
+</file>
+
 <file path=ppt/ink/ink9.xml><?xml version="1.0" encoding="utf-8"?>
 <inkml:ink xmlns:inkml="http://www.w3.org/2003/InkML">
   <inkml:definitions>
@@ -1587,6 +3141,283 @@
     </inkml:brush>
   </inkml:definitions>
   <inkml:trace contextRef="#ctx0" brushRef="#br0">2 0 24575,'-1'9'0,"1"11"0,3 15 0,2 17 0,1 7 0,-2-7 0,-1-13 0,-3-16 0,-1-12 0,-1-1 0,0 3 0,-1 3 0,1-1 0,-1-1 0,-1-3 0,2-3 0,1-4 0,2-5 0,2-7 0,3-11 0,3-16 0,2-17 0,0-4 0,-3 10 0,-2 16 0,-3 15 0,8-1 0,3-2 0,3 0 0,-2 3 0,-6 10 0,0 3 0,2 1 0,4 2 0,6 3 0,-1 2 0,-4 4 0,-7 11 0,-1 12 0,-1 8 0,2-1 0,-3-10 0,-6-11 0,-3-3 0,-2 5 0,-1 8 0,0 0 0,2-7 0,1-8 0,-3 1 0,-1 5 0,1 0 0,1-6 0,7-15 0,1-12 0,-3-9 0,-10-1 0,4 9 0,-4 5 0</inkml:trace>
+</inkml:ink>
+</file>
+
+<file path=ppt/ink/ink90.xml><?xml version="1.0" encoding="utf-8"?>
+<inkml:ink xmlns:inkml="http://www.w3.org/2003/InkML">
+  <inkml:definitions>
+    <inkml:context xml:id="ctx0">
+      <inkml:inkSource xml:id="inkSrc0">
+        <inkml:traceFormat>
+          <inkml:channel name="X" type="integer" min="-2.14748E9" max="2.14748E9" units="cm"/>
+          <inkml:channel name="Y" type="integer" min="-2.14748E9" max="2.14748E9" units="cm"/>
+          <inkml:channel name="F" type="integer" max="32767" units="dev"/>
+        </inkml:traceFormat>
+        <inkml:channelProperties>
+          <inkml:channelProperty channel="X" name="resolution" value="1000" units="1/cm"/>
+          <inkml:channelProperty channel="Y" name="resolution" value="1000" units="1/cm"/>
+          <inkml:channelProperty channel="F" name="resolution" value="0" units="1/dev"/>
+        </inkml:channelProperties>
+      </inkml:inkSource>
+      <inkml:timestamp xml:id="ts0" timeString="2023-10-30T22:12:37.601"/>
+    </inkml:context>
+    <inkml:brush xml:id="br0">
+      <inkml:brushProperty name="width" value="0.035" units="cm"/>
+      <inkml:brushProperty name="height" value="0.035" units="cm"/>
+    </inkml:brush>
+  </inkml:definitions>
+  <inkml:trace contextRef="#ctx0" brushRef="#br0">15 0 24575,'-3'18'0,"-1"14"0,0 21 0,1 16 0,3 2 0,0-2 0,0-5 0,1-5 0,0-9 0,1-12 0,0-16 0,-2-12 0,0-4 0,0 2 0,-1 6 0,1 5 0,-1 5 0,1 0 0,0-2 0,0-6 0,0-5 0,1 3 0,0 5 0,4 7 0,3-1 0,-1-8 0,-2-10 0,-1-8 0,0-4 0,0-2 0,0 0 0,-2 2 0,-1 3 0,0 0 0</inkml:trace>
+</inkml:ink>
+</file>
+
+<file path=ppt/ink/ink91.xml><?xml version="1.0" encoding="utf-8"?>
+<inkml:ink xmlns:inkml="http://www.w3.org/2003/InkML">
+  <inkml:definitions>
+    <inkml:context xml:id="ctx0">
+      <inkml:inkSource xml:id="inkSrc0">
+        <inkml:traceFormat>
+          <inkml:channel name="X" type="integer" min="-2.14748E9" max="2.14748E9" units="cm"/>
+          <inkml:channel name="Y" type="integer" min="-2.14748E9" max="2.14748E9" units="cm"/>
+          <inkml:channel name="F" type="integer" max="32767" units="dev"/>
+        </inkml:traceFormat>
+        <inkml:channelProperties>
+          <inkml:channelProperty channel="X" name="resolution" value="1000" units="1/cm"/>
+          <inkml:channelProperty channel="Y" name="resolution" value="1000" units="1/cm"/>
+          <inkml:channelProperty channel="F" name="resolution" value="0" units="1/dev"/>
+        </inkml:channelProperties>
+      </inkml:inkSource>
+      <inkml:timestamp xml:id="ts0" timeString="2023-10-30T22:12:39.385"/>
+    </inkml:context>
+    <inkml:brush xml:id="br0">
+      <inkml:brushProperty name="width" value="0.035" units="cm"/>
+      <inkml:brushProperty name="height" value="0.035" units="cm"/>
+    </inkml:brush>
+  </inkml:definitions>
+  <inkml:trace contextRef="#ctx0" brushRef="#br0">50 77 24575,'8'-9'0,"9"-3"0,14-4 0,7-1 0,1 3 0,-13 6 0,-15 7 0,-7 7 0,-2 9 0,1 5 0,0-1 0,-1-1 0,-2-2 0,-2 3 0,-2 9 0,-2 6 0,-2 2 0,-3-1 0,-4-5 0,-8-8 0,-6-4 0,-6-2 0,0-2 0,4-3 0,9-2 0,10 3 0,15 10 0,13 12 0,7 9 0,3-2 0,-4-11 0,-7-10 0,-5-7 0,-3 1 0,1 3 0,5 6 0,1 2 0,-3-5 0,-1-6 0,9-3 0,17 2 0,10 3 0,3 0 0,-13-6 0,-15-5 0,-10-5 0,-7-4 0,-4 2 0,1-2 0</inkml:trace>
+</inkml:ink>
+</file>
+
+<file path=ppt/ink/ink92.xml><?xml version="1.0" encoding="utf-8"?>
+<inkml:ink xmlns:inkml="http://www.w3.org/2003/InkML">
+  <inkml:definitions>
+    <inkml:context xml:id="ctx0">
+      <inkml:inkSource xml:id="inkSrc0">
+        <inkml:traceFormat>
+          <inkml:channel name="X" type="integer" min="-2.14748E9" max="2.14748E9" units="cm"/>
+          <inkml:channel name="Y" type="integer" min="-2.14748E9" max="2.14748E9" units="cm"/>
+          <inkml:channel name="F" type="integer" max="32767" units="dev"/>
+        </inkml:traceFormat>
+        <inkml:channelProperties>
+          <inkml:channelProperty channel="X" name="resolution" value="1000" units="1/cm"/>
+          <inkml:channelProperty channel="Y" name="resolution" value="1000" units="1/cm"/>
+          <inkml:channelProperty channel="F" name="resolution" value="0" units="1/dev"/>
+        </inkml:channelProperties>
+      </inkml:inkSource>
+      <inkml:timestamp xml:id="ts0" timeString="2023-10-30T22:12:41.269"/>
+    </inkml:context>
+    <inkml:brush xml:id="br0">
+      <inkml:brushProperty name="width" value="0.035" units="cm"/>
+      <inkml:brushProperty name="height" value="0.035" units="cm"/>
+    </inkml:brush>
+  </inkml:definitions>
+  <inkml:trace contextRef="#ctx0" brushRef="#br0">25 18 24575,'-3'8'0,"0"2"0,0 0 0,2-3 0,5-7 0,7-6 0,7-5 0,3-1 0,0 2 0,-1 2 0,-6 3 0,-6 5 0,-5 4 0,-1 8 0,2 7 0,0 2 0,-1-4 0,-3-6 0,-6-4 0,-9 2 0,-9 3 0,-9-1 0,0-2 0,8-3 0,14-5 0,15 0 0,11 1 0,6 1 0,-1 1 0,-5 1 0,-8-1 0,-3 2 0,-1 4 0,0 4 0,1 0 0,-2-1 0,-1-6 0,-1-2 0,-1 0 0,-2 3 0,-2 4 0,-1 2 0,-1 0 0,-2-1 0,-4-2 0,0-1 0,2-2 0,5-4 0,5-4 0,1-1 0,0-1 0</inkml:trace>
+</inkml:ink>
+</file>
+
+<file path=ppt/ink/ink93.xml><?xml version="1.0" encoding="utf-8"?>
+<inkml:ink xmlns:inkml="http://www.w3.org/2003/InkML">
+  <inkml:definitions>
+    <inkml:context xml:id="ctx0">
+      <inkml:inkSource xml:id="inkSrc0">
+        <inkml:traceFormat>
+          <inkml:channel name="X" type="integer" min="-2.14748E9" max="2.14748E9" units="cm"/>
+          <inkml:channel name="Y" type="integer" min="-2.14748E9" max="2.14748E9" units="cm"/>
+          <inkml:channel name="F" type="integer" max="32767" units="dev"/>
+        </inkml:traceFormat>
+        <inkml:channelProperties>
+          <inkml:channelProperty channel="X" name="resolution" value="1000" units="1/cm"/>
+          <inkml:channelProperty channel="Y" name="resolution" value="1000" units="1/cm"/>
+          <inkml:channelProperty channel="F" name="resolution" value="0" units="1/dev"/>
+        </inkml:channelProperties>
+      </inkml:inkSource>
+      <inkml:timestamp xml:id="ts0" timeString="2023-10-30T22:12:48.137"/>
+    </inkml:context>
+    <inkml:brush xml:id="br0">
+      <inkml:brushProperty name="width" value="0.035" units="cm"/>
+      <inkml:brushProperty name="height" value="0.035" units="cm"/>
+      <inkml:brushProperty name="color" value="#E71224"/>
+    </inkml:brush>
+  </inkml:definitions>
+  <inkml:trace contextRef="#ctx0" brushRef="#br0">1 51 24575,'1'6'0,"3"9"0,3 9 0,6 15 0,6 8 0,2 3 0,-2-3 0,-4-7 0,-2-5 0,-2-6 0,-1-4 0,-2-4 0,-1-2 0,1 1 0,1-1 0,1-1 0,-2-4 0,0-2 0,-1-1 0,-3-4 0,5-18 0,5-29 0,3-26 0,0-11 0,-6 8 0,-6 14 0,-3 18 0,-1 11 0,-1 9 0,2 0 0,2-8 0,0-7 0,-1 1 0,-1 13 0,-2 12 0,0 8 0,0 7 0,1 18 0,5 23 0,7 20 0,8 12 0,3-6 0,-5-16 0,-6-19 0,-8-20 0,-4-13 0,-1-6 0,1 4 0,1 6 0,2 5 0,1-1 0,-1-8 0,1-12 0,4-13 0,3-9 0,-1-5 0,-3-4 0,-2 1 0,-2 0 0,0 4 0,1 0 0,-2-3 0,-1-1 0,1 2 0,-1 6 0,0 5 0,2-2 0,1 1 0,-2 4 0,-1 6 0,0 3 0,-1-1 0,0 1 0,1 1 0,0-1 0,2-2 0,-3 3 0,-1 6 0,-1 3 0,-1 3 0</inkml:trace>
+</inkml:ink>
+</file>
+
+<file path=ppt/ink/ink94.xml><?xml version="1.0" encoding="utf-8"?>
+<inkml:ink xmlns:inkml="http://www.w3.org/2003/InkML">
+  <inkml:definitions>
+    <inkml:context xml:id="ctx0">
+      <inkml:inkSource xml:id="inkSrc0">
+        <inkml:traceFormat>
+          <inkml:channel name="X" type="integer" min="-2.14748E9" max="2.14748E9" units="cm"/>
+          <inkml:channel name="Y" type="integer" min="-2.14748E9" max="2.14748E9" units="cm"/>
+          <inkml:channel name="F" type="integer" max="32767" units="dev"/>
+        </inkml:traceFormat>
+        <inkml:channelProperties>
+          <inkml:channelProperty channel="X" name="resolution" value="1000" units="1/cm"/>
+          <inkml:channelProperty channel="Y" name="resolution" value="1000" units="1/cm"/>
+          <inkml:channelProperty channel="F" name="resolution" value="0" units="1/dev"/>
+        </inkml:channelProperties>
+      </inkml:inkSource>
+      <inkml:timestamp xml:id="ts0" timeString="2023-10-30T22:12:49.888"/>
+    </inkml:context>
+    <inkml:brush xml:id="br0">
+      <inkml:brushProperty name="width" value="0.035" units="cm"/>
+      <inkml:brushProperty name="height" value="0.035" units="cm"/>
+      <inkml:brushProperty name="color" value="#E71224"/>
+    </inkml:brush>
+  </inkml:definitions>
+  <inkml:trace contextRef="#ctx0" brushRef="#br0">0 4 24575,'14'-1'0,"5"0"0,6 0 0,-2 0 0,-7 2 0,-6-1 0,-6 1 0,-3 2 0,0 6 0,-1 12 0,0 9 0,2 5 0,-2-5 0,0-7 0,-3-8 0,0-6 0,-1-3 0,-2 0 0,-1-1 0,-4 2 0,-1 0 0,1 0 0,2-3 0,5-1 0,2-2 0,3 0 0,4 0 0,12 1 0,20 6 0,12 4 0,1 1 0,-13-3 0,-19-6 0,-11-3 0,-4-2 0,-1-3 0,1-7 0,5-3 0,-4 4 0,1 2 0</inkml:trace>
+</inkml:ink>
+</file>
+
+<file path=ppt/ink/ink95.xml><?xml version="1.0" encoding="utf-8"?>
+<inkml:ink xmlns:inkml="http://www.w3.org/2003/InkML">
+  <inkml:definitions>
+    <inkml:context xml:id="ctx0">
+      <inkml:inkSource xml:id="inkSrc0">
+        <inkml:traceFormat>
+          <inkml:channel name="X" type="integer" min="-2.14748E9" max="2.14748E9" units="cm"/>
+          <inkml:channel name="Y" type="integer" min="-2.14748E9" max="2.14748E9" units="cm"/>
+          <inkml:channel name="F" type="integer" max="32767" units="dev"/>
+        </inkml:traceFormat>
+        <inkml:channelProperties>
+          <inkml:channelProperty channel="X" name="resolution" value="1000" units="1/cm"/>
+          <inkml:channelProperty channel="Y" name="resolution" value="1000" units="1/cm"/>
+          <inkml:channelProperty channel="F" name="resolution" value="0" units="1/dev"/>
+        </inkml:channelProperties>
+      </inkml:inkSource>
+      <inkml:timestamp xml:id="ts0" timeString="2023-10-30T22:12:53.639"/>
+    </inkml:context>
+    <inkml:brush xml:id="br0">
+      <inkml:brushProperty name="width" value="0.035" units="cm"/>
+      <inkml:brushProperty name="height" value="0.035" units="cm"/>
+      <inkml:brushProperty name="color" value="#E71224"/>
+    </inkml:brush>
+  </inkml:definitions>
+  <inkml:trace contextRef="#ctx0" brushRef="#br0">0 86 24575,'0'10'0,"1"6"0,1 15 0,3 15 0,3 12 0,1 0 0,0-5 0,-1-9 0,-2-7 0,0-3 0,-1-7 0,1-2 0,2-2 0,1 3 0,-1-2 0,-2-6 0,-3-6 0,-2-7 0,-1-1 0,1 0 0,0-3 0,5-8 0,7-12 0,4-7 0,2-7 0,-5-3 0,-5-12 0,-5-14 0,-2-10 0,-1 5 0,-1 17 0,0 19 0,0 14 0,0 6 0,1 2 0,1-2 0,1-2 0,0 1 0,-1 5 0,-3 15 0,0 18 0,1 18 0,5 14 0,6 3 0,3-7 0,-1-10 0,-4-14 0,-5-13 0,-3-7 0,1 4 0,4 6 0,4 9 0,4 1 0,-2-8 0,-4-9 0,-6-7 0,-2-2 0,2 7 0,1 7 0,2 1 0,-1-3 0,-2-7 0,-2-6 0,2-4 0,4-12 0,5-12 0,2-9 0,-2-6 0,-6-3 0,-3-6 0,3-7 0,0-5 0,1 4 0,-2 9 0,-3 10 0,0 12 0,1 4 0,0-1 0,1-6 0,1-4 0,-2 3 0,0 7 0,-1 10 0,0 6 0,-1 3 0,0 2 0,-3 4 0,2-1 0,-3 3 0</inkml:trace>
+</inkml:ink>
+</file>
+
+<file path=ppt/ink/ink96.xml><?xml version="1.0" encoding="utf-8"?>
+<inkml:ink xmlns:inkml="http://www.w3.org/2003/InkML">
+  <inkml:definitions>
+    <inkml:context xml:id="ctx0">
+      <inkml:inkSource xml:id="inkSrc0">
+        <inkml:traceFormat>
+          <inkml:channel name="X" type="integer" min="-2.14748E9" max="2.14748E9" units="cm"/>
+          <inkml:channel name="Y" type="integer" min="-2.14748E9" max="2.14748E9" units="cm"/>
+          <inkml:channel name="F" type="integer" max="32767" units="dev"/>
+        </inkml:traceFormat>
+        <inkml:channelProperties>
+          <inkml:channelProperty channel="X" name="resolution" value="1000" units="1/cm"/>
+          <inkml:channelProperty channel="Y" name="resolution" value="1000" units="1/cm"/>
+          <inkml:channelProperty channel="F" name="resolution" value="0" units="1/dev"/>
+        </inkml:channelProperties>
+      </inkml:inkSource>
+      <inkml:timestamp xml:id="ts0" timeString="2023-10-30T22:12:55.790"/>
+    </inkml:context>
+    <inkml:brush xml:id="br0">
+      <inkml:brushProperty name="width" value="0.035" units="cm"/>
+      <inkml:brushProperty name="height" value="0.035" units="cm"/>
+      <inkml:brushProperty name="color" value="#E71224"/>
+    </inkml:brush>
+  </inkml:definitions>
+  <inkml:trace contextRef="#ctx0" brushRef="#br0">1 66 24575,'8'-8'0,"4"0"0,2-2 0,2 0 0,0-1 0,-2 2 0,-4 3 0,-3 2 0,-5 4 0,-1 1 0,1 4 0,0 3 0,1 4 0,0 3 0,-1 0 0,-2 0 0,-1-1 0,-3 1 0,-2-2 0,-3-1 0,-4-1 0,-1-1 0,1-2 0,3-2 0,6-3 0,1-1 0,0 1 0,-2 0 0,1 0 0,2-1 0,5-1 0,13 3 0,11 4 0,8 3 0,-4-2 0,-12-4 0,-11-1 0,-6 2 0,-1 3 0,0 3 0,-1-1 0,-2-1 0,-2-1 0,-4 2 0,-6 1 0,-4 2 0,-2 1 0,4-4 0,2-3 0,4-3 0,-2-3 0,0 0 0,2 0 0,4-2 0,4 0 0,3-2 0,0-1 0,1-1 0,0-2 0,0-1 0,0 0 0,1 2 0,-2 2 0,1 3 0</inkml:trace>
+</inkml:ink>
+</file>
+
+<file path=ppt/ink/ink97.xml><?xml version="1.0" encoding="utf-8"?>
+<inkml:ink xmlns:inkml="http://www.w3.org/2003/InkML">
+  <inkml:definitions>
+    <inkml:context xml:id="ctx0">
+      <inkml:inkSource xml:id="inkSrc0">
+        <inkml:traceFormat>
+          <inkml:channel name="X" type="integer" min="-2.14748E9" max="2.14748E9" units="cm"/>
+          <inkml:channel name="Y" type="integer" min="-2.14748E9" max="2.14748E9" units="cm"/>
+          <inkml:channel name="F" type="integer" max="32767" units="dev"/>
+        </inkml:traceFormat>
+        <inkml:channelProperties>
+          <inkml:channelProperty channel="X" name="resolution" value="1000" units="1/cm"/>
+          <inkml:channelProperty channel="Y" name="resolution" value="1000" units="1/cm"/>
+          <inkml:channelProperty channel="F" name="resolution" value="0" units="1/dev"/>
+        </inkml:channelProperties>
+      </inkml:inkSource>
+      <inkml:timestamp xml:id="ts0" timeString="2023-10-30T22:13:00.241"/>
+    </inkml:context>
+    <inkml:brush xml:id="br0">
+      <inkml:brushProperty name="width" value="0.035" units="cm"/>
+      <inkml:brushProperty name="height" value="0.035" units="cm"/>
+      <inkml:brushProperty name="color" value="#E71224"/>
+    </inkml:brush>
+  </inkml:definitions>
+  <inkml:trace contextRef="#ctx0" brushRef="#br0">0 116 24575,'3'20'0,"6"12"0,7 18 0,6 18 0,4 8 0,-2-4 0,-6-11 0,-8-13 0,-6-5 0,-2 1 0,1 2 0,2-2 0,1-10 0,-1-11 0,-3-7 0,-2 2 0,0 4 0,0 1 0,2-5 0,0-11 0,5-16 0,6-13 0,6-7 0,4-5 0,0-1 0,-4-1 0,-4 4 0,-6 8 0,-4 7 0,2 3 0,0-5 0,2-3 0,-1-1 0,-2 1 0,-1 3 0,-1 3 0,-1 2 0,-2-3 0,0-2 0,0 1 0,-1 4 0,1 4 0,-1 1 0,1 0 0,-1 2 0,0 0 0,1-3 0,0-1 0,0 4 0,0 10 0,4 17 0,6 21 0,8 15 0,6 6 0,-2-8 0,-7-14 0,-7-9 0,-5-7 0,-1-1 0,0-3 0,0-5 0,-1-4 0,0-6 0,-2-3 0,1-4 0,2-6 0,5-12 0,4-22 0,1-30 0,-3-20 0,-7-7 0,-2 6 0,-2 15 0,3 13 0,2 17 0,0 17 0,-1 13 0,0 4 0,1-3 0,0-1 0,0-1 0,0 4 0,-2 6 0,-3 7 0,-1 17 0,-1-10 0,2 11 0</inkml:trace>
+</inkml:ink>
+</file>
+
+<file path=ppt/ink/ink98.xml><?xml version="1.0" encoding="utf-8"?>
+<inkml:ink xmlns:inkml="http://www.w3.org/2003/InkML">
+  <inkml:definitions>
+    <inkml:context xml:id="ctx0">
+      <inkml:inkSource xml:id="inkSrc0">
+        <inkml:traceFormat>
+          <inkml:channel name="X" type="integer" min="-2.14748E9" max="2.14748E9" units="cm"/>
+          <inkml:channel name="Y" type="integer" min="-2.14748E9" max="2.14748E9" units="cm"/>
+          <inkml:channel name="F" type="integer" max="32767" units="dev"/>
+        </inkml:traceFormat>
+        <inkml:channelProperties>
+          <inkml:channelProperty channel="X" name="resolution" value="1000" units="1/cm"/>
+          <inkml:channelProperty channel="Y" name="resolution" value="1000" units="1/cm"/>
+          <inkml:channelProperty channel="F" name="resolution" value="0" units="1/dev"/>
+        </inkml:channelProperties>
+      </inkml:inkSource>
+      <inkml:timestamp xml:id="ts0" timeString="2023-10-30T22:13:01.591"/>
+    </inkml:context>
+    <inkml:brush xml:id="br0">
+      <inkml:brushProperty name="width" value="0.035" units="cm"/>
+      <inkml:brushProperty name="height" value="0.035" units="cm"/>
+      <inkml:brushProperty name="color" value="#E71224"/>
+    </inkml:brush>
+  </inkml:definitions>
+  <inkml:trace contextRef="#ctx0" brushRef="#br0">34 1 24575,'-2'8'0,"0"1"0,1 0 0,0 6 0,-1 5 0,-1 2 0,0 0 0,0-1 0,0 0 0,-1 2 0,0-1 0,1-5 0,1-6 0,1-5 0,1-5 0,3 0 0,7 2 0,13 0 0,10 1 0,3-2 0,-6-3 0,-9-3 0,-10 0 0,-4 0 0,-3 1 0,0 1 0,-1 0 0,-2 0 0,-3 0 0,-7-4 0,4 3 0,-3-2 0</inkml:trace>
+</inkml:ink>
+</file>
+
+<file path=ppt/ink/ink99.xml><?xml version="1.0" encoding="utf-8"?>
+<inkml:ink xmlns:inkml="http://www.w3.org/2003/InkML">
+  <inkml:definitions>
+    <inkml:context xml:id="ctx0">
+      <inkml:inkSource xml:id="inkSrc0">
+        <inkml:traceFormat>
+          <inkml:channel name="X" type="integer" min="-2.14748E9" max="2.14748E9" units="cm"/>
+          <inkml:channel name="Y" type="integer" min="-2.14748E9" max="2.14748E9" units="cm"/>
+          <inkml:channel name="F" type="integer" max="32767" units="dev"/>
+        </inkml:traceFormat>
+        <inkml:channelProperties>
+          <inkml:channelProperty channel="X" name="resolution" value="1000" units="1/cm"/>
+          <inkml:channelProperty channel="Y" name="resolution" value="1000" units="1/cm"/>
+          <inkml:channelProperty channel="F" name="resolution" value="0" units="1/dev"/>
+        </inkml:channelProperties>
+      </inkml:inkSource>
+      <inkml:timestamp xml:id="ts0" timeString="2023-10-30T22:13:02.509"/>
+    </inkml:context>
+    <inkml:brush xml:id="br0">
+      <inkml:brushProperty name="width" value="0.035" units="cm"/>
+      <inkml:brushProperty name="height" value="0.035" units="cm"/>
+      <inkml:brushProperty name="color" value="#E71224"/>
+    </inkml:brush>
+  </inkml:definitions>
+  <inkml:trace contextRef="#ctx0" brushRef="#br0">0 0 24575,'1'10'0,"1"5"0,0 8 0,2 11 0,-1 4 0,0 1 0,-1-3 0,-2-3 0,0 1 0,0-1 0,0-3 0,0-10 0,0-10 0,0-7 0,0-2 0,0 0 0,0 3 0,0 4 0,1 4 0,1 3 0,0-4 0,0-5 0,1-6 0,-1-9 0,1-13 0,-1 10 0,-1-5 0</inkml:trace>
 </inkml:ink>
 </file>
 
@@ -1672,7 +3503,7 @@
           <a:p>
             <a:fld id="{4E9467BC-F030-794F-8F81-C00FF4D1EED8}" type="datetimeFigureOut">
               <a:rPr lang="en-US" smtClean="0"/>
-              <a:t>10/25/23</a:t>
+              <a:t>10/29/23</a:t>
             </a:fld>
             <a:endParaRPr lang="en-US"/>
           </a:p>
@@ -2182,6 +4013,90 @@
     <p:extLst>
       <p:ext uri="{BB962C8B-B14F-4D97-AF65-F5344CB8AC3E}">
         <p14:creationId xmlns:p14="http://schemas.microsoft.com/office/powerpoint/2010/main" val="2989954308"/>
+      </p:ext>
+    </p:extLst>
+  </p:cSld>
+  <p:clrMapOvr>
+    <a:masterClrMapping/>
+  </p:clrMapOvr>
+</p:notes>
+</file>
+
+<file path=ppt/notesSlides/notesSlide4.xml><?xml version="1.0" encoding="utf-8"?>
+<p:notes xmlns:a="http://schemas.openxmlformats.org/drawingml/2006/main" xmlns:r="http://schemas.openxmlformats.org/officeDocument/2006/relationships" xmlns:p="http://schemas.openxmlformats.org/presentationml/2006/main">
+  <p:cSld>
+    <p:spTree>
+      <p:nvGrpSpPr>
+        <p:cNvPr id="1" name=""/>
+        <p:cNvGrpSpPr/>
+        <p:nvPr/>
+      </p:nvGrpSpPr>
+      <p:grpSpPr>
+        <a:xfrm>
+          <a:off x="0" y="0"/>
+          <a:ext cx="0" cy="0"/>
+          <a:chOff x="0" y="0"/>
+          <a:chExt cx="0" cy="0"/>
+        </a:xfrm>
+      </p:grpSpPr>
+      <p:sp>
+        <p:nvSpPr>
+          <p:cNvPr id="2" name="Slide Image Placeholder 1"/>
+          <p:cNvSpPr>
+            <a:spLocks noGrp="1" noRot="1" noChangeAspect="1"/>
+          </p:cNvSpPr>
+          <p:nvPr>
+            <p:ph type="sldImg"/>
+          </p:nvPr>
+        </p:nvSpPr>
+        <p:spPr/>
+      </p:sp>
+      <p:sp>
+        <p:nvSpPr>
+          <p:cNvPr id="3" name="Notes Placeholder 2"/>
+          <p:cNvSpPr>
+            <a:spLocks noGrp="1"/>
+          </p:cNvSpPr>
+          <p:nvPr>
+            <p:ph type="body" idx="1"/>
+          </p:nvPr>
+        </p:nvSpPr>
+        <p:spPr/>
+        <p:txBody>
+          <a:bodyPr/>
+          <a:lstStyle/>
+          <a:p>
+            <a:endParaRPr lang="en-US" dirty="0"/>
+          </a:p>
+        </p:txBody>
+      </p:sp>
+      <p:sp>
+        <p:nvSpPr>
+          <p:cNvPr id="4" name="Slide Number Placeholder 3"/>
+          <p:cNvSpPr>
+            <a:spLocks noGrp="1"/>
+          </p:cNvSpPr>
+          <p:nvPr>
+            <p:ph type="sldNum" sz="quarter" idx="5"/>
+          </p:nvPr>
+        </p:nvSpPr>
+        <p:spPr/>
+        <p:txBody>
+          <a:bodyPr/>
+          <a:lstStyle/>
+          <a:p>
+            <a:fld id="{0FEFD86A-3F7B-9E47-9DF1-6D07663F4762}" type="slidenum">
+              <a:rPr lang="en-US" smtClean="0"/>
+              <a:t>41</a:t>
+            </a:fld>
+            <a:endParaRPr lang="en-US"/>
+          </a:p>
+        </p:txBody>
+      </p:sp>
+    </p:spTree>
+    <p:extLst>
+      <p:ext uri="{BB962C8B-B14F-4D97-AF65-F5344CB8AC3E}">
+        <p14:creationId xmlns:p14="http://schemas.microsoft.com/office/powerpoint/2010/main" val="1273290330"/>
       </p:ext>
     </p:extLst>
   </p:cSld>
@@ -2660,7 +4575,7 @@
           <a:p>
             <a:fld id="{EA0C0817-A112-4847-8014-A94B7D2A4EA3}" type="datetime1">
               <a:rPr lang="en-US" smtClean="0"/>
-              <a:t>10/25/23</a:t>
+              <a:t>10/29/23</a:t>
             </a:fld>
             <a:endParaRPr lang="en-US" dirty="0"/>
           </a:p>
@@ -2862,7 +4777,7 @@
           <a:p>
             <a:fld id="{134F40B7-36AB-4376-BE14-EF7004D79BB9}" type="datetime1">
               <a:rPr lang="en-US" smtClean="0"/>
-              <a:t>10/25/23</a:t>
+              <a:t>10/29/23</a:t>
             </a:fld>
             <a:endParaRPr lang="en-US"/>
           </a:p>
@@ -3042,7 +4957,7 @@
           <a:p>
             <a:fld id="{FF87CAB8-DCAE-46A5-AADA-B3FAD11A54E0}" type="datetime1">
               <a:rPr lang="en-US" smtClean="0"/>
-              <a:t>10/25/23</a:t>
+              <a:t>10/29/23</a:t>
             </a:fld>
             <a:endParaRPr lang="en-US"/>
           </a:p>
@@ -3212,7 +5127,7 @@
           <a:p>
             <a:fld id="{7332B432-ACDA-4023-A761-2BAB76577B62}" type="datetime1">
               <a:rPr lang="en-US" smtClean="0"/>
-              <a:t>10/25/23</a:t>
+              <a:t>10/29/23</a:t>
             </a:fld>
             <a:endParaRPr lang="en-US"/>
           </a:p>
@@ -3811,7 +5726,7 @@
           <a:p>
             <a:fld id="{D9C646AA-F36E-4540-911D-FFFC0A0EF24A}" type="datetime1">
               <a:rPr lang="en-US" smtClean="0"/>
-              <a:t>10/25/23</a:t>
+              <a:t>10/29/23</a:t>
             </a:fld>
             <a:endParaRPr lang="en-US" dirty="0"/>
           </a:p>
@@ -4131,7 +6046,7 @@
           <a:p>
             <a:fld id="{69186D26-FA5F-4637-B602-B7C2DC34CFD4}" type="datetime1">
               <a:rPr lang="en-US" smtClean="0"/>
-              <a:t>10/25/23</a:t>
+              <a:t>10/29/23</a:t>
             </a:fld>
             <a:endParaRPr lang="en-US"/>
           </a:p>
@@ -4566,7 +6481,7 @@
           <a:p>
             <a:fld id="{8A7F15D8-96D1-4781-BC50-CA8A088B2FE4}" type="datetime1">
               <a:rPr lang="en-US" smtClean="0"/>
-              <a:t>10/25/23</a:t>
+              <a:t>10/29/23</a:t>
             </a:fld>
             <a:endParaRPr lang="en-US"/>
           </a:p>
@@ -4684,7 +6599,7 @@
           <a:p>
             <a:fld id="{F9A96C99-B8F8-4528-BD05-0E16E943DC09}" type="datetime1">
               <a:rPr lang="en-US" smtClean="0"/>
-              <a:t>10/25/23</a:t>
+              <a:t>10/29/23</a:t>
             </a:fld>
             <a:endParaRPr lang="en-US"/>
           </a:p>
@@ -4779,7 +6694,7 @@
           <a:p>
             <a:fld id="{03636942-C211-4B28-8DBD-C953E00AF71B}" type="datetime1">
               <a:rPr lang="en-US" smtClean="0"/>
-              <a:t>10/25/23</a:t>
+              <a:t>10/29/23</a:t>
             </a:fld>
             <a:endParaRPr lang="en-US"/>
           </a:p>
@@ -5196,7 +7111,7 @@
           <a:p>
             <a:fld id="{7E8D12A6-918A-48BD-8CB9-CA713993B0EA}" type="datetime1">
               <a:rPr lang="en-US" smtClean="0"/>
-              <a:t>10/25/23</a:t>
+              <a:t>10/29/23</a:t>
             </a:fld>
             <a:endParaRPr lang="en-US"/>
           </a:p>
@@ -5458,7 +7373,7 @@
             <a:fld id="{E778CE86-875F-4587-BCF6-FA054AFC0D53}" type="datetime1">
               <a:rPr lang="en-US" smtClean="0"/>
               <a:pPr/>
-              <a:t>10/25/23</a:t>
+              <a:t>10/29/23</a:t>
             </a:fld>
             <a:endParaRPr lang="en-US" dirty="0"/>
           </a:p>
@@ -5974,7 +7889,7 @@
           <a:p>
             <a:fld id="{F6FA2B21-3FCD-4721-B95C-427943F61125}" type="datetime1">
               <a:rPr lang="en-US" smtClean="0"/>
-              <a:t>10/25/23</a:t>
+              <a:t>10/29/23</a:t>
             </a:fld>
             <a:endParaRPr lang="en-US"/>
           </a:p>
@@ -15597,8 +17512,8 @@
           </a:p>
         </p:txBody>
       </p:sp>
-      <mc:AlternateContent xmlns:mc="http://schemas.openxmlformats.org/markup-compatibility/2006">
-        <mc:Choice xmlns:p14="http://schemas.microsoft.com/office/powerpoint/2010/main" Requires="p14">
+      <mc:AlternateContent xmlns:mc="http://schemas.openxmlformats.org/markup-compatibility/2006" xmlns:p14="http://schemas.microsoft.com/office/powerpoint/2010/main">
+        <mc:Choice Requires="p14">
           <p:contentPart p14:bwMode="auto" r:id="rId2">
             <p14:nvContentPartPr>
               <p14:cNvPr id="4" name="Ink 3">
@@ -15617,7 +17532,7 @@
             </p14:xfrm>
           </p:contentPart>
         </mc:Choice>
-        <mc:Fallback>
+        <mc:Fallback xmlns="">
           <p:pic>
             <p:nvPicPr>
               <p:cNvPr id="4" name="Ink 3">
@@ -15668,8 +17583,8 @@
             <a:chExt cx="996480" cy="458640"/>
           </a:xfrm>
         </p:grpSpPr>
-        <mc:AlternateContent xmlns:mc="http://schemas.openxmlformats.org/markup-compatibility/2006">
-          <mc:Choice xmlns:p14="http://schemas.microsoft.com/office/powerpoint/2010/main" Requires="p14">
+        <mc:AlternateContent xmlns:mc="http://schemas.openxmlformats.org/markup-compatibility/2006" xmlns:p14="http://schemas.microsoft.com/office/powerpoint/2010/main">
+          <mc:Choice Requires="p14">
             <p:contentPart p14:bwMode="auto" r:id="rId4">
               <p14:nvContentPartPr>
                 <p14:cNvPr id="5" name="Ink 4">
@@ -15688,7 +17603,7 @@
               </p14:xfrm>
             </p:contentPart>
           </mc:Choice>
-          <mc:Fallback>
+          <mc:Fallback xmlns="">
             <p:pic>
               <p:nvPicPr>
                 <p:cNvPr id="5" name="Ink 4">
@@ -15719,8 +17634,8 @@
             </p:pic>
           </mc:Fallback>
         </mc:AlternateContent>
-        <mc:AlternateContent xmlns:mc="http://schemas.openxmlformats.org/markup-compatibility/2006">
-          <mc:Choice xmlns:p14="http://schemas.microsoft.com/office/powerpoint/2010/main" Requires="p14">
+        <mc:AlternateContent xmlns:mc="http://schemas.openxmlformats.org/markup-compatibility/2006" xmlns:p14="http://schemas.microsoft.com/office/powerpoint/2010/main">
+          <mc:Choice Requires="p14">
             <p:contentPart p14:bwMode="auto" r:id="rId6">
               <p14:nvContentPartPr>
                 <p14:cNvPr id="6" name="Ink 5">
@@ -15739,7 +17654,7 @@
               </p14:xfrm>
             </p:contentPart>
           </mc:Choice>
-          <mc:Fallback>
+          <mc:Fallback xmlns="">
             <p:pic>
               <p:nvPicPr>
                 <p:cNvPr id="6" name="Ink 5">
@@ -15770,8 +17685,8 @@
             </p:pic>
           </mc:Fallback>
         </mc:AlternateContent>
-        <mc:AlternateContent xmlns:mc="http://schemas.openxmlformats.org/markup-compatibility/2006">
-          <mc:Choice xmlns:p14="http://schemas.microsoft.com/office/powerpoint/2010/main" Requires="p14">
+        <mc:AlternateContent xmlns:mc="http://schemas.openxmlformats.org/markup-compatibility/2006" xmlns:p14="http://schemas.microsoft.com/office/powerpoint/2010/main">
+          <mc:Choice Requires="p14">
             <p:contentPart p14:bwMode="auto" r:id="rId8">
               <p14:nvContentPartPr>
                 <p14:cNvPr id="7" name="Ink 6">
@@ -15790,7 +17705,7 @@
               </p14:xfrm>
             </p:contentPart>
           </mc:Choice>
-          <mc:Fallback>
+          <mc:Fallback xmlns="">
             <p:pic>
               <p:nvPicPr>
                 <p:cNvPr id="7" name="Ink 6">
@@ -15821,8 +17736,8 @@
             </p:pic>
           </mc:Fallback>
         </mc:AlternateContent>
-        <mc:AlternateContent xmlns:mc="http://schemas.openxmlformats.org/markup-compatibility/2006">
-          <mc:Choice xmlns:p14="http://schemas.microsoft.com/office/powerpoint/2010/main" Requires="p14">
+        <mc:AlternateContent xmlns:mc="http://schemas.openxmlformats.org/markup-compatibility/2006" xmlns:p14="http://schemas.microsoft.com/office/powerpoint/2010/main">
+          <mc:Choice Requires="p14">
             <p:contentPart p14:bwMode="auto" r:id="rId10">
               <p14:nvContentPartPr>
                 <p14:cNvPr id="9" name="Ink 8">
@@ -15841,7 +17756,7 @@
               </p14:xfrm>
             </p:contentPart>
           </mc:Choice>
-          <mc:Fallback>
+          <mc:Fallback xmlns="">
             <p:pic>
               <p:nvPicPr>
                 <p:cNvPr id="9" name="Ink 8">
@@ -15872,8 +17787,8 @@
             </p:pic>
           </mc:Fallback>
         </mc:AlternateContent>
-        <mc:AlternateContent xmlns:mc="http://schemas.openxmlformats.org/markup-compatibility/2006">
-          <mc:Choice xmlns:p14="http://schemas.microsoft.com/office/powerpoint/2010/main" Requires="p14">
+        <mc:AlternateContent xmlns:mc="http://schemas.openxmlformats.org/markup-compatibility/2006" xmlns:p14="http://schemas.microsoft.com/office/powerpoint/2010/main">
+          <mc:Choice Requires="p14">
             <p:contentPart p14:bwMode="auto" r:id="rId12">
               <p14:nvContentPartPr>
                 <p14:cNvPr id="11" name="Ink 10">
@@ -15892,7 +17807,7 @@
               </p14:xfrm>
             </p:contentPart>
           </mc:Choice>
-          <mc:Fallback>
+          <mc:Fallback xmlns="">
             <p:pic>
               <p:nvPicPr>
                 <p:cNvPr id="11" name="Ink 10">
@@ -15923,8 +17838,8 @@
             </p:pic>
           </mc:Fallback>
         </mc:AlternateContent>
-        <mc:AlternateContent xmlns:mc="http://schemas.openxmlformats.org/markup-compatibility/2006">
-          <mc:Choice xmlns:p14="http://schemas.microsoft.com/office/powerpoint/2010/main" Requires="p14">
+        <mc:AlternateContent xmlns:mc="http://schemas.openxmlformats.org/markup-compatibility/2006" xmlns:p14="http://schemas.microsoft.com/office/powerpoint/2010/main">
+          <mc:Choice Requires="p14">
             <p:contentPart p14:bwMode="auto" r:id="rId14">
               <p14:nvContentPartPr>
                 <p14:cNvPr id="13" name="Ink 12">
@@ -15943,7 +17858,7 @@
               </p14:xfrm>
             </p:contentPart>
           </mc:Choice>
-          <mc:Fallback>
+          <mc:Fallback xmlns="">
             <p:pic>
               <p:nvPicPr>
                 <p:cNvPr id="13" name="Ink 12">
@@ -15974,8 +17889,8 @@
             </p:pic>
           </mc:Fallback>
         </mc:AlternateContent>
-        <mc:AlternateContent xmlns:mc="http://schemas.openxmlformats.org/markup-compatibility/2006">
-          <mc:Choice xmlns:p14="http://schemas.microsoft.com/office/powerpoint/2010/main" Requires="p14">
+        <mc:AlternateContent xmlns:mc="http://schemas.openxmlformats.org/markup-compatibility/2006" xmlns:p14="http://schemas.microsoft.com/office/powerpoint/2010/main">
+          <mc:Choice Requires="p14">
             <p:contentPart p14:bwMode="auto" r:id="rId16">
               <p14:nvContentPartPr>
                 <p14:cNvPr id="14" name="Ink 13">
@@ -15994,7 +17909,7 @@
               </p14:xfrm>
             </p:contentPart>
           </mc:Choice>
-          <mc:Fallback>
+          <mc:Fallback xmlns="">
             <p:pic>
               <p:nvPicPr>
                 <p:cNvPr id="14" name="Ink 13">
@@ -16025,8 +17940,8 @@
             </p:pic>
           </mc:Fallback>
         </mc:AlternateContent>
-        <mc:AlternateContent xmlns:mc="http://schemas.openxmlformats.org/markup-compatibility/2006">
-          <mc:Choice xmlns:p14="http://schemas.microsoft.com/office/powerpoint/2010/main" Requires="p14">
+        <mc:AlternateContent xmlns:mc="http://schemas.openxmlformats.org/markup-compatibility/2006" xmlns:p14="http://schemas.microsoft.com/office/powerpoint/2010/main">
+          <mc:Choice Requires="p14">
             <p:contentPart p14:bwMode="auto" r:id="rId18">
               <p14:nvContentPartPr>
                 <p14:cNvPr id="16" name="Ink 15">
@@ -16045,7 +17960,7 @@
               </p14:xfrm>
             </p:contentPart>
           </mc:Choice>
-          <mc:Fallback>
+          <mc:Fallback xmlns="">
             <p:pic>
               <p:nvPicPr>
                 <p:cNvPr id="16" name="Ink 15">
@@ -16076,8 +17991,8 @@
             </p:pic>
           </mc:Fallback>
         </mc:AlternateContent>
-        <mc:AlternateContent xmlns:mc="http://schemas.openxmlformats.org/markup-compatibility/2006">
-          <mc:Choice xmlns:p14="http://schemas.microsoft.com/office/powerpoint/2010/main" Requires="p14">
+        <mc:AlternateContent xmlns:mc="http://schemas.openxmlformats.org/markup-compatibility/2006" xmlns:p14="http://schemas.microsoft.com/office/powerpoint/2010/main">
+          <mc:Choice Requires="p14">
             <p:contentPart p14:bwMode="auto" r:id="rId20">
               <p14:nvContentPartPr>
                 <p14:cNvPr id="18" name="Ink 17">
@@ -16096,7 +18011,7 @@
               </p14:xfrm>
             </p:contentPart>
           </mc:Choice>
-          <mc:Fallback>
+          <mc:Fallback xmlns="">
             <p:pic>
               <p:nvPicPr>
                 <p:cNvPr id="18" name="Ink 17">
@@ -16148,8 +18063,8 @@
             <a:chExt cx="182520" cy="135000"/>
           </a:xfrm>
         </p:grpSpPr>
-        <mc:AlternateContent xmlns:mc="http://schemas.openxmlformats.org/markup-compatibility/2006">
-          <mc:Choice xmlns:p14="http://schemas.microsoft.com/office/powerpoint/2010/main" Requires="p14">
+        <mc:AlternateContent xmlns:mc="http://schemas.openxmlformats.org/markup-compatibility/2006" xmlns:p14="http://schemas.microsoft.com/office/powerpoint/2010/main">
+          <mc:Choice Requires="p14">
             <p:contentPart p14:bwMode="auto" r:id="rId22">
               <p14:nvContentPartPr>
                 <p14:cNvPr id="20" name="Ink 19">
@@ -16168,7 +18083,7 @@
               </p14:xfrm>
             </p:contentPart>
           </mc:Choice>
-          <mc:Fallback>
+          <mc:Fallback xmlns="">
             <p:pic>
               <p:nvPicPr>
                 <p:cNvPr id="20" name="Ink 19">
@@ -16199,8 +18114,8 @@
             </p:pic>
           </mc:Fallback>
         </mc:AlternateContent>
-        <mc:AlternateContent xmlns:mc="http://schemas.openxmlformats.org/markup-compatibility/2006">
-          <mc:Choice xmlns:p14="http://schemas.microsoft.com/office/powerpoint/2010/main" Requires="p14">
+        <mc:AlternateContent xmlns:mc="http://schemas.openxmlformats.org/markup-compatibility/2006" xmlns:p14="http://schemas.microsoft.com/office/powerpoint/2010/main">
+          <mc:Choice Requires="p14">
             <p:contentPart p14:bwMode="auto" r:id="rId24">
               <p14:nvContentPartPr>
                 <p14:cNvPr id="21" name="Ink 20">
@@ -16219,7 +18134,7 @@
               </p14:xfrm>
             </p:contentPart>
           </mc:Choice>
-          <mc:Fallback>
+          <mc:Fallback xmlns="">
             <p:pic>
               <p:nvPicPr>
                 <p:cNvPr id="21" name="Ink 20">
@@ -16271,8 +18186,8 @@
             <a:chExt cx="753120" cy="418680"/>
           </a:xfrm>
         </p:grpSpPr>
-        <mc:AlternateContent xmlns:mc="http://schemas.openxmlformats.org/markup-compatibility/2006">
-          <mc:Choice xmlns:p14="http://schemas.microsoft.com/office/powerpoint/2010/main" Requires="p14">
+        <mc:AlternateContent xmlns:mc="http://schemas.openxmlformats.org/markup-compatibility/2006" xmlns:p14="http://schemas.microsoft.com/office/powerpoint/2010/main">
+          <mc:Choice Requires="p14">
             <p:contentPart p14:bwMode="auto" r:id="rId26">
               <p14:nvContentPartPr>
                 <p14:cNvPr id="23" name="Ink 22">
@@ -16291,7 +18206,7 @@
               </p14:xfrm>
             </p:contentPart>
           </mc:Choice>
-          <mc:Fallback>
+          <mc:Fallback xmlns="">
             <p:pic>
               <p:nvPicPr>
                 <p:cNvPr id="23" name="Ink 22">
@@ -16322,8 +18237,8 @@
             </p:pic>
           </mc:Fallback>
         </mc:AlternateContent>
-        <mc:AlternateContent xmlns:mc="http://schemas.openxmlformats.org/markup-compatibility/2006">
-          <mc:Choice xmlns:p14="http://schemas.microsoft.com/office/powerpoint/2010/main" Requires="p14">
+        <mc:AlternateContent xmlns:mc="http://schemas.openxmlformats.org/markup-compatibility/2006" xmlns:p14="http://schemas.microsoft.com/office/powerpoint/2010/main">
+          <mc:Choice Requires="p14">
             <p:contentPart p14:bwMode="auto" r:id="rId28">
               <p14:nvContentPartPr>
                 <p14:cNvPr id="24" name="Ink 23">
@@ -16342,7 +18257,7 @@
               </p14:xfrm>
             </p:contentPart>
           </mc:Choice>
-          <mc:Fallback>
+          <mc:Fallback xmlns="">
             <p:pic>
               <p:nvPicPr>
                 <p:cNvPr id="24" name="Ink 23">
@@ -16373,8 +18288,8 @@
             </p:pic>
           </mc:Fallback>
         </mc:AlternateContent>
-        <mc:AlternateContent xmlns:mc="http://schemas.openxmlformats.org/markup-compatibility/2006">
-          <mc:Choice xmlns:p14="http://schemas.microsoft.com/office/powerpoint/2010/main" Requires="p14">
+        <mc:AlternateContent xmlns:mc="http://schemas.openxmlformats.org/markup-compatibility/2006" xmlns:p14="http://schemas.microsoft.com/office/powerpoint/2010/main">
+          <mc:Choice Requires="p14">
             <p:contentPart p14:bwMode="auto" r:id="rId30">
               <p14:nvContentPartPr>
                 <p14:cNvPr id="26" name="Ink 25">
@@ -16393,7 +18308,7 @@
               </p14:xfrm>
             </p:contentPart>
           </mc:Choice>
-          <mc:Fallback>
+          <mc:Fallback xmlns="">
             <p:pic>
               <p:nvPicPr>
                 <p:cNvPr id="26" name="Ink 25">
@@ -16424,8 +18339,8 @@
             </p:pic>
           </mc:Fallback>
         </mc:AlternateContent>
-        <mc:AlternateContent xmlns:mc="http://schemas.openxmlformats.org/markup-compatibility/2006">
-          <mc:Choice xmlns:p14="http://schemas.microsoft.com/office/powerpoint/2010/main" Requires="p14">
+        <mc:AlternateContent xmlns:mc="http://schemas.openxmlformats.org/markup-compatibility/2006" xmlns:p14="http://schemas.microsoft.com/office/powerpoint/2010/main">
+          <mc:Choice Requires="p14">
             <p:contentPart p14:bwMode="auto" r:id="rId32">
               <p14:nvContentPartPr>
                 <p14:cNvPr id="28" name="Ink 27">
@@ -16444,7 +18359,7 @@
               </p14:xfrm>
             </p:contentPart>
           </mc:Choice>
-          <mc:Fallback>
+          <mc:Fallback xmlns="">
             <p:pic>
               <p:nvPicPr>
                 <p:cNvPr id="28" name="Ink 27">
@@ -16475,8 +18390,8 @@
             </p:pic>
           </mc:Fallback>
         </mc:AlternateContent>
-        <mc:AlternateContent xmlns:mc="http://schemas.openxmlformats.org/markup-compatibility/2006">
-          <mc:Choice xmlns:p14="http://schemas.microsoft.com/office/powerpoint/2010/main" Requires="p14">
+        <mc:AlternateContent xmlns:mc="http://schemas.openxmlformats.org/markup-compatibility/2006" xmlns:p14="http://schemas.microsoft.com/office/powerpoint/2010/main">
+          <mc:Choice Requires="p14">
             <p:contentPart p14:bwMode="auto" r:id="rId34">
               <p14:nvContentPartPr>
                 <p14:cNvPr id="30" name="Ink 29">
@@ -16495,7 +18410,7 @@
               </p14:xfrm>
             </p:contentPart>
           </mc:Choice>
-          <mc:Fallback>
+          <mc:Fallback xmlns="">
             <p:pic>
               <p:nvPicPr>
                 <p:cNvPr id="30" name="Ink 29">
@@ -16526,8 +18441,8 @@
             </p:pic>
           </mc:Fallback>
         </mc:AlternateContent>
-        <mc:AlternateContent xmlns:mc="http://schemas.openxmlformats.org/markup-compatibility/2006">
-          <mc:Choice xmlns:p14="http://schemas.microsoft.com/office/powerpoint/2010/main" Requires="p14">
+        <mc:AlternateContent xmlns:mc="http://schemas.openxmlformats.org/markup-compatibility/2006" xmlns:p14="http://schemas.microsoft.com/office/powerpoint/2010/main">
+          <mc:Choice Requires="p14">
             <p:contentPart p14:bwMode="auto" r:id="rId36">
               <p14:nvContentPartPr>
                 <p14:cNvPr id="31" name="Ink 30">
@@ -16546,7 +18461,7 @@
               </p14:xfrm>
             </p:contentPart>
           </mc:Choice>
-          <mc:Fallback>
+          <mc:Fallback xmlns="">
             <p:pic>
               <p:nvPicPr>
                 <p:cNvPr id="31" name="Ink 30">
@@ -16577,8 +18492,8 @@
             </p:pic>
           </mc:Fallback>
         </mc:AlternateContent>
-        <mc:AlternateContent xmlns:mc="http://schemas.openxmlformats.org/markup-compatibility/2006">
-          <mc:Choice xmlns:p14="http://schemas.microsoft.com/office/powerpoint/2010/main" Requires="p14">
+        <mc:AlternateContent xmlns:mc="http://schemas.openxmlformats.org/markup-compatibility/2006" xmlns:p14="http://schemas.microsoft.com/office/powerpoint/2010/main">
+          <mc:Choice Requires="p14">
             <p:contentPart p14:bwMode="auto" r:id="rId38">
               <p14:nvContentPartPr>
                 <p14:cNvPr id="33" name="Ink 32">
@@ -16597,7 +18512,7 @@
               </p14:xfrm>
             </p:contentPart>
           </mc:Choice>
-          <mc:Fallback>
+          <mc:Fallback xmlns="">
             <p:pic>
               <p:nvPicPr>
                 <p:cNvPr id="33" name="Ink 32">
@@ -16649,8 +18564,8 @@
             <a:chExt cx="1881720" cy="1567080"/>
           </a:xfrm>
         </p:grpSpPr>
-        <mc:AlternateContent xmlns:mc="http://schemas.openxmlformats.org/markup-compatibility/2006">
-          <mc:Choice xmlns:p14="http://schemas.microsoft.com/office/powerpoint/2010/main" Requires="p14">
+        <mc:AlternateContent xmlns:mc="http://schemas.openxmlformats.org/markup-compatibility/2006" xmlns:p14="http://schemas.microsoft.com/office/powerpoint/2010/main">
+          <mc:Choice Requires="p14">
             <p:contentPart p14:bwMode="auto" r:id="rId40">
               <p14:nvContentPartPr>
                 <p14:cNvPr id="35" name="Ink 34">
@@ -16669,7 +18584,7 @@
               </p14:xfrm>
             </p:contentPart>
           </mc:Choice>
-          <mc:Fallback>
+          <mc:Fallback xmlns="">
             <p:pic>
               <p:nvPicPr>
                 <p:cNvPr id="35" name="Ink 34">
@@ -16700,8 +18615,8 @@
             </p:pic>
           </mc:Fallback>
         </mc:AlternateContent>
-        <mc:AlternateContent xmlns:mc="http://schemas.openxmlformats.org/markup-compatibility/2006">
-          <mc:Choice xmlns:p14="http://schemas.microsoft.com/office/powerpoint/2010/main" Requires="p14">
+        <mc:AlternateContent xmlns:mc="http://schemas.openxmlformats.org/markup-compatibility/2006" xmlns:p14="http://schemas.microsoft.com/office/powerpoint/2010/main">
+          <mc:Choice Requires="p14">
             <p:contentPart p14:bwMode="auto" r:id="rId42">
               <p14:nvContentPartPr>
                 <p14:cNvPr id="36" name="Ink 35">
@@ -16720,7 +18635,7 @@
               </p14:xfrm>
             </p:contentPart>
           </mc:Choice>
-          <mc:Fallback>
+          <mc:Fallback xmlns="">
             <p:pic>
               <p:nvPicPr>
                 <p:cNvPr id="36" name="Ink 35">
@@ -16751,8 +18666,8 @@
             </p:pic>
           </mc:Fallback>
         </mc:AlternateContent>
-        <mc:AlternateContent xmlns:mc="http://schemas.openxmlformats.org/markup-compatibility/2006">
-          <mc:Choice xmlns:p14="http://schemas.microsoft.com/office/powerpoint/2010/main" Requires="p14">
+        <mc:AlternateContent xmlns:mc="http://schemas.openxmlformats.org/markup-compatibility/2006" xmlns:p14="http://schemas.microsoft.com/office/powerpoint/2010/main">
+          <mc:Choice Requires="p14">
             <p:contentPart p14:bwMode="auto" r:id="rId44">
               <p14:nvContentPartPr>
                 <p14:cNvPr id="37" name="Ink 36">
@@ -16771,7 +18686,7 @@
               </p14:xfrm>
             </p:contentPart>
           </mc:Choice>
-          <mc:Fallback>
+          <mc:Fallback xmlns="">
             <p:pic>
               <p:nvPicPr>
                 <p:cNvPr id="37" name="Ink 36">
@@ -16802,8 +18717,8 @@
             </p:pic>
           </mc:Fallback>
         </mc:AlternateContent>
-        <mc:AlternateContent xmlns:mc="http://schemas.openxmlformats.org/markup-compatibility/2006">
-          <mc:Choice xmlns:p14="http://schemas.microsoft.com/office/powerpoint/2010/main" Requires="p14">
+        <mc:AlternateContent xmlns:mc="http://schemas.openxmlformats.org/markup-compatibility/2006" xmlns:p14="http://schemas.microsoft.com/office/powerpoint/2010/main">
+          <mc:Choice Requires="p14">
             <p:contentPart p14:bwMode="auto" r:id="rId46">
               <p14:nvContentPartPr>
                 <p14:cNvPr id="38" name="Ink 37">
@@ -16822,7 +18737,7 @@
               </p14:xfrm>
             </p:contentPart>
           </mc:Choice>
-          <mc:Fallback>
+          <mc:Fallback xmlns="">
             <p:pic>
               <p:nvPicPr>
                 <p:cNvPr id="38" name="Ink 37">
@@ -16853,8 +18768,8 @@
             </p:pic>
           </mc:Fallback>
         </mc:AlternateContent>
-        <mc:AlternateContent xmlns:mc="http://schemas.openxmlformats.org/markup-compatibility/2006">
-          <mc:Choice xmlns:p14="http://schemas.microsoft.com/office/powerpoint/2010/main" Requires="p14">
+        <mc:AlternateContent xmlns:mc="http://schemas.openxmlformats.org/markup-compatibility/2006" xmlns:p14="http://schemas.microsoft.com/office/powerpoint/2010/main">
+          <mc:Choice Requires="p14">
             <p:contentPart p14:bwMode="auto" r:id="rId48">
               <p14:nvContentPartPr>
                 <p14:cNvPr id="40" name="Ink 39">
@@ -16873,7 +18788,7 @@
               </p14:xfrm>
             </p:contentPart>
           </mc:Choice>
-          <mc:Fallback>
+          <mc:Fallback xmlns="">
             <p:pic>
               <p:nvPicPr>
                 <p:cNvPr id="40" name="Ink 39">
@@ -16904,8 +18819,8 @@
             </p:pic>
           </mc:Fallback>
         </mc:AlternateContent>
-        <mc:AlternateContent xmlns:mc="http://schemas.openxmlformats.org/markup-compatibility/2006">
-          <mc:Choice xmlns:p14="http://schemas.microsoft.com/office/powerpoint/2010/main" Requires="p14">
+        <mc:AlternateContent xmlns:mc="http://schemas.openxmlformats.org/markup-compatibility/2006" xmlns:p14="http://schemas.microsoft.com/office/powerpoint/2010/main">
+          <mc:Choice Requires="p14">
             <p:contentPart p14:bwMode="auto" r:id="rId50">
               <p14:nvContentPartPr>
                 <p14:cNvPr id="41" name="Ink 40">
@@ -16924,7 +18839,7 @@
               </p14:xfrm>
             </p:contentPart>
           </mc:Choice>
-          <mc:Fallback>
+          <mc:Fallback xmlns="">
             <p:pic>
               <p:nvPicPr>
                 <p:cNvPr id="41" name="Ink 40">
@@ -16955,8 +18870,8 @@
             </p:pic>
           </mc:Fallback>
         </mc:AlternateContent>
-        <mc:AlternateContent xmlns:mc="http://schemas.openxmlformats.org/markup-compatibility/2006">
-          <mc:Choice xmlns:p14="http://schemas.microsoft.com/office/powerpoint/2010/main" Requires="p14">
+        <mc:AlternateContent xmlns:mc="http://schemas.openxmlformats.org/markup-compatibility/2006" xmlns:p14="http://schemas.microsoft.com/office/powerpoint/2010/main">
+          <mc:Choice Requires="p14">
             <p:contentPart p14:bwMode="auto" r:id="rId52">
               <p14:nvContentPartPr>
                 <p14:cNvPr id="42" name="Ink 41">
@@ -16975,7 +18890,7 @@
               </p14:xfrm>
             </p:contentPart>
           </mc:Choice>
-          <mc:Fallback>
+          <mc:Fallback xmlns="">
             <p:pic>
               <p:nvPicPr>
                 <p:cNvPr id="42" name="Ink 41">
@@ -17006,8 +18921,8 @@
             </p:pic>
           </mc:Fallback>
         </mc:AlternateContent>
-        <mc:AlternateContent xmlns:mc="http://schemas.openxmlformats.org/markup-compatibility/2006">
-          <mc:Choice xmlns:p14="http://schemas.microsoft.com/office/powerpoint/2010/main" Requires="p14">
+        <mc:AlternateContent xmlns:mc="http://schemas.openxmlformats.org/markup-compatibility/2006" xmlns:p14="http://schemas.microsoft.com/office/powerpoint/2010/main">
+          <mc:Choice Requires="p14">
             <p:contentPart p14:bwMode="auto" r:id="rId54">
               <p14:nvContentPartPr>
                 <p14:cNvPr id="43" name="Ink 42">
@@ -17026,7 +18941,7 @@
               </p14:xfrm>
             </p:contentPart>
           </mc:Choice>
-          <mc:Fallback>
+          <mc:Fallback xmlns="">
             <p:pic>
               <p:nvPicPr>
                 <p:cNvPr id="43" name="Ink 42">
@@ -17057,8 +18972,8 @@
             </p:pic>
           </mc:Fallback>
         </mc:AlternateContent>
-        <mc:AlternateContent xmlns:mc="http://schemas.openxmlformats.org/markup-compatibility/2006">
-          <mc:Choice xmlns:p14="http://schemas.microsoft.com/office/powerpoint/2010/main" Requires="p14">
+        <mc:AlternateContent xmlns:mc="http://schemas.openxmlformats.org/markup-compatibility/2006" xmlns:p14="http://schemas.microsoft.com/office/powerpoint/2010/main">
+          <mc:Choice Requires="p14">
             <p:contentPart p14:bwMode="auto" r:id="rId56">
               <p14:nvContentPartPr>
                 <p14:cNvPr id="44" name="Ink 43">
@@ -17077,7 +18992,7 @@
               </p14:xfrm>
             </p:contentPart>
           </mc:Choice>
-          <mc:Fallback>
+          <mc:Fallback xmlns="">
             <p:pic>
               <p:nvPicPr>
                 <p:cNvPr id="44" name="Ink 43">
@@ -17129,8 +19044,8 @@
             <a:chExt cx="457560" cy="333360"/>
           </a:xfrm>
         </p:grpSpPr>
-        <mc:AlternateContent xmlns:mc="http://schemas.openxmlformats.org/markup-compatibility/2006">
-          <mc:Choice xmlns:p14="http://schemas.microsoft.com/office/powerpoint/2010/main" Requires="p14">
+        <mc:AlternateContent xmlns:mc="http://schemas.openxmlformats.org/markup-compatibility/2006" xmlns:p14="http://schemas.microsoft.com/office/powerpoint/2010/main">
+          <mc:Choice Requires="p14">
             <p:contentPart p14:bwMode="auto" r:id="rId58">
               <p14:nvContentPartPr>
                 <p14:cNvPr id="46" name="Ink 45">
@@ -17149,7 +19064,7 @@
               </p14:xfrm>
             </p:contentPart>
           </mc:Choice>
-          <mc:Fallback>
+          <mc:Fallback xmlns="">
             <p:pic>
               <p:nvPicPr>
                 <p:cNvPr id="46" name="Ink 45">
@@ -17180,8 +19095,8 @@
             </p:pic>
           </mc:Fallback>
         </mc:AlternateContent>
-        <mc:AlternateContent xmlns:mc="http://schemas.openxmlformats.org/markup-compatibility/2006">
-          <mc:Choice xmlns:p14="http://schemas.microsoft.com/office/powerpoint/2010/main" Requires="p14">
+        <mc:AlternateContent xmlns:mc="http://schemas.openxmlformats.org/markup-compatibility/2006" xmlns:p14="http://schemas.microsoft.com/office/powerpoint/2010/main">
+          <mc:Choice Requires="p14">
             <p:contentPart p14:bwMode="auto" r:id="rId60">
               <p14:nvContentPartPr>
                 <p14:cNvPr id="47" name="Ink 46">
@@ -17200,7 +19115,7 @@
               </p14:xfrm>
             </p:contentPart>
           </mc:Choice>
-          <mc:Fallback>
+          <mc:Fallback xmlns="">
             <p:pic>
               <p:nvPicPr>
                 <p:cNvPr id="47" name="Ink 46">
@@ -17231,8 +19146,8 @@
             </p:pic>
           </mc:Fallback>
         </mc:AlternateContent>
-        <mc:AlternateContent xmlns:mc="http://schemas.openxmlformats.org/markup-compatibility/2006">
-          <mc:Choice xmlns:p14="http://schemas.microsoft.com/office/powerpoint/2010/main" Requires="p14">
+        <mc:AlternateContent xmlns:mc="http://schemas.openxmlformats.org/markup-compatibility/2006" xmlns:p14="http://schemas.microsoft.com/office/powerpoint/2010/main">
+          <mc:Choice Requires="p14">
             <p:contentPart p14:bwMode="auto" r:id="rId62">
               <p14:nvContentPartPr>
                 <p14:cNvPr id="48" name="Ink 47">
@@ -17251,7 +19166,7 @@
               </p14:xfrm>
             </p:contentPart>
           </mc:Choice>
-          <mc:Fallback>
+          <mc:Fallback xmlns="">
             <p:pic>
               <p:nvPicPr>
                 <p:cNvPr id="48" name="Ink 47">
@@ -17282,8 +19197,8 @@
             </p:pic>
           </mc:Fallback>
         </mc:AlternateContent>
-        <mc:AlternateContent xmlns:mc="http://schemas.openxmlformats.org/markup-compatibility/2006">
-          <mc:Choice xmlns:p14="http://schemas.microsoft.com/office/powerpoint/2010/main" Requires="p14">
+        <mc:AlternateContent xmlns:mc="http://schemas.openxmlformats.org/markup-compatibility/2006" xmlns:p14="http://schemas.microsoft.com/office/powerpoint/2010/main">
+          <mc:Choice Requires="p14">
             <p:contentPart p14:bwMode="auto" r:id="rId64">
               <p14:nvContentPartPr>
                 <p14:cNvPr id="49" name="Ink 48">
@@ -17302,7 +19217,7 @@
               </p14:xfrm>
             </p:contentPart>
           </mc:Choice>
-          <mc:Fallback>
+          <mc:Fallback xmlns="">
             <p:pic>
               <p:nvPicPr>
                 <p:cNvPr id="49" name="Ink 48">
@@ -17333,8 +19248,8 @@
             </p:pic>
           </mc:Fallback>
         </mc:AlternateContent>
-        <mc:AlternateContent xmlns:mc="http://schemas.openxmlformats.org/markup-compatibility/2006">
-          <mc:Choice xmlns:p14="http://schemas.microsoft.com/office/powerpoint/2010/main" Requires="p14">
+        <mc:AlternateContent xmlns:mc="http://schemas.openxmlformats.org/markup-compatibility/2006" xmlns:p14="http://schemas.microsoft.com/office/powerpoint/2010/main">
+          <mc:Choice Requires="p14">
             <p:contentPart p14:bwMode="auto" r:id="rId66">
               <p14:nvContentPartPr>
                 <p14:cNvPr id="50" name="Ink 49">
@@ -17353,7 +19268,7 @@
               </p14:xfrm>
             </p:contentPart>
           </mc:Choice>
-          <mc:Fallback>
+          <mc:Fallback xmlns="">
             <p:pic>
               <p:nvPicPr>
                 <p:cNvPr id="50" name="Ink 49">
@@ -17384,8 +19299,8 @@
             </p:pic>
           </mc:Fallback>
         </mc:AlternateContent>
-        <mc:AlternateContent xmlns:mc="http://schemas.openxmlformats.org/markup-compatibility/2006">
-          <mc:Choice xmlns:p14="http://schemas.microsoft.com/office/powerpoint/2010/main" Requires="p14">
+        <mc:AlternateContent xmlns:mc="http://schemas.openxmlformats.org/markup-compatibility/2006" xmlns:p14="http://schemas.microsoft.com/office/powerpoint/2010/main">
+          <mc:Choice Requires="p14">
             <p:contentPart p14:bwMode="auto" r:id="rId68">
               <p14:nvContentPartPr>
                 <p14:cNvPr id="51" name="Ink 50">
@@ -17404,7 +19319,7 @@
               </p14:xfrm>
             </p:contentPart>
           </mc:Choice>
-          <mc:Fallback>
+          <mc:Fallback xmlns="">
             <p:pic>
               <p:nvPicPr>
                 <p:cNvPr id="51" name="Ink 50">
@@ -17456,8 +19371,8 @@
             <a:chExt cx="622080" cy="534240"/>
           </a:xfrm>
         </p:grpSpPr>
-        <mc:AlternateContent xmlns:mc="http://schemas.openxmlformats.org/markup-compatibility/2006">
-          <mc:Choice xmlns:p14="http://schemas.microsoft.com/office/powerpoint/2010/main" Requires="p14">
+        <mc:AlternateContent xmlns:mc="http://schemas.openxmlformats.org/markup-compatibility/2006" xmlns:p14="http://schemas.microsoft.com/office/powerpoint/2010/main">
+          <mc:Choice Requires="p14">
             <p:contentPart p14:bwMode="auto" r:id="rId70">
               <p14:nvContentPartPr>
                 <p14:cNvPr id="53" name="Ink 52">
@@ -17476,7 +19391,7 @@
               </p14:xfrm>
             </p:contentPart>
           </mc:Choice>
-          <mc:Fallback>
+          <mc:Fallback xmlns="">
             <p:pic>
               <p:nvPicPr>
                 <p:cNvPr id="53" name="Ink 52">
@@ -17507,8 +19422,8 @@
             </p:pic>
           </mc:Fallback>
         </mc:AlternateContent>
-        <mc:AlternateContent xmlns:mc="http://schemas.openxmlformats.org/markup-compatibility/2006">
-          <mc:Choice xmlns:p14="http://schemas.microsoft.com/office/powerpoint/2010/main" Requires="p14">
+        <mc:AlternateContent xmlns:mc="http://schemas.openxmlformats.org/markup-compatibility/2006" xmlns:p14="http://schemas.microsoft.com/office/powerpoint/2010/main">
+          <mc:Choice Requires="p14">
             <p:contentPart p14:bwMode="auto" r:id="rId72">
               <p14:nvContentPartPr>
                 <p14:cNvPr id="54" name="Ink 53">
@@ -17527,7 +19442,7 @@
               </p14:xfrm>
             </p:contentPart>
           </mc:Choice>
-          <mc:Fallback>
+          <mc:Fallback xmlns="">
             <p:pic>
               <p:nvPicPr>
                 <p:cNvPr id="54" name="Ink 53">
@@ -17558,8 +19473,8 @@
             </p:pic>
           </mc:Fallback>
         </mc:AlternateContent>
-        <mc:AlternateContent xmlns:mc="http://schemas.openxmlformats.org/markup-compatibility/2006">
-          <mc:Choice xmlns:p14="http://schemas.microsoft.com/office/powerpoint/2010/main" Requires="p14">
+        <mc:AlternateContent xmlns:mc="http://schemas.openxmlformats.org/markup-compatibility/2006" xmlns:p14="http://schemas.microsoft.com/office/powerpoint/2010/main">
+          <mc:Choice Requires="p14">
             <p:contentPart p14:bwMode="auto" r:id="rId74">
               <p14:nvContentPartPr>
                 <p14:cNvPr id="55" name="Ink 54">
@@ -17578,7 +19493,7 @@
               </p14:xfrm>
             </p:contentPart>
           </mc:Choice>
-          <mc:Fallback>
+          <mc:Fallback xmlns="">
             <p:pic>
               <p:nvPicPr>
                 <p:cNvPr id="55" name="Ink 54">
@@ -17609,8 +19524,8 @@
             </p:pic>
           </mc:Fallback>
         </mc:AlternateContent>
-        <mc:AlternateContent xmlns:mc="http://schemas.openxmlformats.org/markup-compatibility/2006">
-          <mc:Choice xmlns:p14="http://schemas.microsoft.com/office/powerpoint/2010/main" Requires="p14">
+        <mc:AlternateContent xmlns:mc="http://schemas.openxmlformats.org/markup-compatibility/2006" xmlns:p14="http://schemas.microsoft.com/office/powerpoint/2010/main">
+          <mc:Choice Requires="p14">
             <p:contentPart p14:bwMode="auto" r:id="rId76">
               <p14:nvContentPartPr>
                 <p14:cNvPr id="57" name="Ink 56">
@@ -17629,7 +19544,7 @@
               </p14:xfrm>
             </p:contentPart>
           </mc:Choice>
-          <mc:Fallback>
+          <mc:Fallback xmlns="">
             <p:pic>
               <p:nvPicPr>
                 <p:cNvPr id="57" name="Ink 56">
@@ -17681,8 +19596,8 @@
             <a:chExt cx="587880" cy="538560"/>
           </a:xfrm>
         </p:grpSpPr>
-        <mc:AlternateContent xmlns:mc="http://schemas.openxmlformats.org/markup-compatibility/2006">
-          <mc:Choice xmlns:p14="http://schemas.microsoft.com/office/powerpoint/2010/main" Requires="p14">
+        <mc:AlternateContent xmlns:mc="http://schemas.openxmlformats.org/markup-compatibility/2006" xmlns:p14="http://schemas.microsoft.com/office/powerpoint/2010/main">
+          <mc:Choice Requires="p14">
             <p:contentPart p14:bwMode="auto" r:id="rId78">
               <p14:nvContentPartPr>
                 <p14:cNvPr id="59" name="Ink 58">
@@ -17701,7 +19616,7 @@
               </p14:xfrm>
             </p:contentPart>
           </mc:Choice>
-          <mc:Fallback>
+          <mc:Fallback xmlns="">
             <p:pic>
               <p:nvPicPr>
                 <p:cNvPr id="59" name="Ink 58">
@@ -17732,8 +19647,8 @@
             </p:pic>
           </mc:Fallback>
         </mc:AlternateContent>
-        <mc:AlternateContent xmlns:mc="http://schemas.openxmlformats.org/markup-compatibility/2006">
-          <mc:Choice xmlns:p14="http://schemas.microsoft.com/office/powerpoint/2010/main" Requires="p14">
+        <mc:AlternateContent xmlns:mc="http://schemas.openxmlformats.org/markup-compatibility/2006" xmlns:p14="http://schemas.microsoft.com/office/powerpoint/2010/main">
+          <mc:Choice Requires="p14">
             <p:contentPart p14:bwMode="auto" r:id="rId80">
               <p14:nvContentPartPr>
                 <p14:cNvPr id="60" name="Ink 59">
@@ -17752,7 +19667,7 @@
               </p14:xfrm>
             </p:contentPart>
           </mc:Choice>
-          <mc:Fallback>
+          <mc:Fallback xmlns="">
             <p:pic>
               <p:nvPicPr>
                 <p:cNvPr id="60" name="Ink 59">
@@ -17783,8 +19698,8 @@
             </p:pic>
           </mc:Fallback>
         </mc:AlternateContent>
-        <mc:AlternateContent xmlns:mc="http://schemas.openxmlformats.org/markup-compatibility/2006">
-          <mc:Choice xmlns:p14="http://schemas.microsoft.com/office/powerpoint/2010/main" Requires="p14">
+        <mc:AlternateContent xmlns:mc="http://schemas.openxmlformats.org/markup-compatibility/2006" xmlns:p14="http://schemas.microsoft.com/office/powerpoint/2010/main">
+          <mc:Choice Requires="p14">
             <p:contentPart p14:bwMode="auto" r:id="rId82">
               <p14:nvContentPartPr>
                 <p14:cNvPr id="61" name="Ink 60">
@@ -17803,7 +19718,7 @@
               </p14:xfrm>
             </p:contentPart>
           </mc:Choice>
-          <mc:Fallback>
+          <mc:Fallback xmlns="">
             <p:pic>
               <p:nvPicPr>
                 <p:cNvPr id="61" name="Ink 60">
@@ -17834,8 +19749,8 @@
             </p:pic>
           </mc:Fallback>
         </mc:AlternateContent>
-        <mc:AlternateContent xmlns:mc="http://schemas.openxmlformats.org/markup-compatibility/2006">
-          <mc:Choice xmlns:p14="http://schemas.microsoft.com/office/powerpoint/2010/main" Requires="p14">
+        <mc:AlternateContent xmlns:mc="http://schemas.openxmlformats.org/markup-compatibility/2006" xmlns:p14="http://schemas.microsoft.com/office/powerpoint/2010/main">
+          <mc:Choice Requires="p14">
             <p:contentPart p14:bwMode="auto" r:id="rId84">
               <p14:nvContentPartPr>
                 <p14:cNvPr id="63" name="Ink 62">
@@ -17854,7 +19769,7 @@
               </p14:xfrm>
             </p:contentPart>
           </mc:Choice>
-          <mc:Fallback>
+          <mc:Fallback xmlns="">
             <p:pic>
               <p:nvPicPr>
                 <p:cNvPr id="63" name="Ink 62">
@@ -17886,8 +19801,8 @@
           </mc:Fallback>
         </mc:AlternateContent>
       </p:grpSp>
-      <mc:AlternateContent xmlns:mc="http://schemas.openxmlformats.org/markup-compatibility/2006">
-        <mc:Choice xmlns:p14="http://schemas.microsoft.com/office/powerpoint/2010/main" Requires="p14">
+      <mc:AlternateContent xmlns:mc="http://schemas.openxmlformats.org/markup-compatibility/2006" xmlns:p14="http://schemas.microsoft.com/office/powerpoint/2010/main">
+        <mc:Choice Requires="p14">
           <p:contentPart p14:bwMode="auto" r:id="rId86">
             <p14:nvContentPartPr>
               <p14:cNvPr id="65" name="Ink 64">
@@ -17906,7 +19821,7 @@
             </p14:xfrm>
           </p:contentPart>
         </mc:Choice>
-        <mc:Fallback>
+        <mc:Fallback xmlns="">
           <p:pic>
             <p:nvPicPr>
               <p:cNvPr id="65" name="Ink 64">
@@ -17957,8 +19872,8 @@
             <a:chExt cx="728280" cy="352440"/>
           </a:xfrm>
         </p:grpSpPr>
-        <mc:AlternateContent xmlns:mc="http://schemas.openxmlformats.org/markup-compatibility/2006">
-          <mc:Choice xmlns:p14="http://schemas.microsoft.com/office/powerpoint/2010/main" Requires="p14">
+        <mc:AlternateContent xmlns:mc="http://schemas.openxmlformats.org/markup-compatibility/2006" xmlns:p14="http://schemas.microsoft.com/office/powerpoint/2010/main">
+          <mc:Choice Requires="p14">
             <p:contentPart p14:bwMode="auto" r:id="rId88">
               <p14:nvContentPartPr>
                 <p14:cNvPr id="66" name="Ink 65">
@@ -17977,7 +19892,7 @@
               </p14:xfrm>
             </p:contentPart>
           </mc:Choice>
-          <mc:Fallback>
+          <mc:Fallback xmlns="">
             <p:pic>
               <p:nvPicPr>
                 <p:cNvPr id="66" name="Ink 65">
@@ -18008,8 +19923,8 @@
             </p:pic>
           </mc:Fallback>
         </mc:AlternateContent>
-        <mc:AlternateContent xmlns:mc="http://schemas.openxmlformats.org/markup-compatibility/2006">
-          <mc:Choice xmlns:p14="http://schemas.microsoft.com/office/powerpoint/2010/main" Requires="p14">
+        <mc:AlternateContent xmlns:mc="http://schemas.openxmlformats.org/markup-compatibility/2006" xmlns:p14="http://schemas.microsoft.com/office/powerpoint/2010/main">
+          <mc:Choice Requires="p14">
             <p:contentPart p14:bwMode="auto" r:id="rId90">
               <p14:nvContentPartPr>
                 <p14:cNvPr id="67" name="Ink 66">
@@ -18028,7 +19943,7 @@
               </p14:xfrm>
             </p:contentPart>
           </mc:Choice>
-          <mc:Fallback>
+          <mc:Fallback xmlns="">
             <p:pic>
               <p:nvPicPr>
                 <p:cNvPr id="67" name="Ink 66">
@@ -18059,8 +19974,8 @@
             </p:pic>
           </mc:Fallback>
         </mc:AlternateContent>
-        <mc:AlternateContent xmlns:mc="http://schemas.openxmlformats.org/markup-compatibility/2006">
-          <mc:Choice xmlns:p14="http://schemas.microsoft.com/office/powerpoint/2010/main" Requires="p14">
+        <mc:AlternateContent xmlns:mc="http://schemas.openxmlformats.org/markup-compatibility/2006" xmlns:p14="http://schemas.microsoft.com/office/powerpoint/2010/main">
+          <mc:Choice Requires="p14">
             <p:contentPart p14:bwMode="auto" r:id="rId92">
               <p14:nvContentPartPr>
                 <p14:cNvPr id="68" name="Ink 67">
@@ -18079,7 +19994,7 @@
               </p14:xfrm>
             </p:contentPart>
           </mc:Choice>
-          <mc:Fallback>
+          <mc:Fallback xmlns="">
             <p:pic>
               <p:nvPicPr>
                 <p:cNvPr id="68" name="Ink 67">
@@ -18110,8 +20025,8 @@
             </p:pic>
           </mc:Fallback>
         </mc:AlternateContent>
-        <mc:AlternateContent xmlns:mc="http://schemas.openxmlformats.org/markup-compatibility/2006">
-          <mc:Choice xmlns:p14="http://schemas.microsoft.com/office/powerpoint/2010/main" Requires="p14">
+        <mc:AlternateContent xmlns:mc="http://schemas.openxmlformats.org/markup-compatibility/2006" xmlns:p14="http://schemas.microsoft.com/office/powerpoint/2010/main">
+          <mc:Choice Requires="p14">
             <p:contentPart p14:bwMode="auto" r:id="rId94">
               <p14:nvContentPartPr>
                 <p14:cNvPr id="70" name="Ink 69">
@@ -18130,7 +20045,7 @@
               </p14:xfrm>
             </p:contentPart>
           </mc:Choice>
-          <mc:Fallback>
+          <mc:Fallback xmlns="">
             <p:pic>
               <p:nvPicPr>
                 <p:cNvPr id="70" name="Ink 69">
@@ -18161,8 +20076,8 @@
             </p:pic>
           </mc:Fallback>
         </mc:AlternateContent>
-        <mc:AlternateContent xmlns:mc="http://schemas.openxmlformats.org/markup-compatibility/2006">
-          <mc:Choice xmlns:p14="http://schemas.microsoft.com/office/powerpoint/2010/main" Requires="p14">
+        <mc:AlternateContent xmlns:mc="http://schemas.openxmlformats.org/markup-compatibility/2006" xmlns:p14="http://schemas.microsoft.com/office/powerpoint/2010/main">
+          <mc:Choice Requires="p14">
             <p:contentPart p14:bwMode="auto" r:id="rId96">
               <p14:nvContentPartPr>
                 <p14:cNvPr id="72" name="Ink 71">
@@ -18181,7 +20096,7 @@
               </p14:xfrm>
             </p:contentPart>
           </mc:Choice>
-          <mc:Fallback>
+          <mc:Fallback xmlns="">
             <p:pic>
               <p:nvPicPr>
                 <p:cNvPr id="72" name="Ink 71">
@@ -18212,8 +20127,8 @@
             </p:pic>
           </mc:Fallback>
         </mc:AlternateContent>
-        <mc:AlternateContent xmlns:mc="http://schemas.openxmlformats.org/markup-compatibility/2006">
-          <mc:Choice xmlns:p14="http://schemas.microsoft.com/office/powerpoint/2010/main" Requires="p14">
+        <mc:AlternateContent xmlns:mc="http://schemas.openxmlformats.org/markup-compatibility/2006" xmlns:p14="http://schemas.microsoft.com/office/powerpoint/2010/main">
+          <mc:Choice Requires="p14">
             <p:contentPart p14:bwMode="auto" r:id="rId98">
               <p14:nvContentPartPr>
                 <p14:cNvPr id="74" name="Ink 73">
@@ -18232,7 +20147,7 @@
               </p14:xfrm>
             </p:contentPart>
           </mc:Choice>
-          <mc:Fallback>
+          <mc:Fallback xmlns="">
             <p:pic>
               <p:nvPicPr>
                 <p:cNvPr id="74" name="Ink 73">
@@ -18263,8 +20178,8 @@
             </p:pic>
           </mc:Fallback>
         </mc:AlternateContent>
-        <mc:AlternateContent xmlns:mc="http://schemas.openxmlformats.org/markup-compatibility/2006">
-          <mc:Choice xmlns:p14="http://schemas.microsoft.com/office/powerpoint/2010/main" Requires="p14">
+        <mc:AlternateContent xmlns:mc="http://schemas.openxmlformats.org/markup-compatibility/2006" xmlns:p14="http://schemas.microsoft.com/office/powerpoint/2010/main">
+          <mc:Choice Requires="p14">
             <p:contentPart p14:bwMode="auto" r:id="rId100">
               <p14:nvContentPartPr>
                 <p14:cNvPr id="76" name="Ink 75">
@@ -18283,7 +20198,7 @@
               </p14:xfrm>
             </p:contentPart>
           </mc:Choice>
-          <mc:Fallback>
+          <mc:Fallback xmlns="">
             <p:pic>
               <p:nvPicPr>
                 <p:cNvPr id="76" name="Ink 75">
@@ -18314,8 +20229,8 @@
             </p:pic>
           </mc:Fallback>
         </mc:AlternateContent>
-        <mc:AlternateContent xmlns:mc="http://schemas.openxmlformats.org/markup-compatibility/2006">
-          <mc:Choice xmlns:p14="http://schemas.microsoft.com/office/powerpoint/2010/main" Requires="p14">
+        <mc:AlternateContent xmlns:mc="http://schemas.openxmlformats.org/markup-compatibility/2006" xmlns:p14="http://schemas.microsoft.com/office/powerpoint/2010/main">
+          <mc:Choice Requires="p14">
             <p:contentPart p14:bwMode="auto" r:id="rId102">
               <p14:nvContentPartPr>
                 <p14:cNvPr id="77" name="Ink 76">
@@ -18334,7 +20249,7 @@
               </p14:xfrm>
             </p:contentPart>
           </mc:Choice>
-          <mc:Fallback>
+          <mc:Fallback xmlns="">
             <p:pic>
               <p:nvPicPr>
                 <p:cNvPr id="77" name="Ink 76">
@@ -18475,8 +20390,8 @@
           </a:p>
         </p:txBody>
       </p:sp>
-      <mc:AlternateContent xmlns:mc="http://schemas.openxmlformats.org/markup-compatibility/2006">
-        <mc:Choice xmlns:p14="http://schemas.microsoft.com/office/powerpoint/2010/main" Requires="p14">
+      <mc:AlternateContent xmlns:mc="http://schemas.openxmlformats.org/markup-compatibility/2006" xmlns:p14="http://schemas.microsoft.com/office/powerpoint/2010/main">
+        <mc:Choice Requires="p14">
           <p:contentPart p14:bwMode="auto" r:id="rId2">
             <p14:nvContentPartPr>
               <p14:cNvPr id="4" name="Ink 3">
@@ -18495,7 +20410,7 @@
             </p14:xfrm>
           </p:contentPart>
         </mc:Choice>
-        <mc:Fallback>
+        <mc:Fallback xmlns="">
           <p:pic>
             <p:nvPicPr>
               <p:cNvPr id="4" name="Ink 3">
@@ -19144,6 +21059,4671 @@
     <p:extLst>
       <p:ext uri="{BB962C8B-B14F-4D97-AF65-F5344CB8AC3E}">
         <p14:creationId xmlns:p14="http://schemas.microsoft.com/office/powerpoint/2010/main" val="1895734439"/>
+      </p:ext>
+    </p:extLst>
+  </p:cSld>
+  <p:clrMapOvr>
+    <a:masterClrMapping/>
+  </p:clrMapOvr>
+</p:sld>
+</file>
+
+<file path=ppt/slides/slide40.xml><?xml version="1.0" encoding="utf-8"?>
+<p:sld xmlns:a="http://schemas.openxmlformats.org/drawingml/2006/main" xmlns:r="http://schemas.openxmlformats.org/officeDocument/2006/relationships" xmlns:p="http://schemas.openxmlformats.org/presentationml/2006/main">
+  <p:cSld>
+    <p:spTree>
+      <p:nvGrpSpPr>
+        <p:cNvPr id="1" name=""/>
+        <p:cNvGrpSpPr/>
+        <p:nvPr/>
+      </p:nvGrpSpPr>
+      <p:grpSpPr>
+        <a:xfrm>
+          <a:off x="0" y="0"/>
+          <a:ext cx="0" cy="0"/>
+          <a:chOff x="0" y="0"/>
+          <a:chExt cx="0" cy="0"/>
+        </a:xfrm>
+      </p:grpSpPr>
+      <p:sp>
+        <p:nvSpPr>
+          <p:cNvPr id="2" name="Title 1">
+            <a:extLst>
+              <a:ext uri="{FF2B5EF4-FFF2-40B4-BE49-F238E27FC236}">
+                <a16:creationId xmlns:a16="http://schemas.microsoft.com/office/drawing/2014/main" id="{F27807E7-5C9D-2F13-DA94-E50EC47C9EA9}"/>
+              </a:ext>
+            </a:extLst>
+          </p:cNvPr>
+          <p:cNvSpPr>
+            <a:spLocks noGrp="1"/>
+          </p:cNvSpPr>
+          <p:nvPr>
+            <p:ph type="title"/>
+          </p:nvPr>
+        </p:nvSpPr>
+        <p:spPr/>
+        <p:txBody>
+          <a:bodyPr>
+            <a:normAutofit fontScale="90000"/>
+          </a:bodyPr>
+          <a:lstStyle/>
+          <a:p>
+            <a:r>
+              <a:rPr lang="en-US" dirty="0"/>
+              <a:t>“Traditional” Mathematical Modeling in AI</a:t>
+            </a:r>
+          </a:p>
+        </p:txBody>
+      </p:sp>
+      <p:sp>
+        <p:nvSpPr>
+          <p:cNvPr id="3" name="Content Placeholder 2">
+            <a:extLst>
+              <a:ext uri="{FF2B5EF4-FFF2-40B4-BE49-F238E27FC236}">
+                <a16:creationId xmlns:a16="http://schemas.microsoft.com/office/drawing/2014/main" id="{16C05EC2-0D76-9A66-38E6-ADFFB6E35BC3}"/>
+              </a:ext>
+            </a:extLst>
+          </p:cNvPr>
+          <p:cNvSpPr>
+            <a:spLocks noGrp="1"/>
+          </p:cNvSpPr>
+          <p:nvPr>
+            <p:ph idx="1"/>
+          </p:nvPr>
+        </p:nvSpPr>
+        <p:spPr/>
+        <p:txBody>
+          <a:bodyPr/>
+          <a:lstStyle/>
+          <a:p>
+            <a:r>
+              <a:rPr lang="en-US" dirty="0"/>
+              <a:t>Assign numerical values to data and results as necessary:</a:t>
+            </a:r>
+          </a:p>
+          <a:p>
+            <a:pPr lvl="1"/>
+            <a:r>
+              <a:rPr lang="en-US" dirty="0"/>
+              <a:t>Heads = 1</a:t>
+            </a:r>
+          </a:p>
+          <a:p>
+            <a:pPr lvl="1"/>
+            <a:r>
+              <a:rPr lang="en-US" dirty="0"/>
+              <a:t>Tails = 0</a:t>
+            </a:r>
+          </a:p>
+          <a:p>
+            <a:pPr lvl="1"/>
+            <a:r>
+              <a:rPr lang="en-US" dirty="0"/>
+              <a:t>Win = 1</a:t>
+            </a:r>
+          </a:p>
+          <a:p>
+            <a:pPr lvl="1"/>
+            <a:r>
+              <a:rPr lang="en-US" dirty="0"/>
+              <a:t>Lose = 0</a:t>
+            </a:r>
+          </a:p>
+          <a:p>
+            <a:r>
+              <a:rPr lang="en-US" dirty="0"/>
+              <a:t>Use the form of the input data to posit a very general model of how the results could depend on the data!</a:t>
+            </a:r>
+          </a:p>
+          <a:p>
+            <a:endParaRPr lang="en-US" dirty="0"/>
+          </a:p>
+          <a:p>
+            <a:pPr lvl="1"/>
+            <a:endParaRPr lang="en-US" dirty="0"/>
+          </a:p>
+          <a:p>
+            <a:pPr marL="0" indent="0">
+              <a:buNone/>
+            </a:pPr>
+            <a:endParaRPr lang="en-US" dirty="0"/>
+          </a:p>
+        </p:txBody>
+      </p:sp>
+      <p:grpSp>
+        <p:nvGrpSpPr>
+          <p:cNvPr id="23" name="Group 22">
+            <a:extLst>
+              <a:ext uri="{FF2B5EF4-FFF2-40B4-BE49-F238E27FC236}">
+                <a16:creationId xmlns:a16="http://schemas.microsoft.com/office/drawing/2014/main" id="{9C468490-CC06-FD9C-523E-E84F292EEEF9}"/>
+              </a:ext>
+            </a:extLst>
+          </p:cNvPr>
+          <p:cNvGrpSpPr/>
+          <p:nvPr/>
+        </p:nvGrpSpPr>
+        <p:grpSpPr>
+          <a:xfrm>
+            <a:off x="3531509" y="4487652"/>
+            <a:ext cx="248760" cy="322560"/>
+            <a:chOff x="3531509" y="4487652"/>
+            <a:chExt cx="248760" cy="322560"/>
+          </a:xfrm>
+        </p:grpSpPr>
+        <mc:AlternateContent xmlns:mc="http://schemas.openxmlformats.org/markup-compatibility/2006">
+          <mc:Choice xmlns:p14="http://schemas.microsoft.com/office/powerpoint/2010/main" Requires="p14">
+            <p:contentPart p14:bwMode="auto" r:id="rId2">
+              <p14:nvContentPartPr>
+                <p14:cNvPr id="21" name="Ink 20">
+                  <a:extLst>
+                    <a:ext uri="{FF2B5EF4-FFF2-40B4-BE49-F238E27FC236}">
+                      <a16:creationId xmlns:a16="http://schemas.microsoft.com/office/drawing/2014/main" id="{93E9B9E2-C7CC-F1AD-278F-D009A3DB780F}"/>
+                    </a:ext>
+                  </a:extLst>
+                </p14:cNvPr>
+                <p14:cNvContentPartPr/>
+                <p14:nvPr/>
+              </p14:nvContentPartPr>
+              <p14:xfrm>
+                <a:off x="3531509" y="4487652"/>
+                <a:ext cx="192240" cy="242640"/>
+              </p14:xfrm>
+            </p:contentPart>
+          </mc:Choice>
+          <mc:Fallback>
+            <p:pic>
+              <p:nvPicPr>
+                <p:cNvPr id="21" name="Ink 20">
+                  <a:extLst>
+                    <a:ext uri="{FF2B5EF4-FFF2-40B4-BE49-F238E27FC236}">
+                      <a16:creationId xmlns:a16="http://schemas.microsoft.com/office/drawing/2014/main" id="{93E9B9E2-C7CC-F1AD-278F-D009A3DB780F}"/>
+                    </a:ext>
+                  </a:extLst>
+                </p:cNvPr>
+                <p:cNvPicPr/>
+                <p:nvPr/>
+              </p:nvPicPr>
+              <p:blipFill>
+                <a:blip r:embed="rId3"/>
+                <a:stretch>
+                  <a:fillRect/>
+                </a:stretch>
+              </p:blipFill>
+              <p:spPr>
+                <a:xfrm>
+                  <a:off x="3525389" y="4481532"/>
+                  <a:ext cx="204480" cy="254880"/>
+                </a:xfrm>
+                <a:prstGeom prst="rect">
+                  <a:avLst/>
+                </a:prstGeom>
+              </p:spPr>
+            </p:pic>
+          </mc:Fallback>
+        </mc:AlternateContent>
+        <mc:AlternateContent xmlns:mc="http://schemas.openxmlformats.org/markup-compatibility/2006">
+          <mc:Choice xmlns:p14="http://schemas.microsoft.com/office/powerpoint/2010/main" Requires="p14">
+            <p:contentPart p14:bwMode="auto" r:id="rId4">
+              <p14:nvContentPartPr>
+                <p14:cNvPr id="22" name="Ink 21">
+                  <a:extLst>
+                    <a:ext uri="{FF2B5EF4-FFF2-40B4-BE49-F238E27FC236}">
+                      <a16:creationId xmlns:a16="http://schemas.microsoft.com/office/drawing/2014/main" id="{BDEC67B3-53AD-5557-2536-DF8291570275}"/>
+                    </a:ext>
+                  </a:extLst>
+                </p14:cNvPr>
+                <p14:cNvContentPartPr/>
+                <p14:nvPr/>
+              </p14:nvContentPartPr>
+              <p14:xfrm>
+                <a:off x="3775229" y="4710132"/>
+                <a:ext cx="5040" cy="100080"/>
+              </p14:xfrm>
+            </p:contentPart>
+          </mc:Choice>
+          <mc:Fallback>
+            <p:pic>
+              <p:nvPicPr>
+                <p:cNvPr id="22" name="Ink 21">
+                  <a:extLst>
+                    <a:ext uri="{FF2B5EF4-FFF2-40B4-BE49-F238E27FC236}">
+                      <a16:creationId xmlns:a16="http://schemas.microsoft.com/office/drawing/2014/main" id="{BDEC67B3-53AD-5557-2536-DF8291570275}"/>
+                    </a:ext>
+                  </a:extLst>
+                </p:cNvPr>
+                <p:cNvPicPr/>
+                <p:nvPr/>
+              </p:nvPicPr>
+              <p:blipFill>
+                <a:blip r:embed="rId5"/>
+                <a:stretch>
+                  <a:fillRect/>
+                </a:stretch>
+              </p:blipFill>
+              <p:spPr>
+                <a:xfrm>
+                  <a:off x="3769109" y="4704012"/>
+                  <a:ext cx="17280" cy="112320"/>
+                </a:xfrm>
+                <a:prstGeom prst="rect">
+                  <a:avLst/>
+                </a:prstGeom>
+              </p:spPr>
+            </p:pic>
+          </mc:Fallback>
+        </mc:AlternateContent>
+      </p:grpSp>
+      <p:grpSp>
+        <p:nvGrpSpPr>
+          <p:cNvPr id="26" name="Group 25">
+            <a:extLst>
+              <a:ext uri="{FF2B5EF4-FFF2-40B4-BE49-F238E27FC236}">
+                <a16:creationId xmlns:a16="http://schemas.microsoft.com/office/drawing/2014/main" id="{359AA0E8-B255-B801-DE61-9F580EBC0FCD}"/>
+              </a:ext>
+            </a:extLst>
+          </p:cNvPr>
+          <p:cNvGrpSpPr/>
+          <p:nvPr/>
+        </p:nvGrpSpPr>
+        <p:grpSpPr>
+          <a:xfrm>
+            <a:off x="3876029" y="4437252"/>
+            <a:ext cx="175320" cy="373680"/>
+            <a:chOff x="3876029" y="4437252"/>
+            <a:chExt cx="175320" cy="373680"/>
+          </a:xfrm>
+        </p:grpSpPr>
+        <mc:AlternateContent xmlns:mc="http://schemas.openxmlformats.org/markup-compatibility/2006">
+          <mc:Choice xmlns:p14="http://schemas.microsoft.com/office/powerpoint/2010/main" Requires="p14">
+            <p:contentPart p14:bwMode="auto" r:id="rId6">
+              <p14:nvContentPartPr>
+                <p14:cNvPr id="24" name="Ink 23">
+                  <a:extLst>
+                    <a:ext uri="{FF2B5EF4-FFF2-40B4-BE49-F238E27FC236}">
+                      <a16:creationId xmlns:a16="http://schemas.microsoft.com/office/drawing/2014/main" id="{142B90B7-BEAE-01DF-3BD9-9C8BEAC342FE}"/>
+                    </a:ext>
+                  </a:extLst>
+                </p14:cNvPr>
+                <p14:cNvContentPartPr/>
+                <p14:nvPr/>
+              </p14:nvContentPartPr>
+              <p14:xfrm>
+                <a:off x="3876029" y="4437252"/>
+                <a:ext cx="93240" cy="322200"/>
+              </p14:xfrm>
+            </p:contentPart>
+          </mc:Choice>
+          <mc:Fallback>
+            <p:pic>
+              <p:nvPicPr>
+                <p:cNvPr id="24" name="Ink 23">
+                  <a:extLst>
+                    <a:ext uri="{FF2B5EF4-FFF2-40B4-BE49-F238E27FC236}">
+                      <a16:creationId xmlns:a16="http://schemas.microsoft.com/office/drawing/2014/main" id="{142B90B7-BEAE-01DF-3BD9-9C8BEAC342FE}"/>
+                    </a:ext>
+                  </a:extLst>
+                </p:cNvPr>
+                <p:cNvPicPr/>
+                <p:nvPr/>
+              </p:nvPicPr>
+              <p:blipFill>
+                <a:blip r:embed="rId7"/>
+                <a:stretch>
+                  <a:fillRect/>
+                </a:stretch>
+              </p:blipFill>
+              <p:spPr>
+                <a:xfrm>
+                  <a:off x="3869909" y="4431132"/>
+                  <a:ext cx="105480" cy="334440"/>
+                </a:xfrm>
+                <a:prstGeom prst="rect">
+                  <a:avLst/>
+                </a:prstGeom>
+              </p:spPr>
+            </p:pic>
+          </mc:Fallback>
+        </mc:AlternateContent>
+        <mc:AlternateContent xmlns:mc="http://schemas.openxmlformats.org/markup-compatibility/2006">
+          <mc:Choice xmlns:p14="http://schemas.microsoft.com/office/powerpoint/2010/main" Requires="p14">
+            <p:contentPart p14:bwMode="auto" r:id="rId8">
+              <p14:nvContentPartPr>
+                <p14:cNvPr id="25" name="Ink 24">
+                  <a:extLst>
+                    <a:ext uri="{FF2B5EF4-FFF2-40B4-BE49-F238E27FC236}">
+                      <a16:creationId xmlns:a16="http://schemas.microsoft.com/office/drawing/2014/main" id="{864628DC-3579-820B-C65B-0141FD16205E}"/>
+                    </a:ext>
+                  </a:extLst>
+                </p14:cNvPr>
+                <p14:cNvContentPartPr/>
+                <p14:nvPr/>
+              </p14:nvContentPartPr>
+              <p14:xfrm>
+                <a:off x="4047029" y="4707252"/>
+                <a:ext cx="4320" cy="103680"/>
+              </p14:xfrm>
+            </p:contentPart>
+          </mc:Choice>
+          <mc:Fallback>
+            <p:pic>
+              <p:nvPicPr>
+                <p:cNvPr id="25" name="Ink 24">
+                  <a:extLst>
+                    <a:ext uri="{FF2B5EF4-FFF2-40B4-BE49-F238E27FC236}">
+                      <a16:creationId xmlns:a16="http://schemas.microsoft.com/office/drawing/2014/main" id="{864628DC-3579-820B-C65B-0141FD16205E}"/>
+                    </a:ext>
+                  </a:extLst>
+                </p:cNvPr>
+                <p:cNvPicPr/>
+                <p:nvPr/>
+              </p:nvPicPr>
+              <p:blipFill>
+                <a:blip r:embed="rId9"/>
+                <a:stretch>
+                  <a:fillRect/>
+                </a:stretch>
+              </p:blipFill>
+              <p:spPr>
+                <a:xfrm>
+                  <a:off x="4040909" y="4701132"/>
+                  <a:ext cx="16560" cy="115920"/>
+                </a:xfrm>
+                <a:prstGeom prst="rect">
+                  <a:avLst/>
+                </a:prstGeom>
+              </p:spPr>
+            </p:pic>
+          </mc:Fallback>
+        </mc:AlternateContent>
+      </p:grpSp>
+      <p:grpSp>
+        <p:nvGrpSpPr>
+          <p:cNvPr id="29" name="Group 28">
+            <a:extLst>
+              <a:ext uri="{FF2B5EF4-FFF2-40B4-BE49-F238E27FC236}">
+                <a16:creationId xmlns:a16="http://schemas.microsoft.com/office/drawing/2014/main" id="{D42B6EBB-28ED-2921-F7C4-3458A34932F8}"/>
+              </a:ext>
+            </a:extLst>
+          </p:cNvPr>
+          <p:cNvGrpSpPr/>
+          <p:nvPr/>
+        </p:nvGrpSpPr>
+        <p:grpSpPr>
+          <a:xfrm>
+            <a:off x="4346189" y="4574412"/>
+            <a:ext cx="86400" cy="132480"/>
+            <a:chOff x="4346189" y="4574412"/>
+            <a:chExt cx="86400" cy="132480"/>
+          </a:xfrm>
+        </p:grpSpPr>
+        <mc:AlternateContent xmlns:mc="http://schemas.openxmlformats.org/markup-compatibility/2006">
+          <mc:Choice xmlns:p14="http://schemas.microsoft.com/office/powerpoint/2010/main" Requires="p14">
+            <p:contentPart p14:bwMode="auto" r:id="rId10">
+              <p14:nvContentPartPr>
+                <p14:cNvPr id="27" name="Ink 26">
+                  <a:extLst>
+                    <a:ext uri="{FF2B5EF4-FFF2-40B4-BE49-F238E27FC236}">
+                      <a16:creationId xmlns:a16="http://schemas.microsoft.com/office/drawing/2014/main" id="{47DD80DB-30C9-422E-727A-548916D29E7A}"/>
+                    </a:ext>
+                  </a:extLst>
+                </p14:cNvPr>
+                <p14:cNvContentPartPr/>
+                <p14:nvPr/>
+              </p14:nvContentPartPr>
+              <p14:xfrm>
+                <a:off x="4395149" y="4574412"/>
+                <a:ext cx="6840" cy="132480"/>
+              </p14:xfrm>
+            </p:contentPart>
+          </mc:Choice>
+          <mc:Fallback>
+            <p:pic>
+              <p:nvPicPr>
+                <p:cNvPr id="27" name="Ink 26">
+                  <a:extLst>
+                    <a:ext uri="{FF2B5EF4-FFF2-40B4-BE49-F238E27FC236}">
+                      <a16:creationId xmlns:a16="http://schemas.microsoft.com/office/drawing/2014/main" id="{47DD80DB-30C9-422E-727A-548916D29E7A}"/>
+                    </a:ext>
+                  </a:extLst>
+                </p:cNvPr>
+                <p:cNvPicPr/>
+                <p:nvPr/>
+              </p:nvPicPr>
+              <p:blipFill>
+                <a:blip r:embed="rId11"/>
+                <a:stretch>
+                  <a:fillRect/>
+                </a:stretch>
+              </p:blipFill>
+              <p:spPr>
+                <a:xfrm>
+                  <a:off x="4389029" y="4568292"/>
+                  <a:ext cx="19080" cy="144720"/>
+                </a:xfrm>
+                <a:prstGeom prst="rect">
+                  <a:avLst/>
+                </a:prstGeom>
+              </p:spPr>
+            </p:pic>
+          </mc:Fallback>
+        </mc:AlternateContent>
+        <mc:AlternateContent xmlns:mc="http://schemas.openxmlformats.org/markup-compatibility/2006">
+          <mc:Choice xmlns:p14="http://schemas.microsoft.com/office/powerpoint/2010/main" Requires="p14">
+            <p:contentPart p14:bwMode="auto" r:id="rId12">
+              <p14:nvContentPartPr>
+                <p14:cNvPr id="28" name="Ink 27">
+                  <a:extLst>
+                    <a:ext uri="{FF2B5EF4-FFF2-40B4-BE49-F238E27FC236}">
+                      <a16:creationId xmlns:a16="http://schemas.microsoft.com/office/drawing/2014/main" id="{BC89A113-F738-0120-9130-1E56062A6C4F}"/>
+                    </a:ext>
+                  </a:extLst>
+                </p14:cNvPr>
+                <p14:cNvContentPartPr/>
+                <p14:nvPr/>
+              </p14:nvContentPartPr>
+              <p14:xfrm>
+                <a:off x="4346189" y="4647852"/>
+                <a:ext cx="86400" cy="7200"/>
+              </p14:xfrm>
+            </p:contentPart>
+          </mc:Choice>
+          <mc:Fallback>
+            <p:pic>
+              <p:nvPicPr>
+                <p:cNvPr id="28" name="Ink 27">
+                  <a:extLst>
+                    <a:ext uri="{FF2B5EF4-FFF2-40B4-BE49-F238E27FC236}">
+                      <a16:creationId xmlns:a16="http://schemas.microsoft.com/office/drawing/2014/main" id="{BC89A113-F738-0120-9130-1E56062A6C4F}"/>
+                    </a:ext>
+                  </a:extLst>
+                </p:cNvPr>
+                <p:cNvPicPr/>
+                <p:nvPr/>
+              </p:nvPicPr>
+              <p:blipFill>
+                <a:blip r:embed="rId13"/>
+                <a:stretch>
+                  <a:fillRect/>
+                </a:stretch>
+              </p:blipFill>
+              <p:spPr>
+                <a:xfrm>
+                  <a:off x="4340069" y="4641732"/>
+                  <a:ext cx="98640" cy="19440"/>
+                </a:xfrm>
+                <a:prstGeom prst="rect">
+                  <a:avLst/>
+                </a:prstGeom>
+              </p:spPr>
+            </p:pic>
+          </mc:Fallback>
+        </mc:AlternateContent>
+      </p:grpSp>
+      <mc:AlternateContent xmlns:mc="http://schemas.openxmlformats.org/markup-compatibility/2006">
+        <mc:Choice xmlns:p14="http://schemas.microsoft.com/office/powerpoint/2010/main" Requires="p14">
+          <p:contentPart p14:bwMode="auto" r:id="rId14">
+            <p14:nvContentPartPr>
+              <p14:cNvPr id="30" name="Ink 29">
+                <a:extLst>
+                  <a:ext uri="{FF2B5EF4-FFF2-40B4-BE49-F238E27FC236}">
+                    <a16:creationId xmlns:a16="http://schemas.microsoft.com/office/drawing/2014/main" id="{4C34BE17-5454-79FD-0495-DC13EE68792A}"/>
+                  </a:ext>
+                </a:extLst>
+              </p14:cNvPr>
+              <p14:cNvContentPartPr/>
+              <p14:nvPr/>
+            </p14:nvContentPartPr>
+            <p14:xfrm>
+              <a:off x="4840109" y="4502772"/>
+              <a:ext cx="8280" cy="292680"/>
+            </p14:xfrm>
+          </p:contentPart>
+        </mc:Choice>
+        <mc:Fallback>
+          <p:pic>
+            <p:nvPicPr>
+              <p:cNvPr id="30" name="Ink 29">
+                <a:extLst>
+                  <a:ext uri="{FF2B5EF4-FFF2-40B4-BE49-F238E27FC236}">
+                    <a16:creationId xmlns:a16="http://schemas.microsoft.com/office/drawing/2014/main" id="{4C34BE17-5454-79FD-0495-DC13EE68792A}"/>
+                  </a:ext>
+                </a:extLst>
+              </p:cNvPr>
+              <p:cNvPicPr/>
+              <p:nvPr/>
+            </p:nvPicPr>
+            <p:blipFill>
+              <a:blip r:embed="rId15"/>
+              <a:stretch>
+                <a:fillRect/>
+              </a:stretch>
+            </p:blipFill>
+            <p:spPr>
+              <a:xfrm>
+                <a:off x="4833989" y="4496652"/>
+                <a:ext cx="20520" cy="304920"/>
+              </a:xfrm>
+              <a:prstGeom prst="rect">
+                <a:avLst/>
+              </a:prstGeom>
+            </p:spPr>
+          </p:pic>
+        </mc:Fallback>
+      </mc:AlternateContent>
+      <p:grpSp>
+        <p:nvGrpSpPr>
+          <p:cNvPr id="33" name="Group 32">
+            <a:extLst>
+              <a:ext uri="{FF2B5EF4-FFF2-40B4-BE49-F238E27FC236}">
+                <a16:creationId xmlns:a16="http://schemas.microsoft.com/office/drawing/2014/main" id="{8C0A975E-115E-C0A4-9580-54F08BB71385}"/>
+              </a:ext>
+            </a:extLst>
+          </p:cNvPr>
+          <p:cNvGrpSpPr/>
+          <p:nvPr/>
+        </p:nvGrpSpPr>
+        <p:grpSpPr>
+          <a:xfrm>
+            <a:off x="4825709" y="4503852"/>
+            <a:ext cx="289440" cy="282960"/>
+            <a:chOff x="4825709" y="4503852"/>
+            <a:chExt cx="289440" cy="282960"/>
+          </a:xfrm>
+        </p:grpSpPr>
+        <mc:AlternateContent xmlns:mc="http://schemas.openxmlformats.org/markup-compatibility/2006">
+          <mc:Choice xmlns:p14="http://schemas.microsoft.com/office/powerpoint/2010/main" Requires="p14">
+            <p:contentPart p14:bwMode="auto" r:id="rId16">
+              <p14:nvContentPartPr>
+                <p14:cNvPr id="31" name="Ink 30">
+                  <a:extLst>
+                    <a:ext uri="{FF2B5EF4-FFF2-40B4-BE49-F238E27FC236}">
+                      <a16:creationId xmlns:a16="http://schemas.microsoft.com/office/drawing/2014/main" id="{E8CBCA90-1FA3-1EA3-B319-BA143BF34C8B}"/>
+                    </a:ext>
+                  </a:extLst>
+                </p14:cNvPr>
+                <p14:cNvContentPartPr/>
+                <p14:nvPr/>
+              </p14:nvContentPartPr>
+              <p14:xfrm>
+                <a:off x="4825709" y="4503852"/>
+                <a:ext cx="151560" cy="263160"/>
+              </p14:xfrm>
+            </p:contentPart>
+          </mc:Choice>
+          <mc:Fallback>
+            <p:pic>
+              <p:nvPicPr>
+                <p:cNvPr id="31" name="Ink 30">
+                  <a:extLst>
+                    <a:ext uri="{FF2B5EF4-FFF2-40B4-BE49-F238E27FC236}">
+                      <a16:creationId xmlns:a16="http://schemas.microsoft.com/office/drawing/2014/main" id="{E8CBCA90-1FA3-1EA3-B319-BA143BF34C8B}"/>
+                    </a:ext>
+                  </a:extLst>
+                </p:cNvPr>
+                <p:cNvPicPr/>
+                <p:nvPr/>
+              </p:nvPicPr>
+              <p:blipFill>
+                <a:blip r:embed="rId17"/>
+                <a:stretch>
+                  <a:fillRect/>
+                </a:stretch>
+              </p:blipFill>
+              <p:spPr>
+                <a:xfrm>
+                  <a:off x="4819589" y="4497732"/>
+                  <a:ext cx="163800" cy="275400"/>
+                </a:xfrm>
+                <a:prstGeom prst="rect">
+                  <a:avLst/>
+                </a:prstGeom>
+              </p:spPr>
+            </p:pic>
+          </mc:Fallback>
+        </mc:AlternateContent>
+        <mc:AlternateContent xmlns:mc="http://schemas.openxmlformats.org/markup-compatibility/2006">
+          <mc:Choice xmlns:p14="http://schemas.microsoft.com/office/powerpoint/2010/main" Requires="p14">
+            <p:contentPart p14:bwMode="auto" r:id="rId18">
+              <p14:nvContentPartPr>
+                <p14:cNvPr id="32" name="Ink 31">
+                  <a:extLst>
+                    <a:ext uri="{FF2B5EF4-FFF2-40B4-BE49-F238E27FC236}">
+                      <a16:creationId xmlns:a16="http://schemas.microsoft.com/office/drawing/2014/main" id="{886677D0-5E89-438B-808E-7726E417F592}"/>
+                    </a:ext>
+                  </a:extLst>
+                </p14:cNvPr>
+                <p14:cNvContentPartPr/>
+                <p14:nvPr/>
+              </p14:nvContentPartPr>
+              <p14:xfrm>
+                <a:off x="5003549" y="4696812"/>
+                <a:ext cx="111600" cy="90000"/>
+              </p14:xfrm>
+            </p:contentPart>
+          </mc:Choice>
+          <mc:Fallback>
+            <p:pic>
+              <p:nvPicPr>
+                <p:cNvPr id="32" name="Ink 31">
+                  <a:extLst>
+                    <a:ext uri="{FF2B5EF4-FFF2-40B4-BE49-F238E27FC236}">
+                      <a16:creationId xmlns:a16="http://schemas.microsoft.com/office/drawing/2014/main" id="{886677D0-5E89-438B-808E-7726E417F592}"/>
+                    </a:ext>
+                  </a:extLst>
+                </p:cNvPr>
+                <p:cNvPicPr/>
+                <p:nvPr/>
+              </p:nvPicPr>
+              <p:blipFill>
+                <a:blip r:embed="rId19"/>
+                <a:stretch>
+                  <a:fillRect/>
+                </a:stretch>
+              </p:blipFill>
+              <p:spPr>
+                <a:xfrm>
+                  <a:off x="4997429" y="4690692"/>
+                  <a:ext cx="123840" cy="102240"/>
+                </a:xfrm>
+                <a:prstGeom prst="rect">
+                  <a:avLst/>
+                </a:prstGeom>
+              </p:spPr>
+            </p:pic>
+          </mc:Fallback>
+        </mc:AlternateContent>
+      </p:grpSp>
+      <p:grpSp>
+        <p:nvGrpSpPr>
+          <p:cNvPr id="36" name="Group 35">
+            <a:extLst>
+              <a:ext uri="{FF2B5EF4-FFF2-40B4-BE49-F238E27FC236}">
+                <a16:creationId xmlns:a16="http://schemas.microsoft.com/office/drawing/2014/main" id="{FF082DBF-82C7-AD2E-84AD-B0CA03DA5EA7}"/>
+              </a:ext>
+            </a:extLst>
+          </p:cNvPr>
+          <p:cNvGrpSpPr/>
+          <p:nvPr/>
+        </p:nvGrpSpPr>
+        <p:grpSpPr>
+          <a:xfrm>
+            <a:off x="5354549" y="4590612"/>
+            <a:ext cx="101520" cy="166320"/>
+            <a:chOff x="5354549" y="4590612"/>
+            <a:chExt cx="101520" cy="166320"/>
+          </a:xfrm>
+        </p:grpSpPr>
+        <mc:AlternateContent xmlns:mc="http://schemas.openxmlformats.org/markup-compatibility/2006">
+          <mc:Choice xmlns:p14="http://schemas.microsoft.com/office/powerpoint/2010/main" Requires="p14">
+            <p:contentPart p14:bwMode="auto" r:id="rId20">
+              <p14:nvContentPartPr>
+                <p14:cNvPr id="34" name="Ink 33">
+                  <a:extLst>
+                    <a:ext uri="{FF2B5EF4-FFF2-40B4-BE49-F238E27FC236}">
+                      <a16:creationId xmlns:a16="http://schemas.microsoft.com/office/drawing/2014/main" id="{883A006F-7A90-617C-E35D-370E36EA444A}"/>
+                    </a:ext>
+                  </a:extLst>
+                </p14:cNvPr>
+                <p14:cNvContentPartPr/>
+                <p14:nvPr/>
+              </p14:nvContentPartPr>
+              <p14:xfrm>
+                <a:off x="5380829" y="4590612"/>
+                <a:ext cx="18000" cy="166320"/>
+              </p14:xfrm>
+            </p:contentPart>
+          </mc:Choice>
+          <mc:Fallback>
+            <p:pic>
+              <p:nvPicPr>
+                <p:cNvPr id="34" name="Ink 33">
+                  <a:extLst>
+                    <a:ext uri="{FF2B5EF4-FFF2-40B4-BE49-F238E27FC236}">
+                      <a16:creationId xmlns:a16="http://schemas.microsoft.com/office/drawing/2014/main" id="{883A006F-7A90-617C-E35D-370E36EA444A}"/>
+                    </a:ext>
+                  </a:extLst>
+                </p:cNvPr>
+                <p:cNvPicPr/>
+                <p:nvPr/>
+              </p:nvPicPr>
+              <p:blipFill>
+                <a:blip r:embed="rId21"/>
+                <a:stretch>
+                  <a:fillRect/>
+                </a:stretch>
+              </p:blipFill>
+              <p:spPr>
+                <a:xfrm>
+                  <a:off x="5374709" y="4584492"/>
+                  <a:ext cx="30240" cy="178560"/>
+                </a:xfrm>
+                <a:prstGeom prst="rect">
+                  <a:avLst/>
+                </a:prstGeom>
+              </p:spPr>
+            </p:pic>
+          </mc:Fallback>
+        </mc:AlternateContent>
+        <mc:AlternateContent xmlns:mc="http://schemas.openxmlformats.org/markup-compatibility/2006">
+          <mc:Choice xmlns:p14="http://schemas.microsoft.com/office/powerpoint/2010/main" Requires="p14">
+            <p:contentPart p14:bwMode="auto" r:id="rId22">
+              <p14:nvContentPartPr>
+                <p14:cNvPr id="35" name="Ink 34">
+                  <a:extLst>
+                    <a:ext uri="{FF2B5EF4-FFF2-40B4-BE49-F238E27FC236}">
+                      <a16:creationId xmlns:a16="http://schemas.microsoft.com/office/drawing/2014/main" id="{D91FAFEA-D216-C681-2850-A813DE2C7228}"/>
+                    </a:ext>
+                  </a:extLst>
+                </p14:cNvPr>
+                <p14:cNvContentPartPr/>
+                <p14:nvPr/>
+              </p14:nvContentPartPr>
+              <p14:xfrm>
+                <a:off x="5354549" y="4690332"/>
+                <a:ext cx="101520" cy="4320"/>
+              </p14:xfrm>
+            </p:contentPart>
+          </mc:Choice>
+          <mc:Fallback>
+            <p:pic>
+              <p:nvPicPr>
+                <p:cNvPr id="35" name="Ink 34">
+                  <a:extLst>
+                    <a:ext uri="{FF2B5EF4-FFF2-40B4-BE49-F238E27FC236}">
+                      <a16:creationId xmlns:a16="http://schemas.microsoft.com/office/drawing/2014/main" id="{D91FAFEA-D216-C681-2850-A813DE2C7228}"/>
+                    </a:ext>
+                  </a:extLst>
+                </p:cNvPr>
+                <p:cNvPicPr/>
+                <p:nvPr/>
+              </p:nvPicPr>
+              <p:blipFill>
+                <a:blip r:embed="rId23"/>
+                <a:stretch>
+                  <a:fillRect/>
+                </a:stretch>
+              </p:blipFill>
+              <p:spPr>
+                <a:xfrm>
+                  <a:off x="5348429" y="4684212"/>
+                  <a:ext cx="113760" cy="16560"/>
+                </a:xfrm>
+                <a:prstGeom prst="rect">
+                  <a:avLst/>
+                </a:prstGeom>
+              </p:spPr>
+            </p:pic>
+          </mc:Fallback>
+        </mc:AlternateContent>
+      </p:grpSp>
+      <p:grpSp>
+        <p:nvGrpSpPr>
+          <p:cNvPr id="40" name="Group 39">
+            <a:extLst>
+              <a:ext uri="{FF2B5EF4-FFF2-40B4-BE49-F238E27FC236}">
+                <a16:creationId xmlns:a16="http://schemas.microsoft.com/office/drawing/2014/main" id="{7A573564-0126-E8EB-2826-642A5694BB10}"/>
+              </a:ext>
+            </a:extLst>
+          </p:cNvPr>
+          <p:cNvGrpSpPr/>
+          <p:nvPr/>
+        </p:nvGrpSpPr>
+        <p:grpSpPr>
+          <a:xfrm>
+            <a:off x="5924789" y="4459572"/>
+            <a:ext cx="279360" cy="342720"/>
+            <a:chOff x="5924789" y="4459572"/>
+            <a:chExt cx="279360" cy="342720"/>
+          </a:xfrm>
+        </p:grpSpPr>
+        <mc:AlternateContent xmlns:mc="http://schemas.openxmlformats.org/markup-compatibility/2006">
+          <mc:Choice xmlns:p14="http://schemas.microsoft.com/office/powerpoint/2010/main" Requires="p14">
+            <p:contentPart p14:bwMode="auto" r:id="rId24">
+              <p14:nvContentPartPr>
+                <p14:cNvPr id="37" name="Ink 36">
+                  <a:extLst>
+                    <a:ext uri="{FF2B5EF4-FFF2-40B4-BE49-F238E27FC236}">
+                      <a16:creationId xmlns:a16="http://schemas.microsoft.com/office/drawing/2014/main" id="{77C2A85D-6F5D-1BD6-98B4-C1C3B167963C}"/>
+                    </a:ext>
+                  </a:extLst>
+                </p14:cNvPr>
+                <p14:cNvContentPartPr/>
+                <p14:nvPr/>
+              </p14:nvContentPartPr>
+              <p14:xfrm>
+                <a:off x="5948909" y="4519692"/>
+                <a:ext cx="18000" cy="264600"/>
+              </p14:xfrm>
+            </p:contentPart>
+          </mc:Choice>
+          <mc:Fallback>
+            <p:pic>
+              <p:nvPicPr>
+                <p:cNvPr id="37" name="Ink 36">
+                  <a:extLst>
+                    <a:ext uri="{FF2B5EF4-FFF2-40B4-BE49-F238E27FC236}">
+                      <a16:creationId xmlns:a16="http://schemas.microsoft.com/office/drawing/2014/main" id="{77C2A85D-6F5D-1BD6-98B4-C1C3B167963C}"/>
+                    </a:ext>
+                  </a:extLst>
+                </p:cNvPr>
+                <p:cNvPicPr/>
+                <p:nvPr/>
+              </p:nvPicPr>
+              <p:blipFill>
+                <a:blip r:embed="rId25"/>
+                <a:stretch>
+                  <a:fillRect/>
+                </a:stretch>
+              </p:blipFill>
+              <p:spPr>
+                <a:xfrm>
+                  <a:off x="5942789" y="4513572"/>
+                  <a:ext cx="30240" cy="276840"/>
+                </a:xfrm>
+                <a:prstGeom prst="rect">
+                  <a:avLst/>
+                </a:prstGeom>
+              </p:spPr>
+            </p:pic>
+          </mc:Fallback>
+        </mc:AlternateContent>
+        <mc:AlternateContent xmlns:mc="http://schemas.openxmlformats.org/markup-compatibility/2006">
+          <mc:Choice xmlns:p14="http://schemas.microsoft.com/office/powerpoint/2010/main" Requires="p14">
+            <p:contentPart p14:bwMode="auto" r:id="rId26">
+              <p14:nvContentPartPr>
+                <p14:cNvPr id="38" name="Ink 37">
+                  <a:extLst>
+                    <a:ext uri="{FF2B5EF4-FFF2-40B4-BE49-F238E27FC236}">
+                      <a16:creationId xmlns:a16="http://schemas.microsoft.com/office/drawing/2014/main" id="{D98A5306-FD89-2608-0A7A-41EB50D60138}"/>
+                    </a:ext>
+                  </a:extLst>
+                </p14:cNvPr>
+                <p14:cNvContentPartPr/>
+                <p14:nvPr/>
+              </p14:nvContentPartPr>
+              <p14:xfrm>
+                <a:off x="5924789" y="4459572"/>
+                <a:ext cx="186480" cy="336960"/>
+              </p14:xfrm>
+            </p:contentPart>
+          </mc:Choice>
+          <mc:Fallback>
+            <p:pic>
+              <p:nvPicPr>
+                <p:cNvPr id="38" name="Ink 37">
+                  <a:extLst>
+                    <a:ext uri="{FF2B5EF4-FFF2-40B4-BE49-F238E27FC236}">
+                      <a16:creationId xmlns:a16="http://schemas.microsoft.com/office/drawing/2014/main" id="{D98A5306-FD89-2608-0A7A-41EB50D60138}"/>
+                    </a:ext>
+                  </a:extLst>
+                </p:cNvPr>
+                <p:cNvPicPr/>
+                <p:nvPr/>
+              </p:nvPicPr>
+              <p:blipFill>
+                <a:blip r:embed="rId27"/>
+                <a:stretch>
+                  <a:fillRect/>
+                </a:stretch>
+              </p:blipFill>
+              <p:spPr>
+                <a:xfrm>
+                  <a:off x="5918669" y="4453452"/>
+                  <a:ext cx="198720" cy="349200"/>
+                </a:xfrm>
+                <a:prstGeom prst="rect">
+                  <a:avLst/>
+                </a:prstGeom>
+              </p:spPr>
+            </p:pic>
+          </mc:Fallback>
+        </mc:AlternateContent>
+        <mc:AlternateContent xmlns:mc="http://schemas.openxmlformats.org/markup-compatibility/2006">
+          <mc:Choice xmlns:p14="http://schemas.microsoft.com/office/powerpoint/2010/main" Requires="p14">
+            <p:contentPart p14:bwMode="auto" r:id="rId28">
+              <p14:nvContentPartPr>
+                <p14:cNvPr id="39" name="Ink 38">
+                  <a:extLst>
+                    <a:ext uri="{FF2B5EF4-FFF2-40B4-BE49-F238E27FC236}">
+                      <a16:creationId xmlns:a16="http://schemas.microsoft.com/office/drawing/2014/main" id="{F2976C1F-0156-01A3-0C3E-8C64731D83DB}"/>
+                    </a:ext>
+                  </a:extLst>
+                </p14:cNvPr>
+                <p14:cNvContentPartPr/>
+                <p14:nvPr/>
+              </p14:nvContentPartPr>
+              <p14:xfrm>
+                <a:off x="6107669" y="4681692"/>
+                <a:ext cx="96480" cy="120600"/>
+              </p14:xfrm>
+            </p:contentPart>
+          </mc:Choice>
+          <mc:Fallback>
+            <p:pic>
+              <p:nvPicPr>
+                <p:cNvPr id="39" name="Ink 38">
+                  <a:extLst>
+                    <a:ext uri="{FF2B5EF4-FFF2-40B4-BE49-F238E27FC236}">
+                      <a16:creationId xmlns:a16="http://schemas.microsoft.com/office/drawing/2014/main" id="{F2976C1F-0156-01A3-0C3E-8C64731D83DB}"/>
+                    </a:ext>
+                  </a:extLst>
+                </p:cNvPr>
+                <p:cNvPicPr/>
+                <p:nvPr/>
+              </p:nvPicPr>
+              <p:blipFill>
+                <a:blip r:embed="rId29"/>
+                <a:stretch>
+                  <a:fillRect/>
+                </a:stretch>
+              </p:blipFill>
+              <p:spPr>
+                <a:xfrm>
+                  <a:off x="6101549" y="4675572"/>
+                  <a:ext cx="108720" cy="132840"/>
+                </a:xfrm>
+                <a:prstGeom prst="rect">
+                  <a:avLst/>
+                </a:prstGeom>
+              </p:spPr>
+            </p:pic>
+          </mc:Fallback>
+        </mc:AlternateContent>
+      </p:grpSp>
+      <p:grpSp>
+        <p:nvGrpSpPr>
+          <p:cNvPr id="43" name="Group 42">
+            <a:extLst>
+              <a:ext uri="{FF2B5EF4-FFF2-40B4-BE49-F238E27FC236}">
+                <a16:creationId xmlns:a16="http://schemas.microsoft.com/office/drawing/2014/main" id="{A2E90FD0-FC50-D15A-B900-55281AE51F2F}"/>
+              </a:ext>
+            </a:extLst>
+          </p:cNvPr>
+          <p:cNvGrpSpPr/>
+          <p:nvPr/>
+        </p:nvGrpSpPr>
+        <p:grpSpPr>
+          <a:xfrm>
+            <a:off x="6432389" y="4595292"/>
+            <a:ext cx="172080" cy="151560"/>
+            <a:chOff x="6432389" y="4595292"/>
+            <a:chExt cx="172080" cy="151560"/>
+          </a:xfrm>
+        </p:grpSpPr>
+        <mc:AlternateContent xmlns:mc="http://schemas.openxmlformats.org/markup-compatibility/2006">
+          <mc:Choice xmlns:p14="http://schemas.microsoft.com/office/powerpoint/2010/main" Requires="p14">
+            <p:contentPart p14:bwMode="auto" r:id="rId30">
+              <p14:nvContentPartPr>
+                <p14:cNvPr id="41" name="Ink 40">
+                  <a:extLst>
+                    <a:ext uri="{FF2B5EF4-FFF2-40B4-BE49-F238E27FC236}">
+                      <a16:creationId xmlns:a16="http://schemas.microsoft.com/office/drawing/2014/main" id="{C39168C8-F6F8-B6E5-3820-CCF1A12C341E}"/>
+                    </a:ext>
+                  </a:extLst>
+                </p14:cNvPr>
+                <p14:cNvContentPartPr/>
+                <p14:nvPr/>
+              </p14:nvContentPartPr>
+              <p14:xfrm>
+                <a:off x="6471629" y="4595292"/>
+                <a:ext cx="10080" cy="151560"/>
+              </p14:xfrm>
+            </p:contentPart>
+          </mc:Choice>
+          <mc:Fallback>
+            <p:pic>
+              <p:nvPicPr>
+                <p:cNvPr id="41" name="Ink 40">
+                  <a:extLst>
+                    <a:ext uri="{FF2B5EF4-FFF2-40B4-BE49-F238E27FC236}">
+                      <a16:creationId xmlns:a16="http://schemas.microsoft.com/office/drawing/2014/main" id="{C39168C8-F6F8-B6E5-3820-CCF1A12C341E}"/>
+                    </a:ext>
+                  </a:extLst>
+                </p:cNvPr>
+                <p:cNvPicPr/>
+                <p:nvPr/>
+              </p:nvPicPr>
+              <p:blipFill>
+                <a:blip r:embed="rId31"/>
+                <a:stretch>
+                  <a:fillRect/>
+                </a:stretch>
+              </p:blipFill>
+              <p:spPr>
+                <a:xfrm>
+                  <a:off x="6465509" y="4589172"/>
+                  <a:ext cx="22320" cy="163800"/>
+                </a:xfrm>
+                <a:prstGeom prst="rect">
+                  <a:avLst/>
+                </a:prstGeom>
+              </p:spPr>
+            </p:pic>
+          </mc:Fallback>
+        </mc:AlternateContent>
+        <mc:AlternateContent xmlns:mc="http://schemas.openxmlformats.org/markup-compatibility/2006">
+          <mc:Choice xmlns:p14="http://schemas.microsoft.com/office/powerpoint/2010/main" Requires="p14">
+            <p:contentPart p14:bwMode="auto" r:id="rId32">
+              <p14:nvContentPartPr>
+                <p14:cNvPr id="42" name="Ink 41">
+                  <a:extLst>
+                    <a:ext uri="{FF2B5EF4-FFF2-40B4-BE49-F238E27FC236}">
+                      <a16:creationId xmlns:a16="http://schemas.microsoft.com/office/drawing/2014/main" id="{DE856138-6FE8-B881-C34C-714C5BEA4B9D}"/>
+                    </a:ext>
+                  </a:extLst>
+                </p14:cNvPr>
+                <p14:cNvContentPartPr/>
+                <p14:nvPr/>
+              </p14:nvContentPartPr>
+              <p14:xfrm>
+                <a:off x="6432389" y="4673412"/>
+                <a:ext cx="172080" cy="5400"/>
+              </p14:xfrm>
+            </p:contentPart>
+          </mc:Choice>
+          <mc:Fallback>
+            <p:pic>
+              <p:nvPicPr>
+                <p:cNvPr id="42" name="Ink 41">
+                  <a:extLst>
+                    <a:ext uri="{FF2B5EF4-FFF2-40B4-BE49-F238E27FC236}">
+                      <a16:creationId xmlns:a16="http://schemas.microsoft.com/office/drawing/2014/main" id="{DE856138-6FE8-B881-C34C-714C5BEA4B9D}"/>
+                    </a:ext>
+                  </a:extLst>
+                </p:cNvPr>
+                <p:cNvPicPr/>
+                <p:nvPr/>
+              </p:nvPicPr>
+              <p:blipFill>
+                <a:blip r:embed="rId33"/>
+                <a:stretch>
+                  <a:fillRect/>
+                </a:stretch>
+              </p:blipFill>
+              <p:spPr>
+                <a:xfrm>
+                  <a:off x="6426269" y="4667292"/>
+                  <a:ext cx="184320" cy="17640"/>
+                </a:xfrm>
+                <a:prstGeom prst="rect">
+                  <a:avLst/>
+                </a:prstGeom>
+              </p:spPr>
+            </p:pic>
+          </mc:Fallback>
+        </mc:AlternateContent>
+      </p:grpSp>
+      <p:grpSp>
+        <p:nvGrpSpPr>
+          <p:cNvPr id="53" name="Group 52">
+            <a:extLst>
+              <a:ext uri="{FF2B5EF4-FFF2-40B4-BE49-F238E27FC236}">
+                <a16:creationId xmlns:a16="http://schemas.microsoft.com/office/drawing/2014/main" id="{3BABB52B-9F3D-F2FB-E79D-976FA53015E5}"/>
+              </a:ext>
+            </a:extLst>
+          </p:cNvPr>
+          <p:cNvGrpSpPr/>
+          <p:nvPr/>
+        </p:nvGrpSpPr>
+        <p:grpSpPr>
+          <a:xfrm>
+            <a:off x="7170029" y="4470372"/>
+            <a:ext cx="645480" cy="332280"/>
+            <a:chOff x="7170029" y="4470372"/>
+            <a:chExt cx="645480" cy="332280"/>
+          </a:xfrm>
+        </p:grpSpPr>
+        <mc:AlternateContent xmlns:mc="http://schemas.openxmlformats.org/markup-compatibility/2006">
+          <mc:Choice xmlns:p14="http://schemas.microsoft.com/office/powerpoint/2010/main" Requires="p14">
+            <p:contentPart p14:bwMode="auto" r:id="rId34">
+              <p14:nvContentPartPr>
+                <p14:cNvPr id="44" name="Ink 43">
+                  <a:extLst>
+                    <a:ext uri="{FF2B5EF4-FFF2-40B4-BE49-F238E27FC236}">
+                      <a16:creationId xmlns:a16="http://schemas.microsoft.com/office/drawing/2014/main" id="{39F30B19-DAE1-801C-E32A-83A4C2AB9881}"/>
+                    </a:ext>
+                  </a:extLst>
+                </p14:cNvPr>
+                <p14:cNvContentPartPr/>
+                <p14:nvPr/>
+              </p14:nvContentPartPr>
+              <p14:xfrm>
+                <a:off x="7172189" y="4516812"/>
+                <a:ext cx="19440" cy="257760"/>
+              </p14:xfrm>
+            </p:contentPart>
+          </mc:Choice>
+          <mc:Fallback>
+            <p:pic>
+              <p:nvPicPr>
+                <p:cNvPr id="44" name="Ink 43">
+                  <a:extLst>
+                    <a:ext uri="{FF2B5EF4-FFF2-40B4-BE49-F238E27FC236}">
+                      <a16:creationId xmlns:a16="http://schemas.microsoft.com/office/drawing/2014/main" id="{39F30B19-DAE1-801C-E32A-83A4C2AB9881}"/>
+                    </a:ext>
+                  </a:extLst>
+                </p:cNvPr>
+                <p:cNvPicPr/>
+                <p:nvPr/>
+              </p:nvPicPr>
+              <p:blipFill>
+                <a:blip r:embed="rId35"/>
+                <a:stretch>
+                  <a:fillRect/>
+                </a:stretch>
+              </p:blipFill>
+              <p:spPr>
+                <a:xfrm>
+                  <a:off x="7166069" y="4510692"/>
+                  <a:ext cx="31680" cy="270000"/>
+                </a:xfrm>
+                <a:prstGeom prst="rect">
+                  <a:avLst/>
+                </a:prstGeom>
+              </p:spPr>
+            </p:pic>
+          </mc:Fallback>
+        </mc:AlternateContent>
+        <mc:AlternateContent xmlns:mc="http://schemas.openxmlformats.org/markup-compatibility/2006">
+          <mc:Choice xmlns:p14="http://schemas.microsoft.com/office/powerpoint/2010/main" Requires="p14">
+            <p:contentPart p14:bwMode="auto" r:id="rId36">
+              <p14:nvContentPartPr>
+                <p14:cNvPr id="45" name="Ink 44">
+                  <a:extLst>
+                    <a:ext uri="{FF2B5EF4-FFF2-40B4-BE49-F238E27FC236}">
+                      <a16:creationId xmlns:a16="http://schemas.microsoft.com/office/drawing/2014/main" id="{682914BD-0949-CC06-5DA0-094033FC7110}"/>
+                    </a:ext>
+                  </a:extLst>
+                </p14:cNvPr>
+                <p14:cNvContentPartPr/>
+                <p14:nvPr/>
+              </p14:nvContentPartPr>
+              <p14:xfrm>
+                <a:off x="7170029" y="4495572"/>
+                <a:ext cx="116280" cy="260280"/>
+              </p14:xfrm>
+            </p:contentPart>
+          </mc:Choice>
+          <mc:Fallback>
+            <p:pic>
+              <p:nvPicPr>
+                <p:cNvPr id="45" name="Ink 44">
+                  <a:extLst>
+                    <a:ext uri="{FF2B5EF4-FFF2-40B4-BE49-F238E27FC236}">
+                      <a16:creationId xmlns:a16="http://schemas.microsoft.com/office/drawing/2014/main" id="{682914BD-0949-CC06-5DA0-094033FC7110}"/>
+                    </a:ext>
+                  </a:extLst>
+                </p:cNvPr>
+                <p:cNvPicPr/>
+                <p:nvPr/>
+              </p:nvPicPr>
+              <p:blipFill>
+                <a:blip r:embed="rId37"/>
+                <a:stretch>
+                  <a:fillRect/>
+                </a:stretch>
+              </p:blipFill>
+              <p:spPr>
+                <a:xfrm>
+                  <a:off x="7163909" y="4489452"/>
+                  <a:ext cx="128520" cy="272520"/>
+                </a:xfrm>
+                <a:prstGeom prst="rect">
+                  <a:avLst/>
+                </a:prstGeom>
+              </p:spPr>
+            </p:pic>
+          </mc:Fallback>
+        </mc:AlternateContent>
+        <mc:AlternateContent xmlns:mc="http://schemas.openxmlformats.org/markup-compatibility/2006">
+          <mc:Choice xmlns:p14="http://schemas.microsoft.com/office/powerpoint/2010/main" Requires="p14">
+            <p:contentPart p14:bwMode="auto" r:id="rId38">
+              <p14:nvContentPartPr>
+                <p14:cNvPr id="46" name="Ink 45">
+                  <a:extLst>
+                    <a:ext uri="{FF2B5EF4-FFF2-40B4-BE49-F238E27FC236}">
+                      <a16:creationId xmlns:a16="http://schemas.microsoft.com/office/drawing/2014/main" id="{C11B9D11-FAA3-401C-2826-1D4E1AF2A00D}"/>
+                    </a:ext>
+                  </a:extLst>
+                </p14:cNvPr>
+                <p14:cNvContentPartPr/>
+                <p14:nvPr/>
+              </p14:nvContentPartPr>
+              <p14:xfrm>
+                <a:off x="7332749" y="4721652"/>
+                <a:ext cx="11160" cy="81000"/>
+              </p14:xfrm>
+            </p:contentPart>
+          </mc:Choice>
+          <mc:Fallback>
+            <p:pic>
+              <p:nvPicPr>
+                <p:cNvPr id="46" name="Ink 45">
+                  <a:extLst>
+                    <a:ext uri="{FF2B5EF4-FFF2-40B4-BE49-F238E27FC236}">
+                      <a16:creationId xmlns:a16="http://schemas.microsoft.com/office/drawing/2014/main" id="{C11B9D11-FAA3-401C-2826-1D4E1AF2A00D}"/>
+                    </a:ext>
+                  </a:extLst>
+                </p:cNvPr>
+                <p:cNvPicPr/>
+                <p:nvPr/>
+              </p:nvPicPr>
+              <p:blipFill>
+                <a:blip r:embed="rId39"/>
+                <a:stretch>
+                  <a:fillRect/>
+                </a:stretch>
+              </p:blipFill>
+              <p:spPr>
+                <a:xfrm>
+                  <a:off x="7326629" y="4715532"/>
+                  <a:ext cx="23400" cy="93240"/>
+                </a:xfrm>
+                <a:prstGeom prst="rect">
+                  <a:avLst/>
+                </a:prstGeom>
+              </p:spPr>
+            </p:pic>
+          </mc:Fallback>
+        </mc:AlternateContent>
+        <mc:AlternateContent xmlns:mc="http://schemas.openxmlformats.org/markup-compatibility/2006">
+          <mc:Choice xmlns:p14="http://schemas.microsoft.com/office/powerpoint/2010/main" Requires="p14">
+            <p:contentPart p14:bwMode="auto" r:id="rId40">
+              <p14:nvContentPartPr>
+                <p14:cNvPr id="48" name="Ink 47">
+                  <a:extLst>
+                    <a:ext uri="{FF2B5EF4-FFF2-40B4-BE49-F238E27FC236}">
+                      <a16:creationId xmlns:a16="http://schemas.microsoft.com/office/drawing/2014/main" id="{35C8E2FE-14ED-1907-0E8C-647DA063C908}"/>
+                    </a:ext>
+                  </a:extLst>
+                </p14:cNvPr>
+                <p14:cNvContentPartPr/>
+                <p14:nvPr/>
+              </p14:nvContentPartPr>
+              <p14:xfrm>
+                <a:off x="7446869" y="4670172"/>
+                <a:ext cx="18720" cy="23760"/>
+              </p14:xfrm>
+            </p:contentPart>
+          </mc:Choice>
+          <mc:Fallback>
+            <p:pic>
+              <p:nvPicPr>
+                <p:cNvPr id="48" name="Ink 47">
+                  <a:extLst>
+                    <a:ext uri="{FF2B5EF4-FFF2-40B4-BE49-F238E27FC236}">
+                      <a16:creationId xmlns:a16="http://schemas.microsoft.com/office/drawing/2014/main" id="{35C8E2FE-14ED-1907-0E8C-647DA063C908}"/>
+                    </a:ext>
+                  </a:extLst>
+                </p:cNvPr>
+                <p:cNvPicPr/>
+                <p:nvPr/>
+              </p:nvPicPr>
+              <p:blipFill>
+                <a:blip r:embed="rId41"/>
+                <a:stretch>
+                  <a:fillRect/>
+                </a:stretch>
+              </p:blipFill>
+              <p:spPr>
+                <a:xfrm>
+                  <a:off x="7440749" y="4664052"/>
+                  <a:ext cx="30960" cy="36000"/>
+                </a:xfrm>
+                <a:prstGeom prst="rect">
+                  <a:avLst/>
+                </a:prstGeom>
+              </p:spPr>
+            </p:pic>
+          </mc:Fallback>
+        </mc:AlternateContent>
+        <mc:AlternateContent xmlns:mc="http://schemas.openxmlformats.org/markup-compatibility/2006">
+          <mc:Choice xmlns:p14="http://schemas.microsoft.com/office/powerpoint/2010/main" Requires="p14">
+            <p:contentPart p14:bwMode="auto" r:id="rId42">
+              <p14:nvContentPartPr>
+                <p14:cNvPr id="50" name="Ink 49">
+                  <a:extLst>
+                    <a:ext uri="{FF2B5EF4-FFF2-40B4-BE49-F238E27FC236}">
+                      <a16:creationId xmlns:a16="http://schemas.microsoft.com/office/drawing/2014/main" id="{53CA4632-9DF9-4CAE-AD0D-D8C554044784}"/>
+                    </a:ext>
+                  </a:extLst>
+                </p14:cNvPr>
+                <p14:cNvContentPartPr/>
+                <p14:nvPr/>
+              </p14:nvContentPartPr>
+              <p14:xfrm>
+                <a:off x="7585829" y="4503852"/>
+                <a:ext cx="17640" cy="282960"/>
+              </p14:xfrm>
+            </p:contentPart>
+          </mc:Choice>
+          <mc:Fallback>
+            <p:pic>
+              <p:nvPicPr>
+                <p:cNvPr id="50" name="Ink 49">
+                  <a:extLst>
+                    <a:ext uri="{FF2B5EF4-FFF2-40B4-BE49-F238E27FC236}">
+                      <a16:creationId xmlns:a16="http://schemas.microsoft.com/office/drawing/2014/main" id="{53CA4632-9DF9-4CAE-AD0D-D8C554044784}"/>
+                    </a:ext>
+                  </a:extLst>
+                </p:cNvPr>
+                <p:cNvPicPr/>
+                <p:nvPr/>
+              </p:nvPicPr>
+              <p:blipFill>
+                <a:blip r:embed="rId43"/>
+                <a:stretch>
+                  <a:fillRect/>
+                </a:stretch>
+              </p:blipFill>
+              <p:spPr>
+                <a:xfrm>
+                  <a:off x="7579709" y="4497732"/>
+                  <a:ext cx="29880" cy="295200"/>
+                </a:xfrm>
+                <a:prstGeom prst="rect">
+                  <a:avLst/>
+                </a:prstGeom>
+              </p:spPr>
+            </p:pic>
+          </mc:Fallback>
+        </mc:AlternateContent>
+        <mc:AlternateContent xmlns:mc="http://schemas.openxmlformats.org/markup-compatibility/2006">
+          <mc:Choice xmlns:p14="http://schemas.microsoft.com/office/powerpoint/2010/main" Requires="p14">
+            <p:contentPart p14:bwMode="auto" r:id="rId44">
+              <p14:nvContentPartPr>
+                <p14:cNvPr id="51" name="Ink 50">
+                  <a:extLst>
+                    <a:ext uri="{FF2B5EF4-FFF2-40B4-BE49-F238E27FC236}">
+                      <a16:creationId xmlns:a16="http://schemas.microsoft.com/office/drawing/2014/main" id="{F8CD2AE2-2EF2-1D60-087A-D40B54C8BFDE}"/>
+                    </a:ext>
+                  </a:extLst>
+                </p14:cNvPr>
+                <p14:cNvContentPartPr/>
+                <p14:nvPr/>
+              </p14:nvContentPartPr>
+              <p14:xfrm>
+                <a:off x="7617149" y="4470372"/>
+                <a:ext cx="108720" cy="294120"/>
+              </p14:xfrm>
+            </p:contentPart>
+          </mc:Choice>
+          <mc:Fallback>
+            <p:pic>
+              <p:nvPicPr>
+                <p:cNvPr id="51" name="Ink 50">
+                  <a:extLst>
+                    <a:ext uri="{FF2B5EF4-FFF2-40B4-BE49-F238E27FC236}">
+                      <a16:creationId xmlns:a16="http://schemas.microsoft.com/office/drawing/2014/main" id="{F8CD2AE2-2EF2-1D60-087A-D40B54C8BFDE}"/>
+                    </a:ext>
+                  </a:extLst>
+                </p:cNvPr>
+                <p:cNvPicPr/>
+                <p:nvPr/>
+              </p:nvPicPr>
+              <p:blipFill>
+                <a:blip r:embed="rId45"/>
+                <a:stretch>
+                  <a:fillRect/>
+                </a:stretch>
+              </p:blipFill>
+              <p:spPr>
+                <a:xfrm>
+                  <a:off x="7611029" y="4464252"/>
+                  <a:ext cx="120960" cy="306360"/>
+                </a:xfrm>
+                <a:prstGeom prst="rect">
+                  <a:avLst/>
+                </a:prstGeom>
+              </p:spPr>
+            </p:pic>
+          </mc:Fallback>
+        </mc:AlternateContent>
+        <mc:AlternateContent xmlns:mc="http://schemas.openxmlformats.org/markup-compatibility/2006">
+          <mc:Choice xmlns:p14="http://schemas.microsoft.com/office/powerpoint/2010/main" Requires="p14">
+            <p:contentPart p14:bwMode="auto" r:id="rId46">
+              <p14:nvContentPartPr>
+                <p14:cNvPr id="52" name="Ink 51">
+                  <a:extLst>
+                    <a:ext uri="{FF2B5EF4-FFF2-40B4-BE49-F238E27FC236}">
+                      <a16:creationId xmlns:a16="http://schemas.microsoft.com/office/drawing/2014/main" id="{C714B702-CD4E-0B4C-F27D-FBCED126F768}"/>
+                    </a:ext>
+                  </a:extLst>
+                </p14:cNvPr>
+                <p14:cNvContentPartPr/>
+                <p14:nvPr/>
+              </p14:nvContentPartPr>
+              <p14:xfrm>
+                <a:off x="7747829" y="4712292"/>
+                <a:ext cx="67680" cy="88560"/>
+              </p14:xfrm>
+            </p:contentPart>
+          </mc:Choice>
+          <mc:Fallback>
+            <p:pic>
+              <p:nvPicPr>
+                <p:cNvPr id="52" name="Ink 51">
+                  <a:extLst>
+                    <a:ext uri="{FF2B5EF4-FFF2-40B4-BE49-F238E27FC236}">
+                      <a16:creationId xmlns:a16="http://schemas.microsoft.com/office/drawing/2014/main" id="{C714B702-CD4E-0B4C-F27D-FBCED126F768}"/>
+                    </a:ext>
+                  </a:extLst>
+                </p:cNvPr>
+                <p:cNvPicPr/>
+                <p:nvPr/>
+              </p:nvPicPr>
+              <p:blipFill>
+                <a:blip r:embed="rId47"/>
+                <a:stretch>
+                  <a:fillRect/>
+                </a:stretch>
+              </p:blipFill>
+              <p:spPr>
+                <a:xfrm>
+                  <a:off x="7741709" y="4706172"/>
+                  <a:ext cx="79920" cy="100800"/>
+                </a:xfrm>
+                <a:prstGeom prst="rect">
+                  <a:avLst/>
+                </a:prstGeom>
+              </p:spPr>
+            </p:pic>
+          </mc:Fallback>
+        </mc:AlternateContent>
+      </p:grpSp>
+      <p:grpSp>
+        <p:nvGrpSpPr>
+          <p:cNvPr id="56" name="Group 55">
+            <a:extLst>
+              <a:ext uri="{FF2B5EF4-FFF2-40B4-BE49-F238E27FC236}">
+                <a16:creationId xmlns:a16="http://schemas.microsoft.com/office/drawing/2014/main" id="{BBB6D0CA-2B55-EF59-A885-71E7FC4F0A0D}"/>
+              </a:ext>
+            </a:extLst>
+          </p:cNvPr>
+          <p:cNvGrpSpPr/>
+          <p:nvPr/>
+        </p:nvGrpSpPr>
+        <p:grpSpPr>
+          <a:xfrm>
+            <a:off x="8306909" y="4603212"/>
+            <a:ext cx="106560" cy="179640"/>
+            <a:chOff x="8306909" y="4603212"/>
+            <a:chExt cx="106560" cy="179640"/>
+          </a:xfrm>
+        </p:grpSpPr>
+        <mc:AlternateContent xmlns:mc="http://schemas.openxmlformats.org/markup-compatibility/2006">
+          <mc:Choice xmlns:p14="http://schemas.microsoft.com/office/powerpoint/2010/main" Requires="p14">
+            <p:contentPart p14:bwMode="auto" r:id="rId48">
+              <p14:nvContentPartPr>
+                <p14:cNvPr id="54" name="Ink 53">
+                  <a:extLst>
+                    <a:ext uri="{FF2B5EF4-FFF2-40B4-BE49-F238E27FC236}">
+                      <a16:creationId xmlns:a16="http://schemas.microsoft.com/office/drawing/2014/main" id="{68A4C06B-C36F-6C8E-9393-7E796DE58659}"/>
+                    </a:ext>
+                  </a:extLst>
+                </p14:cNvPr>
+                <p14:cNvContentPartPr/>
+                <p14:nvPr/>
+              </p14:nvContentPartPr>
+              <p14:xfrm>
+                <a:off x="8332109" y="4603212"/>
+                <a:ext cx="25920" cy="179640"/>
+              </p14:xfrm>
+            </p:contentPart>
+          </mc:Choice>
+          <mc:Fallback>
+            <p:pic>
+              <p:nvPicPr>
+                <p:cNvPr id="54" name="Ink 53">
+                  <a:extLst>
+                    <a:ext uri="{FF2B5EF4-FFF2-40B4-BE49-F238E27FC236}">
+                      <a16:creationId xmlns:a16="http://schemas.microsoft.com/office/drawing/2014/main" id="{68A4C06B-C36F-6C8E-9393-7E796DE58659}"/>
+                    </a:ext>
+                  </a:extLst>
+                </p:cNvPr>
+                <p:cNvPicPr/>
+                <p:nvPr/>
+              </p:nvPicPr>
+              <p:blipFill>
+                <a:blip r:embed="rId49"/>
+                <a:stretch>
+                  <a:fillRect/>
+                </a:stretch>
+              </p:blipFill>
+              <p:spPr>
+                <a:xfrm>
+                  <a:off x="8325989" y="4597092"/>
+                  <a:ext cx="38160" cy="191880"/>
+                </a:xfrm>
+                <a:prstGeom prst="rect">
+                  <a:avLst/>
+                </a:prstGeom>
+              </p:spPr>
+            </p:pic>
+          </mc:Fallback>
+        </mc:AlternateContent>
+        <mc:AlternateContent xmlns:mc="http://schemas.openxmlformats.org/markup-compatibility/2006">
+          <mc:Choice xmlns:p14="http://schemas.microsoft.com/office/powerpoint/2010/main" Requires="p14">
+            <p:contentPart p14:bwMode="auto" r:id="rId50">
+              <p14:nvContentPartPr>
+                <p14:cNvPr id="55" name="Ink 54">
+                  <a:extLst>
+                    <a:ext uri="{FF2B5EF4-FFF2-40B4-BE49-F238E27FC236}">
+                      <a16:creationId xmlns:a16="http://schemas.microsoft.com/office/drawing/2014/main" id="{10F8373F-BD87-C9B0-8E30-C5B46D1EC6F3}"/>
+                    </a:ext>
+                  </a:extLst>
+                </p14:cNvPr>
+                <p14:cNvContentPartPr/>
+                <p14:nvPr/>
+              </p14:nvContentPartPr>
+              <p14:xfrm>
+                <a:off x="8306909" y="4698972"/>
+                <a:ext cx="106560" cy="12600"/>
+              </p14:xfrm>
+            </p:contentPart>
+          </mc:Choice>
+          <mc:Fallback>
+            <p:pic>
+              <p:nvPicPr>
+                <p:cNvPr id="55" name="Ink 54">
+                  <a:extLst>
+                    <a:ext uri="{FF2B5EF4-FFF2-40B4-BE49-F238E27FC236}">
+                      <a16:creationId xmlns:a16="http://schemas.microsoft.com/office/drawing/2014/main" id="{10F8373F-BD87-C9B0-8E30-C5B46D1EC6F3}"/>
+                    </a:ext>
+                  </a:extLst>
+                </p:cNvPr>
+                <p:cNvPicPr/>
+                <p:nvPr/>
+              </p:nvPicPr>
+              <p:blipFill>
+                <a:blip r:embed="rId51"/>
+                <a:stretch>
+                  <a:fillRect/>
+                </a:stretch>
+              </p:blipFill>
+              <p:spPr>
+                <a:xfrm>
+                  <a:off x="8300789" y="4692852"/>
+                  <a:ext cx="118800" cy="24840"/>
+                </a:xfrm>
+                <a:prstGeom prst="rect">
+                  <a:avLst/>
+                </a:prstGeom>
+              </p:spPr>
+            </p:pic>
+          </mc:Fallback>
+        </mc:AlternateContent>
+      </p:grpSp>
+      <p:grpSp>
+        <p:nvGrpSpPr>
+          <p:cNvPr id="67" name="Group 66">
+            <a:extLst>
+              <a:ext uri="{FF2B5EF4-FFF2-40B4-BE49-F238E27FC236}">
+                <a16:creationId xmlns:a16="http://schemas.microsoft.com/office/drawing/2014/main" id="{CC3C657F-9D12-84D6-2EA0-BA5E1B76320B}"/>
+              </a:ext>
+            </a:extLst>
+          </p:cNvPr>
+          <p:cNvGrpSpPr/>
+          <p:nvPr/>
+        </p:nvGrpSpPr>
+        <p:grpSpPr>
+          <a:xfrm>
+            <a:off x="8934389" y="4490532"/>
+            <a:ext cx="917640" cy="342360"/>
+            <a:chOff x="8934389" y="4490532"/>
+            <a:chExt cx="917640" cy="342360"/>
+          </a:xfrm>
+        </p:grpSpPr>
+        <mc:AlternateContent xmlns:mc="http://schemas.openxmlformats.org/markup-compatibility/2006">
+          <mc:Choice xmlns:p14="http://schemas.microsoft.com/office/powerpoint/2010/main" Requires="p14">
+            <p:contentPart p14:bwMode="auto" r:id="rId52">
+              <p14:nvContentPartPr>
+                <p14:cNvPr id="57" name="Ink 56">
+                  <a:extLst>
+                    <a:ext uri="{FF2B5EF4-FFF2-40B4-BE49-F238E27FC236}">
+                      <a16:creationId xmlns:a16="http://schemas.microsoft.com/office/drawing/2014/main" id="{6929B63F-E29B-F0DE-668D-E1C76F9BF22D}"/>
+                    </a:ext>
+                  </a:extLst>
+                </p14:cNvPr>
+                <p14:cNvContentPartPr/>
+                <p14:nvPr/>
+              </p14:nvContentPartPr>
+              <p14:xfrm>
+                <a:off x="8934389" y="4528692"/>
+                <a:ext cx="12240" cy="247680"/>
+              </p14:xfrm>
+            </p:contentPart>
+          </mc:Choice>
+          <mc:Fallback>
+            <p:pic>
+              <p:nvPicPr>
+                <p:cNvPr id="57" name="Ink 56">
+                  <a:extLst>
+                    <a:ext uri="{FF2B5EF4-FFF2-40B4-BE49-F238E27FC236}">
+                      <a16:creationId xmlns:a16="http://schemas.microsoft.com/office/drawing/2014/main" id="{6929B63F-E29B-F0DE-668D-E1C76F9BF22D}"/>
+                    </a:ext>
+                  </a:extLst>
+                </p:cNvPr>
+                <p:cNvPicPr/>
+                <p:nvPr/>
+              </p:nvPicPr>
+              <p:blipFill>
+                <a:blip r:embed="rId53"/>
+                <a:stretch>
+                  <a:fillRect/>
+                </a:stretch>
+              </p:blipFill>
+              <p:spPr>
+                <a:xfrm>
+                  <a:off x="8928269" y="4522572"/>
+                  <a:ext cx="24480" cy="259920"/>
+                </a:xfrm>
+                <a:prstGeom prst="rect">
+                  <a:avLst/>
+                </a:prstGeom>
+              </p:spPr>
+            </p:pic>
+          </mc:Fallback>
+        </mc:AlternateContent>
+        <mc:AlternateContent xmlns:mc="http://schemas.openxmlformats.org/markup-compatibility/2006">
+          <mc:Choice xmlns:p14="http://schemas.microsoft.com/office/powerpoint/2010/main" Requires="p14">
+            <p:contentPart p14:bwMode="auto" r:id="rId54">
+              <p14:nvContentPartPr>
+                <p14:cNvPr id="58" name="Ink 57">
+                  <a:extLst>
+                    <a:ext uri="{FF2B5EF4-FFF2-40B4-BE49-F238E27FC236}">
+                      <a16:creationId xmlns:a16="http://schemas.microsoft.com/office/drawing/2014/main" id="{79A34814-1B52-A6E6-03C1-A6E36811E731}"/>
+                    </a:ext>
+                  </a:extLst>
+                </p14:cNvPr>
+                <p14:cNvContentPartPr/>
+                <p14:nvPr/>
+              </p14:nvContentPartPr>
+              <p14:xfrm>
+                <a:off x="8943029" y="4507452"/>
+                <a:ext cx="110520" cy="276840"/>
+              </p14:xfrm>
+            </p:contentPart>
+          </mc:Choice>
+          <mc:Fallback>
+            <p:pic>
+              <p:nvPicPr>
+                <p:cNvPr id="58" name="Ink 57">
+                  <a:extLst>
+                    <a:ext uri="{FF2B5EF4-FFF2-40B4-BE49-F238E27FC236}">
+                      <a16:creationId xmlns:a16="http://schemas.microsoft.com/office/drawing/2014/main" id="{79A34814-1B52-A6E6-03C1-A6E36811E731}"/>
+                    </a:ext>
+                  </a:extLst>
+                </p:cNvPr>
+                <p:cNvPicPr/>
+                <p:nvPr/>
+              </p:nvPicPr>
+              <p:blipFill>
+                <a:blip r:embed="rId55"/>
+                <a:stretch>
+                  <a:fillRect/>
+                </a:stretch>
+              </p:blipFill>
+              <p:spPr>
+                <a:xfrm>
+                  <a:off x="8936909" y="4501332"/>
+                  <a:ext cx="122760" cy="289080"/>
+                </a:xfrm>
+                <a:prstGeom prst="rect">
+                  <a:avLst/>
+                </a:prstGeom>
+              </p:spPr>
+            </p:pic>
+          </mc:Fallback>
+        </mc:AlternateContent>
+        <mc:AlternateContent xmlns:mc="http://schemas.openxmlformats.org/markup-compatibility/2006">
+          <mc:Choice xmlns:p14="http://schemas.microsoft.com/office/powerpoint/2010/main" Requires="p14">
+            <p:contentPart p14:bwMode="auto" r:id="rId56">
+              <p14:nvContentPartPr>
+                <p14:cNvPr id="59" name="Ink 58">
+                  <a:extLst>
+                    <a:ext uri="{FF2B5EF4-FFF2-40B4-BE49-F238E27FC236}">
+                      <a16:creationId xmlns:a16="http://schemas.microsoft.com/office/drawing/2014/main" id="{43510B5E-DA7F-B0D2-1374-E8F2C87E295C}"/>
+                    </a:ext>
+                  </a:extLst>
+                </p14:cNvPr>
+                <p14:cNvContentPartPr/>
+                <p14:nvPr/>
+              </p14:nvContentPartPr>
+              <p14:xfrm>
+                <a:off x="9094589" y="4709772"/>
+                <a:ext cx="85680" cy="123120"/>
+              </p14:xfrm>
+            </p:contentPart>
+          </mc:Choice>
+          <mc:Fallback>
+            <p:pic>
+              <p:nvPicPr>
+                <p:cNvPr id="59" name="Ink 58">
+                  <a:extLst>
+                    <a:ext uri="{FF2B5EF4-FFF2-40B4-BE49-F238E27FC236}">
+                      <a16:creationId xmlns:a16="http://schemas.microsoft.com/office/drawing/2014/main" id="{43510B5E-DA7F-B0D2-1374-E8F2C87E295C}"/>
+                    </a:ext>
+                  </a:extLst>
+                </p:cNvPr>
+                <p:cNvPicPr/>
+                <p:nvPr/>
+              </p:nvPicPr>
+              <p:blipFill>
+                <a:blip r:embed="rId57"/>
+                <a:stretch>
+                  <a:fillRect/>
+                </a:stretch>
+              </p:blipFill>
+              <p:spPr>
+                <a:xfrm>
+                  <a:off x="9088469" y="4703652"/>
+                  <a:ext cx="97920" cy="135360"/>
+                </a:xfrm>
+                <a:prstGeom prst="rect">
+                  <a:avLst/>
+                </a:prstGeom>
+              </p:spPr>
+            </p:pic>
+          </mc:Fallback>
+        </mc:AlternateContent>
+        <mc:AlternateContent xmlns:mc="http://schemas.openxmlformats.org/markup-compatibility/2006">
+          <mc:Choice xmlns:p14="http://schemas.microsoft.com/office/powerpoint/2010/main" Requires="p14">
+            <p:contentPart p14:bwMode="auto" r:id="rId58">
+              <p14:nvContentPartPr>
+                <p14:cNvPr id="60" name="Ink 59">
+                  <a:extLst>
+                    <a:ext uri="{FF2B5EF4-FFF2-40B4-BE49-F238E27FC236}">
+                      <a16:creationId xmlns:a16="http://schemas.microsoft.com/office/drawing/2014/main" id="{04BED95D-3B10-BF4E-839A-0B70C4BCE583}"/>
+                    </a:ext>
+                  </a:extLst>
+                </p14:cNvPr>
+                <p14:cNvContentPartPr/>
+                <p14:nvPr/>
+              </p14:nvContentPartPr>
+              <p14:xfrm>
+                <a:off x="9252989" y="4645692"/>
+                <a:ext cx="28800" cy="30240"/>
+              </p14:xfrm>
+            </p:contentPart>
+          </mc:Choice>
+          <mc:Fallback>
+            <p:pic>
+              <p:nvPicPr>
+                <p:cNvPr id="60" name="Ink 59">
+                  <a:extLst>
+                    <a:ext uri="{FF2B5EF4-FFF2-40B4-BE49-F238E27FC236}">
+                      <a16:creationId xmlns:a16="http://schemas.microsoft.com/office/drawing/2014/main" id="{04BED95D-3B10-BF4E-839A-0B70C4BCE583}"/>
+                    </a:ext>
+                  </a:extLst>
+                </p:cNvPr>
+                <p:cNvPicPr/>
+                <p:nvPr/>
+              </p:nvPicPr>
+              <p:blipFill>
+                <a:blip r:embed="rId59"/>
+                <a:stretch>
+                  <a:fillRect/>
+                </a:stretch>
+              </p:blipFill>
+              <p:spPr>
+                <a:xfrm>
+                  <a:off x="9246869" y="4639572"/>
+                  <a:ext cx="41040" cy="42480"/>
+                </a:xfrm>
+                <a:prstGeom prst="rect">
+                  <a:avLst/>
+                </a:prstGeom>
+              </p:spPr>
+            </p:pic>
+          </mc:Fallback>
+        </mc:AlternateContent>
+        <mc:AlternateContent xmlns:mc="http://schemas.openxmlformats.org/markup-compatibility/2006">
+          <mc:Choice xmlns:p14="http://schemas.microsoft.com/office/powerpoint/2010/main" Requires="p14">
+            <p:contentPart p14:bwMode="auto" r:id="rId60">
+              <p14:nvContentPartPr>
+                <p14:cNvPr id="61" name="Ink 60">
+                  <a:extLst>
+                    <a:ext uri="{FF2B5EF4-FFF2-40B4-BE49-F238E27FC236}">
+                      <a16:creationId xmlns:a16="http://schemas.microsoft.com/office/drawing/2014/main" id="{A10CA16A-5442-86ED-7442-B4D09B7D8257}"/>
+                    </a:ext>
+                  </a:extLst>
+                </p14:cNvPr>
+                <p14:cNvContentPartPr/>
+                <p14:nvPr/>
+              </p14:nvContentPartPr>
+              <p14:xfrm>
+                <a:off x="9391229" y="4539132"/>
+                <a:ext cx="17280" cy="250920"/>
+              </p14:xfrm>
+            </p:contentPart>
+          </mc:Choice>
+          <mc:Fallback>
+            <p:pic>
+              <p:nvPicPr>
+                <p:cNvPr id="61" name="Ink 60">
+                  <a:extLst>
+                    <a:ext uri="{FF2B5EF4-FFF2-40B4-BE49-F238E27FC236}">
+                      <a16:creationId xmlns:a16="http://schemas.microsoft.com/office/drawing/2014/main" id="{A10CA16A-5442-86ED-7442-B4D09B7D8257}"/>
+                    </a:ext>
+                  </a:extLst>
+                </p:cNvPr>
+                <p:cNvPicPr/>
+                <p:nvPr/>
+              </p:nvPicPr>
+              <p:blipFill>
+                <a:blip r:embed="rId61"/>
+                <a:stretch>
+                  <a:fillRect/>
+                </a:stretch>
+              </p:blipFill>
+              <p:spPr>
+                <a:xfrm>
+                  <a:off x="9385109" y="4533012"/>
+                  <a:ext cx="29520" cy="263160"/>
+                </a:xfrm>
+                <a:prstGeom prst="rect">
+                  <a:avLst/>
+                </a:prstGeom>
+              </p:spPr>
+            </p:pic>
+          </mc:Fallback>
+        </mc:AlternateContent>
+        <mc:AlternateContent xmlns:mc="http://schemas.openxmlformats.org/markup-compatibility/2006">
+          <mc:Choice xmlns:p14="http://schemas.microsoft.com/office/powerpoint/2010/main" Requires="p14">
+            <p:contentPart p14:bwMode="auto" r:id="rId62">
+              <p14:nvContentPartPr>
+                <p14:cNvPr id="62" name="Ink 61">
+                  <a:extLst>
+                    <a:ext uri="{FF2B5EF4-FFF2-40B4-BE49-F238E27FC236}">
+                      <a16:creationId xmlns:a16="http://schemas.microsoft.com/office/drawing/2014/main" id="{E7C11474-CE6D-93A3-7F31-CD946C543E4A}"/>
+                    </a:ext>
+                  </a:extLst>
+                </p14:cNvPr>
+                <p14:cNvContentPartPr/>
+                <p14:nvPr/>
+              </p14:nvContentPartPr>
+              <p14:xfrm>
+                <a:off x="9405629" y="4490532"/>
+                <a:ext cx="92880" cy="302400"/>
+              </p14:xfrm>
+            </p:contentPart>
+          </mc:Choice>
+          <mc:Fallback>
+            <p:pic>
+              <p:nvPicPr>
+                <p:cNvPr id="62" name="Ink 61">
+                  <a:extLst>
+                    <a:ext uri="{FF2B5EF4-FFF2-40B4-BE49-F238E27FC236}">
+                      <a16:creationId xmlns:a16="http://schemas.microsoft.com/office/drawing/2014/main" id="{E7C11474-CE6D-93A3-7F31-CD946C543E4A}"/>
+                    </a:ext>
+                  </a:extLst>
+                </p:cNvPr>
+                <p:cNvPicPr/>
+                <p:nvPr/>
+              </p:nvPicPr>
+              <p:blipFill>
+                <a:blip r:embed="rId63"/>
+                <a:stretch>
+                  <a:fillRect/>
+                </a:stretch>
+              </p:blipFill>
+              <p:spPr>
+                <a:xfrm>
+                  <a:off x="9399509" y="4484412"/>
+                  <a:ext cx="105120" cy="314640"/>
+                </a:xfrm>
+                <a:prstGeom prst="rect">
+                  <a:avLst/>
+                </a:prstGeom>
+              </p:spPr>
+            </p:pic>
+          </mc:Fallback>
+        </mc:AlternateContent>
+        <mc:AlternateContent xmlns:mc="http://schemas.openxmlformats.org/markup-compatibility/2006">
+          <mc:Choice xmlns:p14="http://schemas.microsoft.com/office/powerpoint/2010/main" Requires="p14">
+            <p:contentPart p14:bwMode="auto" r:id="rId64">
+              <p14:nvContentPartPr>
+                <p14:cNvPr id="63" name="Ink 62">
+                  <a:extLst>
+                    <a:ext uri="{FF2B5EF4-FFF2-40B4-BE49-F238E27FC236}">
+                      <a16:creationId xmlns:a16="http://schemas.microsoft.com/office/drawing/2014/main" id="{C082B854-AADA-D9CA-B502-64B23D1FECAD}"/>
+                    </a:ext>
+                  </a:extLst>
+                </p14:cNvPr>
+                <p14:cNvContentPartPr/>
+                <p14:nvPr/>
+              </p14:nvContentPartPr>
+              <p14:xfrm>
+                <a:off x="9537389" y="4720572"/>
+                <a:ext cx="70560" cy="109440"/>
+              </p14:xfrm>
+            </p:contentPart>
+          </mc:Choice>
+          <mc:Fallback>
+            <p:pic>
+              <p:nvPicPr>
+                <p:cNvPr id="63" name="Ink 62">
+                  <a:extLst>
+                    <a:ext uri="{FF2B5EF4-FFF2-40B4-BE49-F238E27FC236}">
+                      <a16:creationId xmlns:a16="http://schemas.microsoft.com/office/drawing/2014/main" id="{C082B854-AADA-D9CA-B502-64B23D1FECAD}"/>
+                    </a:ext>
+                  </a:extLst>
+                </p:cNvPr>
+                <p:cNvPicPr/>
+                <p:nvPr/>
+              </p:nvPicPr>
+              <p:blipFill>
+                <a:blip r:embed="rId65"/>
+                <a:stretch>
+                  <a:fillRect/>
+                </a:stretch>
+              </p:blipFill>
+              <p:spPr>
+                <a:xfrm>
+                  <a:off x="9531269" y="4714452"/>
+                  <a:ext cx="82800" cy="121680"/>
+                </a:xfrm>
+                <a:prstGeom prst="rect">
+                  <a:avLst/>
+                </a:prstGeom>
+              </p:spPr>
+            </p:pic>
+          </mc:Fallback>
+        </mc:AlternateContent>
+        <mc:AlternateContent xmlns:mc="http://schemas.openxmlformats.org/markup-compatibility/2006">
+          <mc:Choice xmlns:p14="http://schemas.microsoft.com/office/powerpoint/2010/main" Requires="p14">
+            <p:contentPart p14:bwMode="auto" r:id="rId66">
+              <p14:nvContentPartPr>
+                <p14:cNvPr id="65" name="Ink 64">
+                  <a:extLst>
+                    <a:ext uri="{FF2B5EF4-FFF2-40B4-BE49-F238E27FC236}">
+                      <a16:creationId xmlns:a16="http://schemas.microsoft.com/office/drawing/2014/main" id="{5AECA7E7-EC9B-8A26-99CE-FDB9ED70A60F}"/>
+                    </a:ext>
+                  </a:extLst>
+                </p14:cNvPr>
+                <p14:cNvContentPartPr/>
+                <p14:nvPr/>
+              </p14:nvContentPartPr>
+              <p14:xfrm>
+                <a:off x="9736469" y="4612932"/>
+                <a:ext cx="17640" cy="130680"/>
+              </p14:xfrm>
+            </p:contentPart>
+          </mc:Choice>
+          <mc:Fallback>
+            <p:pic>
+              <p:nvPicPr>
+                <p:cNvPr id="65" name="Ink 64">
+                  <a:extLst>
+                    <a:ext uri="{FF2B5EF4-FFF2-40B4-BE49-F238E27FC236}">
+                      <a16:creationId xmlns:a16="http://schemas.microsoft.com/office/drawing/2014/main" id="{5AECA7E7-EC9B-8A26-99CE-FDB9ED70A60F}"/>
+                    </a:ext>
+                  </a:extLst>
+                </p:cNvPr>
+                <p:cNvPicPr/>
+                <p:nvPr/>
+              </p:nvPicPr>
+              <p:blipFill>
+                <a:blip r:embed="rId67"/>
+                <a:stretch>
+                  <a:fillRect/>
+                </a:stretch>
+              </p:blipFill>
+              <p:spPr>
+                <a:xfrm>
+                  <a:off x="9730349" y="4606812"/>
+                  <a:ext cx="29880" cy="142920"/>
+                </a:xfrm>
+                <a:prstGeom prst="rect">
+                  <a:avLst/>
+                </a:prstGeom>
+              </p:spPr>
+            </p:pic>
+          </mc:Fallback>
+        </mc:AlternateContent>
+        <mc:AlternateContent xmlns:mc="http://schemas.openxmlformats.org/markup-compatibility/2006">
+          <mc:Choice xmlns:p14="http://schemas.microsoft.com/office/powerpoint/2010/main" Requires="p14">
+            <p:contentPart p14:bwMode="auto" r:id="rId68">
+              <p14:nvContentPartPr>
+                <p14:cNvPr id="66" name="Ink 65">
+                  <a:extLst>
+                    <a:ext uri="{FF2B5EF4-FFF2-40B4-BE49-F238E27FC236}">
+                      <a16:creationId xmlns:a16="http://schemas.microsoft.com/office/drawing/2014/main" id="{5D4D8051-EDAF-40D8-F5A4-4B45CD344C79}"/>
+                    </a:ext>
+                  </a:extLst>
+                </p14:cNvPr>
+                <p14:cNvContentPartPr/>
+                <p14:nvPr/>
+              </p14:nvContentPartPr>
+              <p14:xfrm>
+                <a:off x="9698669" y="4679172"/>
+                <a:ext cx="153360" cy="20880"/>
+              </p14:xfrm>
+            </p:contentPart>
+          </mc:Choice>
+          <mc:Fallback>
+            <p:pic>
+              <p:nvPicPr>
+                <p:cNvPr id="66" name="Ink 65">
+                  <a:extLst>
+                    <a:ext uri="{FF2B5EF4-FFF2-40B4-BE49-F238E27FC236}">
+                      <a16:creationId xmlns:a16="http://schemas.microsoft.com/office/drawing/2014/main" id="{5D4D8051-EDAF-40D8-F5A4-4B45CD344C79}"/>
+                    </a:ext>
+                  </a:extLst>
+                </p:cNvPr>
+                <p:cNvPicPr/>
+                <p:nvPr/>
+              </p:nvPicPr>
+              <p:blipFill>
+                <a:blip r:embed="rId69"/>
+                <a:stretch>
+                  <a:fillRect/>
+                </a:stretch>
+              </p:blipFill>
+              <p:spPr>
+                <a:xfrm>
+                  <a:off x="9692549" y="4673052"/>
+                  <a:ext cx="165600" cy="33120"/>
+                </a:xfrm>
+                <a:prstGeom prst="rect">
+                  <a:avLst/>
+                </a:prstGeom>
+              </p:spPr>
+            </p:pic>
+          </mc:Fallback>
+        </mc:AlternateContent>
+      </p:grpSp>
+      <p:grpSp>
+        <p:nvGrpSpPr>
+          <p:cNvPr id="75" name="Group 74">
+            <a:extLst>
+              <a:ext uri="{FF2B5EF4-FFF2-40B4-BE49-F238E27FC236}">
+                <a16:creationId xmlns:a16="http://schemas.microsoft.com/office/drawing/2014/main" id="{9282CF55-85B5-AF65-DC4A-E482046CEA65}"/>
+              </a:ext>
+            </a:extLst>
+          </p:cNvPr>
+          <p:cNvGrpSpPr/>
+          <p:nvPr/>
+        </p:nvGrpSpPr>
+        <p:grpSpPr>
+          <a:xfrm>
+            <a:off x="10539269" y="4501332"/>
+            <a:ext cx="273240" cy="322920"/>
+            <a:chOff x="10539269" y="4501332"/>
+            <a:chExt cx="273240" cy="322920"/>
+          </a:xfrm>
+        </p:grpSpPr>
+        <mc:AlternateContent xmlns:mc="http://schemas.openxmlformats.org/markup-compatibility/2006">
+          <mc:Choice xmlns:p14="http://schemas.microsoft.com/office/powerpoint/2010/main" Requires="p14">
+            <p:contentPart p14:bwMode="auto" r:id="rId70">
+              <p14:nvContentPartPr>
+                <p14:cNvPr id="68" name="Ink 67">
+                  <a:extLst>
+                    <a:ext uri="{FF2B5EF4-FFF2-40B4-BE49-F238E27FC236}">
+                      <a16:creationId xmlns:a16="http://schemas.microsoft.com/office/drawing/2014/main" id="{D5F6D790-74FC-568E-EC91-27B346291FE1}"/>
+                    </a:ext>
+                  </a:extLst>
+                </p14:cNvPr>
+                <p14:cNvContentPartPr/>
+                <p14:nvPr/>
+              </p14:nvContentPartPr>
+              <p14:xfrm>
+                <a:off x="10539269" y="4501332"/>
+                <a:ext cx="111960" cy="317520"/>
+              </p14:xfrm>
+            </p:contentPart>
+          </mc:Choice>
+          <mc:Fallback>
+            <p:pic>
+              <p:nvPicPr>
+                <p:cNvPr id="68" name="Ink 67">
+                  <a:extLst>
+                    <a:ext uri="{FF2B5EF4-FFF2-40B4-BE49-F238E27FC236}">
+                      <a16:creationId xmlns:a16="http://schemas.microsoft.com/office/drawing/2014/main" id="{D5F6D790-74FC-568E-EC91-27B346291FE1}"/>
+                    </a:ext>
+                  </a:extLst>
+                </p:cNvPr>
+                <p:cNvPicPr/>
+                <p:nvPr/>
+              </p:nvPicPr>
+              <p:blipFill>
+                <a:blip r:embed="rId71"/>
+                <a:stretch>
+                  <a:fillRect/>
+                </a:stretch>
+              </p:blipFill>
+              <p:spPr>
+                <a:xfrm>
+                  <a:off x="10533149" y="4495212"/>
+                  <a:ext cx="124200" cy="329760"/>
+                </a:xfrm>
+                <a:prstGeom prst="rect">
+                  <a:avLst/>
+                </a:prstGeom>
+              </p:spPr>
+            </p:pic>
+          </mc:Fallback>
+        </mc:AlternateContent>
+        <mc:AlternateContent xmlns:mc="http://schemas.openxmlformats.org/markup-compatibility/2006">
+          <mc:Choice xmlns:p14="http://schemas.microsoft.com/office/powerpoint/2010/main" Requires="p14">
+            <p:contentPart p14:bwMode="auto" r:id="rId72">
+              <p14:nvContentPartPr>
+                <p14:cNvPr id="69" name="Ink 68">
+                  <a:extLst>
+                    <a:ext uri="{FF2B5EF4-FFF2-40B4-BE49-F238E27FC236}">
+                      <a16:creationId xmlns:a16="http://schemas.microsoft.com/office/drawing/2014/main" id="{2F8EDC30-E521-FC3E-B8D5-BBB9A64CEFE4}"/>
+                    </a:ext>
+                  </a:extLst>
+                </p14:cNvPr>
+                <p14:cNvContentPartPr/>
+                <p14:nvPr/>
+              </p14:nvContentPartPr>
+              <p14:xfrm>
+                <a:off x="10714229" y="4743612"/>
+                <a:ext cx="11160" cy="80640"/>
+              </p14:xfrm>
+            </p:contentPart>
+          </mc:Choice>
+          <mc:Fallback>
+            <p:pic>
+              <p:nvPicPr>
+                <p:cNvPr id="69" name="Ink 68">
+                  <a:extLst>
+                    <a:ext uri="{FF2B5EF4-FFF2-40B4-BE49-F238E27FC236}">
+                      <a16:creationId xmlns:a16="http://schemas.microsoft.com/office/drawing/2014/main" id="{2F8EDC30-E521-FC3E-B8D5-BBB9A64CEFE4}"/>
+                    </a:ext>
+                  </a:extLst>
+                </p:cNvPr>
+                <p:cNvPicPr/>
+                <p:nvPr/>
+              </p:nvPicPr>
+              <p:blipFill>
+                <a:blip r:embed="rId73"/>
+                <a:stretch>
+                  <a:fillRect/>
+                </a:stretch>
+              </p:blipFill>
+              <p:spPr>
+                <a:xfrm>
+                  <a:off x="10708109" y="4737492"/>
+                  <a:ext cx="23400" cy="92880"/>
+                </a:xfrm>
+                <a:prstGeom prst="rect">
+                  <a:avLst/>
+                </a:prstGeom>
+              </p:spPr>
+            </p:pic>
+          </mc:Fallback>
+        </mc:AlternateContent>
+        <mc:AlternateContent xmlns:mc="http://schemas.openxmlformats.org/markup-compatibility/2006">
+          <mc:Choice xmlns:p14="http://schemas.microsoft.com/office/powerpoint/2010/main" Requires="p14">
+            <p:contentPart p14:bwMode="auto" r:id="rId74">
+              <p14:nvContentPartPr>
+                <p14:cNvPr id="70" name="Ink 69">
+                  <a:extLst>
+                    <a:ext uri="{FF2B5EF4-FFF2-40B4-BE49-F238E27FC236}">
+                      <a16:creationId xmlns:a16="http://schemas.microsoft.com/office/drawing/2014/main" id="{474FE880-E644-0657-F9E0-3ADFE92542F3}"/>
+                    </a:ext>
+                  </a:extLst>
+                </p14:cNvPr>
+                <p14:cNvContentPartPr/>
+                <p14:nvPr/>
+              </p14:nvContentPartPr>
+              <p14:xfrm>
+                <a:off x="10792349" y="4667292"/>
+                <a:ext cx="20160" cy="44280"/>
+              </p14:xfrm>
+            </p:contentPart>
+          </mc:Choice>
+          <mc:Fallback>
+            <p:pic>
+              <p:nvPicPr>
+                <p:cNvPr id="70" name="Ink 69">
+                  <a:extLst>
+                    <a:ext uri="{FF2B5EF4-FFF2-40B4-BE49-F238E27FC236}">
+                      <a16:creationId xmlns:a16="http://schemas.microsoft.com/office/drawing/2014/main" id="{474FE880-E644-0657-F9E0-3ADFE92542F3}"/>
+                    </a:ext>
+                  </a:extLst>
+                </p:cNvPr>
+                <p:cNvPicPr/>
+                <p:nvPr/>
+              </p:nvPicPr>
+              <p:blipFill>
+                <a:blip r:embed="rId75"/>
+                <a:stretch>
+                  <a:fillRect/>
+                </a:stretch>
+              </p:blipFill>
+              <p:spPr>
+                <a:xfrm>
+                  <a:off x="10786229" y="4661172"/>
+                  <a:ext cx="32400" cy="56520"/>
+                </a:xfrm>
+                <a:prstGeom prst="rect">
+                  <a:avLst/>
+                </a:prstGeom>
+              </p:spPr>
+            </p:pic>
+          </mc:Fallback>
+        </mc:AlternateContent>
+      </p:grpSp>
+      <p:grpSp>
+        <p:nvGrpSpPr>
+          <p:cNvPr id="74" name="Group 73">
+            <a:extLst>
+              <a:ext uri="{FF2B5EF4-FFF2-40B4-BE49-F238E27FC236}">
+                <a16:creationId xmlns:a16="http://schemas.microsoft.com/office/drawing/2014/main" id="{E3DAB146-6424-BB3C-1403-18D8D9898F93}"/>
+              </a:ext>
+            </a:extLst>
+          </p:cNvPr>
+          <p:cNvGrpSpPr/>
+          <p:nvPr/>
+        </p:nvGrpSpPr>
+        <p:grpSpPr>
+          <a:xfrm>
+            <a:off x="10964069" y="4520412"/>
+            <a:ext cx="232560" cy="320040"/>
+            <a:chOff x="10964069" y="4520412"/>
+            <a:chExt cx="232560" cy="320040"/>
+          </a:xfrm>
+        </p:grpSpPr>
+        <mc:AlternateContent xmlns:mc="http://schemas.openxmlformats.org/markup-compatibility/2006">
+          <mc:Choice xmlns:p14="http://schemas.microsoft.com/office/powerpoint/2010/main" Requires="p14">
+            <p:contentPart p14:bwMode="auto" r:id="rId76">
+              <p14:nvContentPartPr>
+                <p14:cNvPr id="71" name="Ink 70">
+                  <a:extLst>
+                    <a:ext uri="{FF2B5EF4-FFF2-40B4-BE49-F238E27FC236}">
+                      <a16:creationId xmlns:a16="http://schemas.microsoft.com/office/drawing/2014/main" id="{0A198120-B82B-5763-36E1-851BF1FB64E6}"/>
+                    </a:ext>
+                  </a:extLst>
+                </p14:cNvPr>
+                <p14:cNvContentPartPr/>
+                <p14:nvPr/>
+              </p14:nvContentPartPr>
+              <p14:xfrm>
+                <a:off x="10964069" y="4520412"/>
+                <a:ext cx="18720" cy="290880"/>
+              </p14:xfrm>
+            </p:contentPart>
+          </mc:Choice>
+          <mc:Fallback>
+            <p:pic>
+              <p:nvPicPr>
+                <p:cNvPr id="71" name="Ink 70">
+                  <a:extLst>
+                    <a:ext uri="{FF2B5EF4-FFF2-40B4-BE49-F238E27FC236}">
+                      <a16:creationId xmlns:a16="http://schemas.microsoft.com/office/drawing/2014/main" id="{0A198120-B82B-5763-36E1-851BF1FB64E6}"/>
+                    </a:ext>
+                  </a:extLst>
+                </p:cNvPr>
+                <p:cNvPicPr/>
+                <p:nvPr/>
+              </p:nvPicPr>
+              <p:blipFill>
+                <a:blip r:embed="rId77"/>
+                <a:stretch>
+                  <a:fillRect/>
+                </a:stretch>
+              </p:blipFill>
+              <p:spPr>
+                <a:xfrm>
+                  <a:off x="10957949" y="4514292"/>
+                  <a:ext cx="30960" cy="303120"/>
+                </a:xfrm>
+                <a:prstGeom prst="rect">
+                  <a:avLst/>
+                </a:prstGeom>
+              </p:spPr>
+            </p:pic>
+          </mc:Fallback>
+        </mc:AlternateContent>
+        <mc:AlternateContent xmlns:mc="http://schemas.openxmlformats.org/markup-compatibility/2006">
+          <mc:Choice xmlns:p14="http://schemas.microsoft.com/office/powerpoint/2010/main" Requires="p14">
+            <p:contentPart p14:bwMode="auto" r:id="rId78">
+              <p14:nvContentPartPr>
+                <p14:cNvPr id="72" name="Ink 71">
+                  <a:extLst>
+                    <a:ext uri="{FF2B5EF4-FFF2-40B4-BE49-F238E27FC236}">
+                      <a16:creationId xmlns:a16="http://schemas.microsoft.com/office/drawing/2014/main" id="{04CA1347-776A-377A-64C2-086885E680C2}"/>
+                    </a:ext>
+                  </a:extLst>
+                </p14:cNvPr>
+                <p14:cNvContentPartPr/>
+                <p14:nvPr/>
+              </p14:nvContentPartPr>
+              <p14:xfrm>
+                <a:off x="10966229" y="4543092"/>
+                <a:ext cx="144720" cy="275400"/>
+              </p14:xfrm>
+            </p:contentPart>
+          </mc:Choice>
+          <mc:Fallback>
+            <p:pic>
+              <p:nvPicPr>
+                <p:cNvPr id="72" name="Ink 71">
+                  <a:extLst>
+                    <a:ext uri="{FF2B5EF4-FFF2-40B4-BE49-F238E27FC236}">
+                      <a16:creationId xmlns:a16="http://schemas.microsoft.com/office/drawing/2014/main" id="{04CA1347-776A-377A-64C2-086885E680C2}"/>
+                    </a:ext>
+                  </a:extLst>
+                </p:cNvPr>
+                <p:cNvPicPr/>
+                <p:nvPr/>
+              </p:nvPicPr>
+              <p:blipFill>
+                <a:blip r:embed="rId79"/>
+                <a:stretch>
+                  <a:fillRect/>
+                </a:stretch>
+              </p:blipFill>
+              <p:spPr>
+                <a:xfrm>
+                  <a:off x="10960109" y="4536972"/>
+                  <a:ext cx="156960" cy="287640"/>
+                </a:xfrm>
+                <a:prstGeom prst="rect">
+                  <a:avLst/>
+                </a:prstGeom>
+              </p:spPr>
+            </p:pic>
+          </mc:Fallback>
+        </mc:AlternateContent>
+        <mc:AlternateContent xmlns:mc="http://schemas.openxmlformats.org/markup-compatibility/2006">
+          <mc:Choice xmlns:p14="http://schemas.microsoft.com/office/powerpoint/2010/main" Requires="p14">
+            <p:contentPart p14:bwMode="auto" r:id="rId80">
+              <p14:nvContentPartPr>
+                <p14:cNvPr id="73" name="Ink 72">
+                  <a:extLst>
+                    <a:ext uri="{FF2B5EF4-FFF2-40B4-BE49-F238E27FC236}">
+                      <a16:creationId xmlns:a16="http://schemas.microsoft.com/office/drawing/2014/main" id="{523C472C-29F6-6626-1110-425BB04B9F60}"/>
+                    </a:ext>
+                  </a:extLst>
+                </p14:cNvPr>
+                <p14:cNvContentPartPr/>
+                <p14:nvPr/>
+              </p14:nvContentPartPr>
+              <p14:xfrm>
+                <a:off x="11142989" y="4722372"/>
+                <a:ext cx="53640" cy="118080"/>
+              </p14:xfrm>
+            </p:contentPart>
+          </mc:Choice>
+          <mc:Fallback>
+            <p:pic>
+              <p:nvPicPr>
+                <p:cNvPr id="73" name="Ink 72">
+                  <a:extLst>
+                    <a:ext uri="{FF2B5EF4-FFF2-40B4-BE49-F238E27FC236}">
+                      <a16:creationId xmlns:a16="http://schemas.microsoft.com/office/drawing/2014/main" id="{523C472C-29F6-6626-1110-425BB04B9F60}"/>
+                    </a:ext>
+                  </a:extLst>
+                </p:cNvPr>
+                <p:cNvPicPr/>
+                <p:nvPr/>
+              </p:nvPicPr>
+              <p:blipFill>
+                <a:blip r:embed="rId81"/>
+                <a:stretch>
+                  <a:fillRect/>
+                </a:stretch>
+              </p:blipFill>
+              <p:spPr>
+                <a:xfrm>
+                  <a:off x="11136869" y="4716252"/>
+                  <a:ext cx="65880" cy="130320"/>
+                </a:xfrm>
+                <a:prstGeom prst="rect">
+                  <a:avLst/>
+                </a:prstGeom>
+              </p:spPr>
+            </p:pic>
+          </mc:Fallback>
+        </mc:AlternateContent>
+      </p:grpSp>
+      <p:grpSp>
+        <p:nvGrpSpPr>
+          <p:cNvPr id="78" name="Group 77">
+            <a:extLst>
+              <a:ext uri="{FF2B5EF4-FFF2-40B4-BE49-F238E27FC236}">
+                <a16:creationId xmlns:a16="http://schemas.microsoft.com/office/drawing/2014/main" id="{69F04CB9-1972-D97E-0EC7-3F23B05126A7}"/>
+              </a:ext>
+            </a:extLst>
+          </p:cNvPr>
+          <p:cNvGrpSpPr/>
+          <p:nvPr/>
+        </p:nvGrpSpPr>
+        <p:grpSpPr>
+          <a:xfrm>
+            <a:off x="4553909" y="4531212"/>
+            <a:ext cx="318240" cy="316080"/>
+            <a:chOff x="4553909" y="4531212"/>
+            <a:chExt cx="318240" cy="316080"/>
+          </a:xfrm>
+        </p:grpSpPr>
+        <mc:AlternateContent xmlns:mc="http://schemas.openxmlformats.org/markup-compatibility/2006">
+          <mc:Choice xmlns:p14="http://schemas.microsoft.com/office/powerpoint/2010/main" Requires="p14">
+            <p:contentPart p14:bwMode="auto" r:id="rId82">
+              <p14:nvContentPartPr>
+                <p14:cNvPr id="76" name="Ink 75">
+                  <a:extLst>
+                    <a:ext uri="{FF2B5EF4-FFF2-40B4-BE49-F238E27FC236}">
+                      <a16:creationId xmlns:a16="http://schemas.microsoft.com/office/drawing/2014/main" id="{F9CC3D22-12B7-A8A7-0F40-2570B382D438}"/>
+                    </a:ext>
+                  </a:extLst>
+                </p14:cNvPr>
+                <p14:cNvContentPartPr/>
+                <p14:nvPr/>
+              </p14:nvContentPartPr>
+              <p14:xfrm>
+                <a:off x="4553909" y="4531212"/>
+                <a:ext cx="186120" cy="197640"/>
+              </p14:xfrm>
+            </p:contentPart>
+          </mc:Choice>
+          <mc:Fallback>
+            <p:pic>
+              <p:nvPicPr>
+                <p:cNvPr id="76" name="Ink 75">
+                  <a:extLst>
+                    <a:ext uri="{FF2B5EF4-FFF2-40B4-BE49-F238E27FC236}">
+                      <a16:creationId xmlns:a16="http://schemas.microsoft.com/office/drawing/2014/main" id="{F9CC3D22-12B7-A8A7-0F40-2570B382D438}"/>
+                    </a:ext>
+                  </a:extLst>
+                </p:cNvPr>
+                <p:cNvPicPr/>
+                <p:nvPr/>
+              </p:nvPicPr>
+              <p:blipFill>
+                <a:blip r:embed="rId83"/>
+                <a:stretch>
+                  <a:fillRect/>
+                </a:stretch>
+              </p:blipFill>
+              <p:spPr>
+                <a:xfrm>
+                  <a:off x="4547789" y="4525092"/>
+                  <a:ext cx="198360" cy="209880"/>
+                </a:xfrm>
+                <a:prstGeom prst="rect">
+                  <a:avLst/>
+                </a:prstGeom>
+              </p:spPr>
+            </p:pic>
+          </mc:Fallback>
+        </mc:AlternateContent>
+        <mc:AlternateContent xmlns:mc="http://schemas.openxmlformats.org/markup-compatibility/2006">
+          <mc:Choice xmlns:p14="http://schemas.microsoft.com/office/powerpoint/2010/main" Requires="p14">
+            <p:contentPart p14:bwMode="auto" r:id="rId84">
+              <p14:nvContentPartPr>
+                <p14:cNvPr id="77" name="Ink 76">
+                  <a:extLst>
+                    <a:ext uri="{FF2B5EF4-FFF2-40B4-BE49-F238E27FC236}">
+                      <a16:creationId xmlns:a16="http://schemas.microsoft.com/office/drawing/2014/main" id="{D4D89894-7C75-58B2-128A-F8430199284F}"/>
+                    </a:ext>
+                  </a:extLst>
+                </p14:cNvPr>
+                <p14:cNvContentPartPr/>
+                <p14:nvPr/>
+              </p14:nvContentPartPr>
+              <p14:xfrm>
+                <a:off x="4767749" y="4748292"/>
+                <a:ext cx="104400" cy="99000"/>
+              </p14:xfrm>
+            </p:contentPart>
+          </mc:Choice>
+          <mc:Fallback>
+            <p:pic>
+              <p:nvPicPr>
+                <p:cNvPr id="77" name="Ink 76">
+                  <a:extLst>
+                    <a:ext uri="{FF2B5EF4-FFF2-40B4-BE49-F238E27FC236}">
+                      <a16:creationId xmlns:a16="http://schemas.microsoft.com/office/drawing/2014/main" id="{D4D89894-7C75-58B2-128A-F8430199284F}"/>
+                    </a:ext>
+                  </a:extLst>
+                </p:cNvPr>
+                <p:cNvPicPr/>
+                <p:nvPr/>
+              </p:nvPicPr>
+              <p:blipFill>
+                <a:blip r:embed="rId85"/>
+                <a:stretch>
+                  <a:fillRect/>
+                </a:stretch>
+              </p:blipFill>
+              <p:spPr>
+                <a:xfrm>
+                  <a:off x="4761629" y="4742172"/>
+                  <a:ext cx="116640" cy="111240"/>
+                </a:xfrm>
+                <a:prstGeom prst="rect">
+                  <a:avLst/>
+                </a:prstGeom>
+              </p:spPr>
+            </p:pic>
+          </mc:Fallback>
+        </mc:AlternateContent>
+      </p:grpSp>
+      <p:grpSp>
+        <p:nvGrpSpPr>
+          <p:cNvPr id="81" name="Group 80">
+            <a:extLst>
+              <a:ext uri="{FF2B5EF4-FFF2-40B4-BE49-F238E27FC236}">
+                <a16:creationId xmlns:a16="http://schemas.microsoft.com/office/drawing/2014/main" id="{8BECD928-1898-1636-FAFD-874B9BECD883}"/>
+              </a:ext>
+            </a:extLst>
+          </p:cNvPr>
+          <p:cNvGrpSpPr/>
+          <p:nvPr/>
+        </p:nvGrpSpPr>
+        <p:grpSpPr>
+          <a:xfrm>
+            <a:off x="5621309" y="4481532"/>
+            <a:ext cx="250560" cy="326520"/>
+            <a:chOff x="5621309" y="4481532"/>
+            <a:chExt cx="250560" cy="326520"/>
+          </a:xfrm>
+        </p:grpSpPr>
+        <mc:AlternateContent xmlns:mc="http://schemas.openxmlformats.org/markup-compatibility/2006">
+          <mc:Choice xmlns:p14="http://schemas.microsoft.com/office/powerpoint/2010/main" Requires="p14">
+            <p:contentPart p14:bwMode="auto" r:id="rId86">
+              <p14:nvContentPartPr>
+                <p14:cNvPr id="79" name="Ink 78">
+                  <a:extLst>
+                    <a:ext uri="{FF2B5EF4-FFF2-40B4-BE49-F238E27FC236}">
+                      <a16:creationId xmlns:a16="http://schemas.microsoft.com/office/drawing/2014/main" id="{9580B9B1-AF1C-C3E0-48DA-5A33C23846AE}"/>
+                    </a:ext>
+                  </a:extLst>
+                </p14:cNvPr>
+                <p14:cNvContentPartPr/>
+                <p14:nvPr/>
+              </p14:nvContentPartPr>
+              <p14:xfrm>
+                <a:off x="5621309" y="4481532"/>
+                <a:ext cx="148680" cy="244080"/>
+              </p14:xfrm>
+            </p:contentPart>
+          </mc:Choice>
+          <mc:Fallback>
+            <p:pic>
+              <p:nvPicPr>
+                <p:cNvPr id="79" name="Ink 78">
+                  <a:extLst>
+                    <a:ext uri="{FF2B5EF4-FFF2-40B4-BE49-F238E27FC236}">
+                      <a16:creationId xmlns:a16="http://schemas.microsoft.com/office/drawing/2014/main" id="{9580B9B1-AF1C-C3E0-48DA-5A33C23846AE}"/>
+                    </a:ext>
+                  </a:extLst>
+                </p:cNvPr>
+                <p:cNvPicPr/>
+                <p:nvPr/>
+              </p:nvPicPr>
+              <p:blipFill>
+                <a:blip r:embed="rId87"/>
+                <a:stretch>
+                  <a:fillRect/>
+                </a:stretch>
+              </p:blipFill>
+              <p:spPr>
+                <a:xfrm>
+                  <a:off x="5615189" y="4475412"/>
+                  <a:ext cx="160920" cy="256320"/>
+                </a:xfrm>
+                <a:prstGeom prst="rect">
+                  <a:avLst/>
+                </a:prstGeom>
+              </p:spPr>
+            </p:pic>
+          </mc:Fallback>
+        </mc:AlternateContent>
+        <mc:AlternateContent xmlns:mc="http://schemas.openxmlformats.org/markup-compatibility/2006">
+          <mc:Choice xmlns:p14="http://schemas.microsoft.com/office/powerpoint/2010/main" Requires="p14">
+            <p:contentPart p14:bwMode="auto" r:id="rId88">
+              <p14:nvContentPartPr>
+                <p14:cNvPr id="80" name="Ink 79">
+                  <a:extLst>
+                    <a:ext uri="{FF2B5EF4-FFF2-40B4-BE49-F238E27FC236}">
+                      <a16:creationId xmlns:a16="http://schemas.microsoft.com/office/drawing/2014/main" id="{B95E4B9A-FA5F-DE06-1BE8-60D1751AA56B}"/>
+                    </a:ext>
+                  </a:extLst>
+                </p14:cNvPr>
+                <p14:cNvContentPartPr/>
+                <p14:nvPr/>
+              </p14:nvContentPartPr>
+              <p14:xfrm>
+                <a:off x="5812469" y="4679172"/>
+                <a:ext cx="59400" cy="128880"/>
+              </p14:xfrm>
+            </p:contentPart>
+          </mc:Choice>
+          <mc:Fallback>
+            <p:pic>
+              <p:nvPicPr>
+                <p:cNvPr id="80" name="Ink 79">
+                  <a:extLst>
+                    <a:ext uri="{FF2B5EF4-FFF2-40B4-BE49-F238E27FC236}">
+                      <a16:creationId xmlns:a16="http://schemas.microsoft.com/office/drawing/2014/main" id="{B95E4B9A-FA5F-DE06-1BE8-60D1751AA56B}"/>
+                    </a:ext>
+                  </a:extLst>
+                </p:cNvPr>
+                <p:cNvPicPr/>
+                <p:nvPr/>
+              </p:nvPicPr>
+              <p:blipFill>
+                <a:blip r:embed="rId89"/>
+                <a:stretch>
+                  <a:fillRect/>
+                </a:stretch>
+              </p:blipFill>
+              <p:spPr>
+                <a:xfrm>
+                  <a:off x="5806349" y="4673052"/>
+                  <a:ext cx="71640" cy="141120"/>
+                </a:xfrm>
+                <a:prstGeom prst="rect">
+                  <a:avLst/>
+                </a:prstGeom>
+              </p:spPr>
+            </p:pic>
+          </mc:Fallback>
+        </mc:AlternateContent>
+      </p:grpSp>
+      <p:grpSp>
+        <p:nvGrpSpPr>
+          <p:cNvPr id="85" name="Group 84">
+            <a:extLst>
+              <a:ext uri="{FF2B5EF4-FFF2-40B4-BE49-F238E27FC236}">
+                <a16:creationId xmlns:a16="http://schemas.microsoft.com/office/drawing/2014/main" id="{3102276D-8C31-D29C-FF82-428CDB47B39C}"/>
+              </a:ext>
+            </a:extLst>
+          </p:cNvPr>
+          <p:cNvGrpSpPr/>
+          <p:nvPr/>
+        </p:nvGrpSpPr>
+        <p:grpSpPr>
+          <a:xfrm>
+            <a:off x="6726509" y="4450212"/>
+            <a:ext cx="330840" cy="388800"/>
+            <a:chOff x="6726509" y="4450212"/>
+            <a:chExt cx="330840" cy="388800"/>
+          </a:xfrm>
+        </p:grpSpPr>
+        <mc:AlternateContent xmlns:mc="http://schemas.openxmlformats.org/markup-compatibility/2006">
+          <mc:Choice xmlns:p14="http://schemas.microsoft.com/office/powerpoint/2010/main" Requires="p14">
+            <p:contentPart p14:bwMode="auto" r:id="rId90">
+              <p14:nvContentPartPr>
+                <p14:cNvPr id="82" name="Ink 81">
+                  <a:extLst>
+                    <a:ext uri="{FF2B5EF4-FFF2-40B4-BE49-F238E27FC236}">
+                      <a16:creationId xmlns:a16="http://schemas.microsoft.com/office/drawing/2014/main" id="{BB351E76-0F3D-15C7-83CA-D67876E231A8}"/>
+                    </a:ext>
+                  </a:extLst>
+                </p14:cNvPr>
+                <p14:cNvContentPartPr/>
+                <p14:nvPr/>
+              </p14:nvContentPartPr>
+              <p14:xfrm>
+                <a:off x="6726509" y="4450212"/>
+                <a:ext cx="201600" cy="317160"/>
+              </p14:xfrm>
+            </p:contentPart>
+          </mc:Choice>
+          <mc:Fallback>
+            <p:pic>
+              <p:nvPicPr>
+                <p:cNvPr id="82" name="Ink 81">
+                  <a:extLst>
+                    <a:ext uri="{FF2B5EF4-FFF2-40B4-BE49-F238E27FC236}">
+                      <a16:creationId xmlns:a16="http://schemas.microsoft.com/office/drawing/2014/main" id="{BB351E76-0F3D-15C7-83CA-D67876E231A8}"/>
+                    </a:ext>
+                  </a:extLst>
+                </p:cNvPr>
+                <p:cNvPicPr/>
+                <p:nvPr/>
+              </p:nvPicPr>
+              <p:blipFill>
+                <a:blip r:embed="rId91"/>
+                <a:stretch>
+                  <a:fillRect/>
+                </a:stretch>
+              </p:blipFill>
+              <p:spPr>
+                <a:xfrm>
+                  <a:off x="6720389" y="4444092"/>
+                  <a:ext cx="213840" cy="329400"/>
+                </a:xfrm>
+                <a:prstGeom prst="rect">
+                  <a:avLst/>
+                </a:prstGeom>
+              </p:spPr>
+            </p:pic>
+          </mc:Fallback>
+        </mc:AlternateContent>
+        <mc:AlternateContent xmlns:mc="http://schemas.openxmlformats.org/markup-compatibility/2006">
+          <mc:Choice xmlns:p14="http://schemas.microsoft.com/office/powerpoint/2010/main" Requires="p14">
+            <p:contentPart p14:bwMode="auto" r:id="rId92">
+              <p14:nvContentPartPr>
+                <p14:cNvPr id="83" name="Ink 82">
+                  <a:extLst>
+                    <a:ext uri="{FF2B5EF4-FFF2-40B4-BE49-F238E27FC236}">
+                      <a16:creationId xmlns:a16="http://schemas.microsoft.com/office/drawing/2014/main" id="{1FB9DC40-AA4C-C208-89DD-F85DDCAFE219}"/>
+                    </a:ext>
+                  </a:extLst>
+                </p14:cNvPr>
+                <p14:cNvContentPartPr/>
+                <p14:nvPr/>
+              </p14:nvContentPartPr>
+              <p14:xfrm>
+                <a:off x="6990029" y="4668012"/>
+                <a:ext cx="67320" cy="86760"/>
+              </p14:xfrm>
+            </p:contentPart>
+          </mc:Choice>
+          <mc:Fallback>
+            <p:pic>
+              <p:nvPicPr>
+                <p:cNvPr id="83" name="Ink 82">
+                  <a:extLst>
+                    <a:ext uri="{FF2B5EF4-FFF2-40B4-BE49-F238E27FC236}">
+                      <a16:creationId xmlns:a16="http://schemas.microsoft.com/office/drawing/2014/main" id="{1FB9DC40-AA4C-C208-89DD-F85DDCAFE219}"/>
+                    </a:ext>
+                  </a:extLst>
+                </p:cNvPr>
+                <p:cNvPicPr/>
+                <p:nvPr/>
+              </p:nvPicPr>
+              <p:blipFill>
+                <a:blip r:embed="rId93"/>
+                <a:stretch>
+                  <a:fillRect/>
+                </a:stretch>
+              </p:blipFill>
+              <p:spPr>
+                <a:xfrm>
+                  <a:off x="6983909" y="4661892"/>
+                  <a:ext cx="79560" cy="99000"/>
+                </a:xfrm>
+                <a:prstGeom prst="rect">
+                  <a:avLst/>
+                </a:prstGeom>
+              </p:spPr>
+            </p:pic>
+          </mc:Fallback>
+        </mc:AlternateContent>
+        <mc:AlternateContent xmlns:mc="http://schemas.openxmlformats.org/markup-compatibility/2006">
+          <mc:Choice xmlns:p14="http://schemas.microsoft.com/office/powerpoint/2010/main" Requires="p14">
+            <p:contentPart p14:bwMode="auto" r:id="rId94">
+              <p14:nvContentPartPr>
+                <p14:cNvPr id="84" name="Ink 83">
+                  <a:extLst>
+                    <a:ext uri="{FF2B5EF4-FFF2-40B4-BE49-F238E27FC236}">
+                      <a16:creationId xmlns:a16="http://schemas.microsoft.com/office/drawing/2014/main" id="{34475823-2185-166A-03C4-BCB13C4321BE}"/>
+                    </a:ext>
+                  </a:extLst>
+                </p14:cNvPr>
+                <p14:cNvContentPartPr/>
+                <p14:nvPr/>
+              </p14:nvContentPartPr>
+              <p14:xfrm>
+                <a:off x="7035389" y="4688892"/>
+                <a:ext cx="12960" cy="150120"/>
+              </p14:xfrm>
+            </p:contentPart>
+          </mc:Choice>
+          <mc:Fallback>
+            <p:pic>
+              <p:nvPicPr>
+                <p:cNvPr id="84" name="Ink 83">
+                  <a:extLst>
+                    <a:ext uri="{FF2B5EF4-FFF2-40B4-BE49-F238E27FC236}">
+                      <a16:creationId xmlns:a16="http://schemas.microsoft.com/office/drawing/2014/main" id="{34475823-2185-166A-03C4-BCB13C4321BE}"/>
+                    </a:ext>
+                  </a:extLst>
+                </p:cNvPr>
+                <p:cNvPicPr/>
+                <p:nvPr/>
+              </p:nvPicPr>
+              <p:blipFill>
+                <a:blip r:embed="rId95"/>
+                <a:stretch>
+                  <a:fillRect/>
+                </a:stretch>
+              </p:blipFill>
+              <p:spPr>
+                <a:xfrm>
+                  <a:off x="7029269" y="4682772"/>
+                  <a:ext cx="25200" cy="162360"/>
+                </a:xfrm>
+                <a:prstGeom prst="rect">
+                  <a:avLst/>
+                </a:prstGeom>
+              </p:spPr>
+            </p:pic>
+          </mc:Fallback>
+        </mc:AlternateContent>
+      </p:grpSp>
+      <p:grpSp>
+        <p:nvGrpSpPr>
+          <p:cNvPr id="89" name="Group 88">
+            <a:extLst>
+              <a:ext uri="{FF2B5EF4-FFF2-40B4-BE49-F238E27FC236}">
+                <a16:creationId xmlns:a16="http://schemas.microsoft.com/office/drawing/2014/main" id="{8D4F956D-0125-1B00-CA3C-2970E673D7E3}"/>
+              </a:ext>
+            </a:extLst>
+          </p:cNvPr>
+          <p:cNvGrpSpPr/>
+          <p:nvPr/>
+        </p:nvGrpSpPr>
+        <p:grpSpPr>
+          <a:xfrm>
+            <a:off x="8488349" y="4512492"/>
+            <a:ext cx="361440" cy="301320"/>
+            <a:chOff x="8488349" y="4512492"/>
+            <a:chExt cx="361440" cy="301320"/>
+          </a:xfrm>
+        </p:grpSpPr>
+        <mc:AlternateContent xmlns:mc="http://schemas.openxmlformats.org/markup-compatibility/2006">
+          <mc:Choice xmlns:p14="http://schemas.microsoft.com/office/powerpoint/2010/main" Requires="p14">
+            <p:contentPart p14:bwMode="auto" r:id="rId96">
+              <p14:nvContentPartPr>
+                <p14:cNvPr id="86" name="Ink 85">
+                  <a:extLst>
+                    <a:ext uri="{FF2B5EF4-FFF2-40B4-BE49-F238E27FC236}">
+                      <a16:creationId xmlns:a16="http://schemas.microsoft.com/office/drawing/2014/main" id="{5909A3BA-0B74-ECFC-1A26-A2B3EECFF797}"/>
+                    </a:ext>
+                  </a:extLst>
+                </p14:cNvPr>
+                <p14:cNvContentPartPr/>
+                <p14:nvPr/>
+              </p14:nvContentPartPr>
+              <p14:xfrm>
+                <a:off x="8488349" y="4512492"/>
+                <a:ext cx="244800" cy="244080"/>
+              </p14:xfrm>
+            </p:contentPart>
+          </mc:Choice>
+          <mc:Fallback>
+            <p:pic>
+              <p:nvPicPr>
+                <p:cNvPr id="86" name="Ink 85">
+                  <a:extLst>
+                    <a:ext uri="{FF2B5EF4-FFF2-40B4-BE49-F238E27FC236}">
+                      <a16:creationId xmlns:a16="http://schemas.microsoft.com/office/drawing/2014/main" id="{5909A3BA-0B74-ECFC-1A26-A2B3EECFF797}"/>
+                    </a:ext>
+                  </a:extLst>
+                </p:cNvPr>
+                <p:cNvPicPr/>
+                <p:nvPr/>
+              </p:nvPicPr>
+              <p:blipFill>
+                <a:blip r:embed="rId97"/>
+                <a:stretch>
+                  <a:fillRect/>
+                </a:stretch>
+              </p:blipFill>
+              <p:spPr>
+                <a:xfrm>
+                  <a:off x="8482229" y="4506372"/>
+                  <a:ext cx="257040" cy="256320"/>
+                </a:xfrm>
+                <a:prstGeom prst="rect">
+                  <a:avLst/>
+                </a:prstGeom>
+              </p:spPr>
+            </p:pic>
+          </mc:Fallback>
+        </mc:AlternateContent>
+        <mc:AlternateContent xmlns:mc="http://schemas.openxmlformats.org/markup-compatibility/2006">
+          <mc:Choice xmlns:p14="http://schemas.microsoft.com/office/powerpoint/2010/main" Requires="p14">
+            <p:contentPart p14:bwMode="auto" r:id="rId98">
+              <p14:nvContentPartPr>
+                <p14:cNvPr id="87" name="Ink 86">
+                  <a:extLst>
+                    <a:ext uri="{FF2B5EF4-FFF2-40B4-BE49-F238E27FC236}">
+                      <a16:creationId xmlns:a16="http://schemas.microsoft.com/office/drawing/2014/main" id="{33342C24-8788-9651-3F31-7280835C34CE}"/>
+                    </a:ext>
+                  </a:extLst>
+                </p14:cNvPr>
+                <p14:cNvContentPartPr/>
+                <p14:nvPr/>
+              </p14:nvContentPartPr>
+              <p14:xfrm>
+                <a:off x="8756189" y="4718052"/>
+                <a:ext cx="63720" cy="95760"/>
+              </p14:xfrm>
+            </p:contentPart>
+          </mc:Choice>
+          <mc:Fallback>
+            <p:pic>
+              <p:nvPicPr>
+                <p:cNvPr id="87" name="Ink 86">
+                  <a:extLst>
+                    <a:ext uri="{FF2B5EF4-FFF2-40B4-BE49-F238E27FC236}">
+                      <a16:creationId xmlns:a16="http://schemas.microsoft.com/office/drawing/2014/main" id="{33342C24-8788-9651-3F31-7280835C34CE}"/>
+                    </a:ext>
+                  </a:extLst>
+                </p:cNvPr>
+                <p:cNvPicPr/>
+                <p:nvPr/>
+              </p:nvPicPr>
+              <p:blipFill>
+                <a:blip r:embed="rId99"/>
+                <a:stretch>
+                  <a:fillRect/>
+                </a:stretch>
+              </p:blipFill>
+              <p:spPr>
+                <a:xfrm>
+                  <a:off x="8750069" y="4711932"/>
+                  <a:ext cx="75960" cy="108000"/>
+                </a:xfrm>
+                <a:prstGeom prst="rect">
+                  <a:avLst/>
+                </a:prstGeom>
+              </p:spPr>
+            </p:pic>
+          </mc:Fallback>
+        </mc:AlternateContent>
+        <mc:AlternateContent xmlns:mc="http://schemas.openxmlformats.org/markup-compatibility/2006">
+          <mc:Choice xmlns:p14="http://schemas.microsoft.com/office/powerpoint/2010/main" Requires="p14">
+            <p:contentPart p14:bwMode="auto" r:id="rId100">
+              <p14:nvContentPartPr>
+                <p14:cNvPr id="88" name="Ink 87">
+                  <a:extLst>
+                    <a:ext uri="{FF2B5EF4-FFF2-40B4-BE49-F238E27FC236}">
+                      <a16:creationId xmlns:a16="http://schemas.microsoft.com/office/drawing/2014/main" id="{CB7066E6-4C57-87DF-6960-BD47989E5432}"/>
+                    </a:ext>
+                  </a:extLst>
+                </p14:cNvPr>
+                <p14:cNvContentPartPr/>
+                <p14:nvPr/>
+              </p14:nvContentPartPr>
+              <p14:xfrm>
+                <a:off x="8792549" y="4700412"/>
+                <a:ext cx="57240" cy="6480"/>
+              </p14:xfrm>
+            </p:contentPart>
+          </mc:Choice>
+          <mc:Fallback>
+            <p:pic>
+              <p:nvPicPr>
+                <p:cNvPr id="88" name="Ink 87">
+                  <a:extLst>
+                    <a:ext uri="{FF2B5EF4-FFF2-40B4-BE49-F238E27FC236}">
+                      <a16:creationId xmlns:a16="http://schemas.microsoft.com/office/drawing/2014/main" id="{CB7066E6-4C57-87DF-6960-BD47989E5432}"/>
+                    </a:ext>
+                  </a:extLst>
+                </p:cNvPr>
+                <p:cNvPicPr/>
+                <p:nvPr/>
+              </p:nvPicPr>
+              <p:blipFill>
+                <a:blip r:embed="rId101"/>
+                <a:stretch>
+                  <a:fillRect/>
+                </a:stretch>
+              </p:blipFill>
+              <p:spPr>
+                <a:xfrm>
+                  <a:off x="8786429" y="4694292"/>
+                  <a:ext cx="69480" cy="18720"/>
+                </a:xfrm>
+                <a:prstGeom prst="rect">
+                  <a:avLst/>
+                </a:prstGeom>
+              </p:spPr>
+            </p:pic>
+          </mc:Fallback>
+        </mc:AlternateContent>
+      </p:grpSp>
+      <p:grpSp>
+        <p:nvGrpSpPr>
+          <p:cNvPr id="93" name="Group 92">
+            <a:extLst>
+              <a:ext uri="{FF2B5EF4-FFF2-40B4-BE49-F238E27FC236}">
+                <a16:creationId xmlns:a16="http://schemas.microsoft.com/office/drawing/2014/main" id="{E32CB94D-7C06-8CD7-9BAA-2EB418F22CC1}"/>
+              </a:ext>
+            </a:extLst>
+          </p:cNvPr>
+          <p:cNvGrpSpPr/>
+          <p:nvPr/>
+        </p:nvGrpSpPr>
+        <p:grpSpPr>
+          <a:xfrm>
+            <a:off x="10150109" y="4518972"/>
+            <a:ext cx="357480" cy="289080"/>
+            <a:chOff x="10150109" y="4518972"/>
+            <a:chExt cx="357480" cy="289080"/>
+          </a:xfrm>
+        </p:grpSpPr>
+        <mc:AlternateContent xmlns:mc="http://schemas.openxmlformats.org/markup-compatibility/2006">
+          <mc:Choice xmlns:p14="http://schemas.microsoft.com/office/powerpoint/2010/main" Requires="p14">
+            <p:contentPart p14:bwMode="auto" r:id="rId102">
+              <p14:nvContentPartPr>
+                <p14:cNvPr id="90" name="Ink 89">
+                  <a:extLst>
+                    <a:ext uri="{FF2B5EF4-FFF2-40B4-BE49-F238E27FC236}">
+                      <a16:creationId xmlns:a16="http://schemas.microsoft.com/office/drawing/2014/main" id="{096ADD3A-1854-584A-4E38-5632589F0923}"/>
+                    </a:ext>
+                  </a:extLst>
+                </p14:cNvPr>
+                <p14:cNvContentPartPr/>
+                <p14:nvPr/>
+              </p14:nvContentPartPr>
+              <p14:xfrm>
+                <a:off x="10150109" y="4518972"/>
+                <a:ext cx="221040" cy="252000"/>
+              </p14:xfrm>
+            </p:contentPart>
+          </mc:Choice>
+          <mc:Fallback>
+            <p:pic>
+              <p:nvPicPr>
+                <p:cNvPr id="90" name="Ink 89">
+                  <a:extLst>
+                    <a:ext uri="{FF2B5EF4-FFF2-40B4-BE49-F238E27FC236}">
+                      <a16:creationId xmlns:a16="http://schemas.microsoft.com/office/drawing/2014/main" id="{096ADD3A-1854-584A-4E38-5632589F0923}"/>
+                    </a:ext>
+                  </a:extLst>
+                </p:cNvPr>
+                <p:cNvPicPr/>
+                <p:nvPr/>
+              </p:nvPicPr>
+              <p:blipFill>
+                <a:blip r:embed="rId103"/>
+                <a:stretch>
+                  <a:fillRect/>
+                </a:stretch>
+              </p:blipFill>
+              <p:spPr>
+                <a:xfrm>
+                  <a:off x="10143989" y="4512852"/>
+                  <a:ext cx="233280" cy="264240"/>
+                </a:xfrm>
+                <a:prstGeom prst="rect">
+                  <a:avLst/>
+                </a:prstGeom>
+              </p:spPr>
+            </p:pic>
+          </mc:Fallback>
+        </mc:AlternateContent>
+        <mc:AlternateContent xmlns:mc="http://schemas.openxmlformats.org/markup-compatibility/2006">
+          <mc:Choice xmlns:p14="http://schemas.microsoft.com/office/powerpoint/2010/main" Requires="p14">
+            <p:contentPart p14:bwMode="auto" r:id="rId104">
+              <p14:nvContentPartPr>
+                <p14:cNvPr id="91" name="Ink 90">
+                  <a:extLst>
+                    <a:ext uri="{FF2B5EF4-FFF2-40B4-BE49-F238E27FC236}">
+                      <a16:creationId xmlns:a16="http://schemas.microsoft.com/office/drawing/2014/main" id="{EB67ED23-EF85-D651-E753-9EF4BDF6C676}"/>
+                    </a:ext>
+                  </a:extLst>
+                </p14:cNvPr>
+                <p14:cNvContentPartPr/>
+                <p14:nvPr/>
+              </p14:nvContentPartPr>
+              <p14:xfrm>
+                <a:off x="10419389" y="4688172"/>
+                <a:ext cx="26640" cy="91800"/>
+              </p14:xfrm>
+            </p:contentPart>
+          </mc:Choice>
+          <mc:Fallback>
+            <p:pic>
+              <p:nvPicPr>
+                <p:cNvPr id="91" name="Ink 90">
+                  <a:extLst>
+                    <a:ext uri="{FF2B5EF4-FFF2-40B4-BE49-F238E27FC236}">
+                      <a16:creationId xmlns:a16="http://schemas.microsoft.com/office/drawing/2014/main" id="{EB67ED23-EF85-D651-E753-9EF4BDF6C676}"/>
+                    </a:ext>
+                  </a:extLst>
+                </p:cNvPr>
+                <p:cNvPicPr/>
+                <p:nvPr/>
+              </p:nvPicPr>
+              <p:blipFill>
+                <a:blip r:embed="rId105"/>
+                <a:stretch>
+                  <a:fillRect/>
+                </a:stretch>
+              </p:blipFill>
+              <p:spPr>
+                <a:xfrm>
+                  <a:off x="10413269" y="4682052"/>
+                  <a:ext cx="38880" cy="104040"/>
+                </a:xfrm>
+                <a:prstGeom prst="rect">
+                  <a:avLst/>
+                </a:prstGeom>
+              </p:spPr>
+            </p:pic>
+          </mc:Fallback>
+        </mc:AlternateContent>
+        <mc:AlternateContent xmlns:mc="http://schemas.openxmlformats.org/markup-compatibility/2006">
+          <mc:Choice xmlns:p14="http://schemas.microsoft.com/office/powerpoint/2010/main" Requires="p14">
+            <p:contentPart p14:bwMode="auto" r:id="rId106">
+              <p14:nvContentPartPr>
+                <p14:cNvPr id="92" name="Ink 91">
+                  <a:extLst>
+                    <a:ext uri="{FF2B5EF4-FFF2-40B4-BE49-F238E27FC236}">
+                      <a16:creationId xmlns:a16="http://schemas.microsoft.com/office/drawing/2014/main" id="{3CE1E92D-6A62-CD6E-4797-0D06B59A5007}"/>
+                    </a:ext>
+                  </a:extLst>
+                </p14:cNvPr>
+                <p14:cNvContentPartPr/>
+                <p14:nvPr/>
+              </p14:nvContentPartPr>
+              <p14:xfrm>
+                <a:off x="10422989" y="4752972"/>
+                <a:ext cx="84600" cy="55080"/>
+              </p14:xfrm>
+            </p:contentPart>
+          </mc:Choice>
+          <mc:Fallback>
+            <p:pic>
+              <p:nvPicPr>
+                <p:cNvPr id="92" name="Ink 91">
+                  <a:extLst>
+                    <a:ext uri="{FF2B5EF4-FFF2-40B4-BE49-F238E27FC236}">
+                      <a16:creationId xmlns:a16="http://schemas.microsoft.com/office/drawing/2014/main" id="{3CE1E92D-6A62-CD6E-4797-0D06B59A5007}"/>
+                    </a:ext>
+                  </a:extLst>
+                </p:cNvPr>
+                <p:cNvPicPr/>
+                <p:nvPr/>
+              </p:nvPicPr>
+              <p:blipFill>
+                <a:blip r:embed="rId107"/>
+                <a:stretch>
+                  <a:fillRect/>
+                </a:stretch>
+              </p:blipFill>
+              <p:spPr>
+                <a:xfrm>
+                  <a:off x="10416869" y="4746852"/>
+                  <a:ext cx="96840" cy="67320"/>
+                </a:xfrm>
+                <a:prstGeom prst="rect">
+                  <a:avLst/>
+                </a:prstGeom>
+              </p:spPr>
+            </p:pic>
+          </mc:Fallback>
+        </mc:AlternateContent>
+      </p:grpSp>
+      <p:grpSp>
+        <p:nvGrpSpPr>
+          <p:cNvPr id="96" name="Group 95">
+            <a:extLst>
+              <a:ext uri="{FF2B5EF4-FFF2-40B4-BE49-F238E27FC236}">
+                <a16:creationId xmlns:a16="http://schemas.microsoft.com/office/drawing/2014/main" id="{737D0282-43F9-F631-F24F-60B6EA1E7F64}"/>
+              </a:ext>
+            </a:extLst>
+          </p:cNvPr>
+          <p:cNvGrpSpPr/>
+          <p:nvPr/>
+        </p:nvGrpSpPr>
+        <p:grpSpPr>
+          <a:xfrm>
+            <a:off x="3185189" y="4553172"/>
+            <a:ext cx="154440" cy="220320"/>
+            <a:chOff x="3185189" y="4553172"/>
+            <a:chExt cx="154440" cy="220320"/>
+          </a:xfrm>
+        </p:grpSpPr>
+        <mc:AlternateContent xmlns:mc="http://schemas.openxmlformats.org/markup-compatibility/2006">
+          <mc:Choice xmlns:p14="http://schemas.microsoft.com/office/powerpoint/2010/main" Requires="p14">
+            <p:contentPart p14:bwMode="auto" r:id="rId108">
+              <p14:nvContentPartPr>
+                <p14:cNvPr id="94" name="Ink 93">
+                  <a:extLst>
+                    <a:ext uri="{FF2B5EF4-FFF2-40B4-BE49-F238E27FC236}">
+                      <a16:creationId xmlns:a16="http://schemas.microsoft.com/office/drawing/2014/main" id="{E72DBB74-11FF-BE61-6561-6E17422F2D90}"/>
+                    </a:ext>
+                  </a:extLst>
+                </p14:cNvPr>
+                <p14:cNvContentPartPr/>
+                <p14:nvPr/>
+              </p14:nvContentPartPr>
+              <p14:xfrm>
+                <a:off x="3240269" y="4553172"/>
+                <a:ext cx="11880" cy="220320"/>
+              </p14:xfrm>
+            </p:contentPart>
+          </mc:Choice>
+          <mc:Fallback>
+            <p:pic>
+              <p:nvPicPr>
+                <p:cNvPr id="94" name="Ink 93">
+                  <a:extLst>
+                    <a:ext uri="{FF2B5EF4-FFF2-40B4-BE49-F238E27FC236}">
+                      <a16:creationId xmlns:a16="http://schemas.microsoft.com/office/drawing/2014/main" id="{E72DBB74-11FF-BE61-6561-6E17422F2D90}"/>
+                    </a:ext>
+                  </a:extLst>
+                </p:cNvPr>
+                <p:cNvPicPr/>
+                <p:nvPr/>
+              </p:nvPicPr>
+              <p:blipFill>
+                <a:blip r:embed="rId109"/>
+                <a:stretch>
+                  <a:fillRect/>
+                </a:stretch>
+              </p:blipFill>
+              <p:spPr>
+                <a:xfrm>
+                  <a:off x="3234149" y="4547052"/>
+                  <a:ext cx="24120" cy="232560"/>
+                </a:xfrm>
+                <a:prstGeom prst="rect">
+                  <a:avLst/>
+                </a:prstGeom>
+              </p:spPr>
+            </p:pic>
+          </mc:Fallback>
+        </mc:AlternateContent>
+        <mc:AlternateContent xmlns:mc="http://schemas.openxmlformats.org/markup-compatibility/2006">
+          <mc:Choice xmlns:p14="http://schemas.microsoft.com/office/powerpoint/2010/main" Requires="p14">
+            <p:contentPart p14:bwMode="auto" r:id="rId110">
+              <p14:nvContentPartPr>
+                <p14:cNvPr id="95" name="Ink 94">
+                  <a:extLst>
+                    <a:ext uri="{FF2B5EF4-FFF2-40B4-BE49-F238E27FC236}">
+                      <a16:creationId xmlns:a16="http://schemas.microsoft.com/office/drawing/2014/main" id="{7E012299-0D06-E5A5-E21F-1F31A9427867}"/>
+                    </a:ext>
+                  </a:extLst>
+                </p14:cNvPr>
+                <p14:cNvContentPartPr/>
+                <p14:nvPr/>
+              </p14:nvContentPartPr>
+              <p14:xfrm>
+                <a:off x="3185189" y="4642092"/>
+                <a:ext cx="154440" cy="8280"/>
+              </p14:xfrm>
+            </p:contentPart>
+          </mc:Choice>
+          <mc:Fallback>
+            <p:pic>
+              <p:nvPicPr>
+                <p:cNvPr id="95" name="Ink 94">
+                  <a:extLst>
+                    <a:ext uri="{FF2B5EF4-FFF2-40B4-BE49-F238E27FC236}">
+                      <a16:creationId xmlns:a16="http://schemas.microsoft.com/office/drawing/2014/main" id="{7E012299-0D06-E5A5-E21F-1F31A9427867}"/>
+                    </a:ext>
+                  </a:extLst>
+                </p:cNvPr>
+                <p:cNvPicPr/>
+                <p:nvPr/>
+              </p:nvPicPr>
+              <p:blipFill>
+                <a:blip r:embed="rId111"/>
+                <a:stretch>
+                  <a:fillRect/>
+                </a:stretch>
+              </p:blipFill>
+              <p:spPr>
+                <a:xfrm>
+                  <a:off x="3179069" y="4635972"/>
+                  <a:ext cx="166680" cy="20520"/>
+                </a:xfrm>
+                <a:prstGeom prst="rect">
+                  <a:avLst/>
+                </a:prstGeom>
+              </p:spPr>
+            </p:pic>
+          </mc:Fallback>
+        </mc:AlternateContent>
+      </p:grpSp>
+      <p:grpSp>
+        <p:nvGrpSpPr>
+          <p:cNvPr id="99" name="Group 98">
+            <a:extLst>
+              <a:ext uri="{FF2B5EF4-FFF2-40B4-BE49-F238E27FC236}">
+                <a16:creationId xmlns:a16="http://schemas.microsoft.com/office/drawing/2014/main" id="{708D52D8-FFD3-9BA6-53F1-B00136661624}"/>
+              </a:ext>
+            </a:extLst>
+          </p:cNvPr>
+          <p:cNvGrpSpPr/>
+          <p:nvPr/>
+        </p:nvGrpSpPr>
+        <p:grpSpPr>
+          <a:xfrm>
+            <a:off x="2724029" y="4512492"/>
+            <a:ext cx="479520" cy="376200"/>
+            <a:chOff x="2724029" y="4512492"/>
+            <a:chExt cx="479520" cy="376200"/>
+          </a:xfrm>
+        </p:grpSpPr>
+        <mc:AlternateContent xmlns:mc="http://schemas.openxmlformats.org/markup-compatibility/2006">
+          <mc:Choice xmlns:p14="http://schemas.microsoft.com/office/powerpoint/2010/main" Requires="p14">
+            <p:contentPart p14:bwMode="auto" r:id="rId112">
+              <p14:nvContentPartPr>
+                <p14:cNvPr id="97" name="Ink 96">
+                  <a:extLst>
+                    <a:ext uri="{FF2B5EF4-FFF2-40B4-BE49-F238E27FC236}">
+                      <a16:creationId xmlns:a16="http://schemas.microsoft.com/office/drawing/2014/main" id="{C1C49BAD-2FA5-47C0-3E78-375856908603}"/>
+                    </a:ext>
+                  </a:extLst>
+                </p14:cNvPr>
+                <p14:cNvContentPartPr/>
+                <p14:nvPr/>
+              </p14:nvContentPartPr>
+              <p14:xfrm>
+                <a:off x="2724029" y="4512492"/>
+                <a:ext cx="319320" cy="297360"/>
+              </p14:xfrm>
+            </p:contentPart>
+          </mc:Choice>
+          <mc:Fallback>
+            <p:pic>
+              <p:nvPicPr>
+                <p:cNvPr id="97" name="Ink 96">
+                  <a:extLst>
+                    <a:ext uri="{FF2B5EF4-FFF2-40B4-BE49-F238E27FC236}">
+                      <a16:creationId xmlns:a16="http://schemas.microsoft.com/office/drawing/2014/main" id="{C1C49BAD-2FA5-47C0-3E78-375856908603}"/>
+                    </a:ext>
+                  </a:extLst>
+                </p:cNvPr>
+                <p:cNvPicPr/>
+                <p:nvPr/>
+              </p:nvPicPr>
+              <p:blipFill>
+                <a:blip r:embed="rId113"/>
+                <a:stretch>
+                  <a:fillRect/>
+                </a:stretch>
+              </p:blipFill>
+              <p:spPr>
+                <a:xfrm>
+                  <a:off x="2717909" y="4506372"/>
+                  <a:ext cx="331560" cy="309600"/>
+                </a:xfrm>
+                <a:prstGeom prst="rect">
+                  <a:avLst/>
+                </a:prstGeom>
+              </p:spPr>
+            </p:pic>
+          </mc:Fallback>
+        </mc:AlternateContent>
+        <mc:AlternateContent xmlns:mc="http://schemas.openxmlformats.org/markup-compatibility/2006">
+          <mc:Choice xmlns:p14="http://schemas.microsoft.com/office/powerpoint/2010/main" Requires="p14">
+            <p:contentPart p14:bwMode="auto" r:id="rId114">
+              <p14:nvContentPartPr>
+                <p14:cNvPr id="98" name="Ink 97">
+                  <a:extLst>
+                    <a:ext uri="{FF2B5EF4-FFF2-40B4-BE49-F238E27FC236}">
+                      <a16:creationId xmlns:a16="http://schemas.microsoft.com/office/drawing/2014/main" id="{F746700F-5961-C1BC-19E9-A4EBD61D5BD5}"/>
+                    </a:ext>
+                  </a:extLst>
+                </p14:cNvPr>
+                <p14:cNvContentPartPr/>
+                <p14:nvPr/>
+              </p14:nvContentPartPr>
+              <p14:xfrm>
+                <a:off x="3081509" y="4750812"/>
+                <a:ext cx="122040" cy="137880"/>
+              </p14:xfrm>
+            </p:contentPart>
+          </mc:Choice>
+          <mc:Fallback>
+            <p:pic>
+              <p:nvPicPr>
+                <p:cNvPr id="98" name="Ink 97">
+                  <a:extLst>
+                    <a:ext uri="{FF2B5EF4-FFF2-40B4-BE49-F238E27FC236}">
+                      <a16:creationId xmlns:a16="http://schemas.microsoft.com/office/drawing/2014/main" id="{F746700F-5961-C1BC-19E9-A4EBD61D5BD5}"/>
+                    </a:ext>
+                  </a:extLst>
+                </p:cNvPr>
+                <p:cNvPicPr/>
+                <p:nvPr/>
+              </p:nvPicPr>
+              <p:blipFill>
+                <a:blip r:embed="rId115"/>
+                <a:stretch>
+                  <a:fillRect/>
+                </a:stretch>
+              </p:blipFill>
+              <p:spPr>
+                <a:xfrm>
+                  <a:off x="3075389" y="4744692"/>
+                  <a:ext cx="134280" cy="150120"/>
+                </a:xfrm>
+                <a:prstGeom prst="rect">
+                  <a:avLst/>
+                </a:prstGeom>
+              </p:spPr>
+            </p:pic>
+          </mc:Fallback>
+        </mc:AlternateContent>
+      </p:grpSp>
+      <p:grpSp>
+        <p:nvGrpSpPr>
+          <p:cNvPr id="109" name="Group 108">
+            <a:extLst>
+              <a:ext uri="{FF2B5EF4-FFF2-40B4-BE49-F238E27FC236}">
+                <a16:creationId xmlns:a16="http://schemas.microsoft.com/office/drawing/2014/main" id="{8CF29E55-1B2C-AC53-D823-7DC78946260C}"/>
+              </a:ext>
+            </a:extLst>
+          </p:cNvPr>
+          <p:cNvGrpSpPr/>
+          <p:nvPr/>
+        </p:nvGrpSpPr>
+        <p:grpSpPr>
+          <a:xfrm>
+            <a:off x="1167389" y="4466052"/>
+            <a:ext cx="638280" cy="386640"/>
+            <a:chOff x="1167389" y="4466052"/>
+            <a:chExt cx="638280" cy="386640"/>
+          </a:xfrm>
+        </p:grpSpPr>
+        <mc:AlternateContent xmlns:mc="http://schemas.openxmlformats.org/markup-compatibility/2006">
+          <mc:Choice xmlns:p14="http://schemas.microsoft.com/office/powerpoint/2010/main" Requires="p14">
+            <p:contentPart p14:bwMode="auto" r:id="rId116">
+              <p14:nvContentPartPr>
+                <p14:cNvPr id="103" name="Ink 102">
+                  <a:extLst>
+                    <a:ext uri="{FF2B5EF4-FFF2-40B4-BE49-F238E27FC236}">
+                      <a16:creationId xmlns:a16="http://schemas.microsoft.com/office/drawing/2014/main" id="{5D92EFD2-7D3B-2BD3-B2D6-E8F033F32646}"/>
+                    </a:ext>
+                  </a:extLst>
+                </p14:cNvPr>
+                <p14:cNvContentPartPr/>
+                <p14:nvPr/>
+              </p14:nvContentPartPr>
+              <p14:xfrm>
+                <a:off x="1179989" y="4502052"/>
+                <a:ext cx="25200" cy="350640"/>
+              </p14:xfrm>
+            </p:contentPart>
+          </mc:Choice>
+          <mc:Fallback>
+            <p:pic>
+              <p:nvPicPr>
+                <p:cNvPr id="103" name="Ink 102">
+                  <a:extLst>
+                    <a:ext uri="{FF2B5EF4-FFF2-40B4-BE49-F238E27FC236}">
+                      <a16:creationId xmlns:a16="http://schemas.microsoft.com/office/drawing/2014/main" id="{5D92EFD2-7D3B-2BD3-B2D6-E8F033F32646}"/>
+                    </a:ext>
+                  </a:extLst>
+                </p:cNvPr>
+                <p:cNvPicPr/>
+                <p:nvPr/>
+              </p:nvPicPr>
+              <p:blipFill>
+                <a:blip r:embed="rId117"/>
+                <a:stretch>
+                  <a:fillRect/>
+                </a:stretch>
+              </p:blipFill>
+              <p:spPr>
+                <a:xfrm>
+                  <a:off x="1173869" y="4495932"/>
+                  <a:ext cx="37440" cy="362880"/>
+                </a:xfrm>
+                <a:prstGeom prst="rect">
+                  <a:avLst/>
+                </a:prstGeom>
+              </p:spPr>
+            </p:pic>
+          </mc:Fallback>
+        </mc:AlternateContent>
+        <mc:AlternateContent xmlns:mc="http://schemas.openxmlformats.org/markup-compatibility/2006">
+          <mc:Choice xmlns:p14="http://schemas.microsoft.com/office/powerpoint/2010/main" Requires="p14">
+            <p:contentPart p14:bwMode="auto" r:id="rId118">
+              <p14:nvContentPartPr>
+                <p14:cNvPr id="104" name="Ink 103">
+                  <a:extLst>
+                    <a:ext uri="{FF2B5EF4-FFF2-40B4-BE49-F238E27FC236}">
+                      <a16:creationId xmlns:a16="http://schemas.microsoft.com/office/drawing/2014/main" id="{B9A3EC7E-E901-DDA9-946F-08237DB7CBD4}"/>
+                    </a:ext>
+                  </a:extLst>
+                </p14:cNvPr>
+                <p14:cNvContentPartPr/>
+                <p14:nvPr/>
+              </p14:nvContentPartPr>
+              <p14:xfrm>
+                <a:off x="1167389" y="4466052"/>
+                <a:ext cx="169200" cy="376920"/>
+              </p14:xfrm>
+            </p:contentPart>
+          </mc:Choice>
+          <mc:Fallback>
+            <p:pic>
+              <p:nvPicPr>
+                <p:cNvPr id="104" name="Ink 103">
+                  <a:extLst>
+                    <a:ext uri="{FF2B5EF4-FFF2-40B4-BE49-F238E27FC236}">
+                      <a16:creationId xmlns:a16="http://schemas.microsoft.com/office/drawing/2014/main" id="{B9A3EC7E-E901-DDA9-946F-08237DB7CBD4}"/>
+                    </a:ext>
+                  </a:extLst>
+                </p:cNvPr>
+                <p:cNvPicPr/>
+                <p:nvPr/>
+              </p:nvPicPr>
+              <p:blipFill>
+                <a:blip r:embed="rId119"/>
+                <a:stretch>
+                  <a:fillRect/>
+                </a:stretch>
+              </p:blipFill>
+              <p:spPr>
+                <a:xfrm>
+                  <a:off x="1161269" y="4459932"/>
+                  <a:ext cx="181440" cy="389160"/>
+                </a:xfrm>
+                <a:prstGeom prst="rect">
+                  <a:avLst/>
+                </a:prstGeom>
+              </p:spPr>
+            </p:pic>
+          </mc:Fallback>
+        </mc:AlternateContent>
+        <mc:AlternateContent xmlns:mc="http://schemas.openxmlformats.org/markup-compatibility/2006">
+          <mc:Choice xmlns:p14="http://schemas.microsoft.com/office/powerpoint/2010/main" Requires="p14">
+            <p:contentPart p14:bwMode="auto" r:id="rId120">
+              <p14:nvContentPartPr>
+                <p14:cNvPr id="105" name="Ink 104">
+                  <a:extLst>
+                    <a:ext uri="{FF2B5EF4-FFF2-40B4-BE49-F238E27FC236}">
+                      <a16:creationId xmlns:a16="http://schemas.microsoft.com/office/drawing/2014/main" id="{C3299CC6-4D85-51B0-C0D3-1BEA9B3B748C}"/>
+                    </a:ext>
+                  </a:extLst>
+                </p14:cNvPr>
+                <p14:cNvContentPartPr/>
+                <p14:nvPr/>
+              </p14:nvContentPartPr>
+              <p14:xfrm>
+                <a:off x="1388429" y="4661172"/>
+                <a:ext cx="100080" cy="165240"/>
+              </p14:xfrm>
+            </p:contentPart>
+          </mc:Choice>
+          <mc:Fallback>
+            <p:pic>
+              <p:nvPicPr>
+                <p:cNvPr id="105" name="Ink 104">
+                  <a:extLst>
+                    <a:ext uri="{FF2B5EF4-FFF2-40B4-BE49-F238E27FC236}">
+                      <a16:creationId xmlns:a16="http://schemas.microsoft.com/office/drawing/2014/main" id="{C3299CC6-4D85-51B0-C0D3-1BEA9B3B748C}"/>
+                    </a:ext>
+                  </a:extLst>
+                </p:cNvPr>
+                <p:cNvPicPr/>
+                <p:nvPr/>
+              </p:nvPicPr>
+              <p:blipFill>
+                <a:blip r:embed="rId121"/>
+                <a:stretch>
+                  <a:fillRect/>
+                </a:stretch>
+              </p:blipFill>
+              <p:spPr>
+                <a:xfrm>
+                  <a:off x="1382309" y="4655052"/>
+                  <a:ext cx="112320" cy="177480"/>
+                </a:xfrm>
+                <a:prstGeom prst="rect">
+                  <a:avLst/>
+                </a:prstGeom>
+              </p:spPr>
+            </p:pic>
+          </mc:Fallback>
+        </mc:AlternateContent>
+        <mc:AlternateContent xmlns:mc="http://schemas.openxmlformats.org/markup-compatibility/2006">
+          <mc:Choice xmlns:p14="http://schemas.microsoft.com/office/powerpoint/2010/main" Requires="p14">
+            <p:contentPart p14:bwMode="auto" r:id="rId122">
+              <p14:nvContentPartPr>
+                <p14:cNvPr id="107" name="Ink 106">
+                  <a:extLst>
+                    <a:ext uri="{FF2B5EF4-FFF2-40B4-BE49-F238E27FC236}">
+                      <a16:creationId xmlns:a16="http://schemas.microsoft.com/office/drawing/2014/main" id="{2A2E5458-F56A-3DB0-3C16-4BC5EC12A378}"/>
+                    </a:ext>
+                  </a:extLst>
+                </p14:cNvPr>
+                <p14:cNvContentPartPr/>
+                <p14:nvPr/>
+              </p14:nvContentPartPr>
+              <p14:xfrm>
+                <a:off x="1557269" y="4657932"/>
+                <a:ext cx="102240" cy="158760"/>
+              </p14:xfrm>
+            </p:contentPart>
+          </mc:Choice>
+          <mc:Fallback>
+            <p:pic>
+              <p:nvPicPr>
+                <p:cNvPr id="107" name="Ink 106">
+                  <a:extLst>
+                    <a:ext uri="{FF2B5EF4-FFF2-40B4-BE49-F238E27FC236}">
+                      <a16:creationId xmlns:a16="http://schemas.microsoft.com/office/drawing/2014/main" id="{2A2E5458-F56A-3DB0-3C16-4BC5EC12A378}"/>
+                    </a:ext>
+                  </a:extLst>
+                </p:cNvPr>
+                <p:cNvPicPr/>
+                <p:nvPr/>
+              </p:nvPicPr>
+              <p:blipFill>
+                <a:blip r:embed="rId123"/>
+                <a:stretch>
+                  <a:fillRect/>
+                </a:stretch>
+              </p:blipFill>
+              <p:spPr>
+                <a:xfrm>
+                  <a:off x="1551149" y="4651812"/>
+                  <a:ext cx="114480" cy="171000"/>
+                </a:xfrm>
+                <a:prstGeom prst="rect">
+                  <a:avLst/>
+                </a:prstGeom>
+              </p:spPr>
+            </p:pic>
+          </mc:Fallback>
+        </mc:AlternateContent>
+        <mc:AlternateContent xmlns:mc="http://schemas.openxmlformats.org/markup-compatibility/2006">
+          <mc:Choice xmlns:p14="http://schemas.microsoft.com/office/powerpoint/2010/main" Requires="p14">
+            <p:contentPart p14:bwMode="auto" r:id="rId124">
+              <p14:nvContentPartPr>
+                <p14:cNvPr id="108" name="Ink 107">
+                  <a:extLst>
+                    <a:ext uri="{FF2B5EF4-FFF2-40B4-BE49-F238E27FC236}">
+                      <a16:creationId xmlns:a16="http://schemas.microsoft.com/office/drawing/2014/main" id="{EE81D460-DE8F-D2E6-A6D7-E44AE9A4DA7E}"/>
+                    </a:ext>
+                  </a:extLst>
+                </p14:cNvPr>
+                <p14:cNvContentPartPr/>
+                <p14:nvPr/>
+              </p14:nvContentPartPr>
+              <p14:xfrm>
+                <a:off x="1719269" y="4684932"/>
+                <a:ext cx="86400" cy="142920"/>
+              </p14:xfrm>
+            </p:contentPart>
+          </mc:Choice>
+          <mc:Fallback>
+            <p:pic>
+              <p:nvPicPr>
+                <p:cNvPr id="108" name="Ink 107">
+                  <a:extLst>
+                    <a:ext uri="{FF2B5EF4-FFF2-40B4-BE49-F238E27FC236}">
+                      <a16:creationId xmlns:a16="http://schemas.microsoft.com/office/drawing/2014/main" id="{EE81D460-DE8F-D2E6-A6D7-E44AE9A4DA7E}"/>
+                    </a:ext>
+                  </a:extLst>
+                </p:cNvPr>
+                <p:cNvPicPr/>
+                <p:nvPr/>
+              </p:nvPicPr>
+              <p:blipFill>
+                <a:blip r:embed="rId125"/>
+                <a:stretch>
+                  <a:fillRect/>
+                </a:stretch>
+              </p:blipFill>
+              <p:spPr>
+                <a:xfrm>
+                  <a:off x="1713149" y="4678812"/>
+                  <a:ext cx="98640" cy="155160"/>
+                </a:xfrm>
+                <a:prstGeom prst="rect">
+                  <a:avLst/>
+                </a:prstGeom>
+              </p:spPr>
+            </p:pic>
+          </mc:Fallback>
+        </mc:AlternateContent>
+      </p:grpSp>
+      <p:grpSp>
+        <p:nvGrpSpPr>
+          <p:cNvPr id="113" name="Group 112">
+            <a:extLst>
+              <a:ext uri="{FF2B5EF4-FFF2-40B4-BE49-F238E27FC236}">
+                <a16:creationId xmlns:a16="http://schemas.microsoft.com/office/drawing/2014/main" id="{4C4C45AF-6FBC-DD34-45D6-2AD209FB1933}"/>
+              </a:ext>
+            </a:extLst>
+          </p:cNvPr>
+          <p:cNvGrpSpPr/>
+          <p:nvPr/>
+        </p:nvGrpSpPr>
+        <p:grpSpPr>
+          <a:xfrm>
+            <a:off x="1974869" y="4430052"/>
+            <a:ext cx="503640" cy="419760"/>
+            <a:chOff x="1974869" y="4430052"/>
+            <a:chExt cx="503640" cy="419760"/>
+          </a:xfrm>
+        </p:grpSpPr>
+        <mc:AlternateContent xmlns:mc="http://schemas.openxmlformats.org/markup-compatibility/2006">
+          <mc:Choice xmlns:p14="http://schemas.microsoft.com/office/powerpoint/2010/main" Requires="p14">
+            <p:contentPart p14:bwMode="auto" r:id="rId126">
+              <p14:nvContentPartPr>
+                <p14:cNvPr id="100" name="Ink 99">
+                  <a:extLst>
+                    <a:ext uri="{FF2B5EF4-FFF2-40B4-BE49-F238E27FC236}">
+                      <a16:creationId xmlns:a16="http://schemas.microsoft.com/office/drawing/2014/main" id="{72ACF456-470B-A1EF-06A4-0A84AE57C313}"/>
+                    </a:ext>
+                  </a:extLst>
+                </p14:cNvPr>
+                <p14:cNvContentPartPr/>
+                <p14:nvPr/>
+              </p14:nvContentPartPr>
+              <p14:xfrm>
+                <a:off x="2312549" y="4717692"/>
+                <a:ext cx="165960" cy="18360"/>
+              </p14:xfrm>
+            </p:contentPart>
+          </mc:Choice>
+          <mc:Fallback>
+            <p:pic>
+              <p:nvPicPr>
+                <p:cNvPr id="100" name="Ink 99">
+                  <a:extLst>
+                    <a:ext uri="{FF2B5EF4-FFF2-40B4-BE49-F238E27FC236}">
+                      <a16:creationId xmlns:a16="http://schemas.microsoft.com/office/drawing/2014/main" id="{72ACF456-470B-A1EF-06A4-0A84AE57C313}"/>
+                    </a:ext>
+                  </a:extLst>
+                </p:cNvPr>
+                <p:cNvPicPr/>
+                <p:nvPr/>
+              </p:nvPicPr>
+              <p:blipFill>
+                <a:blip r:embed="rId127"/>
+                <a:stretch>
+                  <a:fillRect/>
+                </a:stretch>
+              </p:blipFill>
+              <p:spPr>
+                <a:xfrm>
+                  <a:off x="2306429" y="4711572"/>
+                  <a:ext cx="178200" cy="30600"/>
+                </a:xfrm>
+                <a:prstGeom prst="rect">
+                  <a:avLst/>
+                </a:prstGeom>
+              </p:spPr>
+            </p:pic>
+          </mc:Fallback>
+        </mc:AlternateContent>
+        <mc:AlternateContent xmlns:mc="http://schemas.openxmlformats.org/markup-compatibility/2006">
+          <mc:Choice xmlns:p14="http://schemas.microsoft.com/office/powerpoint/2010/main" Requires="p14">
+            <p:contentPart p14:bwMode="auto" r:id="rId128">
+              <p14:nvContentPartPr>
+                <p14:cNvPr id="101" name="Ink 100">
+                  <a:extLst>
+                    <a:ext uri="{FF2B5EF4-FFF2-40B4-BE49-F238E27FC236}">
+                      <a16:creationId xmlns:a16="http://schemas.microsoft.com/office/drawing/2014/main" id="{78C9A403-FE2F-4275-7864-093F04F97FF1}"/>
+                    </a:ext>
+                  </a:extLst>
+                </p14:cNvPr>
+                <p14:cNvContentPartPr/>
+                <p14:nvPr/>
+              </p14:nvContentPartPr>
+              <p14:xfrm>
+                <a:off x="2332709" y="4621212"/>
+                <a:ext cx="139320" cy="4680"/>
+              </p14:xfrm>
+            </p:contentPart>
+          </mc:Choice>
+          <mc:Fallback>
+            <p:pic>
+              <p:nvPicPr>
+                <p:cNvPr id="101" name="Ink 100">
+                  <a:extLst>
+                    <a:ext uri="{FF2B5EF4-FFF2-40B4-BE49-F238E27FC236}">
+                      <a16:creationId xmlns:a16="http://schemas.microsoft.com/office/drawing/2014/main" id="{78C9A403-FE2F-4275-7864-093F04F97FF1}"/>
+                    </a:ext>
+                  </a:extLst>
+                </p:cNvPr>
+                <p:cNvPicPr/>
+                <p:nvPr/>
+              </p:nvPicPr>
+              <p:blipFill>
+                <a:blip r:embed="rId129"/>
+                <a:stretch>
+                  <a:fillRect/>
+                </a:stretch>
+              </p:blipFill>
+              <p:spPr>
+                <a:xfrm>
+                  <a:off x="2326589" y="4615092"/>
+                  <a:ext cx="151560" cy="16920"/>
+                </a:xfrm>
+                <a:prstGeom prst="rect">
+                  <a:avLst/>
+                </a:prstGeom>
+              </p:spPr>
+            </p:pic>
+          </mc:Fallback>
+        </mc:AlternateContent>
+        <mc:AlternateContent xmlns:mc="http://schemas.openxmlformats.org/markup-compatibility/2006">
+          <mc:Choice xmlns:p14="http://schemas.microsoft.com/office/powerpoint/2010/main" Requires="p14">
+            <p:contentPart p14:bwMode="auto" r:id="rId130">
+              <p14:nvContentPartPr>
+                <p14:cNvPr id="110" name="Ink 109">
+                  <a:extLst>
+                    <a:ext uri="{FF2B5EF4-FFF2-40B4-BE49-F238E27FC236}">
+                      <a16:creationId xmlns:a16="http://schemas.microsoft.com/office/drawing/2014/main" id="{4729148B-4792-D19E-7745-3C7649D237DE}"/>
+                    </a:ext>
+                  </a:extLst>
+                </p14:cNvPr>
+                <p14:cNvContentPartPr/>
+                <p14:nvPr/>
+              </p14:nvContentPartPr>
+              <p14:xfrm>
+                <a:off x="1974869" y="4430052"/>
+                <a:ext cx="4680" cy="419760"/>
+              </p14:xfrm>
+            </p:contentPart>
+          </mc:Choice>
+          <mc:Fallback>
+            <p:pic>
+              <p:nvPicPr>
+                <p:cNvPr id="110" name="Ink 109">
+                  <a:extLst>
+                    <a:ext uri="{FF2B5EF4-FFF2-40B4-BE49-F238E27FC236}">
+                      <a16:creationId xmlns:a16="http://schemas.microsoft.com/office/drawing/2014/main" id="{4729148B-4792-D19E-7745-3C7649D237DE}"/>
+                    </a:ext>
+                  </a:extLst>
+                </p:cNvPr>
+                <p:cNvPicPr/>
+                <p:nvPr/>
+              </p:nvPicPr>
+              <p:blipFill>
+                <a:blip r:embed="rId131"/>
+                <a:stretch>
+                  <a:fillRect/>
+                </a:stretch>
+              </p:blipFill>
+              <p:spPr>
+                <a:xfrm>
+                  <a:off x="1968749" y="4423932"/>
+                  <a:ext cx="16920" cy="432000"/>
+                </a:xfrm>
+                <a:prstGeom prst="rect">
+                  <a:avLst/>
+                </a:prstGeom>
+              </p:spPr>
+            </p:pic>
+          </mc:Fallback>
+        </mc:AlternateContent>
+        <mc:AlternateContent xmlns:mc="http://schemas.openxmlformats.org/markup-compatibility/2006">
+          <mc:Choice xmlns:p14="http://schemas.microsoft.com/office/powerpoint/2010/main" Requires="p14">
+            <p:contentPart p14:bwMode="auto" r:id="rId132">
+              <p14:nvContentPartPr>
+                <p14:cNvPr id="111" name="Ink 110">
+                  <a:extLst>
+                    <a:ext uri="{FF2B5EF4-FFF2-40B4-BE49-F238E27FC236}">
+                      <a16:creationId xmlns:a16="http://schemas.microsoft.com/office/drawing/2014/main" id="{34E6522D-414C-1F54-50FF-A143987FC272}"/>
+                    </a:ext>
+                  </a:extLst>
+                </p14:cNvPr>
+                <p14:cNvContentPartPr/>
+                <p14:nvPr/>
+              </p14:nvContentPartPr>
+              <p14:xfrm>
+                <a:off x="2079989" y="4513572"/>
+                <a:ext cx="109440" cy="312120"/>
+              </p14:xfrm>
+            </p:contentPart>
+          </mc:Choice>
+          <mc:Fallback>
+            <p:pic>
+              <p:nvPicPr>
+                <p:cNvPr id="111" name="Ink 110">
+                  <a:extLst>
+                    <a:ext uri="{FF2B5EF4-FFF2-40B4-BE49-F238E27FC236}">
+                      <a16:creationId xmlns:a16="http://schemas.microsoft.com/office/drawing/2014/main" id="{34E6522D-414C-1F54-50FF-A143987FC272}"/>
+                    </a:ext>
+                  </a:extLst>
+                </p:cNvPr>
+                <p:cNvPicPr/>
+                <p:nvPr/>
+              </p:nvPicPr>
+              <p:blipFill>
+                <a:blip r:embed="rId133"/>
+                <a:stretch>
+                  <a:fillRect/>
+                </a:stretch>
+              </p:blipFill>
+              <p:spPr>
+                <a:xfrm>
+                  <a:off x="2073869" y="4507452"/>
+                  <a:ext cx="121680" cy="324360"/>
+                </a:xfrm>
+                <a:prstGeom prst="rect">
+                  <a:avLst/>
+                </a:prstGeom>
+              </p:spPr>
+            </p:pic>
+          </mc:Fallback>
+        </mc:AlternateContent>
+        <mc:AlternateContent xmlns:mc="http://schemas.openxmlformats.org/markup-compatibility/2006">
+          <mc:Choice xmlns:p14="http://schemas.microsoft.com/office/powerpoint/2010/main" Requires="p14">
+            <p:contentPart p14:bwMode="auto" r:id="rId134">
+              <p14:nvContentPartPr>
+                <p14:cNvPr id="112" name="Ink 111">
+                  <a:extLst>
+                    <a:ext uri="{FF2B5EF4-FFF2-40B4-BE49-F238E27FC236}">
+                      <a16:creationId xmlns:a16="http://schemas.microsoft.com/office/drawing/2014/main" id="{333420D1-8B2F-5AA0-42B1-720E206B3E45}"/>
+                    </a:ext>
+                  </a:extLst>
+                </p14:cNvPr>
+                <p14:cNvContentPartPr/>
+                <p14:nvPr/>
+              </p14:nvContentPartPr>
+              <p14:xfrm>
+                <a:off x="2026709" y="4629852"/>
+                <a:ext cx="151920" cy="13680"/>
+              </p14:xfrm>
+            </p:contentPart>
+          </mc:Choice>
+          <mc:Fallback>
+            <p:pic>
+              <p:nvPicPr>
+                <p:cNvPr id="112" name="Ink 111">
+                  <a:extLst>
+                    <a:ext uri="{FF2B5EF4-FFF2-40B4-BE49-F238E27FC236}">
+                      <a16:creationId xmlns:a16="http://schemas.microsoft.com/office/drawing/2014/main" id="{333420D1-8B2F-5AA0-42B1-720E206B3E45}"/>
+                    </a:ext>
+                  </a:extLst>
+                </p:cNvPr>
+                <p:cNvPicPr/>
+                <p:nvPr/>
+              </p:nvPicPr>
+              <p:blipFill>
+                <a:blip r:embed="rId135"/>
+                <a:stretch>
+                  <a:fillRect/>
+                </a:stretch>
+              </p:blipFill>
+              <p:spPr>
+                <a:xfrm>
+                  <a:off x="2020589" y="4623732"/>
+                  <a:ext cx="164160" cy="25920"/>
+                </a:xfrm>
+                <a:prstGeom prst="rect">
+                  <a:avLst/>
+                </a:prstGeom>
+              </p:spPr>
+            </p:pic>
+          </mc:Fallback>
+        </mc:AlternateContent>
+      </p:grpSp>
+    </p:spTree>
+    <p:extLst>
+      <p:ext uri="{BB962C8B-B14F-4D97-AF65-F5344CB8AC3E}">
+        <p14:creationId xmlns:p14="http://schemas.microsoft.com/office/powerpoint/2010/main" val="3913779494"/>
+      </p:ext>
+    </p:extLst>
+  </p:cSld>
+  <p:clrMapOvr>
+    <a:masterClrMapping/>
+  </p:clrMapOvr>
+</p:sld>
+</file>
+
+<file path=ppt/slides/slide41.xml><?xml version="1.0" encoding="utf-8"?>
+<p:sld xmlns:a="http://schemas.openxmlformats.org/drawingml/2006/main" xmlns:r="http://schemas.openxmlformats.org/officeDocument/2006/relationships" xmlns:p="http://schemas.openxmlformats.org/presentationml/2006/main">
+  <p:cSld>
+    <p:spTree>
+      <p:nvGrpSpPr>
+        <p:cNvPr id="1" name=""/>
+        <p:cNvGrpSpPr/>
+        <p:nvPr/>
+      </p:nvGrpSpPr>
+      <p:grpSpPr>
+        <a:xfrm>
+          <a:off x="0" y="0"/>
+          <a:ext cx="0" cy="0"/>
+          <a:chOff x="0" y="0"/>
+          <a:chExt cx="0" cy="0"/>
+        </a:xfrm>
+      </p:grpSpPr>
+      <p:sp>
+        <p:nvSpPr>
+          <p:cNvPr id="2" name="Title 1">
+            <a:extLst>
+              <a:ext uri="{FF2B5EF4-FFF2-40B4-BE49-F238E27FC236}">
+                <a16:creationId xmlns:a16="http://schemas.microsoft.com/office/drawing/2014/main" id="{F27807E7-5C9D-2F13-DA94-E50EC47C9EA9}"/>
+              </a:ext>
+            </a:extLst>
+          </p:cNvPr>
+          <p:cNvSpPr>
+            <a:spLocks noGrp="1"/>
+          </p:cNvSpPr>
+          <p:nvPr>
+            <p:ph type="title"/>
+          </p:nvPr>
+        </p:nvSpPr>
+        <p:spPr/>
+        <p:txBody>
+          <a:bodyPr>
+            <a:normAutofit fontScale="90000"/>
+          </a:bodyPr>
+          <a:lstStyle/>
+          <a:p>
+            <a:r>
+              <a:rPr lang="en-US" dirty="0"/>
+              <a:t>“Traditional” Mathematical Modeling in AI</a:t>
+            </a:r>
+          </a:p>
+        </p:txBody>
+      </p:sp>
+      <p:sp>
+        <p:nvSpPr>
+          <p:cNvPr id="3" name="Content Placeholder 2">
+            <a:extLst>
+              <a:ext uri="{FF2B5EF4-FFF2-40B4-BE49-F238E27FC236}">
+                <a16:creationId xmlns:a16="http://schemas.microsoft.com/office/drawing/2014/main" id="{16C05EC2-0D76-9A66-38E6-ADFFB6E35BC3}"/>
+              </a:ext>
+            </a:extLst>
+          </p:cNvPr>
+          <p:cNvSpPr>
+            <a:spLocks noGrp="1"/>
+          </p:cNvSpPr>
+          <p:nvPr>
+            <p:ph idx="1"/>
+          </p:nvPr>
+        </p:nvSpPr>
+        <p:spPr/>
+        <p:txBody>
+          <a:bodyPr/>
+          <a:lstStyle/>
+          <a:p>
+            <a:r>
+              <a:rPr lang="en-US" sz="2400" dirty="0"/>
+              <a:t>The W0, W1, …. , W6 are called </a:t>
+            </a:r>
+            <a:r>
+              <a:rPr lang="en-US" sz="2400" dirty="0">
+                <a:solidFill>
+                  <a:srgbClr val="FF0000"/>
+                </a:solidFill>
+              </a:rPr>
+              <a:t>“weights”, </a:t>
+            </a:r>
+            <a:r>
+              <a:rPr lang="en-US" sz="2400" dirty="0"/>
+              <a:t>and are not known until we use the input data to determine the best possible values.</a:t>
+            </a:r>
+          </a:p>
+          <a:p>
+            <a:r>
+              <a:rPr lang="en-US" sz="2400" dirty="0"/>
+              <a:t>We use a selection of input data where the results are known (i.e. </a:t>
+            </a:r>
+            <a:r>
+              <a:rPr lang="en-US" sz="2400" dirty="0">
+                <a:solidFill>
+                  <a:srgbClr val="FF0000"/>
+                </a:solidFill>
+              </a:rPr>
+              <a:t>TRUTH values) </a:t>
+            </a:r>
+            <a:r>
+              <a:rPr lang="en-US" sz="2400" dirty="0"/>
+              <a:t>to figure out the best value of the weights to use.  This is called </a:t>
+            </a:r>
+            <a:r>
+              <a:rPr lang="en-US" sz="2400" dirty="0">
+                <a:solidFill>
+                  <a:srgbClr val="FF0000"/>
+                </a:solidFill>
+              </a:rPr>
+              <a:t>“training” </a:t>
+            </a:r>
+            <a:r>
+              <a:rPr lang="en-US" sz="2400" dirty="0"/>
+              <a:t>the AI model!</a:t>
+            </a:r>
+          </a:p>
+          <a:p>
+            <a:r>
+              <a:rPr lang="en-US" sz="2400" dirty="0"/>
+              <a:t>We then ”test” the model by using an additional input data set where the results are known to see how well we did!  This is called the testing phase!</a:t>
+            </a:r>
+          </a:p>
+          <a:p>
+            <a:pPr lvl="1"/>
+            <a:endParaRPr lang="en-US" dirty="0"/>
+          </a:p>
+          <a:p>
+            <a:pPr marL="0" indent="0">
+              <a:buNone/>
+            </a:pPr>
+            <a:endParaRPr lang="en-US" dirty="0"/>
+          </a:p>
+        </p:txBody>
+      </p:sp>
+    </p:spTree>
+    <p:extLst>
+      <p:ext uri="{BB962C8B-B14F-4D97-AF65-F5344CB8AC3E}">
+        <p14:creationId xmlns:p14="http://schemas.microsoft.com/office/powerpoint/2010/main" val="3465407276"/>
+      </p:ext>
+    </p:extLst>
+  </p:cSld>
+  <p:clrMapOvr>
+    <a:masterClrMapping/>
+  </p:clrMapOvr>
+</p:sld>
+</file>
+
+<file path=ppt/slides/slide42.xml><?xml version="1.0" encoding="utf-8"?>
+<p:sld xmlns:a="http://schemas.openxmlformats.org/drawingml/2006/main" xmlns:r="http://schemas.openxmlformats.org/officeDocument/2006/relationships" xmlns:p="http://schemas.openxmlformats.org/presentationml/2006/main">
+  <p:cSld>
+    <p:spTree>
+      <p:nvGrpSpPr>
+        <p:cNvPr id="1" name=""/>
+        <p:cNvGrpSpPr/>
+        <p:nvPr/>
+      </p:nvGrpSpPr>
+      <p:grpSpPr>
+        <a:xfrm>
+          <a:off x="0" y="0"/>
+          <a:ext cx="0" cy="0"/>
+          <a:chOff x="0" y="0"/>
+          <a:chExt cx="0" cy="0"/>
+        </a:xfrm>
+      </p:grpSpPr>
+      <p:sp>
+        <p:nvSpPr>
+          <p:cNvPr id="2" name="Title 1">
+            <a:extLst>
+              <a:ext uri="{FF2B5EF4-FFF2-40B4-BE49-F238E27FC236}">
+                <a16:creationId xmlns:a16="http://schemas.microsoft.com/office/drawing/2014/main" id="{095D417F-3549-2C08-E072-5A36230A2A17}"/>
+              </a:ext>
+            </a:extLst>
+          </p:cNvPr>
+          <p:cNvSpPr>
+            <a:spLocks noGrp="1"/>
+          </p:cNvSpPr>
+          <p:nvPr>
+            <p:ph type="title"/>
+          </p:nvPr>
+        </p:nvSpPr>
+        <p:spPr/>
+        <p:txBody>
+          <a:bodyPr/>
+          <a:lstStyle/>
+          <a:p>
+            <a:r>
+              <a:rPr lang="en-US" dirty="0"/>
+              <a:t>Results</a:t>
+            </a:r>
+          </a:p>
+        </p:txBody>
+      </p:sp>
+      <p:sp>
+        <p:nvSpPr>
+          <p:cNvPr id="3" name="Content Placeholder 2">
+            <a:extLst>
+              <a:ext uri="{FF2B5EF4-FFF2-40B4-BE49-F238E27FC236}">
+                <a16:creationId xmlns:a16="http://schemas.microsoft.com/office/drawing/2014/main" id="{726F5254-EC55-7E04-0437-3CA4796A85A6}"/>
+              </a:ext>
+            </a:extLst>
+          </p:cNvPr>
+          <p:cNvSpPr>
+            <a:spLocks noGrp="1"/>
+          </p:cNvSpPr>
+          <p:nvPr>
+            <p:ph idx="1"/>
+          </p:nvPr>
+        </p:nvSpPr>
+        <p:spPr/>
+        <p:txBody>
+          <a:bodyPr>
+            <a:normAutofit lnSpcReduction="10000"/>
+          </a:bodyPr>
+          <a:lstStyle/>
+          <a:p>
+            <a:r>
+              <a:rPr lang="en-US" dirty="0">
+                <a:solidFill>
+                  <a:srgbClr val="FF0000"/>
+                </a:solidFill>
+              </a:rPr>
+              <a:t>10 input data sets </a:t>
+            </a:r>
+            <a:r>
+              <a:rPr lang="en-US" dirty="0"/>
+              <a:t>with known results</a:t>
+            </a:r>
+          </a:p>
+          <a:p>
+            <a:r>
+              <a:rPr lang="en-US" dirty="0"/>
+              <a:t>W0 = 1.0000, W1 = -0.2500, W2 = -1.0000, W3 = -0.7500, W4 = 1.2500, W5 = 0.0000, W6 = 0.7500</a:t>
+            </a:r>
+          </a:p>
+          <a:p>
+            <a:endParaRPr lang="en-US" dirty="0"/>
+          </a:p>
+          <a:p>
+            <a:r>
+              <a:rPr lang="en-US" dirty="0"/>
+              <a:t>Testing:</a:t>
+            </a:r>
+          </a:p>
+          <a:p>
+            <a:pPr marL="1371400" lvl="5" indent="0">
+              <a:buNone/>
+            </a:pPr>
+            <a:r>
+              <a:rPr lang="en-US" dirty="0"/>
+              <a:t>x    y   v      Result  Predicted Result</a:t>
+            </a:r>
+          </a:p>
+          <a:p>
+            <a:pPr marL="1371400" lvl="5" indent="0">
+              <a:buNone/>
+            </a:pPr>
+            <a:r>
+              <a:rPr lang="en-US" dirty="0"/>
+              <a:t>H  H  H     Win           Win               </a:t>
+            </a:r>
+          </a:p>
+          <a:p>
+            <a:pPr marL="1371400" lvl="5" indent="0">
+              <a:buNone/>
+            </a:pPr>
+            <a:r>
+              <a:rPr lang="en-US" dirty="0"/>
+              <a:t>H  H  T      Win           Win               </a:t>
+            </a:r>
+          </a:p>
+          <a:p>
+            <a:pPr marL="1371400" lvl="5" indent="0">
+              <a:buNone/>
+            </a:pPr>
+            <a:r>
+              <a:rPr lang="en-US" dirty="0"/>
+              <a:t>H  T  H      Lose          </a:t>
+            </a:r>
+            <a:r>
+              <a:rPr lang="en-US" dirty="0">
+                <a:solidFill>
+                  <a:srgbClr val="FF0000"/>
+                </a:solidFill>
+              </a:rPr>
+              <a:t>Win</a:t>
+            </a:r>
+            <a:r>
+              <a:rPr lang="en-US" dirty="0"/>
+              <a:t>              </a:t>
+            </a:r>
+          </a:p>
+          <a:p>
+            <a:pPr marL="1371400" lvl="5" indent="0">
+              <a:buNone/>
+            </a:pPr>
+            <a:r>
+              <a:rPr lang="en-US" dirty="0"/>
+              <a:t>H  T  T       Lose          Lose               </a:t>
+            </a:r>
+          </a:p>
+          <a:p>
+            <a:pPr marL="1371400" lvl="5" indent="0">
+              <a:buNone/>
+            </a:pPr>
+            <a:r>
+              <a:rPr lang="en-US" dirty="0"/>
+              <a:t>T  H  T       Lose          Lose               </a:t>
+            </a:r>
+          </a:p>
+          <a:p>
+            <a:pPr marL="1371400" lvl="5" indent="0">
+              <a:buNone/>
+            </a:pPr>
+            <a:r>
+              <a:rPr lang="en-US" dirty="0"/>
+              <a:t>T  H  T       Lose          Lose               </a:t>
+            </a:r>
+          </a:p>
+          <a:p>
+            <a:pPr marL="1371400" lvl="5" indent="0">
+              <a:buNone/>
+            </a:pPr>
+            <a:r>
+              <a:rPr lang="en-US" dirty="0"/>
+              <a:t>T  T  H       Lose          Lose               </a:t>
+            </a:r>
+          </a:p>
+          <a:p>
+            <a:pPr marL="1371400" lvl="5" indent="0">
+              <a:buNone/>
+            </a:pPr>
+            <a:r>
+              <a:rPr lang="en-US" dirty="0"/>
+              <a:t>T  T  T        Win           Win</a:t>
+            </a:r>
+          </a:p>
+        </p:txBody>
+      </p:sp>
+    </p:spTree>
+    <p:extLst>
+      <p:ext uri="{BB962C8B-B14F-4D97-AF65-F5344CB8AC3E}">
+        <p14:creationId xmlns:p14="http://schemas.microsoft.com/office/powerpoint/2010/main" val="853298118"/>
+      </p:ext>
+    </p:extLst>
+  </p:cSld>
+  <p:clrMapOvr>
+    <a:masterClrMapping/>
+  </p:clrMapOvr>
+</p:sld>
+</file>
+
+<file path=ppt/slides/slide43.xml><?xml version="1.0" encoding="utf-8"?>
+<p:sld xmlns:a="http://schemas.openxmlformats.org/drawingml/2006/main" xmlns:r="http://schemas.openxmlformats.org/officeDocument/2006/relationships" xmlns:p="http://schemas.openxmlformats.org/presentationml/2006/main">
+  <p:cSld>
+    <p:spTree>
+      <p:nvGrpSpPr>
+        <p:cNvPr id="1" name=""/>
+        <p:cNvGrpSpPr/>
+        <p:nvPr/>
+      </p:nvGrpSpPr>
+      <p:grpSpPr>
+        <a:xfrm>
+          <a:off x="0" y="0"/>
+          <a:ext cx="0" cy="0"/>
+          <a:chOff x="0" y="0"/>
+          <a:chExt cx="0" cy="0"/>
+        </a:xfrm>
+      </p:grpSpPr>
+      <p:sp>
+        <p:nvSpPr>
+          <p:cNvPr id="2" name="Title 1">
+            <a:extLst>
+              <a:ext uri="{FF2B5EF4-FFF2-40B4-BE49-F238E27FC236}">
+                <a16:creationId xmlns:a16="http://schemas.microsoft.com/office/drawing/2014/main" id="{095D417F-3549-2C08-E072-5A36230A2A17}"/>
+              </a:ext>
+            </a:extLst>
+          </p:cNvPr>
+          <p:cNvSpPr>
+            <a:spLocks noGrp="1"/>
+          </p:cNvSpPr>
+          <p:nvPr>
+            <p:ph type="title"/>
+          </p:nvPr>
+        </p:nvSpPr>
+        <p:spPr/>
+        <p:txBody>
+          <a:bodyPr/>
+          <a:lstStyle/>
+          <a:p>
+            <a:r>
+              <a:rPr lang="en-US" dirty="0"/>
+              <a:t>Results</a:t>
+            </a:r>
+          </a:p>
+        </p:txBody>
+      </p:sp>
+      <p:sp>
+        <p:nvSpPr>
+          <p:cNvPr id="3" name="Content Placeholder 2">
+            <a:extLst>
+              <a:ext uri="{FF2B5EF4-FFF2-40B4-BE49-F238E27FC236}">
+                <a16:creationId xmlns:a16="http://schemas.microsoft.com/office/drawing/2014/main" id="{726F5254-EC55-7E04-0437-3CA4796A85A6}"/>
+              </a:ext>
+            </a:extLst>
+          </p:cNvPr>
+          <p:cNvSpPr>
+            <a:spLocks noGrp="1"/>
+          </p:cNvSpPr>
+          <p:nvPr>
+            <p:ph idx="1"/>
+          </p:nvPr>
+        </p:nvSpPr>
+        <p:spPr/>
+        <p:txBody>
+          <a:bodyPr>
+            <a:normAutofit lnSpcReduction="10000"/>
+          </a:bodyPr>
+          <a:lstStyle/>
+          <a:p>
+            <a:r>
+              <a:rPr lang="en-US" dirty="0"/>
+              <a:t>100 input data sets with known results</a:t>
+            </a:r>
+          </a:p>
+          <a:p>
+            <a:r>
+              <a:rPr lang="en-US" dirty="0"/>
+              <a:t>W0 = 0.8601, W1 = -0.7063, W2 = -0.7418, W3 = -0.7502, W4 = 1.4480, W5 = 0.4780, W6 = 0.5220</a:t>
+            </a:r>
+          </a:p>
+          <a:p>
+            <a:endParaRPr lang="en-US" dirty="0"/>
+          </a:p>
+          <a:p>
+            <a:r>
+              <a:rPr lang="en-US" dirty="0"/>
+              <a:t>Testing:</a:t>
+            </a:r>
+          </a:p>
+          <a:p>
+            <a:pPr marL="1371400" lvl="5" indent="0">
+              <a:buNone/>
+            </a:pPr>
+            <a:r>
+              <a:rPr lang="en-US" dirty="0"/>
+              <a:t>x    y   v      Result  Predicted Result</a:t>
+            </a:r>
+          </a:p>
+          <a:p>
+            <a:pPr marL="1371400" lvl="5" indent="0">
+              <a:buNone/>
+            </a:pPr>
+            <a:r>
+              <a:rPr lang="en-US" dirty="0"/>
+              <a:t>H  H  H     Win           Win               </a:t>
+            </a:r>
+          </a:p>
+          <a:p>
+            <a:pPr marL="1371400" lvl="5" indent="0">
+              <a:buNone/>
+            </a:pPr>
+            <a:r>
+              <a:rPr lang="en-US" dirty="0"/>
+              <a:t>H  H  T      Win           Win               </a:t>
+            </a:r>
+          </a:p>
+          <a:p>
+            <a:pPr marL="1371400" lvl="5" indent="0">
+              <a:buNone/>
+            </a:pPr>
+            <a:r>
+              <a:rPr lang="en-US" dirty="0"/>
+              <a:t>H  T  H      Lose          Lose              </a:t>
+            </a:r>
+          </a:p>
+          <a:p>
+            <a:pPr marL="1371400" lvl="5" indent="0">
+              <a:buNone/>
+            </a:pPr>
+            <a:r>
+              <a:rPr lang="en-US" dirty="0"/>
+              <a:t>H  T  T       Lose          Lose               </a:t>
+            </a:r>
+          </a:p>
+          <a:p>
+            <a:pPr marL="1371400" lvl="5" indent="0">
+              <a:buNone/>
+            </a:pPr>
+            <a:r>
+              <a:rPr lang="en-US" dirty="0"/>
+              <a:t>T  H  T       Lose          Lose               </a:t>
+            </a:r>
+          </a:p>
+          <a:p>
+            <a:pPr marL="1371400" lvl="5" indent="0">
+              <a:buNone/>
+            </a:pPr>
+            <a:r>
+              <a:rPr lang="en-US" dirty="0"/>
+              <a:t>T  H  T       Lose          Lose               </a:t>
+            </a:r>
+          </a:p>
+          <a:p>
+            <a:pPr marL="1371400" lvl="5" indent="0">
+              <a:buNone/>
+            </a:pPr>
+            <a:r>
+              <a:rPr lang="en-US" dirty="0"/>
+              <a:t>T  T  H       Lose          Lose               </a:t>
+            </a:r>
+          </a:p>
+          <a:p>
+            <a:pPr marL="1371400" lvl="5" indent="0">
+              <a:buNone/>
+            </a:pPr>
+            <a:r>
+              <a:rPr lang="en-US" dirty="0"/>
+              <a:t>T  T  T        Win           Win</a:t>
+            </a:r>
+          </a:p>
+        </p:txBody>
+      </p:sp>
+    </p:spTree>
+    <p:extLst>
+      <p:ext uri="{BB962C8B-B14F-4D97-AF65-F5344CB8AC3E}">
+        <p14:creationId xmlns:p14="http://schemas.microsoft.com/office/powerpoint/2010/main" val="2312570784"/>
+      </p:ext>
+    </p:extLst>
+  </p:cSld>
+  <p:clrMapOvr>
+    <a:masterClrMapping/>
+  </p:clrMapOvr>
+</p:sld>
+</file>
+
+<file path=ppt/slides/slide44.xml><?xml version="1.0" encoding="utf-8"?>
+<p:sld xmlns:a="http://schemas.openxmlformats.org/drawingml/2006/main" xmlns:r="http://schemas.openxmlformats.org/officeDocument/2006/relationships" xmlns:p="http://schemas.openxmlformats.org/presentationml/2006/main">
+  <p:cSld>
+    <p:spTree>
+      <p:nvGrpSpPr>
+        <p:cNvPr id="1" name=""/>
+        <p:cNvGrpSpPr/>
+        <p:nvPr/>
+      </p:nvGrpSpPr>
+      <p:grpSpPr>
+        <a:xfrm>
+          <a:off x="0" y="0"/>
+          <a:ext cx="0" cy="0"/>
+          <a:chOff x="0" y="0"/>
+          <a:chExt cx="0" cy="0"/>
+        </a:xfrm>
+      </p:grpSpPr>
+      <p:sp>
+        <p:nvSpPr>
+          <p:cNvPr id="2" name="Title 1">
+            <a:extLst>
+              <a:ext uri="{FF2B5EF4-FFF2-40B4-BE49-F238E27FC236}">
+                <a16:creationId xmlns:a16="http://schemas.microsoft.com/office/drawing/2014/main" id="{49646C6C-1352-2DA1-C0D5-8076970E7270}"/>
+              </a:ext>
+            </a:extLst>
+          </p:cNvPr>
+          <p:cNvSpPr>
+            <a:spLocks noGrp="1"/>
+          </p:cNvSpPr>
+          <p:nvPr>
+            <p:ph type="title"/>
+          </p:nvPr>
+        </p:nvSpPr>
+        <p:spPr/>
+        <p:txBody>
+          <a:bodyPr/>
+          <a:lstStyle/>
+          <a:p>
+            <a:r>
+              <a:rPr lang="en-US" dirty="0"/>
+              <a:t>Conclusions</a:t>
+            </a:r>
+          </a:p>
+        </p:txBody>
+      </p:sp>
+      <p:sp>
+        <p:nvSpPr>
+          <p:cNvPr id="3" name="Content Placeholder 2">
+            <a:extLst>
+              <a:ext uri="{FF2B5EF4-FFF2-40B4-BE49-F238E27FC236}">
+                <a16:creationId xmlns:a16="http://schemas.microsoft.com/office/drawing/2014/main" id="{B5E46ABD-F10A-09F5-527B-68FCC4B08263}"/>
+              </a:ext>
+            </a:extLst>
+          </p:cNvPr>
+          <p:cNvSpPr>
+            <a:spLocks noGrp="1"/>
+          </p:cNvSpPr>
+          <p:nvPr>
+            <p:ph idx="1"/>
+          </p:nvPr>
+        </p:nvSpPr>
+        <p:spPr/>
+        <p:txBody>
+          <a:bodyPr>
+            <a:normAutofit/>
+          </a:bodyPr>
+          <a:lstStyle/>
+          <a:p>
+            <a:r>
+              <a:rPr lang="en-US" sz="2400" dirty="0"/>
+              <a:t>The </a:t>
+            </a:r>
+            <a:r>
+              <a:rPr lang="en-US" sz="2400" dirty="0">
+                <a:solidFill>
+                  <a:srgbClr val="FF0000"/>
+                </a:solidFill>
+              </a:rPr>
+              <a:t>more input data</a:t>
+            </a:r>
+            <a:r>
+              <a:rPr lang="en-US" sz="2400" dirty="0"/>
+              <a:t> one has for training the model, the better!</a:t>
+            </a:r>
+          </a:p>
+          <a:p>
+            <a:r>
+              <a:rPr lang="en-US" sz="2400" dirty="0"/>
+              <a:t>Most AI models are based on determining an appropriate set of mathematical </a:t>
+            </a:r>
+            <a:r>
+              <a:rPr lang="en-US" sz="2400" dirty="0">
+                <a:solidFill>
+                  <a:srgbClr val="FF0000"/>
+                </a:solidFill>
+              </a:rPr>
+              <a:t>WEIGHTS</a:t>
+            </a:r>
+            <a:r>
+              <a:rPr lang="en-US" sz="2400" dirty="0"/>
+              <a:t> that will be determined from the input data</a:t>
+            </a:r>
+          </a:p>
+          <a:p>
+            <a:r>
+              <a:rPr lang="en-US" sz="2400" dirty="0"/>
+              <a:t>The underlying mathematical models in AI often do not contain ANY sense of what the rules of the game are!  </a:t>
+            </a:r>
+            <a:r>
+              <a:rPr lang="en-US" sz="2400" dirty="0">
+                <a:solidFill>
+                  <a:srgbClr val="FF0000"/>
+                </a:solidFill>
+              </a:rPr>
+              <a:t>They are very generic.</a:t>
+            </a:r>
+          </a:p>
+          <a:p>
+            <a:r>
+              <a:rPr lang="en-US" sz="2400" dirty="0"/>
+              <a:t>In fact, we could come up with a game that had a totally different set of rules and use exactly the same AI model for that game, but just with different WEIGHTS!!!!</a:t>
+            </a:r>
+          </a:p>
+        </p:txBody>
+      </p:sp>
+    </p:spTree>
+    <p:extLst>
+      <p:ext uri="{BB962C8B-B14F-4D97-AF65-F5344CB8AC3E}">
+        <p14:creationId xmlns:p14="http://schemas.microsoft.com/office/powerpoint/2010/main" val="1736517152"/>
       </p:ext>
     </p:extLst>
   </p:cSld>

--- a/JupyterNotebooks/LLS/Lecture2.pptx
+++ b/JupyterNotebooks/LLS/Lecture2.pptx
@@ -4023,6 +4023,90 @@
 </file>
 
 <file path=ppt/notesSlides/notesSlide4.xml><?xml version="1.0" encoding="utf-8"?>
+<p:notes xmlns:a="http://schemas.openxmlformats.org/drawingml/2006/main" xmlns:r="http://schemas.openxmlformats.org/officeDocument/2006/relationships" xmlns:p="http://schemas.openxmlformats.org/presentationml/2006/main">
+  <p:cSld>
+    <p:spTree>
+      <p:nvGrpSpPr>
+        <p:cNvPr id="1" name=""/>
+        <p:cNvGrpSpPr/>
+        <p:nvPr/>
+      </p:nvGrpSpPr>
+      <p:grpSpPr>
+        <a:xfrm>
+          <a:off x="0" y="0"/>
+          <a:ext cx="0" cy="0"/>
+          <a:chOff x="0" y="0"/>
+          <a:chExt cx="0" cy="0"/>
+        </a:xfrm>
+      </p:grpSpPr>
+      <p:sp>
+        <p:nvSpPr>
+          <p:cNvPr id="2" name="Slide Image Placeholder 1"/>
+          <p:cNvSpPr>
+            <a:spLocks noGrp="1" noRot="1" noChangeAspect="1"/>
+          </p:cNvSpPr>
+          <p:nvPr>
+            <p:ph type="sldImg"/>
+          </p:nvPr>
+        </p:nvSpPr>
+        <p:spPr/>
+      </p:sp>
+      <p:sp>
+        <p:nvSpPr>
+          <p:cNvPr id="3" name="Notes Placeholder 2"/>
+          <p:cNvSpPr>
+            <a:spLocks noGrp="1"/>
+          </p:cNvSpPr>
+          <p:nvPr>
+            <p:ph type="body" idx="1"/>
+          </p:nvPr>
+        </p:nvSpPr>
+        <p:spPr/>
+        <p:txBody>
+          <a:bodyPr/>
+          <a:lstStyle/>
+          <a:p>
+            <a:endParaRPr lang="en-US" dirty="0"/>
+          </a:p>
+        </p:txBody>
+      </p:sp>
+      <p:sp>
+        <p:nvSpPr>
+          <p:cNvPr id="4" name="Slide Number Placeholder 3"/>
+          <p:cNvSpPr>
+            <a:spLocks noGrp="1"/>
+          </p:cNvSpPr>
+          <p:nvPr>
+            <p:ph type="sldNum" sz="quarter" idx="5"/>
+          </p:nvPr>
+        </p:nvSpPr>
+        <p:spPr/>
+        <p:txBody>
+          <a:bodyPr/>
+          <a:lstStyle/>
+          <a:p>
+            <a:fld id="{0FEFD86A-3F7B-9E47-9DF1-6D07663F4762}" type="slidenum">
+              <a:rPr lang="en-US" smtClean="0"/>
+              <a:t>34</a:t>
+            </a:fld>
+            <a:endParaRPr lang="en-US"/>
+          </a:p>
+        </p:txBody>
+      </p:sp>
+    </p:spTree>
+    <p:extLst>
+      <p:ext uri="{BB962C8B-B14F-4D97-AF65-F5344CB8AC3E}">
+        <p14:creationId xmlns:p14="http://schemas.microsoft.com/office/powerpoint/2010/main" val="845863964"/>
+      </p:ext>
+    </p:extLst>
+  </p:cSld>
+  <p:clrMapOvr>
+    <a:masterClrMapping/>
+  </p:clrMapOvr>
+</p:notes>
+</file>
+
+<file path=ppt/notesSlides/notesSlide5.xml><?xml version="1.0" encoding="utf-8"?>
 <p:notes xmlns:a="http://schemas.openxmlformats.org/drawingml/2006/main" xmlns:r="http://schemas.openxmlformats.org/officeDocument/2006/relationships" xmlns:p="http://schemas.openxmlformats.org/presentationml/2006/main">
   <p:cSld>
     <p:spTree>
